--- a/doc/Презентация.pptx
+++ b/doc/Презентация.pptx
@@ -2,15 +2,36 @@
 <file path=ppt/presentation.xml><?xml version="1.0" encoding="utf-8"?>
 <p:presentation xmlns:a="http://schemas.openxmlformats.org/drawingml/2006/main" xmlns:r="http://schemas.openxmlformats.org/officeDocument/2006/relationships" xmlns:p="http://schemas.openxmlformats.org/presentationml/2006/main" saveSubsetFonts="1">
   <p:sldMasterIdLst>
-    <p:sldMasterId id="2147483648" r:id="rId1"/>
+    <p:sldMasterId id="2147483696" r:id="rId1"/>
   </p:sldMasterIdLst>
+  <p:notesMasterIdLst>
+    <p:notesMasterId r:id="rId26"/>
+  </p:notesMasterIdLst>
   <p:sldIdLst>
     <p:sldId id="259" r:id="rId2"/>
     <p:sldId id="263" r:id="rId3"/>
     <p:sldId id="257" r:id="rId4"/>
     <p:sldId id="261" r:id="rId5"/>
-    <p:sldId id="265" r:id="rId6"/>
-    <p:sldId id="266" r:id="rId7"/>
+    <p:sldId id="267" r:id="rId6"/>
+    <p:sldId id="268" r:id="rId7"/>
+    <p:sldId id="265" r:id="rId8"/>
+    <p:sldId id="269" r:id="rId9"/>
+    <p:sldId id="271" r:id="rId10"/>
+    <p:sldId id="272" r:id="rId11"/>
+    <p:sldId id="273" r:id="rId12"/>
+    <p:sldId id="270" r:id="rId13"/>
+    <p:sldId id="275" r:id="rId14"/>
+    <p:sldId id="276" r:id="rId15"/>
+    <p:sldId id="277" r:id="rId16"/>
+    <p:sldId id="278" r:id="rId17"/>
+    <p:sldId id="279" r:id="rId18"/>
+    <p:sldId id="280" r:id="rId19"/>
+    <p:sldId id="281" r:id="rId20"/>
+    <p:sldId id="282" r:id="rId21"/>
+    <p:sldId id="283" r:id="rId22"/>
+    <p:sldId id="284" r:id="rId23"/>
+    <p:sldId id="285" r:id="rId24"/>
+    <p:sldId id="286" r:id="rId25"/>
   </p:sldIdLst>
   <p:sldSz cx="12192000" cy="6858000"/>
   <p:notesSz cx="6858000" cy="9144000"/>
@@ -117,7 +138,7 @@
             <a:srgbClr val="A4A3A4"/>
           </p15:clr>
         </p15:guide>
-        <p15:guide id="2" pos="3840" userDrawn="1">
+        <p15:guide id="2" pos="3817" userDrawn="1">
           <p15:clr>
             <a:srgbClr val="A4A3A4"/>
           </p15:clr>
@@ -126,6 +147,356 @@
     </p:ext>
   </p:extLst>
 </p:presentation>
+</file>
+
+<file path=ppt/notesMasters/notesMaster1.xml><?xml version="1.0" encoding="utf-8"?>
+<p:notesMaster xmlns:a="http://schemas.openxmlformats.org/drawingml/2006/main" xmlns:r="http://schemas.openxmlformats.org/officeDocument/2006/relationships" xmlns:p="http://schemas.openxmlformats.org/presentationml/2006/main">
+  <p:cSld>
+    <p:bg>
+      <p:bgRef idx="1001">
+        <a:schemeClr val="bg1"/>
+      </p:bgRef>
+    </p:bg>
+    <p:spTree>
+      <p:nvGrpSpPr>
+        <p:cNvPr id="1" name=""/>
+        <p:cNvGrpSpPr/>
+        <p:nvPr/>
+      </p:nvGrpSpPr>
+      <p:grpSpPr>
+        <a:xfrm>
+          <a:off x="0" y="0"/>
+          <a:ext cx="0" cy="0"/>
+          <a:chOff x="0" y="0"/>
+          <a:chExt cx="0" cy="0"/>
+        </a:xfrm>
+      </p:grpSpPr>
+      <p:sp>
+        <p:nvSpPr>
+          <p:cNvPr id="2" name="Верхний колонтитул 1"/>
+          <p:cNvSpPr>
+            <a:spLocks noGrp="1"/>
+          </p:cNvSpPr>
+          <p:nvPr>
+            <p:ph type="hdr" sz="quarter"/>
+          </p:nvPr>
+        </p:nvSpPr>
+        <p:spPr>
+          <a:xfrm>
+            <a:off x="0" y="0"/>
+            <a:ext cx="2971800" cy="458788"/>
+          </a:xfrm>
+          <a:prstGeom prst="rect">
+            <a:avLst/>
+          </a:prstGeom>
+        </p:spPr>
+        <p:txBody>
+          <a:bodyPr vert="horz" lIns="91440" tIns="45720" rIns="91440" bIns="45720" rtlCol="0"/>
+          <a:lstStyle>
+            <a:lvl1pPr algn="l">
+              <a:defRPr sz="1200"/>
+            </a:lvl1pPr>
+          </a:lstStyle>
+          <a:p>
+            <a:endParaRPr lang="ru-RU"/>
+          </a:p>
+        </p:txBody>
+      </p:sp>
+      <p:sp>
+        <p:nvSpPr>
+          <p:cNvPr id="3" name="Дата 2"/>
+          <p:cNvSpPr>
+            <a:spLocks noGrp="1"/>
+          </p:cNvSpPr>
+          <p:nvPr>
+            <p:ph type="dt" idx="1"/>
+          </p:nvPr>
+        </p:nvSpPr>
+        <p:spPr>
+          <a:xfrm>
+            <a:off x="3884613" y="0"/>
+            <a:ext cx="2971800" cy="458788"/>
+          </a:xfrm>
+          <a:prstGeom prst="rect">
+            <a:avLst/>
+          </a:prstGeom>
+        </p:spPr>
+        <p:txBody>
+          <a:bodyPr vert="horz" lIns="91440" tIns="45720" rIns="91440" bIns="45720" rtlCol="0"/>
+          <a:lstStyle>
+            <a:lvl1pPr algn="r">
+              <a:defRPr sz="1200"/>
+            </a:lvl1pPr>
+          </a:lstStyle>
+          <a:p>
+            <a:fld id="{53F67B50-3593-465B-8E05-F3077E8BEF1C}" type="datetimeFigureOut">
+              <a:rPr lang="ru-RU" smtClean="0"/>
+              <a:t>21.06.2023</a:t>
+            </a:fld>
+            <a:endParaRPr lang="ru-RU"/>
+          </a:p>
+        </p:txBody>
+      </p:sp>
+      <p:sp>
+        <p:nvSpPr>
+          <p:cNvPr id="4" name="Образ слайда 3"/>
+          <p:cNvSpPr>
+            <a:spLocks noGrp="1" noRot="1" noChangeAspect="1"/>
+          </p:cNvSpPr>
+          <p:nvPr>
+            <p:ph type="sldImg" idx="2"/>
+          </p:nvPr>
+        </p:nvSpPr>
+        <p:spPr>
+          <a:xfrm>
+            <a:off x="685800" y="1143000"/>
+            <a:ext cx="5486400" cy="3086100"/>
+          </a:xfrm>
+          <a:prstGeom prst="rect">
+            <a:avLst/>
+          </a:prstGeom>
+          <a:noFill/>
+          <a:ln w="12700">
+            <a:solidFill>
+              <a:prstClr val="black"/>
+            </a:solidFill>
+          </a:ln>
+        </p:spPr>
+        <p:txBody>
+          <a:bodyPr vert="horz" lIns="91440" tIns="45720" rIns="91440" bIns="45720" rtlCol="0" anchor="ctr"/>
+          <a:lstStyle/>
+          <a:p>
+            <a:endParaRPr lang="ru-RU"/>
+          </a:p>
+        </p:txBody>
+      </p:sp>
+      <p:sp>
+        <p:nvSpPr>
+          <p:cNvPr id="5" name="Заметки 4"/>
+          <p:cNvSpPr>
+            <a:spLocks noGrp="1"/>
+          </p:cNvSpPr>
+          <p:nvPr>
+            <p:ph type="body" sz="quarter" idx="3"/>
+          </p:nvPr>
+        </p:nvSpPr>
+        <p:spPr>
+          <a:xfrm>
+            <a:off x="685800" y="4400550"/>
+            <a:ext cx="5486400" cy="3600450"/>
+          </a:xfrm>
+          <a:prstGeom prst="rect">
+            <a:avLst/>
+          </a:prstGeom>
+        </p:spPr>
+        <p:txBody>
+          <a:bodyPr vert="horz" lIns="91440" tIns="45720" rIns="91440" bIns="45720" rtlCol="0"/>
+          <a:lstStyle/>
+          <a:p>
+            <a:pPr lvl="0"/>
+            <a:r>
+              <a:rPr lang="ru-RU" smtClean="0"/>
+              <a:t>Образец текста</a:t>
+            </a:r>
+          </a:p>
+          <a:p>
+            <a:pPr lvl="1"/>
+            <a:r>
+              <a:rPr lang="ru-RU" smtClean="0"/>
+              <a:t>Второй уровень</a:t>
+            </a:r>
+          </a:p>
+          <a:p>
+            <a:pPr lvl="2"/>
+            <a:r>
+              <a:rPr lang="ru-RU" smtClean="0"/>
+              <a:t>Третий уровень</a:t>
+            </a:r>
+          </a:p>
+          <a:p>
+            <a:pPr lvl="3"/>
+            <a:r>
+              <a:rPr lang="ru-RU" smtClean="0"/>
+              <a:t>Четвертый уровень</a:t>
+            </a:r>
+          </a:p>
+          <a:p>
+            <a:pPr lvl="4"/>
+            <a:r>
+              <a:rPr lang="ru-RU" smtClean="0"/>
+              <a:t>Пятый уровень</a:t>
+            </a:r>
+            <a:endParaRPr lang="ru-RU"/>
+          </a:p>
+        </p:txBody>
+      </p:sp>
+      <p:sp>
+        <p:nvSpPr>
+          <p:cNvPr id="6" name="Нижний колонтитул 5"/>
+          <p:cNvSpPr>
+            <a:spLocks noGrp="1"/>
+          </p:cNvSpPr>
+          <p:nvPr>
+            <p:ph type="ftr" sz="quarter" idx="4"/>
+          </p:nvPr>
+        </p:nvSpPr>
+        <p:spPr>
+          <a:xfrm>
+            <a:off x="0" y="8685213"/>
+            <a:ext cx="2971800" cy="458787"/>
+          </a:xfrm>
+          <a:prstGeom prst="rect">
+            <a:avLst/>
+          </a:prstGeom>
+        </p:spPr>
+        <p:txBody>
+          <a:bodyPr vert="horz" lIns="91440" tIns="45720" rIns="91440" bIns="45720" rtlCol="0" anchor="b"/>
+          <a:lstStyle>
+            <a:lvl1pPr algn="l">
+              <a:defRPr sz="1200"/>
+            </a:lvl1pPr>
+          </a:lstStyle>
+          <a:p>
+            <a:endParaRPr lang="ru-RU"/>
+          </a:p>
+        </p:txBody>
+      </p:sp>
+      <p:sp>
+        <p:nvSpPr>
+          <p:cNvPr id="7" name="Номер слайда 6"/>
+          <p:cNvSpPr>
+            <a:spLocks noGrp="1"/>
+          </p:cNvSpPr>
+          <p:nvPr>
+            <p:ph type="sldNum" sz="quarter" idx="5"/>
+          </p:nvPr>
+        </p:nvSpPr>
+        <p:spPr>
+          <a:xfrm>
+            <a:off x="3884613" y="8685213"/>
+            <a:ext cx="2971800" cy="458787"/>
+          </a:xfrm>
+          <a:prstGeom prst="rect">
+            <a:avLst/>
+          </a:prstGeom>
+        </p:spPr>
+        <p:txBody>
+          <a:bodyPr vert="horz" lIns="91440" tIns="45720" rIns="91440" bIns="45720" rtlCol="0" anchor="b"/>
+          <a:lstStyle>
+            <a:lvl1pPr algn="r">
+              <a:defRPr sz="1200"/>
+            </a:lvl1pPr>
+          </a:lstStyle>
+          <a:p>
+            <a:fld id="{4661FA44-83F8-40E2-A5E8-BAE0C4BECE66}" type="slidenum">
+              <a:rPr lang="ru-RU" smtClean="0"/>
+              <a:t>‹#›</a:t>
+            </a:fld>
+            <a:endParaRPr lang="ru-RU"/>
+          </a:p>
+        </p:txBody>
+      </p:sp>
+    </p:spTree>
+    <p:extLst>
+      <p:ext uri="{BB962C8B-B14F-4D97-AF65-F5344CB8AC3E}">
+        <p14:creationId xmlns:p14="http://schemas.microsoft.com/office/powerpoint/2010/main" val="3092299487"/>
+      </p:ext>
+    </p:extLst>
+  </p:cSld>
+  <p:clrMap bg1="lt1" tx1="dk1" bg2="lt2" tx2="dk2" accent1="accent1" accent2="accent2" accent3="accent3" accent4="accent4" accent5="accent5" accent6="accent6" hlink="hlink" folHlink="folHlink"/>
+  <p:notesStyle>
+    <a:lvl1pPr marL="0" algn="l" defTabSz="914400" rtl="0" eaLnBrk="1" latinLnBrk="0" hangingPunct="1">
+      <a:defRPr sz="1200" kern="1200">
+        <a:solidFill>
+          <a:schemeClr val="tx1"/>
+        </a:solidFill>
+        <a:latin typeface="+mn-lt"/>
+        <a:ea typeface="+mn-ea"/>
+        <a:cs typeface="+mn-cs"/>
+      </a:defRPr>
+    </a:lvl1pPr>
+    <a:lvl2pPr marL="457200" algn="l" defTabSz="914400" rtl="0" eaLnBrk="1" latinLnBrk="0" hangingPunct="1">
+      <a:defRPr sz="1200" kern="1200">
+        <a:solidFill>
+          <a:schemeClr val="tx1"/>
+        </a:solidFill>
+        <a:latin typeface="+mn-lt"/>
+        <a:ea typeface="+mn-ea"/>
+        <a:cs typeface="+mn-cs"/>
+      </a:defRPr>
+    </a:lvl2pPr>
+    <a:lvl3pPr marL="914400" algn="l" defTabSz="914400" rtl="0" eaLnBrk="1" latinLnBrk="0" hangingPunct="1">
+      <a:defRPr sz="1200" kern="1200">
+        <a:solidFill>
+          <a:schemeClr val="tx1"/>
+        </a:solidFill>
+        <a:latin typeface="+mn-lt"/>
+        <a:ea typeface="+mn-ea"/>
+        <a:cs typeface="+mn-cs"/>
+      </a:defRPr>
+    </a:lvl3pPr>
+    <a:lvl4pPr marL="1371600" algn="l" defTabSz="914400" rtl="0" eaLnBrk="1" latinLnBrk="0" hangingPunct="1">
+      <a:defRPr sz="1200" kern="1200">
+        <a:solidFill>
+          <a:schemeClr val="tx1"/>
+        </a:solidFill>
+        <a:latin typeface="+mn-lt"/>
+        <a:ea typeface="+mn-ea"/>
+        <a:cs typeface="+mn-cs"/>
+      </a:defRPr>
+    </a:lvl4pPr>
+    <a:lvl5pPr marL="1828800" algn="l" defTabSz="914400" rtl="0" eaLnBrk="1" latinLnBrk="0" hangingPunct="1">
+      <a:defRPr sz="1200" kern="1200">
+        <a:solidFill>
+          <a:schemeClr val="tx1"/>
+        </a:solidFill>
+        <a:latin typeface="+mn-lt"/>
+        <a:ea typeface="+mn-ea"/>
+        <a:cs typeface="+mn-cs"/>
+      </a:defRPr>
+    </a:lvl5pPr>
+    <a:lvl6pPr marL="2286000" algn="l" defTabSz="914400" rtl="0" eaLnBrk="1" latinLnBrk="0" hangingPunct="1">
+      <a:defRPr sz="1200" kern="1200">
+        <a:solidFill>
+          <a:schemeClr val="tx1"/>
+        </a:solidFill>
+        <a:latin typeface="+mn-lt"/>
+        <a:ea typeface="+mn-ea"/>
+        <a:cs typeface="+mn-cs"/>
+      </a:defRPr>
+    </a:lvl6pPr>
+    <a:lvl7pPr marL="2743200" algn="l" defTabSz="914400" rtl="0" eaLnBrk="1" latinLnBrk="0" hangingPunct="1">
+      <a:defRPr sz="1200" kern="1200">
+        <a:solidFill>
+          <a:schemeClr val="tx1"/>
+        </a:solidFill>
+        <a:latin typeface="+mn-lt"/>
+        <a:ea typeface="+mn-ea"/>
+        <a:cs typeface="+mn-cs"/>
+      </a:defRPr>
+    </a:lvl7pPr>
+    <a:lvl8pPr marL="3200400" algn="l" defTabSz="914400" rtl="0" eaLnBrk="1" latinLnBrk="0" hangingPunct="1">
+      <a:defRPr sz="1200" kern="1200">
+        <a:solidFill>
+          <a:schemeClr val="tx1"/>
+        </a:solidFill>
+        <a:latin typeface="+mn-lt"/>
+        <a:ea typeface="+mn-ea"/>
+        <a:cs typeface="+mn-cs"/>
+      </a:defRPr>
+    </a:lvl8pPr>
+    <a:lvl9pPr marL="3657600" algn="l" defTabSz="914400" rtl="0" eaLnBrk="1" latinLnBrk="0" hangingPunct="1">
+      <a:defRPr sz="1200" kern="1200">
+        <a:solidFill>
+          <a:schemeClr val="tx1"/>
+        </a:solidFill>
+        <a:latin typeface="+mn-lt"/>
+        <a:ea typeface="+mn-ea"/>
+        <a:cs typeface="+mn-cs"/>
+      </a:defRPr>
+    </a:lvl9pPr>
+  </p:notesStyle>
+</p:notesMaster>
 </file>
 
 <file path=ppt/slideLayouts/slideLayout1.xml><?xml version="1.0" encoding="utf-8"?>
@@ -145,51 +516,9 @@
           <a:chExt cx="0" cy="0"/>
         </a:xfrm>
       </p:grpSpPr>
-      <p:pic>
-        <p:nvPicPr>
-          <p:cNvPr id="8" name="Рисунок 7">
-            <a:extLst>
-              <a:ext uri="{FF2B5EF4-FFF2-40B4-BE49-F238E27FC236}">
-                <a16:creationId xmlns:a16="http://schemas.microsoft.com/office/drawing/2014/main" id="{3CBD4333-8765-4373-994B-B2C4CD30CA8B}"/>
-              </a:ext>
-            </a:extLst>
-          </p:cNvPr>
-          <p:cNvPicPr>
-            <a:picLocks noChangeAspect="1"/>
-          </p:cNvPicPr>
-          <p:nvPr userDrawn="1"/>
-        </p:nvPicPr>
-        <p:blipFill>
-          <a:blip r:embed="rId2">
-            <a:extLst>
-              <a:ext uri="{28A0092B-C50C-407E-A947-70E740481C1C}">
-                <a14:useLocalDpi xmlns:a14="http://schemas.microsoft.com/office/drawing/2010/main" val="0"/>
-              </a:ext>
-            </a:extLst>
-          </a:blip>
-          <a:stretch>
-            <a:fillRect/>
-          </a:stretch>
-        </p:blipFill>
-        <p:spPr>
-          <a:xfrm>
-            <a:off x="0" y="0"/>
-            <a:ext cx="12192000" cy="6858000"/>
-          </a:xfrm>
-          <a:prstGeom prst="rect">
-            <a:avLst/>
-          </a:prstGeom>
-        </p:spPr>
-      </p:pic>
-      <p:sp>
-        <p:nvSpPr>
-          <p:cNvPr id="2" name="Заголовок 1">
-            <a:extLst>
-              <a:ext uri="{FF2B5EF4-FFF2-40B4-BE49-F238E27FC236}">
-                <a16:creationId xmlns:a16="http://schemas.microsoft.com/office/drawing/2014/main" id="{1202E359-43A8-4663-B374-AFF6F46EDCED}"/>
-              </a:ext>
-            </a:extLst>
-          </p:cNvPr>
+      <p:sp>
+        <p:nvSpPr>
+          <p:cNvPr id="2" name="Заголовок 1"/>
           <p:cNvSpPr>
             <a:spLocks noGrp="1"/>
           </p:cNvSpPr>
@@ -212,21 +541,16 @@
           </a:lstStyle>
           <a:p>
             <a:r>
-              <a:rPr lang="ru-RU"/>
+              <a:rPr lang="ru-RU" smtClean="0"/>
               <a:t>Образец заголовка</a:t>
             </a:r>
-          </a:p>
-        </p:txBody>
-      </p:sp>
-      <p:sp>
-        <p:nvSpPr>
-          <p:cNvPr id="3" name="Подзаголовок 2">
-            <a:extLst>
-              <a:ext uri="{FF2B5EF4-FFF2-40B4-BE49-F238E27FC236}">
-                <a16:creationId xmlns:a16="http://schemas.microsoft.com/office/drawing/2014/main" id="{5F17E991-6BF7-42FB-BD5A-381824A00ABB}"/>
-              </a:ext>
-            </a:extLst>
-          </p:cNvPr>
+            <a:endParaRPr lang="ru-RU"/>
+          </a:p>
+        </p:txBody>
+      </p:sp>
+      <p:sp>
+        <p:nvSpPr>
+          <p:cNvPr id="3" name="Подзаголовок 2"/>
           <p:cNvSpPr>
             <a:spLocks noGrp="1"/>
           </p:cNvSpPr>
@@ -282,21 +606,16 @@
           </a:lstStyle>
           <a:p>
             <a:r>
-              <a:rPr lang="ru-RU"/>
+              <a:rPr lang="ru-RU" smtClean="0"/>
               <a:t>Образец подзаголовка</a:t>
             </a:r>
-          </a:p>
-        </p:txBody>
-      </p:sp>
-      <p:sp>
-        <p:nvSpPr>
-          <p:cNvPr id="4" name="Дата 3">
-            <a:extLst>
-              <a:ext uri="{FF2B5EF4-FFF2-40B4-BE49-F238E27FC236}">
-                <a16:creationId xmlns:a16="http://schemas.microsoft.com/office/drawing/2014/main" id="{AA2ACFB8-7506-482D-B231-C980C2D8F442}"/>
-              </a:ext>
-            </a:extLst>
-          </p:cNvPr>
+            <a:endParaRPr lang="ru-RU"/>
+          </a:p>
+        </p:txBody>
+      </p:sp>
+      <p:sp>
+        <p:nvSpPr>
+          <p:cNvPr id="4" name="Дата 3"/>
           <p:cNvSpPr>
             <a:spLocks noGrp="1"/>
           </p:cNvSpPr>
@@ -309,7 +628,7 @@
           <a:bodyPr/>
           <a:lstStyle/>
           <a:p>
-            <a:fld id="{4BB36F46-D373-4305-8DD8-28FCC05803E0}" type="datetimeFigureOut">
+            <a:fld id="{C9DCE2AC-8B6D-4F59-ADC5-580C4068CC4E}" type="datetime1">
               <a:rPr lang="ru-RU" smtClean="0"/>
               <a:t>21.06.2023</a:t>
             </a:fld>
@@ -319,13 +638,7 @@
       </p:sp>
       <p:sp>
         <p:nvSpPr>
-          <p:cNvPr id="5" name="Нижний колонтитул 4">
-            <a:extLst>
-              <a:ext uri="{FF2B5EF4-FFF2-40B4-BE49-F238E27FC236}">
-                <a16:creationId xmlns:a16="http://schemas.microsoft.com/office/drawing/2014/main" id="{4AC199F4-016C-452B-B92B-FD7594D64FBC}"/>
-              </a:ext>
-            </a:extLst>
-          </p:cNvPr>
+          <p:cNvPr id="5" name="Нижний колонтитул 4"/>
           <p:cNvSpPr>
             <a:spLocks noGrp="1"/>
           </p:cNvSpPr>
@@ -344,13 +657,7 @@
       </p:sp>
       <p:sp>
         <p:nvSpPr>
-          <p:cNvPr id="6" name="Номер слайда 5">
-            <a:extLst>
-              <a:ext uri="{FF2B5EF4-FFF2-40B4-BE49-F238E27FC236}">
-                <a16:creationId xmlns:a16="http://schemas.microsoft.com/office/drawing/2014/main" id="{F234184A-E97B-4C44-A738-C6808DD2D52D}"/>
-              </a:ext>
-            </a:extLst>
-          </p:cNvPr>
+          <p:cNvPr id="6" name="Номер слайда 5"/>
           <p:cNvSpPr>
             <a:spLocks noGrp="1"/>
           </p:cNvSpPr>
@@ -374,7 +681,7 @@
     </p:spTree>
     <p:extLst>
       <p:ext uri="{BB962C8B-B14F-4D97-AF65-F5344CB8AC3E}">
-        <p14:creationId xmlns:p14="http://schemas.microsoft.com/office/powerpoint/2010/main" val="1080576411"/>
+        <p14:creationId xmlns:p14="http://schemas.microsoft.com/office/powerpoint/2010/main" val="2944555401"/>
       </p:ext>
     </p:extLst>
   </p:cSld>
@@ -403,13 +710,7 @@
       </p:grpSpPr>
       <p:sp>
         <p:nvSpPr>
-          <p:cNvPr id="2" name="Заголовок 1">
-            <a:extLst>
-              <a:ext uri="{FF2B5EF4-FFF2-40B4-BE49-F238E27FC236}">
-                <a16:creationId xmlns:a16="http://schemas.microsoft.com/office/drawing/2014/main" id="{83F1E52A-445B-4003-8330-C9C1F8D14313}"/>
-              </a:ext>
-            </a:extLst>
-          </p:cNvPr>
+          <p:cNvPr id="2" name="Заголовок 1"/>
           <p:cNvSpPr>
             <a:spLocks noGrp="1"/>
           </p:cNvSpPr>
@@ -423,21 +724,16 @@
           <a:lstStyle/>
           <a:p>
             <a:r>
-              <a:rPr lang="ru-RU"/>
+              <a:rPr lang="ru-RU" smtClean="0"/>
               <a:t>Образец заголовка</a:t>
             </a:r>
-          </a:p>
-        </p:txBody>
-      </p:sp>
-      <p:sp>
-        <p:nvSpPr>
-          <p:cNvPr id="3" name="Вертикальный текст 2">
-            <a:extLst>
-              <a:ext uri="{FF2B5EF4-FFF2-40B4-BE49-F238E27FC236}">
-                <a16:creationId xmlns:a16="http://schemas.microsoft.com/office/drawing/2014/main" id="{16384515-B604-4B81-958B-46C790F03C1C}"/>
-              </a:ext>
-            </a:extLst>
-          </p:cNvPr>
+            <a:endParaRPr lang="ru-RU"/>
+          </a:p>
+        </p:txBody>
+      </p:sp>
+      <p:sp>
+        <p:nvSpPr>
+          <p:cNvPr id="3" name="Вертикальный текст 2"/>
           <p:cNvSpPr>
             <a:spLocks noGrp="1"/>
           </p:cNvSpPr>
@@ -452,49 +748,44 @@
           <a:p>
             <a:pPr lvl="0"/>
             <a:r>
-              <a:rPr lang="ru-RU"/>
+              <a:rPr lang="ru-RU" smtClean="0"/>
               <a:t>Образец текста</a:t>
             </a:r>
           </a:p>
           <a:p>
             <a:pPr lvl="1"/>
             <a:r>
-              <a:rPr lang="ru-RU"/>
+              <a:rPr lang="ru-RU" smtClean="0"/>
               <a:t>Второй уровень</a:t>
             </a:r>
           </a:p>
           <a:p>
             <a:pPr lvl="2"/>
             <a:r>
-              <a:rPr lang="ru-RU"/>
+              <a:rPr lang="ru-RU" smtClean="0"/>
               <a:t>Третий уровень</a:t>
             </a:r>
           </a:p>
           <a:p>
             <a:pPr lvl="3"/>
             <a:r>
-              <a:rPr lang="ru-RU"/>
+              <a:rPr lang="ru-RU" smtClean="0"/>
               <a:t>Четвертый уровень</a:t>
             </a:r>
           </a:p>
           <a:p>
             <a:pPr lvl="4"/>
             <a:r>
-              <a:rPr lang="ru-RU"/>
+              <a:rPr lang="ru-RU" smtClean="0"/>
               <a:t>Пятый уровень</a:t>
             </a:r>
-          </a:p>
-        </p:txBody>
-      </p:sp>
-      <p:sp>
-        <p:nvSpPr>
-          <p:cNvPr id="4" name="Дата 3">
-            <a:extLst>
-              <a:ext uri="{FF2B5EF4-FFF2-40B4-BE49-F238E27FC236}">
-                <a16:creationId xmlns:a16="http://schemas.microsoft.com/office/drawing/2014/main" id="{99575CF8-AA8A-4D65-81AB-92AA624C8F59}"/>
-              </a:ext>
-            </a:extLst>
-          </p:cNvPr>
+            <a:endParaRPr lang="ru-RU"/>
+          </a:p>
+        </p:txBody>
+      </p:sp>
+      <p:sp>
+        <p:nvSpPr>
+          <p:cNvPr id="4" name="Дата 3"/>
           <p:cNvSpPr>
             <a:spLocks noGrp="1"/>
           </p:cNvSpPr>
@@ -507,7 +798,7 @@
           <a:bodyPr/>
           <a:lstStyle/>
           <a:p>
-            <a:fld id="{4BB36F46-D373-4305-8DD8-28FCC05803E0}" type="datetimeFigureOut">
+            <a:fld id="{04FCA4F6-681F-4847-A1E6-3A47C30CF8FF}" type="datetime1">
               <a:rPr lang="ru-RU" smtClean="0"/>
               <a:t>21.06.2023</a:t>
             </a:fld>
@@ -517,13 +808,7 @@
       </p:sp>
       <p:sp>
         <p:nvSpPr>
-          <p:cNvPr id="5" name="Нижний колонтитул 4">
-            <a:extLst>
-              <a:ext uri="{FF2B5EF4-FFF2-40B4-BE49-F238E27FC236}">
-                <a16:creationId xmlns:a16="http://schemas.microsoft.com/office/drawing/2014/main" id="{D10C2321-D046-43DC-822E-2B925CBA5683}"/>
-              </a:ext>
-            </a:extLst>
-          </p:cNvPr>
+          <p:cNvPr id="5" name="Нижний колонтитул 4"/>
           <p:cNvSpPr>
             <a:spLocks noGrp="1"/>
           </p:cNvSpPr>
@@ -542,13 +827,7 @@
       </p:sp>
       <p:sp>
         <p:nvSpPr>
-          <p:cNvPr id="6" name="Номер слайда 5">
-            <a:extLst>
-              <a:ext uri="{FF2B5EF4-FFF2-40B4-BE49-F238E27FC236}">
-                <a16:creationId xmlns:a16="http://schemas.microsoft.com/office/drawing/2014/main" id="{E1DF8C07-8301-4549-A144-486E743A5E06}"/>
-              </a:ext>
-            </a:extLst>
-          </p:cNvPr>
+          <p:cNvPr id="6" name="Номер слайда 5"/>
           <p:cNvSpPr>
             <a:spLocks noGrp="1"/>
           </p:cNvSpPr>
@@ -572,7 +851,7 @@
     </p:spTree>
     <p:extLst>
       <p:ext uri="{BB962C8B-B14F-4D97-AF65-F5344CB8AC3E}">
-        <p14:creationId xmlns:p14="http://schemas.microsoft.com/office/powerpoint/2010/main" val="2408389369"/>
+        <p14:creationId xmlns:p14="http://schemas.microsoft.com/office/powerpoint/2010/main" val="833935375"/>
       </p:ext>
     </p:extLst>
   </p:cSld>
@@ -601,13 +880,7 @@
       </p:grpSpPr>
       <p:sp>
         <p:nvSpPr>
-          <p:cNvPr id="2" name="Вертикальный заголовок 1">
-            <a:extLst>
-              <a:ext uri="{FF2B5EF4-FFF2-40B4-BE49-F238E27FC236}">
-                <a16:creationId xmlns:a16="http://schemas.microsoft.com/office/drawing/2014/main" id="{D57117D0-51FF-462F-87A5-8F763DB29BAC}"/>
-              </a:ext>
-            </a:extLst>
-          </p:cNvPr>
+          <p:cNvPr id="2" name="Вертикальный заголовок 1"/>
           <p:cNvSpPr>
             <a:spLocks noGrp="1"/>
           </p:cNvSpPr>
@@ -626,21 +899,16 @@
           <a:lstStyle/>
           <a:p>
             <a:r>
-              <a:rPr lang="ru-RU"/>
+              <a:rPr lang="ru-RU" smtClean="0"/>
               <a:t>Образец заголовка</a:t>
             </a:r>
-          </a:p>
-        </p:txBody>
-      </p:sp>
-      <p:sp>
-        <p:nvSpPr>
-          <p:cNvPr id="3" name="Вертикальный текст 2">
-            <a:extLst>
-              <a:ext uri="{FF2B5EF4-FFF2-40B4-BE49-F238E27FC236}">
-                <a16:creationId xmlns:a16="http://schemas.microsoft.com/office/drawing/2014/main" id="{31F9D19D-DDD9-442E-A974-5F562456FF41}"/>
-              </a:ext>
-            </a:extLst>
-          </p:cNvPr>
+            <a:endParaRPr lang="ru-RU"/>
+          </a:p>
+        </p:txBody>
+      </p:sp>
+      <p:sp>
+        <p:nvSpPr>
+          <p:cNvPr id="3" name="Вертикальный текст 2"/>
           <p:cNvSpPr>
             <a:spLocks noGrp="1"/>
           </p:cNvSpPr>
@@ -660,49 +928,44 @@
           <a:p>
             <a:pPr lvl="0"/>
             <a:r>
-              <a:rPr lang="ru-RU"/>
+              <a:rPr lang="ru-RU" smtClean="0"/>
               <a:t>Образец текста</a:t>
             </a:r>
           </a:p>
           <a:p>
             <a:pPr lvl="1"/>
             <a:r>
-              <a:rPr lang="ru-RU"/>
+              <a:rPr lang="ru-RU" smtClean="0"/>
               <a:t>Второй уровень</a:t>
             </a:r>
           </a:p>
           <a:p>
             <a:pPr lvl="2"/>
             <a:r>
-              <a:rPr lang="ru-RU"/>
+              <a:rPr lang="ru-RU" smtClean="0"/>
               <a:t>Третий уровень</a:t>
             </a:r>
           </a:p>
           <a:p>
             <a:pPr lvl="3"/>
             <a:r>
-              <a:rPr lang="ru-RU"/>
+              <a:rPr lang="ru-RU" smtClean="0"/>
               <a:t>Четвертый уровень</a:t>
             </a:r>
           </a:p>
           <a:p>
             <a:pPr lvl="4"/>
             <a:r>
-              <a:rPr lang="ru-RU"/>
+              <a:rPr lang="ru-RU" smtClean="0"/>
               <a:t>Пятый уровень</a:t>
             </a:r>
-          </a:p>
-        </p:txBody>
-      </p:sp>
-      <p:sp>
-        <p:nvSpPr>
-          <p:cNvPr id="4" name="Дата 3">
-            <a:extLst>
-              <a:ext uri="{FF2B5EF4-FFF2-40B4-BE49-F238E27FC236}">
-                <a16:creationId xmlns:a16="http://schemas.microsoft.com/office/drawing/2014/main" id="{2D332ADB-FF6B-4182-A33F-F14AA33DE477}"/>
-              </a:ext>
-            </a:extLst>
-          </p:cNvPr>
+            <a:endParaRPr lang="ru-RU"/>
+          </a:p>
+        </p:txBody>
+      </p:sp>
+      <p:sp>
+        <p:nvSpPr>
+          <p:cNvPr id="4" name="Дата 3"/>
           <p:cNvSpPr>
             <a:spLocks noGrp="1"/>
           </p:cNvSpPr>
@@ -715,7 +978,7 @@
           <a:bodyPr/>
           <a:lstStyle/>
           <a:p>
-            <a:fld id="{4BB36F46-D373-4305-8DD8-28FCC05803E0}" type="datetimeFigureOut">
+            <a:fld id="{AD55B6C8-B7BB-4485-A3F7-A9CBD3EC821A}" type="datetime1">
               <a:rPr lang="ru-RU" smtClean="0"/>
               <a:t>21.06.2023</a:t>
             </a:fld>
@@ -725,13 +988,7 @@
       </p:sp>
       <p:sp>
         <p:nvSpPr>
-          <p:cNvPr id="5" name="Нижний колонтитул 4">
-            <a:extLst>
-              <a:ext uri="{FF2B5EF4-FFF2-40B4-BE49-F238E27FC236}">
-                <a16:creationId xmlns:a16="http://schemas.microsoft.com/office/drawing/2014/main" id="{4DC536EC-5EE7-4A1D-AB65-56333D74EACC}"/>
-              </a:ext>
-            </a:extLst>
-          </p:cNvPr>
+          <p:cNvPr id="5" name="Нижний колонтитул 4"/>
           <p:cNvSpPr>
             <a:spLocks noGrp="1"/>
           </p:cNvSpPr>
@@ -750,13 +1007,7 @@
       </p:sp>
       <p:sp>
         <p:nvSpPr>
-          <p:cNvPr id="6" name="Номер слайда 5">
-            <a:extLst>
-              <a:ext uri="{FF2B5EF4-FFF2-40B4-BE49-F238E27FC236}">
-                <a16:creationId xmlns:a16="http://schemas.microsoft.com/office/drawing/2014/main" id="{12528C87-E0CC-4401-80B2-1A5FE0BC3509}"/>
-              </a:ext>
-            </a:extLst>
-          </p:cNvPr>
+          <p:cNvPr id="6" name="Номер слайда 5"/>
           <p:cNvSpPr>
             <a:spLocks noGrp="1"/>
           </p:cNvSpPr>
@@ -780,7 +1031,7 @@
     </p:spTree>
     <p:extLst>
       <p:ext uri="{BB962C8B-B14F-4D97-AF65-F5344CB8AC3E}">
-        <p14:creationId xmlns:p14="http://schemas.microsoft.com/office/powerpoint/2010/main" val="395987445"/>
+        <p14:creationId xmlns:p14="http://schemas.microsoft.com/office/powerpoint/2010/main" val="1609584291"/>
       </p:ext>
     </p:extLst>
   </p:cSld>
@@ -809,13 +1060,7 @@
       </p:grpSpPr>
       <p:sp>
         <p:nvSpPr>
-          <p:cNvPr id="2" name="Заголовок 1">
-            <a:extLst>
-              <a:ext uri="{FF2B5EF4-FFF2-40B4-BE49-F238E27FC236}">
-                <a16:creationId xmlns:a16="http://schemas.microsoft.com/office/drawing/2014/main" id="{36E1CE25-4CC8-4524-BC78-945C03B81B67}"/>
-              </a:ext>
-            </a:extLst>
-          </p:cNvPr>
+          <p:cNvPr id="2" name="Заголовок 1"/>
           <p:cNvSpPr>
             <a:spLocks noGrp="1"/>
           </p:cNvSpPr>
@@ -829,21 +1074,16 @@
           <a:lstStyle/>
           <a:p>
             <a:r>
-              <a:rPr lang="ru-RU"/>
+              <a:rPr lang="ru-RU" smtClean="0"/>
               <a:t>Образец заголовка</a:t>
             </a:r>
-          </a:p>
-        </p:txBody>
-      </p:sp>
-      <p:sp>
-        <p:nvSpPr>
-          <p:cNvPr id="3" name="Объект 2">
-            <a:extLst>
-              <a:ext uri="{FF2B5EF4-FFF2-40B4-BE49-F238E27FC236}">
-                <a16:creationId xmlns:a16="http://schemas.microsoft.com/office/drawing/2014/main" id="{8A62EFDD-9C97-4DFA-B7EF-AA3097E58572}"/>
-              </a:ext>
-            </a:extLst>
-          </p:cNvPr>
+            <a:endParaRPr lang="ru-RU"/>
+          </a:p>
+        </p:txBody>
+      </p:sp>
+      <p:sp>
+        <p:nvSpPr>
+          <p:cNvPr id="3" name="Объект 2"/>
           <p:cNvSpPr>
             <a:spLocks noGrp="1"/>
           </p:cNvSpPr>
@@ -858,49 +1098,44 @@
           <a:p>
             <a:pPr lvl="0"/>
             <a:r>
-              <a:rPr lang="ru-RU"/>
+              <a:rPr lang="ru-RU" dirty="0" smtClean="0"/>
               <a:t>Образец текста</a:t>
             </a:r>
           </a:p>
           <a:p>
             <a:pPr lvl="1"/>
             <a:r>
-              <a:rPr lang="ru-RU"/>
+              <a:rPr lang="ru-RU" dirty="0" smtClean="0"/>
               <a:t>Второй уровень</a:t>
             </a:r>
           </a:p>
           <a:p>
             <a:pPr lvl="2"/>
             <a:r>
-              <a:rPr lang="ru-RU"/>
+              <a:rPr lang="ru-RU" dirty="0" smtClean="0"/>
               <a:t>Третий уровень</a:t>
             </a:r>
           </a:p>
           <a:p>
             <a:pPr lvl="3"/>
             <a:r>
-              <a:rPr lang="ru-RU"/>
+              <a:rPr lang="ru-RU" dirty="0" smtClean="0"/>
               <a:t>Четвертый уровень</a:t>
             </a:r>
           </a:p>
           <a:p>
             <a:pPr lvl="4"/>
             <a:r>
-              <a:rPr lang="ru-RU"/>
+              <a:rPr lang="ru-RU" dirty="0" smtClean="0"/>
               <a:t>Пятый уровень</a:t>
             </a:r>
-          </a:p>
-        </p:txBody>
-      </p:sp>
-      <p:sp>
-        <p:nvSpPr>
-          <p:cNvPr id="4" name="Дата 3">
-            <a:extLst>
-              <a:ext uri="{FF2B5EF4-FFF2-40B4-BE49-F238E27FC236}">
-                <a16:creationId xmlns:a16="http://schemas.microsoft.com/office/drawing/2014/main" id="{2211039C-F79B-42AD-9BEE-8CAB91121368}"/>
-              </a:ext>
-            </a:extLst>
-          </p:cNvPr>
+            <a:endParaRPr lang="ru-RU" dirty="0"/>
+          </a:p>
+        </p:txBody>
+      </p:sp>
+      <p:sp>
+        <p:nvSpPr>
+          <p:cNvPr id="4" name="Дата 3"/>
           <p:cNvSpPr>
             <a:spLocks noGrp="1"/>
           </p:cNvSpPr>
@@ -913,7 +1148,7 @@
           <a:bodyPr/>
           <a:lstStyle/>
           <a:p>
-            <a:fld id="{4BB36F46-D373-4305-8DD8-28FCC05803E0}" type="datetimeFigureOut">
+            <a:fld id="{51F6105C-486F-4D8C-B81F-EB742DF4A855}" type="datetime1">
               <a:rPr lang="ru-RU" smtClean="0"/>
               <a:t>21.06.2023</a:t>
             </a:fld>
@@ -923,13 +1158,7 @@
       </p:sp>
       <p:sp>
         <p:nvSpPr>
-          <p:cNvPr id="5" name="Нижний колонтитул 4">
-            <a:extLst>
-              <a:ext uri="{FF2B5EF4-FFF2-40B4-BE49-F238E27FC236}">
-                <a16:creationId xmlns:a16="http://schemas.microsoft.com/office/drawing/2014/main" id="{A35B3BBB-379E-452D-98B8-D8F092976872}"/>
-              </a:ext>
-            </a:extLst>
-          </p:cNvPr>
+          <p:cNvPr id="5" name="Нижний колонтитул 4"/>
           <p:cNvSpPr>
             <a:spLocks noGrp="1"/>
           </p:cNvSpPr>
@@ -948,13 +1177,7 @@
       </p:sp>
       <p:sp>
         <p:nvSpPr>
-          <p:cNvPr id="6" name="Номер слайда 5">
-            <a:extLst>
-              <a:ext uri="{FF2B5EF4-FFF2-40B4-BE49-F238E27FC236}">
-                <a16:creationId xmlns:a16="http://schemas.microsoft.com/office/drawing/2014/main" id="{FEB9BBEE-97C2-4DE1-9006-388B69B184F1}"/>
-              </a:ext>
-            </a:extLst>
-          </p:cNvPr>
+          <p:cNvPr id="6" name="Номер слайда 5"/>
           <p:cNvSpPr>
             <a:spLocks noGrp="1"/>
           </p:cNvSpPr>
@@ -965,20 +1188,31 @@
         <p:spPr/>
         <p:txBody>
           <a:bodyPr/>
-          <a:lstStyle/>
+          <a:lstStyle>
+            <a:lvl1pPr>
+              <a:defRPr sz="2400">
+                <a:solidFill>
+                  <a:schemeClr val="tx1"/>
+                </a:solidFill>
+                <a:latin typeface="Times New Roman" panose="02020603050405020304" pitchFamily="18" charset="0"/>
+                <a:cs typeface="Times New Roman" panose="02020603050405020304" pitchFamily="18" charset="0"/>
+              </a:defRPr>
+            </a:lvl1pPr>
+          </a:lstStyle>
           <a:p>
             <a:fld id="{D1EC1024-499E-4324-A73D-2CC3F9B7708C}" type="slidenum">
               <a:rPr lang="ru-RU" smtClean="0"/>
+              <a:pPr/>
               <a:t>‹#›</a:t>
             </a:fld>
-            <a:endParaRPr lang="ru-RU"/>
+            <a:endParaRPr lang="ru-RU" dirty="0"/>
           </a:p>
         </p:txBody>
       </p:sp>
     </p:spTree>
     <p:extLst>
       <p:ext uri="{BB962C8B-B14F-4D97-AF65-F5344CB8AC3E}">
-        <p14:creationId xmlns:p14="http://schemas.microsoft.com/office/powerpoint/2010/main" val="3433808635"/>
+        <p14:creationId xmlns:p14="http://schemas.microsoft.com/office/powerpoint/2010/main" val="1573956505"/>
       </p:ext>
     </p:extLst>
   </p:cSld>
@@ -1007,13 +1241,7 @@
       </p:grpSpPr>
       <p:sp>
         <p:nvSpPr>
-          <p:cNvPr id="2" name="Заголовок 1">
-            <a:extLst>
-              <a:ext uri="{FF2B5EF4-FFF2-40B4-BE49-F238E27FC236}">
-                <a16:creationId xmlns:a16="http://schemas.microsoft.com/office/drawing/2014/main" id="{BCD1288A-C689-4F3C-A5D6-7DFC82AEC2D0}"/>
-              </a:ext>
-            </a:extLst>
-          </p:cNvPr>
+          <p:cNvPr id="2" name="Заголовок 1"/>
           <p:cNvSpPr>
             <a:spLocks noGrp="1"/>
           </p:cNvSpPr>
@@ -1036,21 +1264,16 @@
           </a:lstStyle>
           <a:p>
             <a:r>
-              <a:rPr lang="ru-RU"/>
+              <a:rPr lang="ru-RU" smtClean="0"/>
               <a:t>Образец заголовка</a:t>
             </a:r>
-          </a:p>
-        </p:txBody>
-      </p:sp>
-      <p:sp>
-        <p:nvSpPr>
-          <p:cNvPr id="3" name="Текст 2">
-            <a:extLst>
-              <a:ext uri="{FF2B5EF4-FFF2-40B4-BE49-F238E27FC236}">
-                <a16:creationId xmlns:a16="http://schemas.microsoft.com/office/drawing/2014/main" id="{201F03C4-D983-4605-8DDC-22969BB07055}"/>
-              </a:ext>
-            </a:extLst>
-          </p:cNvPr>
+            <a:endParaRPr lang="ru-RU"/>
+          </a:p>
+        </p:txBody>
+      </p:sp>
+      <p:sp>
+        <p:nvSpPr>
+          <p:cNvPr id="3" name="Текст 2"/>
           <p:cNvSpPr>
             <a:spLocks noGrp="1"/>
           </p:cNvSpPr>
@@ -1161,7 +1384,7 @@
           <a:p>
             <a:pPr lvl="0"/>
             <a:r>
-              <a:rPr lang="ru-RU"/>
+              <a:rPr lang="ru-RU" smtClean="0"/>
               <a:t>Образец текста</a:t>
             </a:r>
           </a:p>
@@ -1169,13 +1392,7 @@
       </p:sp>
       <p:sp>
         <p:nvSpPr>
-          <p:cNvPr id="4" name="Дата 3">
-            <a:extLst>
-              <a:ext uri="{FF2B5EF4-FFF2-40B4-BE49-F238E27FC236}">
-                <a16:creationId xmlns:a16="http://schemas.microsoft.com/office/drawing/2014/main" id="{502F1836-FDAE-4D30-9F24-CA0C31656DA9}"/>
-              </a:ext>
-            </a:extLst>
-          </p:cNvPr>
+          <p:cNvPr id="4" name="Дата 3"/>
           <p:cNvSpPr>
             <a:spLocks noGrp="1"/>
           </p:cNvSpPr>
@@ -1188,7 +1405,7 @@
           <a:bodyPr/>
           <a:lstStyle/>
           <a:p>
-            <a:fld id="{4BB36F46-D373-4305-8DD8-28FCC05803E0}" type="datetimeFigureOut">
+            <a:fld id="{2F5B6E65-77DF-44C9-8B9B-6D3A70E0AD6A}" type="datetime1">
               <a:rPr lang="ru-RU" smtClean="0"/>
               <a:t>21.06.2023</a:t>
             </a:fld>
@@ -1198,13 +1415,7 @@
       </p:sp>
       <p:sp>
         <p:nvSpPr>
-          <p:cNvPr id="5" name="Нижний колонтитул 4">
-            <a:extLst>
-              <a:ext uri="{FF2B5EF4-FFF2-40B4-BE49-F238E27FC236}">
-                <a16:creationId xmlns:a16="http://schemas.microsoft.com/office/drawing/2014/main" id="{D2B648A3-3C2E-4580-86E1-FF7C49CF33B3}"/>
-              </a:ext>
-            </a:extLst>
-          </p:cNvPr>
+          <p:cNvPr id="5" name="Нижний колонтитул 4"/>
           <p:cNvSpPr>
             <a:spLocks noGrp="1"/>
           </p:cNvSpPr>
@@ -1223,13 +1434,7 @@
       </p:sp>
       <p:sp>
         <p:nvSpPr>
-          <p:cNvPr id="6" name="Номер слайда 5">
-            <a:extLst>
-              <a:ext uri="{FF2B5EF4-FFF2-40B4-BE49-F238E27FC236}">
-                <a16:creationId xmlns:a16="http://schemas.microsoft.com/office/drawing/2014/main" id="{9198BB75-5A23-4C9E-A6FC-F0D5409014E7}"/>
-              </a:ext>
-            </a:extLst>
-          </p:cNvPr>
+          <p:cNvPr id="6" name="Номер слайда 5"/>
           <p:cNvSpPr>
             <a:spLocks noGrp="1"/>
           </p:cNvSpPr>
@@ -1253,7 +1458,7 @@
     </p:spTree>
     <p:extLst>
       <p:ext uri="{BB962C8B-B14F-4D97-AF65-F5344CB8AC3E}">
-        <p14:creationId xmlns:p14="http://schemas.microsoft.com/office/powerpoint/2010/main" val="3508369684"/>
+        <p14:creationId xmlns:p14="http://schemas.microsoft.com/office/powerpoint/2010/main" val="151540376"/>
       </p:ext>
     </p:extLst>
   </p:cSld>
@@ -1282,13 +1487,7 @@
       </p:grpSpPr>
       <p:sp>
         <p:nvSpPr>
-          <p:cNvPr id="2" name="Заголовок 1">
-            <a:extLst>
-              <a:ext uri="{FF2B5EF4-FFF2-40B4-BE49-F238E27FC236}">
-                <a16:creationId xmlns:a16="http://schemas.microsoft.com/office/drawing/2014/main" id="{D90E8138-14BB-479F-8605-6229E0BBB09D}"/>
-              </a:ext>
-            </a:extLst>
-          </p:cNvPr>
+          <p:cNvPr id="2" name="Заголовок 1"/>
           <p:cNvSpPr>
             <a:spLocks noGrp="1"/>
           </p:cNvSpPr>
@@ -1302,21 +1501,16 @@
           <a:lstStyle/>
           <a:p>
             <a:r>
-              <a:rPr lang="ru-RU"/>
+              <a:rPr lang="ru-RU" smtClean="0"/>
               <a:t>Образец заголовка</a:t>
             </a:r>
-          </a:p>
-        </p:txBody>
-      </p:sp>
-      <p:sp>
-        <p:nvSpPr>
-          <p:cNvPr id="3" name="Объект 2">
-            <a:extLst>
-              <a:ext uri="{FF2B5EF4-FFF2-40B4-BE49-F238E27FC236}">
-                <a16:creationId xmlns:a16="http://schemas.microsoft.com/office/drawing/2014/main" id="{8C12C7E9-342B-4821-B80C-A1735E154F6E}"/>
-              </a:ext>
-            </a:extLst>
-          </p:cNvPr>
+            <a:endParaRPr lang="ru-RU"/>
+          </a:p>
+        </p:txBody>
+      </p:sp>
+      <p:sp>
+        <p:nvSpPr>
+          <p:cNvPr id="3" name="Объект 2"/>
           <p:cNvSpPr>
             <a:spLocks noGrp="1"/>
           </p:cNvSpPr>
@@ -1336,49 +1530,44 @@
           <a:p>
             <a:pPr lvl="0"/>
             <a:r>
-              <a:rPr lang="ru-RU"/>
+              <a:rPr lang="ru-RU" smtClean="0"/>
               <a:t>Образец текста</a:t>
             </a:r>
           </a:p>
           <a:p>
             <a:pPr lvl="1"/>
             <a:r>
-              <a:rPr lang="ru-RU"/>
+              <a:rPr lang="ru-RU" smtClean="0"/>
               <a:t>Второй уровень</a:t>
             </a:r>
           </a:p>
           <a:p>
             <a:pPr lvl="2"/>
             <a:r>
-              <a:rPr lang="ru-RU"/>
+              <a:rPr lang="ru-RU" smtClean="0"/>
               <a:t>Третий уровень</a:t>
             </a:r>
           </a:p>
           <a:p>
             <a:pPr lvl="3"/>
             <a:r>
-              <a:rPr lang="ru-RU"/>
+              <a:rPr lang="ru-RU" smtClean="0"/>
               <a:t>Четвертый уровень</a:t>
             </a:r>
           </a:p>
           <a:p>
             <a:pPr lvl="4"/>
             <a:r>
-              <a:rPr lang="ru-RU"/>
+              <a:rPr lang="ru-RU" smtClean="0"/>
               <a:t>Пятый уровень</a:t>
             </a:r>
-          </a:p>
-        </p:txBody>
-      </p:sp>
-      <p:sp>
-        <p:nvSpPr>
-          <p:cNvPr id="4" name="Объект 3">
-            <a:extLst>
-              <a:ext uri="{FF2B5EF4-FFF2-40B4-BE49-F238E27FC236}">
-                <a16:creationId xmlns:a16="http://schemas.microsoft.com/office/drawing/2014/main" id="{2A929AAF-2AEE-463F-87B7-30D4C837A31B}"/>
-              </a:ext>
-            </a:extLst>
-          </p:cNvPr>
+            <a:endParaRPr lang="ru-RU"/>
+          </a:p>
+        </p:txBody>
+      </p:sp>
+      <p:sp>
+        <p:nvSpPr>
+          <p:cNvPr id="4" name="Объект 3"/>
           <p:cNvSpPr>
             <a:spLocks noGrp="1"/>
           </p:cNvSpPr>
@@ -1398,49 +1587,44 @@
           <a:p>
             <a:pPr lvl="0"/>
             <a:r>
-              <a:rPr lang="ru-RU"/>
+              <a:rPr lang="ru-RU" smtClean="0"/>
               <a:t>Образец текста</a:t>
             </a:r>
           </a:p>
           <a:p>
             <a:pPr lvl="1"/>
             <a:r>
-              <a:rPr lang="ru-RU"/>
+              <a:rPr lang="ru-RU" smtClean="0"/>
               <a:t>Второй уровень</a:t>
             </a:r>
           </a:p>
           <a:p>
             <a:pPr lvl="2"/>
             <a:r>
-              <a:rPr lang="ru-RU"/>
+              <a:rPr lang="ru-RU" smtClean="0"/>
               <a:t>Третий уровень</a:t>
             </a:r>
           </a:p>
           <a:p>
             <a:pPr lvl="3"/>
             <a:r>
-              <a:rPr lang="ru-RU"/>
+              <a:rPr lang="ru-RU" smtClean="0"/>
               <a:t>Четвертый уровень</a:t>
             </a:r>
           </a:p>
           <a:p>
             <a:pPr lvl="4"/>
             <a:r>
-              <a:rPr lang="ru-RU"/>
+              <a:rPr lang="ru-RU" smtClean="0"/>
               <a:t>Пятый уровень</a:t>
             </a:r>
-          </a:p>
-        </p:txBody>
-      </p:sp>
-      <p:sp>
-        <p:nvSpPr>
-          <p:cNvPr id="5" name="Дата 4">
-            <a:extLst>
-              <a:ext uri="{FF2B5EF4-FFF2-40B4-BE49-F238E27FC236}">
-                <a16:creationId xmlns:a16="http://schemas.microsoft.com/office/drawing/2014/main" id="{4844FC70-6B0C-4C37-9243-D068CA353FBC}"/>
-              </a:ext>
-            </a:extLst>
-          </p:cNvPr>
+            <a:endParaRPr lang="ru-RU"/>
+          </a:p>
+        </p:txBody>
+      </p:sp>
+      <p:sp>
+        <p:nvSpPr>
+          <p:cNvPr id="5" name="Дата 4"/>
           <p:cNvSpPr>
             <a:spLocks noGrp="1"/>
           </p:cNvSpPr>
@@ -1453,7 +1637,7 @@
           <a:bodyPr/>
           <a:lstStyle/>
           <a:p>
-            <a:fld id="{4BB36F46-D373-4305-8DD8-28FCC05803E0}" type="datetimeFigureOut">
+            <a:fld id="{F7EC365E-8144-4F62-8AB0-CF19D50774E5}" type="datetime1">
               <a:rPr lang="ru-RU" smtClean="0"/>
               <a:t>21.06.2023</a:t>
             </a:fld>
@@ -1463,13 +1647,7 @@
       </p:sp>
       <p:sp>
         <p:nvSpPr>
-          <p:cNvPr id="6" name="Нижний колонтитул 5">
-            <a:extLst>
-              <a:ext uri="{FF2B5EF4-FFF2-40B4-BE49-F238E27FC236}">
-                <a16:creationId xmlns:a16="http://schemas.microsoft.com/office/drawing/2014/main" id="{264D70FB-2759-4EF1-A94D-A626DEB0DCC8}"/>
-              </a:ext>
-            </a:extLst>
-          </p:cNvPr>
+          <p:cNvPr id="6" name="Нижний колонтитул 5"/>
           <p:cNvSpPr>
             <a:spLocks noGrp="1"/>
           </p:cNvSpPr>
@@ -1488,13 +1666,7 @@
       </p:sp>
       <p:sp>
         <p:nvSpPr>
-          <p:cNvPr id="7" name="Номер слайда 6">
-            <a:extLst>
-              <a:ext uri="{FF2B5EF4-FFF2-40B4-BE49-F238E27FC236}">
-                <a16:creationId xmlns:a16="http://schemas.microsoft.com/office/drawing/2014/main" id="{3715A50F-847C-4446-9B00-F674A888C16F}"/>
-              </a:ext>
-            </a:extLst>
-          </p:cNvPr>
+          <p:cNvPr id="7" name="Номер слайда 6"/>
           <p:cNvSpPr>
             <a:spLocks noGrp="1"/>
           </p:cNvSpPr>
@@ -1518,7 +1690,7 @@
     </p:spTree>
     <p:extLst>
       <p:ext uri="{BB962C8B-B14F-4D97-AF65-F5344CB8AC3E}">
-        <p14:creationId xmlns:p14="http://schemas.microsoft.com/office/powerpoint/2010/main" val="79611331"/>
+        <p14:creationId xmlns:p14="http://schemas.microsoft.com/office/powerpoint/2010/main" val="1577913422"/>
       </p:ext>
     </p:extLst>
   </p:cSld>
@@ -1547,13 +1719,7 @@
       </p:grpSpPr>
       <p:sp>
         <p:nvSpPr>
-          <p:cNvPr id="2" name="Заголовок 1">
-            <a:extLst>
-              <a:ext uri="{FF2B5EF4-FFF2-40B4-BE49-F238E27FC236}">
-                <a16:creationId xmlns:a16="http://schemas.microsoft.com/office/drawing/2014/main" id="{C3AC5604-E9BD-4F6E-9BF9-7530919B208C}"/>
-              </a:ext>
-            </a:extLst>
-          </p:cNvPr>
+          <p:cNvPr id="2" name="Заголовок 1"/>
           <p:cNvSpPr>
             <a:spLocks noGrp="1"/>
           </p:cNvSpPr>
@@ -1572,21 +1738,16 @@
           <a:lstStyle/>
           <a:p>
             <a:r>
-              <a:rPr lang="ru-RU"/>
+              <a:rPr lang="ru-RU" smtClean="0"/>
               <a:t>Образец заголовка</a:t>
             </a:r>
-          </a:p>
-        </p:txBody>
-      </p:sp>
-      <p:sp>
-        <p:nvSpPr>
-          <p:cNvPr id="3" name="Текст 2">
-            <a:extLst>
-              <a:ext uri="{FF2B5EF4-FFF2-40B4-BE49-F238E27FC236}">
-                <a16:creationId xmlns:a16="http://schemas.microsoft.com/office/drawing/2014/main" id="{115D398E-C1B1-4ABE-B800-2CB4B42C8941}"/>
-              </a:ext>
-            </a:extLst>
-          </p:cNvPr>
+            <a:endParaRPr lang="ru-RU"/>
+          </a:p>
+        </p:txBody>
+      </p:sp>
+      <p:sp>
+        <p:nvSpPr>
+          <p:cNvPr id="3" name="Текст 2"/>
           <p:cNvSpPr>
             <a:spLocks noGrp="1"/>
           </p:cNvSpPr>
@@ -1643,7 +1804,7 @@
           <a:p>
             <a:pPr lvl="0"/>
             <a:r>
-              <a:rPr lang="ru-RU"/>
+              <a:rPr lang="ru-RU" smtClean="0"/>
               <a:t>Образец текста</a:t>
             </a:r>
           </a:p>
@@ -1651,13 +1812,7 @@
       </p:sp>
       <p:sp>
         <p:nvSpPr>
-          <p:cNvPr id="4" name="Объект 3">
-            <a:extLst>
-              <a:ext uri="{FF2B5EF4-FFF2-40B4-BE49-F238E27FC236}">
-                <a16:creationId xmlns:a16="http://schemas.microsoft.com/office/drawing/2014/main" id="{EA75FA8E-4762-45B3-AAA3-EF59D8E88F95}"/>
-              </a:ext>
-            </a:extLst>
-          </p:cNvPr>
+          <p:cNvPr id="4" name="Объект 3"/>
           <p:cNvSpPr>
             <a:spLocks noGrp="1"/>
           </p:cNvSpPr>
@@ -1677,49 +1832,44 @@
           <a:p>
             <a:pPr lvl="0"/>
             <a:r>
-              <a:rPr lang="ru-RU"/>
+              <a:rPr lang="ru-RU" smtClean="0"/>
               <a:t>Образец текста</a:t>
             </a:r>
           </a:p>
           <a:p>
             <a:pPr lvl="1"/>
             <a:r>
-              <a:rPr lang="ru-RU"/>
+              <a:rPr lang="ru-RU" smtClean="0"/>
               <a:t>Второй уровень</a:t>
             </a:r>
           </a:p>
           <a:p>
             <a:pPr lvl="2"/>
             <a:r>
-              <a:rPr lang="ru-RU"/>
+              <a:rPr lang="ru-RU" smtClean="0"/>
               <a:t>Третий уровень</a:t>
             </a:r>
           </a:p>
           <a:p>
             <a:pPr lvl="3"/>
             <a:r>
-              <a:rPr lang="ru-RU"/>
+              <a:rPr lang="ru-RU" smtClean="0"/>
               <a:t>Четвертый уровень</a:t>
             </a:r>
           </a:p>
           <a:p>
             <a:pPr lvl="4"/>
             <a:r>
-              <a:rPr lang="ru-RU"/>
+              <a:rPr lang="ru-RU" smtClean="0"/>
               <a:t>Пятый уровень</a:t>
             </a:r>
-          </a:p>
-        </p:txBody>
-      </p:sp>
-      <p:sp>
-        <p:nvSpPr>
-          <p:cNvPr id="5" name="Текст 4">
-            <a:extLst>
-              <a:ext uri="{FF2B5EF4-FFF2-40B4-BE49-F238E27FC236}">
-                <a16:creationId xmlns:a16="http://schemas.microsoft.com/office/drawing/2014/main" id="{A1BC3476-8D2B-4747-A6DA-4E52D434E982}"/>
-              </a:ext>
-            </a:extLst>
-          </p:cNvPr>
+            <a:endParaRPr lang="ru-RU"/>
+          </a:p>
+        </p:txBody>
+      </p:sp>
+      <p:sp>
+        <p:nvSpPr>
+          <p:cNvPr id="5" name="Текст 4"/>
           <p:cNvSpPr>
             <a:spLocks noGrp="1"/>
           </p:cNvSpPr>
@@ -1776,7 +1926,7 @@
           <a:p>
             <a:pPr lvl="0"/>
             <a:r>
-              <a:rPr lang="ru-RU"/>
+              <a:rPr lang="ru-RU" smtClean="0"/>
               <a:t>Образец текста</a:t>
             </a:r>
           </a:p>
@@ -1784,13 +1934,7 @@
       </p:sp>
       <p:sp>
         <p:nvSpPr>
-          <p:cNvPr id="6" name="Объект 5">
-            <a:extLst>
-              <a:ext uri="{FF2B5EF4-FFF2-40B4-BE49-F238E27FC236}">
-                <a16:creationId xmlns:a16="http://schemas.microsoft.com/office/drawing/2014/main" id="{4A3CD930-E2D9-45CB-9825-F84B23C72674}"/>
-              </a:ext>
-            </a:extLst>
-          </p:cNvPr>
+          <p:cNvPr id="6" name="Объект 5"/>
           <p:cNvSpPr>
             <a:spLocks noGrp="1"/>
           </p:cNvSpPr>
@@ -1810,49 +1954,44 @@
           <a:p>
             <a:pPr lvl="0"/>
             <a:r>
-              <a:rPr lang="ru-RU"/>
+              <a:rPr lang="ru-RU" smtClean="0"/>
               <a:t>Образец текста</a:t>
             </a:r>
           </a:p>
           <a:p>
             <a:pPr lvl="1"/>
             <a:r>
-              <a:rPr lang="ru-RU"/>
+              <a:rPr lang="ru-RU" smtClean="0"/>
               <a:t>Второй уровень</a:t>
             </a:r>
           </a:p>
           <a:p>
             <a:pPr lvl="2"/>
             <a:r>
-              <a:rPr lang="ru-RU"/>
+              <a:rPr lang="ru-RU" smtClean="0"/>
               <a:t>Третий уровень</a:t>
             </a:r>
           </a:p>
           <a:p>
             <a:pPr lvl="3"/>
             <a:r>
-              <a:rPr lang="ru-RU"/>
+              <a:rPr lang="ru-RU" smtClean="0"/>
               <a:t>Четвертый уровень</a:t>
             </a:r>
           </a:p>
           <a:p>
             <a:pPr lvl="4"/>
             <a:r>
-              <a:rPr lang="ru-RU"/>
+              <a:rPr lang="ru-RU" smtClean="0"/>
               <a:t>Пятый уровень</a:t>
             </a:r>
-          </a:p>
-        </p:txBody>
-      </p:sp>
-      <p:sp>
-        <p:nvSpPr>
-          <p:cNvPr id="7" name="Дата 6">
-            <a:extLst>
-              <a:ext uri="{FF2B5EF4-FFF2-40B4-BE49-F238E27FC236}">
-                <a16:creationId xmlns:a16="http://schemas.microsoft.com/office/drawing/2014/main" id="{51AF7561-EABF-431C-A944-66AF5BB686B8}"/>
-              </a:ext>
-            </a:extLst>
-          </p:cNvPr>
+            <a:endParaRPr lang="ru-RU"/>
+          </a:p>
+        </p:txBody>
+      </p:sp>
+      <p:sp>
+        <p:nvSpPr>
+          <p:cNvPr id="7" name="Дата 6"/>
           <p:cNvSpPr>
             <a:spLocks noGrp="1"/>
           </p:cNvSpPr>
@@ -1865,7 +2004,7 @@
           <a:bodyPr/>
           <a:lstStyle/>
           <a:p>
-            <a:fld id="{4BB36F46-D373-4305-8DD8-28FCC05803E0}" type="datetimeFigureOut">
+            <a:fld id="{2B9A981F-B219-4EAB-90F5-D4ADD200C1F4}" type="datetime1">
               <a:rPr lang="ru-RU" smtClean="0"/>
               <a:t>21.06.2023</a:t>
             </a:fld>
@@ -1875,13 +2014,7 @@
       </p:sp>
       <p:sp>
         <p:nvSpPr>
-          <p:cNvPr id="8" name="Нижний колонтитул 7">
-            <a:extLst>
-              <a:ext uri="{FF2B5EF4-FFF2-40B4-BE49-F238E27FC236}">
-                <a16:creationId xmlns:a16="http://schemas.microsoft.com/office/drawing/2014/main" id="{563B115A-3794-4F0E-A7BC-357B63B72823}"/>
-              </a:ext>
-            </a:extLst>
-          </p:cNvPr>
+          <p:cNvPr id="8" name="Нижний колонтитул 7"/>
           <p:cNvSpPr>
             <a:spLocks noGrp="1"/>
           </p:cNvSpPr>
@@ -1900,13 +2033,7 @@
       </p:sp>
       <p:sp>
         <p:nvSpPr>
-          <p:cNvPr id="9" name="Номер слайда 8">
-            <a:extLst>
-              <a:ext uri="{FF2B5EF4-FFF2-40B4-BE49-F238E27FC236}">
-                <a16:creationId xmlns:a16="http://schemas.microsoft.com/office/drawing/2014/main" id="{28DC624C-5A8D-47E2-99D3-1B8ADAA81DA1}"/>
-              </a:ext>
-            </a:extLst>
-          </p:cNvPr>
+          <p:cNvPr id="9" name="Номер слайда 8"/>
           <p:cNvSpPr>
             <a:spLocks noGrp="1"/>
           </p:cNvSpPr>
@@ -1930,7 +2057,7 @@
     </p:spTree>
     <p:extLst>
       <p:ext uri="{BB962C8B-B14F-4D97-AF65-F5344CB8AC3E}">
-        <p14:creationId xmlns:p14="http://schemas.microsoft.com/office/powerpoint/2010/main" val="1416256565"/>
+        <p14:creationId xmlns:p14="http://schemas.microsoft.com/office/powerpoint/2010/main" val="4002505802"/>
       </p:ext>
     </p:extLst>
   </p:cSld>
@@ -1959,13 +2086,7 @@
       </p:grpSpPr>
       <p:sp>
         <p:nvSpPr>
-          <p:cNvPr id="2" name="Заголовок 1">
-            <a:extLst>
-              <a:ext uri="{FF2B5EF4-FFF2-40B4-BE49-F238E27FC236}">
-                <a16:creationId xmlns:a16="http://schemas.microsoft.com/office/drawing/2014/main" id="{A7282B8A-6393-4839-911C-43F299D5E9B4}"/>
-              </a:ext>
-            </a:extLst>
-          </p:cNvPr>
+          <p:cNvPr id="2" name="Заголовок 1"/>
           <p:cNvSpPr>
             <a:spLocks noGrp="1"/>
           </p:cNvSpPr>
@@ -1979,21 +2100,16 @@
           <a:lstStyle/>
           <a:p>
             <a:r>
-              <a:rPr lang="ru-RU"/>
+              <a:rPr lang="ru-RU" smtClean="0"/>
               <a:t>Образец заголовка</a:t>
             </a:r>
-          </a:p>
-        </p:txBody>
-      </p:sp>
-      <p:sp>
-        <p:nvSpPr>
-          <p:cNvPr id="3" name="Дата 2">
-            <a:extLst>
-              <a:ext uri="{FF2B5EF4-FFF2-40B4-BE49-F238E27FC236}">
-                <a16:creationId xmlns:a16="http://schemas.microsoft.com/office/drawing/2014/main" id="{D532EC08-A86C-43AF-8549-E8558FB44FC8}"/>
-              </a:ext>
-            </a:extLst>
-          </p:cNvPr>
+            <a:endParaRPr lang="ru-RU"/>
+          </a:p>
+        </p:txBody>
+      </p:sp>
+      <p:sp>
+        <p:nvSpPr>
+          <p:cNvPr id="3" name="Дата 2"/>
           <p:cNvSpPr>
             <a:spLocks noGrp="1"/>
           </p:cNvSpPr>
@@ -2006,7 +2122,7 @@
           <a:bodyPr/>
           <a:lstStyle/>
           <a:p>
-            <a:fld id="{4BB36F46-D373-4305-8DD8-28FCC05803E0}" type="datetimeFigureOut">
+            <a:fld id="{072F28AD-A1D5-45C0-A57C-398BE8767131}" type="datetime1">
               <a:rPr lang="ru-RU" smtClean="0"/>
               <a:t>21.06.2023</a:t>
             </a:fld>
@@ -2016,13 +2132,7 @@
       </p:sp>
       <p:sp>
         <p:nvSpPr>
-          <p:cNvPr id="4" name="Нижний колонтитул 3">
-            <a:extLst>
-              <a:ext uri="{FF2B5EF4-FFF2-40B4-BE49-F238E27FC236}">
-                <a16:creationId xmlns:a16="http://schemas.microsoft.com/office/drawing/2014/main" id="{1E06BBC2-C32C-4CC3-8AC2-FAA8B526BE9C}"/>
-              </a:ext>
-            </a:extLst>
-          </p:cNvPr>
+          <p:cNvPr id="4" name="Нижний колонтитул 3"/>
           <p:cNvSpPr>
             <a:spLocks noGrp="1"/>
           </p:cNvSpPr>
@@ -2041,13 +2151,7 @@
       </p:sp>
       <p:sp>
         <p:nvSpPr>
-          <p:cNvPr id="5" name="Номер слайда 4">
-            <a:extLst>
-              <a:ext uri="{FF2B5EF4-FFF2-40B4-BE49-F238E27FC236}">
-                <a16:creationId xmlns:a16="http://schemas.microsoft.com/office/drawing/2014/main" id="{5E288163-F7B8-45C6-B5DC-795CA5FAA958}"/>
-              </a:ext>
-            </a:extLst>
-          </p:cNvPr>
+          <p:cNvPr id="5" name="Номер слайда 4"/>
           <p:cNvSpPr>
             <a:spLocks noGrp="1"/>
           </p:cNvSpPr>
@@ -2071,7 +2175,7 @@
     </p:spTree>
     <p:extLst>
       <p:ext uri="{BB962C8B-B14F-4D97-AF65-F5344CB8AC3E}">
-        <p14:creationId xmlns:p14="http://schemas.microsoft.com/office/powerpoint/2010/main" val="3446081260"/>
+        <p14:creationId xmlns:p14="http://schemas.microsoft.com/office/powerpoint/2010/main" val="1018034271"/>
       </p:ext>
     </p:extLst>
   </p:cSld>
@@ -2100,13 +2204,7 @@
       </p:grpSpPr>
       <p:sp>
         <p:nvSpPr>
-          <p:cNvPr id="2" name="Дата 1">
-            <a:extLst>
-              <a:ext uri="{FF2B5EF4-FFF2-40B4-BE49-F238E27FC236}">
-                <a16:creationId xmlns:a16="http://schemas.microsoft.com/office/drawing/2014/main" id="{43CBDD11-2CE3-4DBE-ABA9-CF73E3431AD4}"/>
-              </a:ext>
-            </a:extLst>
-          </p:cNvPr>
+          <p:cNvPr id="2" name="Дата 1"/>
           <p:cNvSpPr>
             <a:spLocks noGrp="1"/>
           </p:cNvSpPr>
@@ -2119,7 +2217,7 @@
           <a:bodyPr/>
           <a:lstStyle/>
           <a:p>
-            <a:fld id="{4BB36F46-D373-4305-8DD8-28FCC05803E0}" type="datetimeFigureOut">
+            <a:fld id="{396B902C-231C-4082-A21E-63E53A09078C}" type="datetime1">
               <a:rPr lang="ru-RU" smtClean="0"/>
               <a:t>21.06.2023</a:t>
             </a:fld>
@@ -2129,13 +2227,7 @@
       </p:sp>
       <p:sp>
         <p:nvSpPr>
-          <p:cNvPr id="3" name="Нижний колонтитул 2">
-            <a:extLst>
-              <a:ext uri="{FF2B5EF4-FFF2-40B4-BE49-F238E27FC236}">
-                <a16:creationId xmlns:a16="http://schemas.microsoft.com/office/drawing/2014/main" id="{631AB9AE-55CF-47DB-9199-08CD7E4C8971}"/>
-              </a:ext>
-            </a:extLst>
-          </p:cNvPr>
+          <p:cNvPr id="3" name="Нижний колонтитул 2"/>
           <p:cNvSpPr>
             <a:spLocks noGrp="1"/>
           </p:cNvSpPr>
@@ -2154,13 +2246,7 @@
       </p:sp>
       <p:sp>
         <p:nvSpPr>
-          <p:cNvPr id="4" name="Номер слайда 3">
-            <a:extLst>
-              <a:ext uri="{FF2B5EF4-FFF2-40B4-BE49-F238E27FC236}">
-                <a16:creationId xmlns:a16="http://schemas.microsoft.com/office/drawing/2014/main" id="{D59D9D63-08B9-457F-B339-7BA8E4898679}"/>
-              </a:ext>
-            </a:extLst>
-          </p:cNvPr>
+          <p:cNvPr id="4" name="Номер слайда 3"/>
           <p:cNvSpPr>
             <a:spLocks noGrp="1"/>
           </p:cNvSpPr>
@@ -2184,7 +2270,7 @@
     </p:spTree>
     <p:extLst>
       <p:ext uri="{BB962C8B-B14F-4D97-AF65-F5344CB8AC3E}">
-        <p14:creationId xmlns:p14="http://schemas.microsoft.com/office/powerpoint/2010/main" val="2857448829"/>
+        <p14:creationId xmlns:p14="http://schemas.microsoft.com/office/powerpoint/2010/main" val="1766636089"/>
       </p:ext>
     </p:extLst>
   </p:cSld>
@@ -2213,13 +2299,7 @@
       </p:grpSpPr>
       <p:sp>
         <p:nvSpPr>
-          <p:cNvPr id="2" name="Заголовок 1">
-            <a:extLst>
-              <a:ext uri="{FF2B5EF4-FFF2-40B4-BE49-F238E27FC236}">
-                <a16:creationId xmlns:a16="http://schemas.microsoft.com/office/drawing/2014/main" id="{E3A89639-1F31-423A-BEA4-025341FE3428}"/>
-              </a:ext>
-            </a:extLst>
-          </p:cNvPr>
+          <p:cNvPr id="2" name="Заголовок 1"/>
           <p:cNvSpPr>
             <a:spLocks noGrp="1"/>
           </p:cNvSpPr>
@@ -2242,21 +2322,16 @@
           </a:lstStyle>
           <a:p>
             <a:r>
-              <a:rPr lang="ru-RU"/>
+              <a:rPr lang="ru-RU" smtClean="0"/>
               <a:t>Образец заголовка</a:t>
             </a:r>
-          </a:p>
-        </p:txBody>
-      </p:sp>
-      <p:sp>
-        <p:nvSpPr>
-          <p:cNvPr id="3" name="Объект 2">
-            <a:extLst>
-              <a:ext uri="{FF2B5EF4-FFF2-40B4-BE49-F238E27FC236}">
-                <a16:creationId xmlns:a16="http://schemas.microsoft.com/office/drawing/2014/main" id="{AC5936EB-4833-428D-9D0D-85E67C5BDD77}"/>
-              </a:ext>
-            </a:extLst>
-          </p:cNvPr>
+            <a:endParaRPr lang="ru-RU"/>
+          </a:p>
+        </p:txBody>
+      </p:sp>
+      <p:sp>
+        <p:nvSpPr>
+          <p:cNvPr id="3" name="Объект 2"/>
           <p:cNvSpPr>
             <a:spLocks noGrp="1"/>
           </p:cNvSpPr>
@@ -2304,49 +2379,44 @@
           <a:p>
             <a:pPr lvl="0"/>
             <a:r>
-              <a:rPr lang="ru-RU"/>
+              <a:rPr lang="ru-RU" smtClean="0"/>
               <a:t>Образец текста</a:t>
             </a:r>
           </a:p>
           <a:p>
             <a:pPr lvl="1"/>
             <a:r>
-              <a:rPr lang="ru-RU"/>
+              <a:rPr lang="ru-RU" smtClean="0"/>
               <a:t>Второй уровень</a:t>
             </a:r>
           </a:p>
           <a:p>
             <a:pPr lvl="2"/>
             <a:r>
-              <a:rPr lang="ru-RU"/>
+              <a:rPr lang="ru-RU" smtClean="0"/>
               <a:t>Третий уровень</a:t>
             </a:r>
           </a:p>
           <a:p>
             <a:pPr lvl="3"/>
             <a:r>
-              <a:rPr lang="ru-RU"/>
+              <a:rPr lang="ru-RU" smtClean="0"/>
               <a:t>Четвертый уровень</a:t>
             </a:r>
           </a:p>
           <a:p>
             <a:pPr lvl="4"/>
             <a:r>
-              <a:rPr lang="ru-RU"/>
+              <a:rPr lang="ru-RU" smtClean="0"/>
               <a:t>Пятый уровень</a:t>
             </a:r>
-          </a:p>
-        </p:txBody>
-      </p:sp>
-      <p:sp>
-        <p:nvSpPr>
-          <p:cNvPr id="4" name="Текст 3">
-            <a:extLst>
-              <a:ext uri="{FF2B5EF4-FFF2-40B4-BE49-F238E27FC236}">
-                <a16:creationId xmlns:a16="http://schemas.microsoft.com/office/drawing/2014/main" id="{024EE994-AAE4-4140-BEBC-A18F27FB514C}"/>
-              </a:ext>
-            </a:extLst>
-          </p:cNvPr>
+            <a:endParaRPr lang="ru-RU"/>
+          </a:p>
+        </p:txBody>
+      </p:sp>
+      <p:sp>
+        <p:nvSpPr>
+          <p:cNvPr id="4" name="Текст 3"/>
           <p:cNvSpPr>
             <a:spLocks noGrp="1"/>
           </p:cNvSpPr>
@@ -2403,7 +2473,7 @@
           <a:p>
             <a:pPr lvl="0"/>
             <a:r>
-              <a:rPr lang="ru-RU"/>
+              <a:rPr lang="ru-RU" smtClean="0"/>
               <a:t>Образец текста</a:t>
             </a:r>
           </a:p>
@@ -2411,13 +2481,7 @@
       </p:sp>
       <p:sp>
         <p:nvSpPr>
-          <p:cNvPr id="5" name="Дата 4">
-            <a:extLst>
-              <a:ext uri="{FF2B5EF4-FFF2-40B4-BE49-F238E27FC236}">
-                <a16:creationId xmlns:a16="http://schemas.microsoft.com/office/drawing/2014/main" id="{64F5E72C-0030-4918-BE76-309E94441FD3}"/>
-              </a:ext>
-            </a:extLst>
-          </p:cNvPr>
+          <p:cNvPr id="5" name="Дата 4"/>
           <p:cNvSpPr>
             <a:spLocks noGrp="1"/>
           </p:cNvSpPr>
@@ -2430,7 +2494,7 @@
           <a:bodyPr/>
           <a:lstStyle/>
           <a:p>
-            <a:fld id="{4BB36F46-D373-4305-8DD8-28FCC05803E0}" type="datetimeFigureOut">
+            <a:fld id="{356F7D98-4199-48DA-9F22-FB9A0375D688}" type="datetime1">
               <a:rPr lang="ru-RU" smtClean="0"/>
               <a:t>21.06.2023</a:t>
             </a:fld>
@@ -2440,13 +2504,7 @@
       </p:sp>
       <p:sp>
         <p:nvSpPr>
-          <p:cNvPr id="6" name="Нижний колонтитул 5">
-            <a:extLst>
-              <a:ext uri="{FF2B5EF4-FFF2-40B4-BE49-F238E27FC236}">
-                <a16:creationId xmlns:a16="http://schemas.microsoft.com/office/drawing/2014/main" id="{A8DB6F35-947F-412D-9DEB-BCCDDC9A39F1}"/>
-              </a:ext>
-            </a:extLst>
-          </p:cNvPr>
+          <p:cNvPr id="6" name="Нижний колонтитул 5"/>
           <p:cNvSpPr>
             <a:spLocks noGrp="1"/>
           </p:cNvSpPr>
@@ -2465,13 +2523,7 @@
       </p:sp>
       <p:sp>
         <p:nvSpPr>
-          <p:cNvPr id="7" name="Номер слайда 6">
-            <a:extLst>
-              <a:ext uri="{FF2B5EF4-FFF2-40B4-BE49-F238E27FC236}">
-                <a16:creationId xmlns:a16="http://schemas.microsoft.com/office/drawing/2014/main" id="{31541BDB-D5E8-4538-8253-C81DEFC93827}"/>
-              </a:ext>
-            </a:extLst>
-          </p:cNvPr>
+          <p:cNvPr id="7" name="Номер слайда 6"/>
           <p:cNvSpPr>
             <a:spLocks noGrp="1"/>
           </p:cNvSpPr>
@@ -2495,7 +2547,7 @@
     </p:spTree>
     <p:extLst>
       <p:ext uri="{BB962C8B-B14F-4D97-AF65-F5344CB8AC3E}">
-        <p14:creationId xmlns:p14="http://schemas.microsoft.com/office/powerpoint/2010/main" val="2891889803"/>
+        <p14:creationId xmlns:p14="http://schemas.microsoft.com/office/powerpoint/2010/main" val="76661812"/>
       </p:ext>
     </p:extLst>
   </p:cSld>
@@ -2524,13 +2576,7 @@
       </p:grpSpPr>
       <p:sp>
         <p:nvSpPr>
-          <p:cNvPr id="2" name="Заголовок 1">
-            <a:extLst>
-              <a:ext uri="{FF2B5EF4-FFF2-40B4-BE49-F238E27FC236}">
-                <a16:creationId xmlns:a16="http://schemas.microsoft.com/office/drawing/2014/main" id="{50D518AA-415E-4B9E-B6CE-3D9512DC8A23}"/>
-              </a:ext>
-            </a:extLst>
-          </p:cNvPr>
+          <p:cNvPr id="2" name="Заголовок 1"/>
           <p:cNvSpPr>
             <a:spLocks noGrp="1"/>
           </p:cNvSpPr>
@@ -2553,21 +2599,16 @@
           </a:lstStyle>
           <a:p>
             <a:r>
-              <a:rPr lang="ru-RU"/>
+              <a:rPr lang="ru-RU" smtClean="0"/>
               <a:t>Образец заголовка</a:t>
             </a:r>
-          </a:p>
-        </p:txBody>
-      </p:sp>
-      <p:sp>
-        <p:nvSpPr>
-          <p:cNvPr id="3" name="Рисунок 2">
-            <a:extLst>
-              <a:ext uri="{FF2B5EF4-FFF2-40B4-BE49-F238E27FC236}">
-                <a16:creationId xmlns:a16="http://schemas.microsoft.com/office/drawing/2014/main" id="{A0757C97-FB6D-45E9-86D6-4D17B9E46928}"/>
-              </a:ext>
-            </a:extLst>
-          </p:cNvPr>
+            <a:endParaRPr lang="ru-RU"/>
+          </a:p>
+        </p:txBody>
+      </p:sp>
+      <p:sp>
+        <p:nvSpPr>
+          <p:cNvPr id="3" name="Рисунок 2"/>
           <p:cNvSpPr>
             <a:spLocks noGrp="1"/>
           </p:cNvSpPr>
@@ -2628,13 +2669,7 @@
       </p:sp>
       <p:sp>
         <p:nvSpPr>
-          <p:cNvPr id="4" name="Текст 3">
-            <a:extLst>
-              <a:ext uri="{FF2B5EF4-FFF2-40B4-BE49-F238E27FC236}">
-                <a16:creationId xmlns:a16="http://schemas.microsoft.com/office/drawing/2014/main" id="{A47D716E-729A-4CEE-A527-D5A88DC2C4E7}"/>
-              </a:ext>
-            </a:extLst>
-          </p:cNvPr>
+          <p:cNvPr id="4" name="Текст 3"/>
           <p:cNvSpPr>
             <a:spLocks noGrp="1"/>
           </p:cNvSpPr>
@@ -2691,7 +2726,7 @@
           <a:p>
             <a:pPr lvl="0"/>
             <a:r>
-              <a:rPr lang="ru-RU"/>
+              <a:rPr lang="ru-RU" smtClean="0"/>
               <a:t>Образец текста</a:t>
             </a:r>
           </a:p>
@@ -2699,13 +2734,7 @@
       </p:sp>
       <p:sp>
         <p:nvSpPr>
-          <p:cNvPr id="5" name="Дата 4">
-            <a:extLst>
-              <a:ext uri="{FF2B5EF4-FFF2-40B4-BE49-F238E27FC236}">
-                <a16:creationId xmlns:a16="http://schemas.microsoft.com/office/drawing/2014/main" id="{BE5531C1-0989-42F3-8B55-ED2B6369320F}"/>
-              </a:ext>
-            </a:extLst>
-          </p:cNvPr>
+          <p:cNvPr id="5" name="Дата 4"/>
           <p:cNvSpPr>
             <a:spLocks noGrp="1"/>
           </p:cNvSpPr>
@@ -2718,7 +2747,7 @@
           <a:bodyPr/>
           <a:lstStyle/>
           <a:p>
-            <a:fld id="{4BB36F46-D373-4305-8DD8-28FCC05803E0}" type="datetimeFigureOut">
+            <a:fld id="{F6774546-80AE-4A94-952F-9AA103473EF5}" type="datetime1">
               <a:rPr lang="ru-RU" smtClean="0"/>
               <a:t>21.06.2023</a:t>
             </a:fld>
@@ -2728,13 +2757,7 @@
       </p:sp>
       <p:sp>
         <p:nvSpPr>
-          <p:cNvPr id="6" name="Нижний колонтитул 5">
-            <a:extLst>
-              <a:ext uri="{FF2B5EF4-FFF2-40B4-BE49-F238E27FC236}">
-                <a16:creationId xmlns:a16="http://schemas.microsoft.com/office/drawing/2014/main" id="{B7A5DC33-81AA-4C8B-9524-D9DBAF26C9B5}"/>
-              </a:ext>
-            </a:extLst>
-          </p:cNvPr>
+          <p:cNvPr id="6" name="Нижний колонтитул 5"/>
           <p:cNvSpPr>
             <a:spLocks noGrp="1"/>
           </p:cNvSpPr>
@@ -2753,13 +2776,7 @@
       </p:sp>
       <p:sp>
         <p:nvSpPr>
-          <p:cNvPr id="7" name="Номер слайда 6">
-            <a:extLst>
-              <a:ext uri="{FF2B5EF4-FFF2-40B4-BE49-F238E27FC236}">
-                <a16:creationId xmlns:a16="http://schemas.microsoft.com/office/drawing/2014/main" id="{742AD5DE-476C-4848-A5E6-177BF17CC305}"/>
-              </a:ext>
-            </a:extLst>
-          </p:cNvPr>
+          <p:cNvPr id="7" name="Номер слайда 6"/>
           <p:cNvSpPr>
             <a:spLocks noGrp="1"/>
           </p:cNvSpPr>
@@ -2783,7 +2800,7 @@
     </p:spTree>
     <p:extLst>
       <p:ext uri="{BB962C8B-B14F-4D97-AF65-F5344CB8AC3E}">
-        <p14:creationId xmlns:p14="http://schemas.microsoft.com/office/powerpoint/2010/main" val="3916020049"/>
+        <p14:creationId xmlns:p14="http://schemas.microsoft.com/office/powerpoint/2010/main" val="4107397625"/>
       </p:ext>
     </p:extLst>
   </p:cSld>
@@ -2815,106 +2832,59 @@
           <a:chExt cx="0" cy="0"/>
         </a:xfrm>
       </p:grpSpPr>
-      <p:pic>
-        <p:nvPicPr>
-          <p:cNvPr id="8" name="Рисунок 7">
-            <a:extLst>
-              <a:ext uri="{FF2B5EF4-FFF2-40B4-BE49-F238E27FC236}">
-                <a16:creationId xmlns:a16="http://schemas.microsoft.com/office/drawing/2014/main" id="{85B0211F-5DAB-494F-AF3E-16B93A60ABC0}"/>
-              </a:ext>
-            </a:extLst>
-          </p:cNvPr>
-          <p:cNvPicPr>
-            <a:picLocks noChangeAspect="1"/>
-          </p:cNvPicPr>
-          <p:nvPr userDrawn="1"/>
-        </p:nvPicPr>
-        <p:blipFill>
-          <a:blip r:embed="rId13">
-            <a:extLst>
-              <a:ext uri="{28A0092B-C50C-407E-A947-70E740481C1C}">
-                <a14:useLocalDpi xmlns:a14="http://schemas.microsoft.com/office/drawing/2010/main" val="0"/>
-              </a:ext>
-            </a:extLst>
-          </a:blip>
-          <a:stretch>
-            <a:fillRect/>
-          </a:stretch>
-        </p:blipFill>
+      <p:sp>
+        <p:nvSpPr>
+          <p:cNvPr id="2" name="Заголовок 1"/>
+          <p:cNvSpPr>
+            <a:spLocks noGrp="1"/>
+          </p:cNvSpPr>
+          <p:nvPr>
+            <p:ph type="title"/>
+          </p:nvPr>
+        </p:nvSpPr>
         <p:spPr>
           <a:xfrm>
-            <a:off x="0" y="0"/>
-            <a:ext cx="12192000" cy="6858000"/>
+            <a:off x="838200" y="365125"/>
+            <a:ext cx="10515600" cy="1325563"/>
           </a:xfrm>
           <a:prstGeom prst="rect">
             <a:avLst/>
           </a:prstGeom>
         </p:spPr>
-      </p:pic>
-      <p:sp>
-        <p:nvSpPr>
-          <p:cNvPr id="2" name="Заголовок 1">
-            <a:extLst>
-              <a:ext uri="{FF2B5EF4-FFF2-40B4-BE49-F238E27FC236}">
-                <a16:creationId xmlns:a16="http://schemas.microsoft.com/office/drawing/2014/main" id="{433A4367-D87A-4656-9B82-E7F93FA25C78}"/>
-              </a:ext>
-            </a:extLst>
-          </p:cNvPr>
-          <p:cNvSpPr>
-            <a:spLocks noGrp="1"/>
-          </p:cNvSpPr>
-          <p:nvPr>
-            <p:ph type="title"/>
+        <p:txBody>
+          <a:bodyPr vert="horz" lIns="91440" tIns="45720" rIns="91440" bIns="45720" rtlCol="0" anchor="ctr">
+            <a:normAutofit/>
+          </a:bodyPr>
+          <a:lstStyle/>
+          <a:p>
+            <a:r>
+              <a:rPr lang="ru-RU" smtClean="0"/>
+              <a:t>Образец заголовка</a:t>
+            </a:r>
+            <a:endParaRPr lang="ru-RU"/>
+          </a:p>
+        </p:txBody>
+      </p:sp>
+      <p:sp>
+        <p:nvSpPr>
+          <p:cNvPr id="3" name="Текст 2"/>
+          <p:cNvSpPr>
+            <a:spLocks noGrp="1"/>
+          </p:cNvSpPr>
+          <p:nvPr>
+            <p:ph type="body" idx="1"/>
           </p:nvPr>
         </p:nvSpPr>
         <p:spPr>
           <a:xfrm>
-            <a:off x="838200" y="365125"/>
-            <a:ext cx="10515600" cy="1325563"/>
+            <a:off x="838200" y="1825625"/>
+            <a:ext cx="10515600" cy="4351338"/>
           </a:xfrm>
           <a:prstGeom prst="rect">
             <a:avLst/>
           </a:prstGeom>
         </p:spPr>
         <p:txBody>
-          <a:bodyPr vert="horz" lIns="91440" tIns="45720" rIns="91440" bIns="45720" rtlCol="0" anchor="ctr">
-            <a:normAutofit/>
-          </a:bodyPr>
-          <a:lstStyle/>
-          <a:p>
-            <a:r>
-              <a:rPr lang="ru-RU"/>
-              <a:t>Образец заголовка</a:t>
-            </a:r>
-          </a:p>
-        </p:txBody>
-      </p:sp>
-      <p:sp>
-        <p:nvSpPr>
-          <p:cNvPr id="3" name="Текст 2">
-            <a:extLst>
-              <a:ext uri="{FF2B5EF4-FFF2-40B4-BE49-F238E27FC236}">
-                <a16:creationId xmlns:a16="http://schemas.microsoft.com/office/drawing/2014/main" id="{50BF2EBB-B7FB-4F01-8B69-0598994E4F4E}"/>
-              </a:ext>
-            </a:extLst>
-          </p:cNvPr>
-          <p:cNvSpPr>
-            <a:spLocks noGrp="1"/>
-          </p:cNvSpPr>
-          <p:nvPr>
-            <p:ph type="body" idx="1"/>
-          </p:nvPr>
-        </p:nvSpPr>
-        <p:spPr>
-          <a:xfrm>
-            <a:off x="838200" y="1825625"/>
-            <a:ext cx="10515600" cy="4351338"/>
-          </a:xfrm>
-          <a:prstGeom prst="rect">
-            <a:avLst/>
-          </a:prstGeom>
-        </p:spPr>
-        <p:txBody>
           <a:bodyPr vert="horz" lIns="91440" tIns="45720" rIns="91440" bIns="45720" rtlCol="0">
             <a:normAutofit/>
           </a:bodyPr>
@@ -2922,49 +2892,44 @@
           <a:p>
             <a:pPr lvl="0"/>
             <a:r>
-              <a:rPr lang="ru-RU"/>
+              <a:rPr lang="ru-RU" smtClean="0"/>
               <a:t>Образец текста</a:t>
             </a:r>
           </a:p>
           <a:p>
             <a:pPr lvl="1"/>
             <a:r>
-              <a:rPr lang="ru-RU"/>
+              <a:rPr lang="ru-RU" smtClean="0"/>
               <a:t>Второй уровень</a:t>
             </a:r>
           </a:p>
           <a:p>
             <a:pPr lvl="2"/>
             <a:r>
-              <a:rPr lang="ru-RU"/>
+              <a:rPr lang="ru-RU" smtClean="0"/>
               <a:t>Третий уровень</a:t>
             </a:r>
           </a:p>
           <a:p>
             <a:pPr lvl="3"/>
             <a:r>
-              <a:rPr lang="ru-RU"/>
+              <a:rPr lang="ru-RU" smtClean="0"/>
               <a:t>Четвертый уровень</a:t>
             </a:r>
           </a:p>
           <a:p>
             <a:pPr lvl="4"/>
             <a:r>
-              <a:rPr lang="ru-RU"/>
+              <a:rPr lang="ru-RU" smtClean="0"/>
               <a:t>Пятый уровень</a:t>
             </a:r>
-          </a:p>
-        </p:txBody>
-      </p:sp>
-      <p:sp>
-        <p:nvSpPr>
-          <p:cNvPr id="4" name="Дата 3">
-            <a:extLst>
-              <a:ext uri="{FF2B5EF4-FFF2-40B4-BE49-F238E27FC236}">
-                <a16:creationId xmlns:a16="http://schemas.microsoft.com/office/drawing/2014/main" id="{3E4841F7-36A3-4C94-A4C4-CB9E46D09750}"/>
-              </a:ext>
-            </a:extLst>
-          </p:cNvPr>
+            <a:endParaRPr lang="ru-RU"/>
+          </a:p>
+        </p:txBody>
+      </p:sp>
+      <p:sp>
+        <p:nvSpPr>
+          <p:cNvPr id="4" name="Дата 3"/>
           <p:cNvSpPr>
             <a:spLocks noGrp="1"/>
           </p:cNvSpPr>
@@ -2995,7 +2960,7 @@
             </a:lvl1pPr>
           </a:lstStyle>
           <a:p>
-            <a:fld id="{4BB36F46-D373-4305-8DD8-28FCC05803E0}" type="datetimeFigureOut">
+            <a:fld id="{3D63ED8D-5BD4-410A-BC57-7B79E3E44630}" type="datetime1">
               <a:rPr lang="ru-RU" smtClean="0"/>
               <a:t>21.06.2023</a:t>
             </a:fld>
@@ -3005,13 +2970,7 @@
       </p:sp>
       <p:sp>
         <p:nvSpPr>
-          <p:cNvPr id="5" name="Нижний колонтитул 4">
-            <a:extLst>
-              <a:ext uri="{FF2B5EF4-FFF2-40B4-BE49-F238E27FC236}">
-                <a16:creationId xmlns:a16="http://schemas.microsoft.com/office/drawing/2014/main" id="{87915597-1FA5-476A-9CF9-902C4952C809}"/>
-              </a:ext>
-            </a:extLst>
-          </p:cNvPr>
+          <p:cNvPr id="5" name="Нижний колонтитул 4"/>
           <p:cNvSpPr>
             <a:spLocks noGrp="1"/>
           </p:cNvSpPr>
@@ -3048,13 +3007,7 @@
       </p:sp>
       <p:sp>
         <p:nvSpPr>
-          <p:cNvPr id="6" name="Номер слайда 5">
-            <a:extLst>
-              <a:ext uri="{FF2B5EF4-FFF2-40B4-BE49-F238E27FC236}">
-                <a16:creationId xmlns:a16="http://schemas.microsoft.com/office/drawing/2014/main" id="{E5B2BF89-047B-45E4-8349-A678D5B0377E}"/>
-              </a:ext>
-            </a:extLst>
-          </p:cNvPr>
+          <p:cNvPr id="6" name="Номер слайда 5"/>
           <p:cNvSpPr>
             <a:spLocks noGrp="1"/>
           </p:cNvSpPr>
@@ -3096,24 +3049,25 @@
     </p:spTree>
     <p:extLst>
       <p:ext uri="{BB962C8B-B14F-4D97-AF65-F5344CB8AC3E}">
-        <p14:creationId xmlns:p14="http://schemas.microsoft.com/office/powerpoint/2010/main" val="531112366"/>
+        <p14:creationId xmlns:p14="http://schemas.microsoft.com/office/powerpoint/2010/main" val="3143889553"/>
       </p:ext>
     </p:extLst>
   </p:cSld>
   <p:clrMap bg1="lt1" tx1="dk1" bg2="lt2" tx2="dk2" accent1="accent1" accent2="accent2" accent3="accent3" accent4="accent4" accent5="accent5" accent6="accent6" hlink="hlink" folHlink="folHlink"/>
   <p:sldLayoutIdLst>
-    <p:sldLayoutId id="2147483649" r:id="rId1"/>
-    <p:sldLayoutId id="2147483650" r:id="rId2"/>
-    <p:sldLayoutId id="2147483651" r:id="rId3"/>
-    <p:sldLayoutId id="2147483652" r:id="rId4"/>
-    <p:sldLayoutId id="2147483653" r:id="rId5"/>
-    <p:sldLayoutId id="2147483654" r:id="rId6"/>
-    <p:sldLayoutId id="2147483655" r:id="rId7"/>
-    <p:sldLayoutId id="2147483656" r:id="rId8"/>
-    <p:sldLayoutId id="2147483657" r:id="rId9"/>
-    <p:sldLayoutId id="2147483658" r:id="rId10"/>
-    <p:sldLayoutId id="2147483659" r:id="rId11"/>
+    <p:sldLayoutId id="2147483697" r:id="rId1"/>
+    <p:sldLayoutId id="2147483698" r:id="rId2"/>
+    <p:sldLayoutId id="2147483699" r:id="rId3"/>
+    <p:sldLayoutId id="2147483700" r:id="rId4"/>
+    <p:sldLayoutId id="2147483701" r:id="rId5"/>
+    <p:sldLayoutId id="2147483702" r:id="rId6"/>
+    <p:sldLayoutId id="2147483703" r:id="rId7"/>
+    <p:sldLayoutId id="2147483704" r:id="rId8"/>
+    <p:sldLayoutId id="2147483705" r:id="rId9"/>
+    <p:sldLayoutId id="2147483706" r:id="rId10"/>
+    <p:sldLayoutId id="2147483707" r:id="rId11"/>
   </p:sldLayoutIdLst>
+  <p:hf hdr="0" ftr="0" dt="0"/>
   <p:txStyles>
     <p:titleStyle>
       <a:lvl1pPr algn="l" defTabSz="914400" rtl="0" eaLnBrk="1" latinLnBrk="0" hangingPunct="1">
@@ -3398,8 +3352,16 @@
 </file>
 
 <file path=ppt/slides/slide1.xml><?xml version="1.0" encoding="utf-8"?>
-<p:sld xmlns:a="http://schemas.openxmlformats.org/drawingml/2006/main" xmlns:r="http://schemas.openxmlformats.org/officeDocument/2006/relationships" xmlns:p="http://schemas.openxmlformats.org/presentationml/2006/main">
+<p:sld xmlns:a="http://schemas.openxmlformats.org/drawingml/2006/main" xmlns:r="http://schemas.openxmlformats.org/officeDocument/2006/relationships" xmlns:p="http://schemas.openxmlformats.org/presentationml/2006/main" showMasterSp="0">
   <p:cSld>
+    <p:bg>
+      <p:bgPr>
+        <a:solidFill>
+          <a:schemeClr val="bg1"/>
+        </a:solidFill>
+        <a:effectLst/>
+      </p:bgPr>
+    </p:bg>
     <p:spTree>
       <p:nvGrpSpPr>
         <p:cNvPr id="1" name=""/>
@@ -3416,168 +3378,24 @@
       </p:grpSpPr>
       <p:sp>
         <p:nvSpPr>
-          <p:cNvPr id="30" name="TextBox 29">
-            <a:extLst>
-              <a:ext uri="{FF2B5EF4-FFF2-40B4-BE49-F238E27FC236}">
-                <a16:creationId xmlns:a16="http://schemas.microsoft.com/office/drawing/2014/main" id="{F8D0A1D9-BCFE-DF8A-D28A-2A56DFD7BFCB}"/>
-              </a:ext>
-            </a:extLst>
-          </p:cNvPr>
-          <p:cNvSpPr txBox="1"/>
+          <p:cNvPr id="6" name="Заголовок 1"/>
+          <p:cNvSpPr>
+            <a:spLocks noGrp="1"/>
+          </p:cNvSpPr>
           <p:nvPr/>
         </p:nvSpPr>
         <p:spPr>
           <a:xfrm>
-            <a:off x="1020073" y="5309418"/>
-            <a:ext cx="6094562" cy="1338828"/>
+            <a:off x="1550796" y="133980"/>
+            <a:ext cx="9144000" cy="2187189"/>
           </a:xfrm>
           <a:prstGeom prst="rect">
             <a:avLst/>
           </a:prstGeom>
-          <a:noFill/>
-        </p:spPr>
-        <p:txBody>
-          <a:bodyPr wrap="square">
-            <a:spAutoFit/>
-          </a:bodyPr>
-          <a:lstStyle/>
-          <a:p>
-            <a:pPr>
-              <a:lnSpc>
-                <a:spcPct val="150000"/>
-              </a:lnSpc>
-            </a:pPr>
-            <a:r>
-              <a:rPr lang="ru-RU" sz="1800" dirty="0">
-                <a:latin typeface="Times New Roman" panose="02020603050405020304" pitchFamily="18" charset="0"/>
-                <a:cs typeface="Times New Roman" panose="02020603050405020304" pitchFamily="18" charset="0"/>
-              </a:rPr>
-              <a:t>Выполнил студент гр. </a:t>
-            </a:r>
-            <a:r>
-              <a:rPr lang="ru-RU" dirty="0">
-                <a:latin typeface="Times New Roman" panose="02020603050405020304" pitchFamily="18" charset="0"/>
-                <a:cs typeface="Times New Roman" panose="02020603050405020304" pitchFamily="18" charset="0"/>
-              </a:rPr>
-              <a:t>19ИСТ(б)ОП</a:t>
-            </a:r>
-            <a:endParaRPr lang="ru-RU" sz="1800" dirty="0">
-              <a:latin typeface="Times New Roman" panose="02020603050405020304" pitchFamily="18" charset="0"/>
-              <a:cs typeface="Times New Roman" panose="02020603050405020304" pitchFamily="18" charset="0"/>
-            </a:endParaRPr>
-          </a:p>
-          <a:p>
-            <a:pPr>
-              <a:lnSpc>
-                <a:spcPct val="150000"/>
-              </a:lnSpc>
-            </a:pPr>
-            <a:r>
-              <a:rPr lang="ru-RU" dirty="0">
-                <a:latin typeface="Times New Roman" panose="02020603050405020304" pitchFamily="18" charset="0"/>
-                <a:cs typeface="Times New Roman" panose="02020603050405020304" pitchFamily="18" charset="0"/>
-              </a:rPr>
-              <a:t>Поляков В. Е</a:t>
-            </a:r>
-            <a:r>
-              <a:rPr lang="ru-RU" dirty="0" smtClean="0">
-                <a:latin typeface="Times New Roman" panose="02020603050405020304" pitchFamily="18" charset="0"/>
-                <a:cs typeface="Times New Roman" panose="02020603050405020304" pitchFamily="18" charset="0"/>
-              </a:rPr>
-              <a:t>.</a:t>
-            </a:r>
-          </a:p>
-          <a:p>
-            <a:pPr>
-              <a:lnSpc>
-                <a:spcPct val="150000"/>
-              </a:lnSpc>
-            </a:pPr>
-            <a:r>
-              <a:rPr lang="ru-RU" dirty="0" smtClean="0">
-                <a:latin typeface="Times New Roman" panose="02020603050405020304" pitchFamily="18" charset="0"/>
-                <a:cs typeface="Times New Roman" panose="02020603050405020304" pitchFamily="18" charset="0"/>
-              </a:rPr>
-              <a:t>Руководитель </a:t>
-            </a:r>
-            <a:r>
-              <a:rPr lang="ru-RU" sz="1800" dirty="0">
-                <a:latin typeface="Times New Roman" panose="02020603050405020304" pitchFamily="18" charset="0"/>
-                <a:cs typeface="Times New Roman" panose="02020603050405020304" pitchFamily="18" charset="0"/>
-              </a:rPr>
-              <a:t>ВКР: </a:t>
-            </a:r>
-            <a:r>
-              <a:rPr lang="ru-RU" sz="1800" dirty="0" err="1" smtClean="0">
-                <a:latin typeface="Times New Roman" panose="02020603050405020304" pitchFamily="18" charset="0"/>
-                <a:cs typeface="Times New Roman" panose="02020603050405020304" pitchFamily="18" charset="0"/>
-              </a:rPr>
-              <a:t>к.п.н</a:t>
-            </a:r>
-            <a:r>
-              <a:rPr lang="ru-RU" sz="1800" dirty="0">
-                <a:latin typeface="Times New Roman" panose="02020603050405020304" pitchFamily="18" charset="0"/>
-                <a:cs typeface="Times New Roman" panose="02020603050405020304" pitchFamily="18" charset="0"/>
-              </a:rPr>
-              <a:t>., </a:t>
-            </a:r>
-            <a:r>
-              <a:rPr lang="ru-RU" sz="1800" dirty="0" smtClean="0">
-                <a:latin typeface="Times New Roman" panose="02020603050405020304" pitchFamily="18" charset="0"/>
-                <a:cs typeface="Times New Roman" panose="02020603050405020304" pitchFamily="18" charset="0"/>
-              </a:rPr>
-              <a:t>Глотова </a:t>
-            </a:r>
-            <a:r>
-              <a:rPr lang="ru-RU" dirty="0">
-                <a:latin typeface="Times New Roman" panose="02020603050405020304" pitchFamily="18" charset="0"/>
-                <a:cs typeface="Times New Roman" panose="02020603050405020304" pitchFamily="18" charset="0"/>
-              </a:rPr>
-              <a:t>М</a:t>
-            </a:r>
-            <a:r>
-              <a:rPr lang="ru-RU" sz="1800" dirty="0" smtClean="0">
-                <a:latin typeface="Times New Roman" panose="02020603050405020304" pitchFamily="18" charset="0"/>
-                <a:cs typeface="Times New Roman" panose="02020603050405020304" pitchFamily="18" charset="0"/>
-              </a:rPr>
-              <a:t>.И</a:t>
-            </a:r>
-            <a:r>
-              <a:rPr lang="ru-RU" sz="1800" dirty="0">
-                <a:latin typeface="Times New Roman" panose="02020603050405020304" pitchFamily="18" charset="0"/>
-                <a:cs typeface="Times New Roman" panose="02020603050405020304" pitchFamily="18" charset="0"/>
-              </a:rPr>
-              <a:t>.</a:t>
-            </a:r>
-          </a:p>
-        </p:txBody>
-      </p:sp>
-      <p:sp>
-        <p:nvSpPr>
-          <p:cNvPr id="31" name="Заголовок 1">
-            <a:extLst>
-              <a:ext uri="{FF2B5EF4-FFF2-40B4-BE49-F238E27FC236}">
-                <a16:creationId xmlns:a16="http://schemas.microsoft.com/office/drawing/2014/main" id="{48FA9B22-DCCC-F5DE-E52E-F96C7200C723}"/>
-              </a:ext>
-            </a:extLst>
-          </p:cNvPr>
-          <p:cNvSpPr txBox="1">
-            <a:spLocks/>
-          </p:cNvSpPr>
-          <p:nvPr/>
-        </p:nvSpPr>
-        <p:spPr>
-          <a:xfrm>
-            <a:off x="293298" y="259511"/>
-            <a:ext cx="11593902" cy="1500996"/>
-          </a:xfrm>
-          <a:prstGeom prst="rect">
-            <a:avLst/>
-          </a:prstGeom>
         </p:spPr>
         <p:txBody>
           <a:bodyPr vert="horz" lIns="91440" tIns="45720" rIns="91440" bIns="45720" rtlCol="0" anchor="b">
-            <a:normAutofit/>
+            <a:noAutofit/>
           </a:bodyPr>
           <a:lstStyle>
             <a:lvl1pPr algn="ctr" defTabSz="914400" rtl="0" eaLnBrk="1" latinLnBrk="0" hangingPunct="1">
@@ -3599,81 +3417,150 @@
             </a:lvl1pPr>
           </a:lstStyle>
           <a:p>
-            <a:pPr>
-              <a:lnSpc>
-                <a:spcPct val="100000"/>
-              </a:lnSpc>
-            </a:pPr>
-            <a:r>
-              <a:rPr lang="ru-RU" sz="2200" dirty="0">
-                <a:latin typeface="Times New Roman" panose="02020603050405020304" pitchFamily="18" charset="0"/>
-                <a:cs typeface="Times New Roman" panose="02020603050405020304" pitchFamily="18" charset="0"/>
-              </a:rPr>
-              <a:t>Министерство науки и высшего образования Российской Федерации</a:t>
-            </a:r>
-          </a:p>
-          <a:p>
-            <a:pPr>
-              <a:lnSpc>
-                <a:spcPct val="100000"/>
-              </a:lnSpc>
-            </a:pPr>
-            <a:r>
-              <a:rPr lang="ru-RU" sz="2200" dirty="0">
+            <a:r>
+              <a:rPr lang="ru-RU" sz="2000" dirty="0">
+                <a:latin typeface="Times New Roman" panose="02020603050405020304" pitchFamily="18" charset="0"/>
+                <a:cs typeface="Times New Roman" panose="02020603050405020304" pitchFamily="18" charset="0"/>
+              </a:rPr>
+              <a:t>Министерство науки и высшего образования Российской Федерации </a:t>
+            </a:r>
+            <a:r>
+              <a:rPr lang="ru-RU" sz="2000" dirty="0" smtClean="0">
+                <a:effectLst/>
+                <a:latin typeface="Times New Roman" panose="02020603050405020304" pitchFamily="18" charset="0"/>
+                <a:cs typeface="Times New Roman" panose="02020603050405020304" pitchFamily="18" charset="0"/>
+              </a:rPr>
+              <a:t/>
+            </a:r>
+            <a:br>
+              <a:rPr lang="ru-RU" sz="2000" dirty="0" smtClean="0">
+                <a:effectLst/>
+                <a:latin typeface="Times New Roman" panose="02020603050405020304" pitchFamily="18" charset="0"/>
+                <a:cs typeface="Times New Roman" panose="02020603050405020304" pitchFamily="18" charset="0"/>
+              </a:rPr>
+            </a:br>
+            <a:r>
+              <a:rPr lang="ru-RU" sz="2000" dirty="0">
                 <a:latin typeface="Times New Roman" panose="02020603050405020304" pitchFamily="18" charset="0"/>
                 <a:cs typeface="Times New Roman" panose="02020603050405020304" pitchFamily="18" charset="0"/>
               </a:rPr>
               <a:t>ФЕДЕРАЛЬНОЕ ГОСУДАРСТВЕННОЕ БЮДЖЕТНОЕ</a:t>
             </a:r>
-          </a:p>
-          <a:p>
-            <a:pPr>
-              <a:lnSpc>
-                <a:spcPct val="100000"/>
-              </a:lnSpc>
-            </a:pPr>
-            <a:r>
-              <a:rPr lang="ru-RU" sz="2200" dirty="0">
+            <a:br>
+              <a:rPr lang="ru-RU" sz="2000" dirty="0">
+                <a:latin typeface="Times New Roman" panose="02020603050405020304" pitchFamily="18" charset="0"/>
+                <a:cs typeface="Times New Roman" panose="02020603050405020304" pitchFamily="18" charset="0"/>
+              </a:rPr>
+            </a:br>
+            <a:r>
+              <a:rPr lang="ru-RU" sz="2000" dirty="0">
                 <a:latin typeface="Times New Roman" panose="02020603050405020304" pitchFamily="18" charset="0"/>
                 <a:cs typeface="Times New Roman" panose="02020603050405020304" pitchFamily="18" charset="0"/>
               </a:rPr>
               <a:t>ОБРАЗОВАТЕЛЬНОЕ УЧРЕЖДЕНИЕ ВЫСШЕГО ОБРАЗОВАНИЯ</a:t>
             </a:r>
-          </a:p>
-          <a:p>
-            <a:pPr>
-              <a:lnSpc>
-                <a:spcPct val="100000"/>
-              </a:lnSpc>
-            </a:pPr>
-            <a:r>
-              <a:rPr lang="ru-RU" sz="2200" dirty="0">
+            <a:br>
+              <a:rPr lang="ru-RU" sz="2000" dirty="0">
+                <a:latin typeface="Times New Roman" panose="02020603050405020304" pitchFamily="18" charset="0"/>
+                <a:cs typeface="Times New Roman" panose="02020603050405020304" pitchFamily="18" charset="0"/>
+              </a:rPr>
+            </a:br>
+            <a:r>
+              <a:rPr lang="ru-RU" sz="2000" dirty="0">
                 <a:latin typeface="Times New Roman" panose="02020603050405020304" pitchFamily="18" charset="0"/>
                 <a:cs typeface="Times New Roman" panose="02020603050405020304" pitchFamily="18" charset="0"/>
               </a:rPr>
               <a:t>«ОРЕНБУРГСКИЙ ГОСУДАРСТВЕННЫЙ УНИВЕРСИТЕТ»</a:t>
             </a:r>
-          </a:p>
-        </p:txBody>
-      </p:sp>
-      <p:sp>
-        <p:nvSpPr>
-          <p:cNvPr id="32" name="Подзаголовок 2">
-            <a:extLst>
-              <a:ext uri="{FF2B5EF4-FFF2-40B4-BE49-F238E27FC236}">
-                <a16:creationId xmlns:a16="http://schemas.microsoft.com/office/drawing/2014/main" id="{D48F7293-84B7-D097-6D9D-2454F33A05B1}"/>
-              </a:ext>
-            </a:extLst>
-          </p:cNvPr>
-          <p:cNvSpPr txBox="1">
-            <a:spLocks/>
+            <a:br>
+              <a:rPr lang="ru-RU" sz="2000" dirty="0">
+                <a:latin typeface="Times New Roman" panose="02020603050405020304" pitchFamily="18" charset="0"/>
+                <a:cs typeface="Times New Roman" panose="02020603050405020304" pitchFamily="18" charset="0"/>
+              </a:rPr>
+            </a:br>
+            <a:r>
+              <a:rPr lang="ru-RU" sz="2000" dirty="0">
+                <a:latin typeface="Times New Roman" panose="02020603050405020304" pitchFamily="18" charset="0"/>
+                <a:cs typeface="Times New Roman" panose="02020603050405020304" pitchFamily="18" charset="0"/>
+              </a:rPr>
+              <a:t> </a:t>
+            </a:r>
+            <a:br>
+              <a:rPr lang="ru-RU" sz="2000" dirty="0">
+                <a:latin typeface="Times New Roman" panose="02020603050405020304" pitchFamily="18" charset="0"/>
+                <a:cs typeface="Times New Roman" panose="02020603050405020304" pitchFamily="18" charset="0"/>
+              </a:rPr>
+            </a:br>
+            <a:r>
+              <a:rPr lang="ru-RU" sz="2000" dirty="0">
+                <a:latin typeface="Times New Roman" panose="02020603050405020304" pitchFamily="18" charset="0"/>
+                <a:cs typeface="Times New Roman" panose="02020603050405020304" pitchFamily="18" charset="0"/>
+              </a:rPr>
+              <a:t> </a:t>
+            </a:r>
+            <a:r>
+              <a:rPr lang="ru-RU" sz="2000" dirty="0" smtClean="0">
+                <a:latin typeface="Times New Roman" panose="02020603050405020304" pitchFamily="18" charset="0"/>
+                <a:cs typeface="Times New Roman" panose="02020603050405020304" pitchFamily="18" charset="0"/>
+              </a:rPr>
+              <a:t>Институт </a:t>
+            </a:r>
+            <a:r>
+              <a:rPr lang="ru-RU" sz="2000" dirty="0">
+                <a:latin typeface="Times New Roman" panose="02020603050405020304" pitchFamily="18" charset="0"/>
+                <a:cs typeface="Times New Roman" panose="02020603050405020304" pitchFamily="18" charset="0"/>
+              </a:rPr>
+              <a:t>повышения квалификации преподавателей</a:t>
+            </a:r>
+            <a:br>
+              <a:rPr lang="ru-RU" sz="2000" dirty="0">
+                <a:latin typeface="Times New Roman" panose="02020603050405020304" pitchFamily="18" charset="0"/>
+                <a:cs typeface="Times New Roman" panose="02020603050405020304" pitchFamily="18" charset="0"/>
+              </a:rPr>
+            </a:br>
+            <a:r>
+              <a:rPr lang="ru-RU" sz="2000" dirty="0">
+                <a:latin typeface="Times New Roman" panose="02020603050405020304" pitchFamily="18" charset="0"/>
+                <a:cs typeface="Times New Roman" panose="02020603050405020304" pitchFamily="18" charset="0"/>
+              </a:rPr>
+              <a:t> </a:t>
+            </a:r>
+            <a:br>
+              <a:rPr lang="ru-RU" sz="2000" dirty="0">
+                <a:latin typeface="Times New Roman" panose="02020603050405020304" pitchFamily="18" charset="0"/>
+                <a:cs typeface="Times New Roman" panose="02020603050405020304" pitchFamily="18" charset="0"/>
+              </a:rPr>
+            </a:br>
+            <a:r>
+              <a:rPr lang="ru-RU" sz="2000" dirty="0">
+                <a:latin typeface="Times New Roman" panose="02020603050405020304" pitchFamily="18" charset="0"/>
+                <a:cs typeface="Times New Roman" panose="02020603050405020304" pitchFamily="18" charset="0"/>
+              </a:rPr>
+              <a:t>Кафедра </a:t>
+            </a:r>
+            <a:r>
+              <a:rPr lang="ru-RU" sz="2000" dirty="0" smtClean="0">
+                <a:latin typeface="Times New Roman" panose="02020603050405020304" pitchFamily="18" charset="0"/>
+                <a:cs typeface="Times New Roman" panose="02020603050405020304" pitchFamily="18" charset="0"/>
+              </a:rPr>
+              <a:t>информатики</a:t>
+            </a:r>
+            <a:endParaRPr lang="ru-RU" sz="2000" dirty="0"/>
+          </a:p>
+        </p:txBody>
+      </p:sp>
+      <p:sp>
+        <p:nvSpPr>
+          <p:cNvPr id="7" name="Подзаголовок 2"/>
+          <p:cNvSpPr>
+            <a:spLocks noGrp="1"/>
           </p:cNvSpPr>
           <p:nvPr/>
         </p:nvSpPr>
         <p:spPr>
           <a:xfrm>
-            <a:off x="293298" y="2503475"/>
-            <a:ext cx="11593902" cy="651686"/>
+            <a:off x="1524000" y="2451241"/>
+            <a:ext cx="9144000" cy="5165410"/>
           </a:xfrm>
           <a:prstGeom prst="rect">
             <a:avLst/>
@@ -3848,107 +3735,220 @@
             </a:lvl9pPr>
           </a:lstStyle>
           <a:p>
-            <a:pPr>
-              <a:lnSpc>
-                <a:spcPct val="100000"/>
-              </a:lnSpc>
-              <a:spcBef>
-                <a:spcPts val="0"/>
-              </a:spcBef>
-            </a:pPr>
-            <a:r>
-              <a:rPr lang="ru-RU" sz="3300" b="1" dirty="0">
-                <a:latin typeface="Times New Roman" panose="02020603050405020304" pitchFamily="18" charset="0"/>
-                <a:cs typeface="Times New Roman" panose="02020603050405020304" pitchFamily="18" charset="0"/>
-              </a:rPr>
-              <a:t>ВЫПУСКНАЯ КВАЛИФИКАЦИОННАЯ </a:t>
-            </a:r>
-            <a:r>
-              <a:rPr lang="ru-RU" sz="3300" b="1" dirty="0" smtClean="0">
-                <a:latin typeface="Times New Roman" panose="02020603050405020304" pitchFamily="18" charset="0"/>
-                <a:cs typeface="Times New Roman" panose="02020603050405020304" pitchFamily="18" charset="0"/>
-              </a:rPr>
-              <a:t>РАБОТА</a:t>
-            </a:r>
-            <a:endParaRPr lang="ru-RU" sz="3300" b="1" dirty="0">
+            <a:r>
+              <a:rPr lang="ru-RU" b="1" cap="all" dirty="0" err="1">
+                <a:latin typeface="Times New Roman" panose="02020603050405020304" pitchFamily="18" charset="0"/>
+                <a:cs typeface="Times New Roman" panose="02020603050405020304" pitchFamily="18" charset="0"/>
+              </a:rPr>
+              <a:t>ВыПУскная</a:t>
+            </a:r>
+            <a:r>
+              <a:rPr lang="ru-RU" b="1" cap="all" dirty="0">
+                <a:latin typeface="Times New Roman" panose="02020603050405020304" pitchFamily="18" charset="0"/>
+                <a:cs typeface="Times New Roman" panose="02020603050405020304" pitchFamily="18" charset="0"/>
+              </a:rPr>
+              <a:t> квалификационная работа</a:t>
+            </a:r>
+            <a:endParaRPr lang="ru-RU" dirty="0">
               <a:latin typeface="Times New Roman" panose="02020603050405020304" pitchFamily="18" charset="0"/>
               <a:cs typeface="Times New Roman" panose="02020603050405020304" pitchFamily="18" charset="0"/>
             </a:endParaRPr>
           </a:p>
-        </p:txBody>
-      </p:sp>
-      <p:sp>
-        <p:nvSpPr>
-          <p:cNvPr id="33" name="Заголовок 1">
-            <a:extLst>
-              <a:ext uri="{FF2B5EF4-FFF2-40B4-BE49-F238E27FC236}">
-                <a16:creationId xmlns:a16="http://schemas.microsoft.com/office/drawing/2014/main" id="{0E58027B-2B5F-3DC7-9B2C-79A5A1D2B7B9}"/>
-              </a:ext>
-            </a:extLst>
-          </p:cNvPr>
-          <p:cNvSpPr txBox="1">
-            <a:spLocks/>
-          </p:cNvSpPr>
-          <p:nvPr/>
-        </p:nvSpPr>
-        <p:spPr>
-          <a:xfrm>
-            <a:off x="293298" y="3401492"/>
-            <a:ext cx="11593902" cy="1026543"/>
-          </a:xfrm>
-          <a:prstGeom prst="rect">
-            <a:avLst/>
-          </a:prstGeom>
-        </p:spPr>
-        <p:txBody>
-          <a:bodyPr vert="horz" lIns="91440" tIns="45720" rIns="91440" bIns="45720" rtlCol="0" anchor="b">
-            <a:noAutofit/>
-          </a:bodyPr>
-          <a:lstStyle>
-            <a:lvl1pPr algn="ctr" defTabSz="914400" rtl="0" eaLnBrk="1" latinLnBrk="0" hangingPunct="1">
-              <a:lnSpc>
-                <a:spcPct val="90000"/>
-              </a:lnSpc>
-              <a:spcBef>
-                <a:spcPct val="0"/>
-              </a:spcBef>
-              <a:buNone/>
-              <a:defRPr sz="6000" kern="1200">
-                <a:solidFill>
-                  <a:schemeClr val="tx1"/>
-                </a:solidFill>
-                <a:latin typeface="+mj-lt"/>
-                <a:ea typeface="+mj-ea"/>
-                <a:cs typeface="+mj-cs"/>
-              </a:defRPr>
-            </a:lvl1pPr>
-          </a:lstStyle>
-          <a:p>
-            <a:pPr>
-              <a:lnSpc>
-                <a:spcPct val="150000"/>
-              </a:lnSpc>
-            </a:pPr>
-            <a:r>
-              <a:rPr lang="ru-RU" sz="2800" b="1" dirty="0">
-                <a:latin typeface="Times New Roman" panose="02020603050405020304" pitchFamily="18" charset="0"/>
-                <a:cs typeface="Times New Roman" panose="02020603050405020304" pitchFamily="18" charset="0"/>
-              </a:rPr>
-              <a:t>Разработка информационной системы для автоматизации работы</a:t>
-            </a:r>
-          </a:p>
-          <a:p>
-            <a:pPr>
-              <a:lnSpc>
-                <a:spcPct val="150000"/>
-              </a:lnSpc>
-            </a:pPr>
-            <a:r>
-              <a:rPr lang="ru-RU" sz="2800" b="1" dirty="0">
-                <a:latin typeface="Times New Roman" panose="02020603050405020304" pitchFamily="18" charset="0"/>
-                <a:cs typeface="Times New Roman" panose="02020603050405020304" pitchFamily="18" charset="0"/>
-              </a:rPr>
-              <a:t>диспетчера железнодорожной кассы</a:t>
+          <a:p>
+            <a:r>
+              <a:rPr lang="ru-RU" sz="2000" dirty="0">
+                <a:latin typeface="Times New Roman" panose="02020603050405020304" pitchFamily="18" charset="0"/>
+                <a:cs typeface="Times New Roman" panose="02020603050405020304" pitchFamily="18" charset="0"/>
+              </a:rPr>
+              <a:t> Направление</a:t>
+            </a:r>
+            <a:r>
+              <a:rPr lang="ru-RU" sz="2000" dirty="0" smtClean="0">
+                <a:latin typeface="Times New Roman" panose="02020603050405020304" pitchFamily="18" charset="0"/>
+                <a:cs typeface="Times New Roman" panose="02020603050405020304" pitchFamily="18" charset="0"/>
+              </a:rPr>
+              <a:t> </a:t>
+            </a:r>
+            <a:r>
+              <a:rPr lang="ru-RU" sz="2000" dirty="0">
+                <a:latin typeface="Times New Roman" panose="02020603050405020304" pitchFamily="18" charset="0"/>
+                <a:cs typeface="Times New Roman" panose="02020603050405020304" pitchFamily="18" charset="0"/>
+              </a:rPr>
+              <a:t>подготовки 09.03.02 Информационные системы и технологии </a:t>
+            </a:r>
+          </a:p>
+          <a:p>
+            <a:r>
+              <a:rPr lang="ru-RU" dirty="0" smtClean="0">
+                <a:latin typeface="Times New Roman" panose="02020603050405020304" pitchFamily="18" charset="0"/>
+                <a:cs typeface="Times New Roman" panose="02020603050405020304" pitchFamily="18" charset="0"/>
+              </a:rPr>
+              <a:t> </a:t>
+            </a:r>
+            <a:r>
+              <a:rPr lang="ru-RU" b="1" dirty="0">
+                <a:latin typeface="Times New Roman" panose="02020603050405020304" pitchFamily="18" charset="0"/>
+                <a:cs typeface="Times New Roman" panose="02020603050405020304" pitchFamily="18" charset="0"/>
+              </a:rPr>
+              <a:t>Разработка информационной системы для автоматизации </a:t>
+            </a:r>
+            <a:r>
+              <a:rPr lang="ru-RU" b="1" dirty="0" smtClean="0">
+                <a:latin typeface="Times New Roman" panose="02020603050405020304" pitchFamily="18" charset="0"/>
+                <a:cs typeface="Times New Roman" panose="02020603050405020304" pitchFamily="18" charset="0"/>
+              </a:rPr>
+              <a:t>работы диспетчера </a:t>
+            </a:r>
+            <a:r>
+              <a:rPr lang="ru-RU" b="1" dirty="0">
+                <a:latin typeface="Times New Roman" panose="02020603050405020304" pitchFamily="18" charset="0"/>
+                <a:cs typeface="Times New Roman" panose="02020603050405020304" pitchFamily="18" charset="0"/>
+              </a:rPr>
+              <a:t>железнодорожной </a:t>
+            </a:r>
+            <a:r>
+              <a:rPr lang="ru-RU" b="1" dirty="0" smtClean="0">
+                <a:latin typeface="Times New Roman" panose="02020603050405020304" pitchFamily="18" charset="0"/>
+                <a:cs typeface="Times New Roman" panose="02020603050405020304" pitchFamily="18" charset="0"/>
+              </a:rPr>
+              <a:t>кассы</a:t>
+            </a:r>
+            <a:endParaRPr lang="en-US" dirty="0" smtClean="0">
+              <a:latin typeface="Times New Roman" panose="02020603050405020304" pitchFamily="18" charset="0"/>
+              <a:cs typeface="Times New Roman" panose="02020603050405020304" pitchFamily="18" charset="0"/>
+            </a:endParaRPr>
+          </a:p>
+          <a:p>
+            <a:pPr algn="l"/>
+            <a:endParaRPr lang="ru-RU" sz="2000" dirty="0" smtClean="0"/>
+          </a:p>
+          <a:p>
+            <a:pPr algn="l"/>
+            <a:endParaRPr lang="en-US" sz="2000" dirty="0" smtClean="0"/>
+          </a:p>
+          <a:p>
+            <a:pPr algn="just"/>
+            <a:r>
+              <a:rPr lang="ru-RU" sz="2000" dirty="0">
+                <a:latin typeface="Times New Roman" panose="02020603050405020304" pitchFamily="18" charset="0"/>
+                <a:cs typeface="Times New Roman" panose="02020603050405020304" pitchFamily="18" charset="0"/>
+              </a:rPr>
+              <a:t>Студент					          </a:t>
+            </a:r>
+            <a:r>
+              <a:rPr lang="ru-RU" sz="2000" dirty="0" smtClean="0">
+                <a:latin typeface="Times New Roman" panose="02020603050405020304" pitchFamily="18" charset="0"/>
+                <a:cs typeface="Times New Roman" panose="02020603050405020304" pitchFamily="18" charset="0"/>
+              </a:rPr>
+              <a:t>    </a:t>
+            </a:r>
+            <a:r>
+              <a:rPr lang="ru-RU" sz="2000" dirty="0" smtClean="0">
+                <a:latin typeface="Times New Roman" panose="02020603050405020304" pitchFamily="18" charset="0"/>
+                <a:cs typeface="Times New Roman" panose="02020603050405020304" pitchFamily="18" charset="0"/>
+              </a:rPr>
+              <a:t>Поляков Вадим Евгеньевич</a:t>
+            </a:r>
+          </a:p>
+          <a:p>
+            <a:pPr algn="just"/>
+            <a:r>
+              <a:rPr lang="ru-RU" sz="2000" dirty="0" smtClean="0">
+                <a:latin typeface="Times New Roman" panose="02020603050405020304" pitchFamily="18" charset="0"/>
+                <a:cs typeface="Times New Roman" panose="02020603050405020304" pitchFamily="18" charset="0"/>
+              </a:rPr>
+              <a:t>Руководитель</a:t>
+            </a:r>
+            <a:r>
+              <a:rPr lang="en-US" sz="2000" dirty="0" smtClean="0">
+                <a:latin typeface="Times New Roman" panose="02020603050405020304" pitchFamily="18" charset="0"/>
+                <a:cs typeface="Times New Roman" panose="02020603050405020304" pitchFamily="18" charset="0"/>
+              </a:rPr>
+              <a:t> </a:t>
+            </a:r>
+            <a:r>
+              <a:rPr lang="ru-RU" sz="2000" dirty="0" err="1" smtClean="0">
+                <a:latin typeface="Times New Roman" panose="02020603050405020304" pitchFamily="18" charset="0"/>
+                <a:cs typeface="Times New Roman" panose="02020603050405020304" pitchFamily="18" charset="0"/>
+              </a:rPr>
+              <a:t>к.п.н</a:t>
+            </a:r>
+            <a:r>
+              <a:rPr lang="ru-RU" sz="2000" dirty="0" smtClean="0">
+                <a:latin typeface="Times New Roman" panose="02020603050405020304" pitchFamily="18" charset="0"/>
+                <a:cs typeface="Times New Roman" panose="02020603050405020304" pitchFamily="18" charset="0"/>
+              </a:rPr>
+              <a:t>                             </a:t>
+            </a:r>
+            <a:r>
+              <a:rPr lang="ru-RU" sz="2000" dirty="0" smtClean="0">
+                <a:latin typeface="Times New Roman" panose="02020603050405020304" pitchFamily="18" charset="0"/>
+                <a:cs typeface="Times New Roman" panose="02020603050405020304" pitchFamily="18" charset="0"/>
+              </a:rPr>
+              <a:t>          </a:t>
+            </a:r>
+            <a:r>
+              <a:rPr lang="en-US" sz="2000" dirty="0" smtClean="0">
+                <a:latin typeface="Times New Roman" panose="02020603050405020304" pitchFamily="18" charset="0"/>
+                <a:cs typeface="Times New Roman" panose="02020603050405020304" pitchFamily="18" charset="0"/>
+              </a:rPr>
+              <a:t>                  </a:t>
+            </a:r>
+            <a:r>
+              <a:rPr lang="ru-RU" sz="2000" dirty="0" smtClean="0">
+                <a:latin typeface="Times New Roman" panose="02020603050405020304" pitchFamily="18" charset="0"/>
+                <a:cs typeface="Times New Roman" panose="02020603050405020304" pitchFamily="18" charset="0"/>
+              </a:rPr>
+              <a:t> </a:t>
+            </a:r>
+            <a:r>
+              <a:rPr lang="ru-RU" sz="2000" dirty="0" smtClean="0">
+                <a:latin typeface="Times New Roman" panose="02020603050405020304" pitchFamily="18" charset="0"/>
+                <a:cs typeface="Times New Roman" panose="02020603050405020304" pitchFamily="18" charset="0"/>
+              </a:rPr>
+              <a:t>Глотова </a:t>
+            </a:r>
+            <a:r>
+              <a:rPr lang="ru-RU" sz="2000" dirty="0">
+                <a:latin typeface="Times New Roman" panose="02020603050405020304" pitchFamily="18" charset="0"/>
+                <a:cs typeface="Times New Roman" panose="02020603050405020304" pitchFamily="18" charset="0"/>
+              </a:rPr>
+              <a:t>Марина Ивановна</a:t>
+            </a:r>
+            <a:endParaRPr lang="en-US" sz="2000" dirty="0" smtClean="0">
+              <a:latin typeface="Times New Roman" panose="02020603050405020304" pitchFamily="18" charset="0"/>
+              <a:cs typeface="Times New Roman" panose="02020603050405020304" pitchFamily="18" charset="0"/>
+            </a:endParaRPr>
+          </a:p>
+          <a:p>
+            <a:endParaRPr lang="ru-RU" sz="2000" dirty="0" smtClean="0">
+              <a:latin typeface="Times New Roman" panose="02020603050405020304" pitchFamily="18" charset="0"/>
+              <a:cs typeface="Times New Roman" panose="02020603050405020304" pitchFamily="18" charset="0"/>
+            </a:endParaRPr>
+          </a:p>
+          <a:p>
+            <a:endParaRPr lang="en-US" sz="2000" dirty="0" smtClean="0">
+              <a:latin typeface="Times New Roman" panose="02020603050405020304" pitchFamily="18" charset="0"/>
+              <a:cs typeface="Times New Roman" panose="02020603050405020304" pitchFamily="18" charset="0"/>
+            </a:endParaRPr>
+          </a:p>
+          <a:p>
+            <a:r>
+              <a:rPr lang="ru-RU" sz="2000" dirty="0" smtClean="0">
+                <a:latin typeface="Times New Roman" panose="02020603050405020304" pitchFamily="18" charset="0"/>
+                <a:cs typeface="Times New Roman" panose="02020603050405020304" pitchFamily="18" charset="0"/>
+              </a:rPr>
+              <a:t>Оренбург 2022                                                                                               </a:t>
+            </a:r>
+            <a:endParaRPr lang="ru-RU" sz="2000" dirty="0">
+              <a:latin typeface="Times New Roman" panose="02020603050405020304" pitchFamily="18" charset="0"/>
+              <a:cs typeface="Times New Roman" panose="02020603050405020304" pitchFamily="18" charset="0"/>
+            </a:endParaRPr>
+          </a:p>
+          <a:p>
+            <a:r>
+              <a:rPr lang="ru-RU" dirty="0"/>
+              <a:t> </a:t>
             </a:r>
           </a:p>
         </p:txBody>
@@ -3966,7 +3966,1702 @@
 </p:sld>
 </file>
 
-<file path=ppt/slides/slide2.xml><?xml version="1.0" encoding="utf-8"?>
+<file path=ppt/slides/slide10.xml><?xml version="1.0" encoding="utf-8"?>
+<p:sld xmlns:a="http://schemas.openxmlformats.org/drawingml/2006/main" xmlns:r="http://schemas.openxmlformats.org/officeDocument/2006/relationships" xmlns:p="http://schemas.openxmlformats.org/presentationml/2006/main" showMasterSp="0">
+  <p:cSld>
+    <p:spTree>
+      <p:nvGrpSpPr>
+        <p:cNvPr id="1" name=""/>
+        <p:cNvGrpSpPr/>
+        <p:nvPr/>
+      </p:nvGrpSpPr>
+      <p:grpSpPr>
+        <a:xfrm>
+          <a:off x="0" y="0"/>
+          <a:ext cx="0" cy="0"/>
+          <a:chOff x="0" y="0"/>
+          <a:chExt cx="0" cy="0"/>
+        </a:xfrm>
+      </p:grpSpPr>
+      <p:sp>
+        <p:nvSpPr>
+          <p:cNvPr id="29" name="Заголовок 1">
+            <a:extLst>
+              <a:ext uri="{FF2B5EF4-FFF2-40B4-BE49-F238E27FC236}">
+                <a16:creationId xmlns:a16="http://schemas.microsoft.com/office/drawing/2014/main" id="{AD672B75-0560-8C7A-4045-75C1179E2C88}"/>
+              </a:ext>
+            </a:extLst>
+          </p:cNvPr>
+          <p:cNvSpPr>
+            <a:spLocks noGrp="1"/>
+          </p:cNvSpPr>
+          <p:nvPr>
+            <p:ph type="title"/>
+          </p:nvPr>
+        </p:nvSpPr>
+        <p:spPr>
+          <a:xfrm>
+            <a:off x="0" y="0"/>
+            <a:ext cx="12192000" cy="1325563"/>
+          </a:xfrm>
+        </p:spPr>
+        <p:txBody>
+          <a:bodyPr>
+            <a:normAutofit fontScale="90000"/>
+          </a:bodyPr>
+          <a:lstStyle/>
+          <a:p>
+            <a:pPr algn="ctr"/>
+            <a:r>
+              <a:rPr lang="ru-RU" sz="5400" b="1" dirty="0" smtClean="0">
+                <a:latin typeface="Times New Roman" panose="02020603050405020304" pitchFamily="18" charset="0"/>
+                <a:cs typeface="Times New Roman" panose="02020603050405020304" pitchFamily="18" charset="0"/>
+              </a:rPr>
+              <a:t>Объектно-ориентированное моделирование </a:t>
+            </a:r>
+            <a:endParaRPr lang="ru-RU" b="1" dirty="0">
+              <a:latin typeface="Times New Roman" panose="02020603050405020304" pitchFamily="18" charset="0"/>
+              <a:cs typeface="Times New Roman" panose="02020603050405020304" pitchFamily="18" charset="0"/>
+            </a:endParaRPr>
+          </a:p>
+        </p:txBody>
+      </p:sp>
+      <p:sp>
+        <p:nvSpPr>
+          <p:cNvPr id="2" name="Прямоугольник 1"/>
+          <p:cNvSpPr/>
+          <p:nvPr/>
+        </p:nvSpPr>
+        <p:spPr>
+          <a:xfrm>
+            <a:off x="1532021" y="6197892"/>
+            <a:ext cx="9127958" cy="369332"/>
+          </a:xfrm>
+          <a:prstGeom prst="rect">
+            <a:avLst/>
+          </a:prstGeom>
+        </p:spPr>
+        <p:txBody>
+          <a:bodyPr wrap="square">
+            <a:spAutoFit/>
+          </a:bodyPr>
+          <a:lstStyle/>
+          <a:p>
+            <a:pPr lvl="0" indent="442913" algn="ctr"/>
+            <a:r>
+              <a:rPr lang="ru-RU" dirty="0" smtClean="0">
+                <a:latin typeface="Times New Roman" pitchFamily="18" charset="0"/>
+                <a:cs typeface="Times New Roman" pitchFamily="18" charset="0"/>
+              </a:rPr>
+              <a:t>Рисунок </a:t>
+            </a:r>
+            <a:r>
+              <a:rPr lang="ru-RU" dirty="0">
+                <a:latin typeface="Times New Roman" pitchFamily="18" charset="0"/>
+                <a:cs typeface="Times New Roman" pitchFamily="18" charset="0"/>
+              </a:rPr>
+              <a:t>7</a:t>
+            </a:r>
+            <a:r>
+              <a:rPr lang="ru-RU" dirty="0" smtClean="0">
+                <a:latin typeface="Times New Roman" pitchFamily="18" charset="0"/>
+                <a:cs typeface="Times New Roman" pitchFamily="18" charset="0"/>
+              </a:rPr>
+              <a:t> – Диаграмма классов</a:t>
+            </a:r>
+            <a:endParaRPr lang="ru-RU" dirty="0">
+              <a:latin typeface="Times New Roman" pitchFamily="18" charset="0"/>
+              <a:cs typeface="Times New Roman" pitchFamily="18" charset="0"/>
+            </a:endParaRPr>
+          </a:p>
+        </p:txBody>
+      </p:sp>
+      <p:sp>
+        <p:nvSpPr>
+          <p:cNvPr id="3" name="Номер слайда 2"/>
+          <p:cNvSpPr>
+            <a:spLocks noGrp="1"/>
+          </p:cNvSpPr>
+          <p:nvPr>
+            <p:ph type="sldNum" sz="quarter" idx="12"/>
+          </p:nvPr>
+        </p:nvSpPr>
+        <p:spPr/>
+        <p:txBody>
+          <a:bodyPr/>
+          <a:lstStyle/>
+          <a:p>
+            <a:fld id="{D1EC1024-499E-4324-A73D-2CC3F9B7708C}" type="slidenum">
+              <a:rPr lang="ru-RU" smtClean="0"/>
+              <a:t>10</a:t>
+            </a:fld>
+            <a:endParaRPr lang="ru-RU"/>
+          </a:p>
+        </p:txBody>
+      </p:sp>
+      <p:pic>
+        <p:nvPicPr>
+          <p:cNvPr id="7170" name="Picture 2" descr="Диаграмма классов"/>
+          <p:cNvPicPr>
+            <a:picLocks noChangeAspect="1" noChangeArrowheads="1"/>
+          </p:cNvPicPr>
+          <p:nvPr/>
+        </p:nvPicPr>
+        <p:blipFill>
+          <a:blip r:embed="rId2">
+            <a:extLst>
+              <a:ext uri="{28A0092B-C50C-407E-A947-70E740481C1C}">
+                <a14:useLocalDpi xmlns:a14="http://schemas.microsoft.com/office/drawing/2010/main" val="0"/>
+              </a:ext>
+            </a:extLst>
+          </a:blip>
+          <a:srcRect/>
+          <a:stretch>
+            <a:fillRect/>
+          </a:stretch>
+        </p:blipFill>
+        <p:spPr bwMode="auto">
+          <a:xfrm>
+            <a:off x="3469358" y="1445949"/>
+            <a:ext cx="5253284" cy="4597692"/>
+          </a:xfrm>
+          <a:prstGeom prst="rect">
+            <a:avLst/>
+          </a:prstGeom>
+          <a:noFill/>
+          <a:ln>
+            <a:noFill/>
+          </a:ln>
+          <a:extLst>
+            <a:ext uri="{909E8E84-426E-40DD-AFC4-6F175D3DCCD1}">
+              <a14:hiddenFill xmlns:a14="http://schemas.microsoft.com/office/drawing/2010/main">
+                <a:solidFill>
+                  <a:srgbClr val="FFFFFF"/>
+                </a:solidFill>
+              </a14:hiddenFill>
+            </a:ext>
+            <a:ext uri="{91240B29-F687-4F45-9708-019B960494DF}">
+              <a14:hiddenLine xmlns:a14="http://schemas.microsoft.com/office/drawing/2010/main" w="9525">
+                <a:solidFill>
+                  <a:srgbClr val="000000"/>
+                </a:solidFill>
+                <a:miter lim="800000"/>
+                <a:headEnd/>
+                <a:tailEnd/>
+              </a14:hiddenLine>
+            </a:ext>
+          </a:extLst>
+        </p:spPr>
+      </p:pic>
+    </p:spTree>
+    <p:extLst>
+      <p:ext uri="{BB962C8B-B14F-4D97-AF65-F5344CB8AC3E}">
+        <p14:creationId xmlns:p14="http://schemas.microsoft.com/office/powerpoint/2010/main" val="1703062565"/>
+      </p:ext>
+    </p:extLst>
+  </p:cSld>
+  <p:clrMapOvr>
+    <a:masterClrMapping/>
+  </p:clrMapOvr>
+  <p:timing>
+    <p:tnLst>
+      <p:par>
+        <p:cTn id="1" dur="indefinite" restart="never" nodeType="tmRoot"/>
+      </p:par>
+    </p:tnLst>
+  </p:timing>
+</p:sld>
+</file>
+
+<file path=ppt/slides/slide11.xml><?xml version="1.0" encoding="utf-8"?>
+<p:sld xmlns:a="http://schemas.openxmlformats.org/drawingml/2006/main" xmlns:r="http://schemas.openxmlformats.org/officeDocument/2006/relationships" xmlns:p="http://schemas.openxmlformats.org/presentationml/2006/main" showMasterSp="0">
+  <p:cSld>
+    <p:spTree>
+      <p:nvGrpSpPr>
+        <p:cNvPr id="1" name=""/>
+        <p:cNvGrpSpPr/>
+        <p:nvPr/>
+      </p:nvGrpSpPr>
+      <p:grpSpPr>
+        <a:xfrm>
+          <a:off x="0" y="0"/>
+          <a:ext cx="0" cy="0"/>
+          <a:chOff x="0" y="0"/>
+          <a:chExt cx="0" cy="0"/>
+        </a:xfrm>
+      </p:grpSpPr>
+      <p:sp>
+        <p:nvSpPr>
+          <p:cNvPr id="29" name="Заголовок 1">
+            <a:extLst>
+              <a:ext uri="{FF2B5EF4-FFF2-40B4-BE49-F238E27FC236}">
+                <a16:creationId xmlns:a16="http://schemas.microsoft.com/office/drawing/2014/main" id="{AD672B75-0560-8C7A-4045-75C1179E2C88}"/>
+              </a:ext>
+            </a:extLst>
+          </p:cNvPr>
+          <p:cNvSpPr>
+            <a:spLocks noGrp="1"/>
+          </p:cNvSpPr>
+          <p:nvPr>
+            <p:ph type="title"/>
+          </p:nvPr>
+        </p:nvSpPr>
+        <p:spPr>
+          <a:xfrm>
+            <a:off x="0" y="0"/>
+            <a:ext cx="12192000" cy="1325563"/>
+          </a:xfrm>
+        </p:spPr>
+        <p:txBody>
+          <a:bodyPr>
+            <a:normAutofit fontScale="90000"/>
+          </a:bodyPr>
+          <a:lstStyle/>
+          <a:p>
+            <a:pPr algn="ctr"/>
+            <a:r>
+              <a:rPr lang="ru-RU" sz="5400" b="1" dirty="0" smtClean="0">
+                <a:latin typeface="Times New Roman" panose="02020603050405020304" pitchFamily="18" charset="0"/>
+                <a:cs typeface="Times New Roman" panose="02020603050405020304" pitchFamily="18" charset="0"/>
+              </a:rPr>
+              <a:t>Объектно-ориентированное моделирование </a:t>
+            </a:r>
+            <a:endParaRPr lang="ru-RU" b="1" dirty="0">
+              <a:latin typeface="Times New Roman" panose="02020603050405020304" pitchFamily="18" charset="0"/>
+              <a:cs typeface="Times New Roman" panose="02020603050405020304" pitchFamily="18" charset="0"/>
+            </a:endParaRPr>
+          </a:p>
+        </p:txBody>
+      </p:sp>
+      <p:sp>
+        <p:nvSpPr>
+          <p:cNvPr id="2" name="Прямоугольник 1"/>
+          <p:cNvSpPr/>
+          <p:nvPr/>
+        </p:nvSpPr>
+        <p:spPr>
+          <a:xfrm>
+            <a:off x="1532021" y="6197892"/>
+            <a:ext cx="9127958" cy="369332"/>
+          </a:xfrm>
+          <a:prstGeom prst="rect">
+            <a:avLst/>
+          </a:prstGeom>
+        </p:spPr>
+        <p:txBody>
+          <a:bodyPr wrap="square">
+            <a:spAutoFit/>
+          </a:bodyPr>
+          <a:lstStyle/>
+          <a:p>
+            <a:pPr lvl="0" indent="442913" algn="ctr"/>
+            <a:r>
+              <a:rPr lang="ru-RU" dirty="0" smtClean="0">
+                <a:latin typeface="Times New Roman" pitchFamily="18" charset="0"/>
+                <a:cs typeface="Times New Roman" pitchFamily="18" charset="0"/>
+              </a:rPr>
+              <a:t>Рисунок </a:t>
+            </a:r>
+            <a:r>
+              <a:rPr lang="ru-RU" dirty="0" smtClean="0">
+                <a:latin typeface="Times New Roman" pitchFamily="18" charset="0"/>
+                <a:cs typeface="Times New Roman" pitchFamily="18" charset="0"/>
+              </a:rPr>
+              <a:t>8 – Диаграмма деятельности информационной системы</a:t>
+            </a:r>
+            <a:endParaRPr lang="ru-RU" dirty="0">
+              <a:latin typeface="Times New Roman" pitchFamily="18" charset="0"/>
+              <a:cs typeface="Times New Roman" pitchFamily="18" charset="0"/>
+            </a:endParaRPr>
+          </a:p>
+        </p:txBody>
+      </p:sp>
+      <p:sp>
+        <p:nvSpPr>
+          <p:cNvPr id="3" name="Номер слайда 2"/>
+          <p:cNvSpPr>
+            <a:spLocks noGrp="1"/>
+          </p:cNvSpPr>
+          <p:nvPr>
+            <p:ph type="sldNum" sz="quarter" idx="12"/>
+          </p:nvPr>
+        </p:nvSpPr>
+        <p:spPr/>
+        <p:txBody>
+          <a:bodyPr/>
+          <a:lstStyle/>
+          <a:p>
+            <a:fld id="{D1EC1024-499E-4324-A73D-2CC3F9B7708C}" type="slidenum">
+              <a:rPr lang="ru-RU" smtClean="0"/>
+              <a:t>11</a:t>
+            </a:fld>
+            <a:endParaRPr lang="ru-RU"/>
+          </a:p>
+        </p:txBody>
+      </p:sp>
+      <p:pic>
+        <p:nvPicPr>
+          <p:cNvPr id="8194" name="Picture 2" descr="диаграмма деятельности информационой системы"/>
+          <p:cNvPicPr>
+            <a:picLocks noChangeAspect="1" noChangeArrowheads="1"/>
+          </p:cNvPicPr>
+          <p:nvPr/>
+        </p:nvPicPr>
+        <p:blipFill>
+          <a:blip r:embed="rId2">
+            <a:extLst>
+              <a:ext uri="{28A0092B-C50C-407E-A947-70E740481C1C}">
+                <a14:useLocalDpi xmlns:a14="http://schemas.microsoft.com/office/drawing/2010/main" val="0"/>
+              </a:ext>
+            </a:extLst>
+          </a:blip>
+          <a:srcRect/>
+          <a:stretch>
+            <a:fillRect/>
+          </a:stretch>
+        </p:blipFill>
+        <p:spPr bwMode="auto">
+          <a:xfrm>
+            <a:off x="4384675" y="1325563"/>
+            <a:ext cx="3422650" cy="4895452"/>
+          </a:xfrm>
+          <a:prstGeom prst="rect">
+            <a:avLst/>
+          </a:prstGeom>
+          <a:noFill/>
+          <a:ln>
+            <a:noFill/>
+          </a:ln>
+          <a:extLst>
+            <a:ext uri="{909E8E84-426E-40DD-AFC4-6F175D3DCCD1}">
+              <a14:hiddenFill xmlns:a14="http://schemas.microsoft.com/office/drawing/2010/main">
+                <a:solidFill>
+                  <a:srgbClr val="FFFFFF"/>
+                </a:solidFill>
+              </a14:hiddenFill>
+            </a:ext>
+            <a:ext uri="{91240B29-F687-4F45-9708-019B960494DF}">
+              <a14:hiddenLine xmlns:a14="http://schemas.microsoft.com/office/drawing/2010/main" w="9525">
+                <a:solidFill>
+                  <a:srgbClr val="000000"/>
+                </a:solidFill>
+                <a:miter lim="800000"/>
+                <a:headEnd/>
+                <a:tailEnd/>
+              </a14:hiddenLine>
+            </a:ext>
+          </a:extLst>
+        </p:spPr>
+      </p:pic>
+    </p:spTree>
+    <p:extLst>
+      <p:ext uri="{BB962C8B-B14F-4D97-AF65-F5344CB8AC3E}">
+        <p14:creationId xmlns:p14="http://schemas.microsoft.com/office/powerpoint/2010/main" val="523541971"/>
+      </p:ext>
+    </p:extLst>
+  </p:cSld>
+  <p:clrMapOvr>
+    <a:masterClrMapping/>
+  </p:clrMapOvr>
+  <p:timing>
+    <p:tnLst>
+      <p:par>
+        <p:cTn id="1" dur="indefinite" restart="never" nodeType="tmRoot"/>
+      </p:par>
+    </p:tnLst>
+  </p:timing>
+</p:sld>
+</file>
+
+<file path=ppt/slides/slide12.xml><?xml version="1.0" encoding="utf-8"?>
+<p:sld xmlns:a="http://schemas.openxmlformats.org/drawingml/2006/main" xmlns:r="http://schemas.openxmlformats.org/officeDocument/2006/relationships" xmlns:p="http://schemas.openxmlformats.org/presentationml/2006/main" showMasterSp="0">
+  <p:cSld>
+    <p:spTree>
+      <p:nvGrpSpPr>
+        <p:cNvPr id="1" name=""/>
+        <p:cNvGrpSpPr/>
+        <p:nvPr/>
+      </p:nvGrpSpPr>
+      <p:grpSpPr>
+        <a:xfrm>
+          <a:off x="0" y="0"/>
+          <a:ext cx="0" cy="0"/>
+          <a:chOff x="0" y="0"/>
+          <a:chExt cx="0" cy="0"/>
+        </a:xfrm>
+      </p:grpSpPr>
+      <p:sp>
+        <p:nvSpPr>
+          <p:cNvPr id="29" name="Заголовок 1">
+            <a:extLst>
+              <a:ext uri="{FF2B5EF4-FFF2-40B4-BE49-F238E27FC236}">
+                <a16:creationId xmlns:a16="http://schemas.microsoft.com/office/drawing/2014/main" id="{AD672B75-0560-8C7A-4045-75C1179E2C88}"/>
+              </a:ext>
+            </a:extLst>
+          </p:cNvPr>
+          <p:cNvSpPr>
+            <a:spLocks noGrp="1"/>
+          </p:cNvSpPr>
+          <p:nvPr>
+            <p:ph type="title"/>
+          </p:nvPr>
+        </p:nvSpPr>
+        <p:spPr>
+          <a:xfrm>
+            <a:off x="0" y="0"/>
+            <a:ext cx="12192000" cy="1325563"/>
+          </a:xfrm>
+        </p:spPr>
+        <p:txBody>
+          <a:bodyPr/>
+          <a:lstStyle/>
+          <a:p>
+            <a:pPr algn="ctr"/>
+            <a:r>
+              <a:rPr lang="ru-RU" sz="5400" b="1" dirty="0" smtClean="0">
+                <a:latin typeface="Times New Roman" panose="02020603050405020304" pitchFamily="18" charset="0"/>
+                <a:cs typeface="Times New Roman" panose="02020603050405020304" pitchFamily="18" charset="0"/>
+              </a:rPr>
+              <a:t>Проектирование базы данных</a:t>
+            </a:r>
+            <a:endParaRPr lang="ru-RU" b="1" dirty="0">
+              <a:latin typeface="Times New Roman" panose="02020603050405020304" pitchFamily="18" charset="0"/>
+              <a:cs typeface="Times New Roman" panose="02020603050405020304" pitchFamily="18" charset="0"/>
+            </a:endParaRPr>
+          </a:p>
+        </p:txBody>
+      </p:sp>
+      <p:sp>
+        <p:nvSpPr>
+          <p:cNvPr id="2" name="Прямоугольник 1"/>
+          <p:cNvSpPr/>
+          <p:nvPr/>
+        </p:nvSpPr>
+        <p:spPr>
+          <a:xfrm>
+            <a:off x="1532021" y="6197892"/>
+            <a:ext cx="9127958" cy="369332"/>
+          </a:xfrm>
+          <a:prstGeom prst="rect">
+            <a:avLst/>
+          </a:prstGeom>
+        </p:spPr>
+        <p:txBody>
+          <a:bodyPr wrap="square">
+            <a:spAutoFit/>
+          </a:bodyPr>
+          <a:lstStyle/>
+          <a:p>
+            <a:pPr lvl="0" indent="442913" algn="ctr"/>
+            <a:r>
+              <a:rPr lang="ru-RU" dirty="0" smtClean="0">
+                <a:latin typeface="Times New Roman" pitchFamily="18" charset="0"/>
+                <a:cs typeface="Times New Roman" pitchFamily="18" charset="0"/>
+              </a:rPr>
+              <a:t>Рисунок </a:t>
+            </a:r>
+            <a:r>
+              <a:rPr lang="ru-RU" dirty="0">
+                <a:latin typeface="Times New Roman" pitchFamily="18" charset="0"/>
+                <a:cs typeface="Times New Roman" pitchFamily="18" charset="0"/>
+              </a:rPr>
+              <a:t>9</a:t>
+            </a:r>
+            <a:r>
+              <a:rPr lang="ru-RU" dirty="0" smtClean="0">
+                <a:latin typeface="Times New Roman" pitchFamily="18" charset="0"/>
+                <a:cs typeface="Times New Roman" pitchFamily="18" charset="0"/>
+              </a:rPr>
+              <a:t> – Диаграмма физической модели базы данных  </a:t>
+            </a:r>
+            <a:endParaRPr lang="ru-RU" dirty="0">
+              <a:latin typeface="Times New Roman" pitchFamily="18" charset="0"/>
+              <a:cs typeface="Times New Roman" pitchFamily="18" charset="0"/>
+            </a:endParaRPr>
+          </a:p>
+        </p:txBody>
+      </p:sp>
+      <p:sp>
+        <p:nvSpPr>
+          <p:cNvPr id="3" name="Номер слайда 2"/>
+          <p:cNvSpPr>
+            <a:spLocks noGrp="1"/>
+          </p:cNvSpPr>
+          <p:nvPr>
+            <p:ph type="sldNum" sz="quarter" idx="12"/>
+          </p:nvPr>
+        </p:nvSpPr>
+        <p:spPr/>
+        <p:txBody>
+          <a:bodyPr/>
+          <a:lstStyle/>
+          <a:p>
+            <a:fld id="{D1EC1024-499E-4324-A73D-2CC3F9B7708C}" type="slidenum">
+              <a:rPr lang="ru-RU" smtClean="0"/>
+              <a:t>12</a:t>
+            </a:fld>
+            <a:endParaRPr lang="ru-RU"/>
+          </a:p>
+        </p:txBody>
+      </p:sp>
+      <p:pic>
+        <p:nvPicPr>
+          <p:cNvPr id="5122" name="Рисунок 20" descr="https://sun9-32.userapi.com/impg/jSGI3N8v8CFr5DW0Ia-y_RvjZVZGAxiBkrZofQ/gkOCipMwMsA.jpg?size=614x618&amp;quality=95&amp;sign=6e154ad12416b97750351e18159caf9f&amp;type=album"/>
+          <p:cNvPicPr>
+            <a:picLocks noChangeAspect="1" noChangeArrowheads="1"/>
+          </p:cNvPicPr>
+          <p:nvPr/>
+        </p:nvPicPr>
+        <p:blipFill>
+          <a:blip r:embed="rId2">
+            <a:extLst>
+              <a:ext uri="{28A0092B-C50C-407E-A947-70E740481C1C}">
+                <a14:useLocalDpi xmlns:a14="http://schemas.microsoft.com/office/drawing/2010/main" val="0"/>
+              </a:ext>
+            </a:extLst>
+          </a:blip>
+          <a:srcRect/>
+          <a:stretch>
+            <a:fillRect/>
+          </a:stretch>
+        </p:blipFill>
+        <p:spPr bwMode="auto">
+          <a:xfrm>
+            <a:off x="3559175" y="1085659"/>
+            <a:ext cx="5073650" cy="5112233"/>
+          </a:xfrm>
+          <a:prstGeom prst="rect">
+            <a:avLst/>
+          </a:prstGeom>
+          <a:noFill/>
+          <a:ln>
+            <a:noFill/>
+          </a:ln>
+          <a:extLst>
+            <a:ext uri="{909E8E84-426E-40DD-AFC4-6F175D3DCCD1}">
+              <a14:hiddenFill xmlns:a14="http://schemas.microsoft.com/office/drawing/2010/main">
+                <a:solidFill>
+                  <a:srgbClr val="FFFFFF"/>
+                </a:solidFill>
+              </a14:hiddenFill>
+            </a:ext>
+            <a:ext uri="{91240B29-F687-4F45-9708-019B960494DF}">
+              <a14:hiddenLine xmlns:a14="http://schemas.microsoft.com/office/drawing/2010/main" w="9525">
+                <a:solidFill>
+                  <a:srgbClr val="000000"/>
+                </a:solidFill>
+                <a:miter lim="800000"/>
+                <a:headEnd/>
+                <a:tailEnd/>
+              </a14:hiddenLine>
+            </a:ext>
+          </a:extLst>
+        </p:spPr>
+      </p:pic>
+    </p:spTree>
+    <p:extLst>
+      <p:ext uri="{BB962C8B-B14F-4D97-AF65-F5344CB8AC3E}">
+        <p14:creationId xmlns:p14="http://schemas.microsoft.com/office/powerpoint/2010/main" val="2552711829"/>
+      </p:ext>
+    </p:extLst>
+  </p:cSld>
+  <p:clrMapOvr>
+    <a:masterClrMapping/>
+  </p:clrMapOvr>
+  <p:timing>
+    <p:tnLst>
+      <p:par>
+        <p:cTn id="1" dur="indefinite" restart="never" nodeType="tmRoot"/>
+      </p:par>
+    </p:tnLst>
+  </p:timing>
+</p:sld>
+</file>
+
+<file path=ppt/slides/slide13.xml><?xml version="1.0" encoding="utf-8"?>
+<p:sld xmlns:a="http://schemas.openxmlformats.org/drawingml/2006/main" xmlns:r="http://schemas.openxmlformats.org/officeDocument/2006/relationships" xmlns:p="http://schemas.openxmlformats.org/presentationml/2006/main" showMasterSp="0">
+  <p:cSld>
+    <p:spTree>
+      <p:nvGrpSpPr>
+        <p:cNvPr id="1" name=""/>
+        <p:cNvGrpSpPr/>
+        <p:nvPr/>
+      </p:nvGrpSpPr>
+      <p:grpSpPr>
+        <a:xfrm>
+          <a:off x="0" y="0"/>
+          <a:ext cx="0" cy="0"/>
+          <a:chOff x="0" y="0"/>
+          <a:chExt cx="0" cy="0"/>
+        </a:xfrm>
+      </p:grpSpPr>
+      <p:sp>
+        <p:nvSpPr>
+          <p:cNvPr id="29" name="Заголовок 1">
+            <a:extLst>
+              <a:ext uri="{FF2B5EF4-FFF2-40B4-BE49-F238E27FC236}">
+                <a16:creationId xmlns:a16="http://schemas.microsoft.com/office/drawing/2014/main" id="{AD672B75-0560-8C7A-4045-75C1179E2C88}"/>
+              </a:ext>
+            </a:extLst>
+          </p:cNvPr>
+          <p:cNvSpPr>
+            <a:spLocks noGrp="1"/>
+          </p:cNvSpPr>
+          <p:nvPr>
+            <p:ph type="title"/>
+          </p:nvPr>
+        </p:nvSpPr>
+        <p:spPr>
+          <a:xfrm>
+            <a:off x="0" y="0"/>
+            <a:ext cx="12192000" cy="1325563"/>
+          </a:xfrm>
+        </p:spPr>
+        <p:txBody>
+          <a:bodyPr/>
+          <a:lstStyle/>
+          <a:p>
+            <a:pPr algn="ctr"/>
+            <a:r>
+              <a:rPr lang="ru-RU" sz="5400" b="1" dirty="0" smtClean="0">
+                <a:latin typeface="Times New Roman" panose="02020603050405020304" pitchFamily="18" charset="0"/>
+                <a:cs typeface="Times New Roman" panose="02020603050405020304" pitchFamily="18" charset="0"/>
+              </a:rPr>
+              <a:t>Основные окна приложения</a:t>
+            </a:r>
+            <a:endParaRPr lang="ru-RU" b="1" dirty="0">
+              <a:latin typeface="Times New Roman" panose="02020603050405020304" pitchFamily="18" charset="0"/>
+              <a:cs typeface="Times New Roman" panose="02020603050405020304" pitchFamily="18" charset="0"/>
+            </a:endParaRPr>
+          </a:p>
+        </p:txBody>
+      </p:sp>
+      <p:sp>
+        <p:nvSpPr>
+          <p:cNvPr id="2" name="Прямоугольник 1"/>
+          <p:cNvSpPr/>
+          <p:nvPr/>
+        </p:nvSpPr>
+        <p:spPr>
+          <a:xfrm>
+            <a:off x="357600" y="5427490"/>
+            <a:ext cx="5729536" cy="369332"/>
+          </a:xfrm>
+          <a:prstGeom prst="rect">
+            <a:avLst/>
+          </a:prstGeom>
+        </p:spPr>
+        <p:txBody>
+          <a:bodyPr wrap="square">
+            <a:spAutoFit/>
+          </a:bodyPr>
+          <a:lstStyle/>
+          <a:p>
+            <a:pPr lvl="0" indent="442913" algn="ctr"/>
+            <a:r>
+              <a:rPr lang="ru-RU" dirty="0" smtClean="0">
+                <a:latin typeface="Times New Roman" pitchFamily="18" charset="0"/>
+                <a:cs typeface="Times New Roman" pitchFamily="18" charset="0"/>
+              </a:rPr>
+              <a:t>Рисунок </a:t>
+            </a:r>
+            <a:r>
+              <a:rPr lang="ru-RU" dirty="0" smtClean="0">
+                <a:latin typeface="Times New Roman" pitchFamily="18" charset="0"/>
+                <a:cs typeface="Times New Roman" pitchFamily="18" charset="0"/>
+              </a:rPr>
+              <a:t>10 – Страница авторизации клиента</a:t>
+            </a:r>
+            <a:endParaRPr lang="ru-RU" dirty="0">
+              <a:latin typeface="Times New Roman" pitchFamily="18" charset="0"/>
+              <a:cs typeface="Times New Roman" pitchFamily="18" charset="0"/>
+            </a:endParaRPr>
+          </a:p>
+        </p:txBody>
+      </p:sp>
+      <p:sp>
+        <p:nvSpPr>
+          <p:cNvPr id="3" name="Номер слайда 2"/>
+          <p:cNvSpPr>
+            <a:spLocks noGrp="1"/>
+          </p:cNvSpPr>
+          <p:nvPr>
+            <p:ph type="sldNum" sz="quarter" idx="12"/>
+          </p:nvPr>
+        </p:nvSpPr>
+        <p:spPr/>
+        <p:txBody>
+          <a:bodyPr/>
+          <a:lstStyle/>
+          <a:p>
+            <a:fld id="{D1EC1024-499E-4324-A73D-2CC3F9B7708C}" type="slidenum">
+              <a:rPr lang="ru-RU" smtClean="0"/>
+              <a:t>13</a:t>
+            </a:fld>
+            <a:endParaRPr lang="ru-RU"/>
+          </a:p>
+        </p:txBody>
+      </p:sp>
+      <p:pic>
+        <p:nvPicPr>
+          <p:cNvPr id="9218" name="Рисунок 1"/>
+          <p:cNvPicPr>
+            <a:picLocks noChangeAspect="1" noChangeArrowheads="1"/>
+          </p:cNvPicPr>
+          <p:nvPr/>
+        </p:nvPicPr>
+        <p:blipFill>
+          <a:blip r:embed="rId2">
+            <a:extLst>
+              <a:ext uri="{28A0092B-C50C-407E-A947-70E740481C1C}">
+                <a14:useLocalDpi xmlns:a14="http://schemas.microsoft.com/office/drawing/2010/main" val="0"/>
+              </a:ext>
+            </a:extLst>
+          </a:blip>
+          <a:srcRect/>
+          <a:stretch>
+            <a:fillRect/>
+          </a:stretch>
+        </p:blipFill>
+        <p:spPr bwMode="auto">
+          <a:xfrm>
+            <a:off x="357600" y="1604877"/>
+            <a:ext cx="5738400" cy="3543298"/>
+          </a:xfrm>
+          <a:prstGeom prst="rect">
+            <a:avLst/>
+          </a:prstGeom>
+          <a:noFill/>
+          <a:ln>
+            <a:noFill/>
+          </a:ln>
+          <a:extLst>
+            <a:ext uri="{909E8E84-426E-40DD-AFC4-6F175D3DCCD1}">
+              <a14:hiddenFill xmlns:a14="http://schemas.microsoft.com/office/drawing/2010/main">
+                <a:solidFill>
+                  <a:srgbClr val="FFFFFF"/>
+                </a:solidFill>
+              </a14:hiddenFill>
+            </a:ext>
+            <a:ext uri="{91240B29-F687-4F45-9708-019B960494DF}">
+              <a14:hiddenLine xmlns:a14="http://schemas.microsoft.com/office/drawing/2010/main" w="9525">
+                <a:solidFill>
+                  <a:srgbClr val="000000"/>
+                </a:solidFill>
+                <a:miter lim="800000"/>
+                <a:headEnd/>
+                <a:tailEnd/>
+              </a14:hiddenLine>
+            </a:ext>
+          </a:extLst>
+        </p:spPr>
+      </p:pic>
+      <p:pic>
+        <p:nvPicPr>
+          <p:cNvPr id="10242" name="Рисунок 1"/>
+          <p:cNvPicPr>
+            <a:picLocks noChangeAspect="1" noChangeArrowheads="1"/>
+          </p:cNvPicPr>
+          <p:nvPr/>
+        </p:nvPicPr>
+        <p:blipFill>
+          <a:blip r:embed="rId3">
+            <a:extLst>
+              <a:ext uri="{28A0092B-C50C-407E-A947-70E740481C1C}">
+                <a14:useLocalDpi xmlns:a14="http://schemas.microsoft.com/office/drawing/2010/main" val="0"/>
+              </a:ext>
+            </a:extLst>
+          </a:blip>
+          <a:srcRect/>
+          <a:stretch>
+            <a:fillRect/>
+          </a:stretch>
+        </p:blipFill>
+        <p:spPr bwMode="auto">
+          <a:xfrm>
+            <a:off x="6087136" y="1605775"/>
+            <a:ext cx="6081643" cy="3542400"/>
+          </a:xfrm>
+          <a:prstGeom prst="rect">
+            <a:avLst/>
+          </a:prstGeom>
+          <a:noFill/>
+          <a:ln>
+            <a:noFill/>
+          </a:ln>
+          <a:extLst>
+            <a:ext uri="{909E8E84-426E-40DD-AFC4-6F175D3DCCD1}">
+              <a14:hiddenFill xmlns:a14="http://schemas.microsoft.com/office/drawing/2010/main">
+                <a:solidFill>
+                  <a:srgbClr val="FFFFFF"/>
+                </a:solidFill>
+              </a14:hiddenFill>
+            </a:ext>
+            <a:ext uri="{91240B29-F687-4F45-9708-019B960494DF}">
+              <a14:hiddenLine xmlns:a14="http://schemas.microsoft.com/office/drawing/2010/main" w="9525">
+                <a:solidFill>
+                  <a:srgbClr val="000000"/>
+                </a:solidFill>
+                <a:miter lim="800000"/>
+                <a:headEnd/>
+                <a:tailEnd/>
+              </a14:hiddenLine>
+            </a:ext>
+          </a:extLst>
+        </p:spPr>
+      </p:pic>
+      <p:sp>
+        <p:nvSpPr>
+          <p:cNvPr id="8" name="Прямоугольник 7"/>
+          <p:cNvSpPr/>
+          <p:nvPr/>
+        </p:nvSpPr>
+        <p:spPr>
+          <a:xfrm>
+            <a:off x="6087135" y="5427490"/>
+            <a:ext cx="6081644" cy="369332"/>
+          </a:xfrm>
+          <a:prstGeom prst="rect">
+            <a:avLst/>
+          </a:prstGeom>
+        </p:spPr>
+        <p:txBody>
+          <a:bodyPr wrap="square">
+            <a:spAutoFit/>
+          </a:bodyPr>
+          <a:lstStyle/>
+          <a:p>
+            <a:pPr lvl="0" indent="442913" algn="ctr"/>
+            <a:r>
+              <a:rPr lang="ru-RU" dirty="0" smtClean="0">
+                <a:latin typeface="Times New Roman" pitchFamily="18" charset="0"/>
+                <a:cs typeface="Times New Roman" pitchFamily="18" charset="0"/>
+              </a:rPr>
+              <a:t>Рисунок </a:t>
+            </a:r>
+            <a:r>
+              <a:rPr lang="ru-RU" dirty="0" smtClean="0">
+                <a:latin typeface="Times New Roman" pitchFamily="18" charset="0"/>
+                <a:cs typeface="Times New Roman" pitchFamily="18" charset="0"/>
+              </a:rPr>
+              <a:t>11 – Страница регистрации клиента</a:t>
+            </a:r>
+            <a:endParaRPr lang="ru-RU" dirty="0">
+              <a:latin typeface="Times New Roman" pitchFamily="18" charset="0"/>
+              <a:cs typeface="Times New Roman" pitchFamily="18" charset="0"/>
+            </a:endParaRPr>
+          </a:p>
+        </p:txBody>
+      </p:sp>
+    </p:spTree>
+    <p:extLst>
+      <p:ext uri="{BB962C8B-B14F-4D97-AF65-F5344CB8AC3E}">
+        <p14:creationId xmlns:p14="http://schemas.microsoft.com/office/powerpoint/2010/main" val="3421488120"/>
+      </p:ext>
+    </p:extLst>
+  </p:cSld>
+  <p:clrMapOvr>
+    <a:masterClrMapping/>
+  </p:clrMapOvr>
+  <p:timing>
+    <p:tnLst>
+      <p:par>
+        <p:cTn id="1" dur="indefinite" restart="never" nodeType="tmRoot"/>
+      </p:par>
+    </p:tnLst>
+  </p:timing>
+</p:sld>
+</file>
+
+<file path=ppt/slides/slide14.xml><?xml version="1.0" encoding="utf-8"?>
+<p:sld xmlns:a="http://schemas.openxmlformats.org/drawingml/2006/main" xmlns:r="http://schemas.openxmlformats.org/officeDocument/2006/relationships" xmlns:p="http://schemas.openxmlformats.org/presentationml/2006/main" showMasterSp="0">
+  <p:cSld>
+    <p:spTree>
+      <p:nvGrpSpPr>
+        <p:cNvPr id="1" name=""/>
+        <p:cNvGrpSpPr/>
+        <p:nvPr/>
+      </p:nvGrpSpPr>
+      <p:grpSpPr>
+        <a:xfrm>
+          <a:off x="0" y="0"/>
+          <a:ext cx="0" cy="0"/>
+          <a:chOff x="0" y="0"/>
+          <a:chExt cx="0" cy="0"/>
+        </a:xfrm>
+      </p:grpSpPr>
+      <p:sp>
+        <p:nvSpPr>
+          <p:cNvPr id="29" name="Заголовок 1">
+            <a:extLst>
+              <a:ext uri="{FF2B5EF4-FFF2-40B4-BE49-F238E27FC236}">
+                <a16:creationId xmlns:a16="http://schemas.microsoft.com/office/drawing/2014/main" id="{AD672B75-0560-8C7A-4045-75C1179E2C88}"/>
+              </a:ext>
+            </a:extLst>
+          </p:cNvPr>
+          <p:cNvSpPr>
+            <a:spLocks noGrp="1"/>
+          </p:cNvSpPr>
+          <p:nvPr>
+            <p:ph type="title"/>
+          </p:nvPr>
+        </p:nvSpPr>
+        <p:spPr>
+          <a:xfrm>
+            <a:off x="0" y="0"/>
+            <a:ext cx="12192000" cy="1325563"/>
+          </a:xfrm>
+        </p:spPr>
+        <p:txBody>
+          <a:bodyPr/>
+          <a:lstStyle/>
+          <a:p>
+            <a:pPr algn="ctr"/>
+            <a:r>
+              <a:rPr lang="ru-RU" sz="5400" b="1" dirty="0" smtClean="0">
+                <a:latin typeface="Times New Roman" panose="02020603050405020304" pitchFamily="18" charset="0"/>
+                <a:cs typeface="Times New Roman" panose="02020603050405020304" pitchFamily="18" charset="0"/>
+              </a:rPr>
+              <a:t>Основные окна приложения</a:t>
+            </a:r>
+            <a:endParaRPr lang="ru-RU" b="1" dirty="0">
+              <a:latin typeface="Times New Roman" panose="02020603050405020304" pitchFamily="18" charset="0"/>
+              <a:cs typeface="Times New Roman" panose="02020603050405020304" pitchFamily="18" charset="0"/>
+            </a:endParaRPr>
+          </a:p>
+        </p:txBody>
+      </p:sp>
+      <p:sp>
+        <p:nvSpPr>
+          <p:cNvPr id="2" name="Прямоугольник 1"/>
+          <p:cNvSpPr/>
+          <p:nvPr/>
+        </p:nvSpPr>
+        <p:spPr>
+          <a:xfrm>
+            <a:off x="357600" y="5427490"/>
+            <a:ext cx="5729536" cy="369332"/>
+          </a:xfrm>
+          <a:prstGeom prst="rect">
+            <a:avLst/>
+          </a:prstGeom>
+        </p:spPr>
+        <p:txBody>
+          <a:bodyPr wrap="square">
+            <a:spAutoFit/>
+          </a:bodyPr>
+          <a:lstStyle/>
+          <a:p>
+            <a:pPr lvl="0" indent="442913" algn="ctr"/>
+            <a:r>
+              <a:rPr lang="ru-RU" dirty="0" smtClean="0">
+                <a:latin typeface="Times New Roman" pitchFamily="18" charset="0"/>
+                <a:cs typeface="Times New Roman" pitchFamily="18" charset="0"/>
+              </a:rPr>
+              <a:t>Рисунок </a:t>
+            </a:r>
+            <a:r>
+              <a:rPr lang="ru-RU" dirty="0" smtClean="0">
+                <a:latin typeface="Times New Roman" pitchFamily="18" charset="0"/>
+                <a:cs typeface="Times New Roman" pitchFamily="18" charset="0"/>
+              </a:rPr>
+              <a:t>12 – Личный кабинет клиента</a:t>
+            </a:r>
+            <a:endParaRPr lang="ru-RU" dirty="0">
+              <a:latin typeface="Times New Roman" pitchFamily="18" charset="0"/>
+              <a:cs typeface="Times New Roman" pitchFamily="18" charset="0"/>
+            </a:endParaRPr>
+          </a:p>
+        </p:txBody>
+      </p:sp>
+      <p:sp>
+        <p:nvSpPr>
+          <p:cNvPr id="3" name="Номер слайда 2"/>
+          <p:cNvSpPr>
+            <a:spLocks noGrp="1"/>
+          </p:cNvSpPr>
+          <p:nvPr>
+            <p:ph type="sldNum" sz="quarter" idx="12"/>
+          </p:nvPr>
+        </p:nvSpPr>
+        <p:spPr/>
+        <p:txBody>
+          <a:bodyPr/>
+          <a:lstStyle/>
+          <a:p>
+            <a:fld id="{D1EC1024-499E-4324-A73D-2CC3F9B7708C}" type="slidenum">
+              <a:rPr lang="ru-RU" smtClean="0"/>
+              <a:t>14</a:t>
+            </a:fld>
+            <a:endParaRPr lang="ru-RU"/>
+          </a:p>
+        </p:txBody>
+      </p:sp>
+      <p:sp>
+        <p:nvSpPr>
+          <p:cNvPr id="8" name="Прямоугольник 7"/>
+          <p:cNvSpPr/>
+          <p:nvPr/>
+        </p:nvSpPr>
+        <p:spPr>
+          <a:xfrm>
+            <a:off x="6087135" y="5427490"/>
+            <a:ext cx="6081644" cy="369332"/>
+          </a:xfrm>
+          <a:prstGeom prst="rect">
+            <a:avLst/>
+          </a:prstGeom>
+        </p:spPr>
+        <p:txBody>
+          <a:bodyPr wrap="square">
+            <a:spAutoFit/>
+          </a:bodyPr>
+          <a:lstStyle/>
+          <a:p>
+            <a:pPr lvl="0" indent="442913" algn="ctr"/>
+            <a:r>
+              <a:rPr lang="ru-RU" dirty="0" smtClean="0">
+                <a:latin typeface="Times New Roman" pitchFamily="18" charset="0"/>
+                <a:cs typeface="Times New Roman" pitchFamily="18" charset="0"/>
+              </a:rPr>
+              <a:t>Рисунок </a:t>
+            </a:r>
+            <a:r>
+              <a:rPr lang="ru-RU" dirty="0" smtClean="0">
+                <a:latin typeface="Times New Roman" pitchFamily="18" charset="0"/>
+                <a:cs typeface="Times New Roman" pitchFamily="18" charset="0"/>
+              </a:rPr>
+              <a:t>13 – Редактор персональных данных</a:t>
+            </a:r>
+            <a:endParaRPr lang="ru-RU" dirty="0">
+              <a:latin typeface="Times New Roman" pitchFamily="18" charset="0"/>
+              <a:cs typeface="Times New Roman" pitchFamily="18" charset="0"/>
+            </a:endParaRPr>
+          </a:p>
+        </p:txBody>
+      </p:sp>
+      <p:pic>
+        <p:nvPicPr>
+          <p:cNvPr id="11267" name="Рисунок 1"/>
+          <p:cNvPicPr>
+            <a:picLocks noChangeAspect="1" noChangeArrowheads="1"/>
+          </p:cNvPicPr>
+          <p:nvPr/>
+        </p:nvPicPr>
+        <p:blipFill>
+          <a:blip r:embed="rId2">
+            <a:extLst>
+              <a:ext uri="{28A0092B-C50C-407E-A947-70E740481C1C}">
+                <a14:useLocalDpi xmlns:a14="http://schemas.microsoft.com/office/drawing/2010/main" val="0"/>
+              </a:ext>
+            </a:extLst>
+          </a:blip>
+          <a:srcRect/>
+          <a:stretch>
+            <a:fillRect/>
+          </a:stretch>
+        </p:blipFill>
+        <p:spPr bwMode="auto">
+          <a:xfrm>
+            <a:off x="357600" y="1842941"/>
+            <a:ext cx="5729535" cy="3140196"/>
+          </a:xfrm>
+          <a:prstGeom prst="rect">
+            <a:avLst/>
+          </a:prstGeom>
+          <a:noFill/>
+          <a:ln>
+            <a:noFill/>
+          </a:ln>
+          <a:extLst>
+            <a:ext uri="{909E8E84-426E-40DD-AFC4-6F175D3DCCD1}">
+              <a14:hiddenFill xmlns:a14="http://schemas.microsoft.com/office/drawing/2010/main">
+                <a:solidFill>
+                  <a:srgbClr val="FFFFFF"/>
+                </a:solidFill>
+              </a14:hiddenFill>
+            </a:ext>
+            <a:ext uri="{91240B29-F687-4F45-9708-019B960494DF}">
+              <a14:hiddenLine xmlns:a14="http://schemas.microsoft.com/office/drawing/2010/main" w="9525">
+                <a:solidFill>
+                  <a:srgbClr val="000000"/>
+                </a:solidFill>
+                <a:miter lim="800000"/>
+                <a:headEnd/>
+                <a:tailEnd/>
+              </a14:hiddenLine>
+            </a:ext>
+          </a:extLst>
+        </p:spPr>
+      </p:pic>
+      <p:pic>
+        <p:nvPicPr>
+          <p:cNvPr id="11269" name="Рисунок 1"/>
+          <p:cNvPicPr>
+            <a:picLocks noChangeAspect="1" noChangeArrowheads="1"/>
+          </p:cNvPicPr>
+          <p:nvPr/>
+        </p:nvPicPr>
+        <p:blipFill>
+          <a:blip r:embed="rId3">
+            <a:extLst>
+              <a:ext uri="{28A0092B-C50C-407E-A947-70E740481C1C}">
+                <a14:useLocalDpi xmlns:a14="http://schemas.microsoft.com/office/drawing/2010/main" val="0"/>
+              </a:ext>
+            </a:extLst>
+          </a:blip>
+          <a:srcRect/>
+          <a:stretch>
+            <a:fillRect/>
+          </a:stretch>
+        </p:blipFill>
+        <p:spPr bwMode="auto">
+          <a:xfrm>
+            <a:off x="6515100" y="1714755"/>
+            <a:ext cx="4943475" cy="3501516"/>
+          </a:xfrm>
+          <a:prstGeom prst="rect">
+            <a:avLst/>
+          </a:prstGeom>
+          <a:noFill/>
+          <a:ln>
+            <a:noFill/>
+          </a:ln>
+          <a:extLst>
+            <a:ext uri="{909E8E84-426E-40DD-AFC4-6F175D3DCCD1}">
+              <a14:hiddenFill xmlns:a14="http://schemas.microsoft.com/office/drawing/2010/main">
+                <a:solidFill>
+                  <a:srgbClr val="FFFFFF"/>
+                </a:solidFill>
+              </a14:hiddenFill>
+            </a:ext>
+            <a:ext uri="{91240B29-F687-4F45-9708-019B960494DF}">
+              <a14:hiddenLine xmlns:a14="http://schemas.microsoft.com/office/drawing/2010/main" w="9525">
+                <a:solidFill>
+                  <a:srgbClr val="000000"/>
+                </a:solidFill>
+                <a:miter lim="800000"/>
+                <a:headEnd/>
+                <a:tailEnd/>
+              </a14:hiddenLine>
+            </a:ext>
+          </a:extLst>
+        </p:spPr>
+      </p:pic>
+    </p:spTree>
+    <p:extLst>
+      <p:ext uri="{BB962C8B-B14F-4D97-AF65-F5344CB8AC3E}">
+        <p14:creationId xmlns:p14="http://schemas.microsoft.com/office/powerpoint/2010/main" val="1472830239"/>
+      </p:ext>
+    </p:extLst>
+  </p:cSld>
+  <p:clrMapOvr>
+    <a:masterClrMapping/>
+  </p:clrMapOvr>
+  <p:timing>
+    <p:tnLst>
+      <p:par>
+        <p:cTn id="1" dur="indefinite" restart="never" nodeType="tmRoot"/>
+      </p:par>
+    </p:tnLst>
+  </p:timing>
+</p:sld>
+</file>
+
+<file path=ppt/slides/slide15.xml><?xml version="1.0" encoding="utf-8"?>
+<p:sld xmlns:a="http://schemas.openxmlformats.org/drawingml/2006/main" xmlns:r="http://schemas.openxmlformats.org/officeDocument/2006/relationships" xmlns:p="http://schemas.openxmlformats.org/presentationml/2006/main" showMasterSp="0">
+  <p:cSld>
+    <p:spTree>
+      <p:nvGrpSpPr>
+        <p:cNvPr id="1" name=""/>
+        <p:cNvGrpSpPr/>
+        <p:nvPr/>
+      </p:nvGrpSpPr>
+      <p:grpSpPr>
+        <a:xfrm>
+          <a:off x="0" y="0"/>
+          <a:ext cx="0" cy="0"/>
+          <a:chOff x="0" y="0"/>
+          <a:chExt cx="0" cy="0"/>
+        </a:xfrm>
+      </p:grpSpPr>
+      <p:sp>
+        <p:nvSpPr>
+          <p:cNvPr id="29" name="Заголовок 1">
+            <a:extLst>
+              <a:ext uri="{FF2B5EF4-FFF2-40B4-BE49-F238E27FC236}">
+                <a16:creationId xmlns:a16="http://schemas.microsoft.com/office/drawing/2014/main" id="{AD672B75-0560-8C7A-4045-75C1179E2C88}"/>
+              </a:ext>
+            </a:extLst>
+          </p:cNvPr>
+          <p:cNvSpPr>
+            <a:spLocks noGrp="1"/>
+          </p:cNvSpPr>
+          <p:nvPr>
+            <p:ph type="title"/>
+          </p:nvPr>
+        </p:nvSpPr>
+        <p:spPr>
+          <a:xfrm>
+            <a:off x="0" y="0"/>
+            <a:ext cx="12192000" cy="1325563"/>
+          </a:xfrm>
+        </p:spPr>
+        <p:txBody>
+          <a:bodyPr/>
+          <a:lstStyle/>
+          <a:p>
+            <a:pPr algn="ctr"/>
+            <a:r>
+              <a:rPr lang="ru-RU" sz="5400" b="1" dirty="0" smtClean="0">
+                <a:latin typeface="Times New Roman" panose="02020603050405020304" pitchFamily="18" charset="0"/>
+                <a:cs typeface="Times New Roman" panose="02020603050405020304" pitchFamily="18" charset="0"/>
+              </a:rPr>
+              <a:t>Основные окна приложения</a:t>
+            </a:r>
+            <a:endParaRPr lang="ru-RU" b="1" dirty="0">
+              <a:latin typeface="Times New Roman" panose="02020603050405020304" pitchFamily="18" charset="0"/>
+              <a:cs typeface="Times New Roman" panose="02020603050405020304" pitchFamily="18" charset="0"/>
+            </a:endParaRPr>
+          </a:p>
+        </p:txBody>
+      </p:sp>
+      <p:sp>
+        <p:nvSpPr>
+          <p:cNvPr id="2" name="Прямоугольник 1"/>
+          <p:cNvSpPr/>
+          <p:nvPr/>
+        </p:nvSpPr>
+        <p:spPr>
+          <a:xfrm>
+            <a:off x="357600" y="5427490"/>
+            <a:ext cx="5729536" cy="369332"/>
+          </a:xfrm>
+          <a:prstGeom prst="rect">
+            <a:avLst/>
+          </a:prstGeom>
+        </p:spPr>
+        <p:txBody>
+          <a:bodyPr wrap="square">
+            <a:spAutoFit/>
+          </a:bodyPr>
+          <a:lstStyle/>
+          <a:p>
+            <a:pPr lvl="0" indent="442913" algn="ctr"/>
+            <a:r>
+              <a:rPr lang="ru-RU" dirty="0" smtClean="0">
+                <a:latin typeface="Times New Roman" pitchFamily="18" charset="0"/>
+                <a:cs typeface="Times New Roman" pitchFamily="18" charset="0"/>
+              </a:rPr>
+              <a:t>Рисунок </a:t>
+            </a:r>
+            <a:r>
+              <a:rPr lang="ru-RU" dirty="0" smtClean="0">
+                <a:latin typeface="Times New Roman" pitchFamily="18" charset="0"/>
+                <a:cs typeface="Times New Roman" pitchFamily="18" charset="0"/>
+              </a:rPr>
+              <a:t>14 – Пополнение баланса</a:t>
+            </a:r>
+            <a:endParaRPr lang="ru-RU" dirty="0">
+              <a:latin typeface="Times New Roman" pitchFamily="18" charset="0"/>
+              <a:cs typeface="Times New Roman" pitchFamily="18" charset="0"/>
+            </a:endParaRPr>
+          </a:p>
+        </p:txBody>
+      </p:sp>
+      <p:sp>
+        <p:nvSpPr>
+          <p:cNvPr id="3" name="Номер слайда 2"/>
+          <p:cNvSpPr>
+            <a:spLocks noGrp="1"/>
+          </p:cNvSpPr>
+          <p:nvPr>
+            <p:ph type="sldNum" sz="quarter" idx="12"/>
+          </p:nvPr>
+        </p:nvSpPr>
+        <p:spPr/>
+        <p:txBody>
+          <a:bodyPr/>
+          <a:lstStyle/>
+          <a:p>
+            <a:fld id="{D1EC1024-499E-4324-A73D-2CC3F9B7708C}" type="slidenum">
+              <a:rPr lang="ru-RU" smtClean="0"/>
+              <a:t>15</a:t>
+            </a:fld>
+            <a:endParaRPr lang="ru-RU"/>
+          </a:p>
+        </p:txBody>
+      </p:sp>
+      <p:sp>
+        <p:nvSpPr>
+          <p:cNvPr id="8" name="Прямоугольник 7"/>
+          <p:cNvSpPr/>
+          <p:nvPr/>
+        </p:nvSpPr>
+        <p:spPr>
+          <a:xfrm>
+            <a:off x="6087135" y="5427490"/>
+            <a:ext cx="6081644" cy="369332"/>
+          </a:xfrm>
+          <a:prstGeom prst="rect">
+            <a:avLst/>
+          </a:prstGeom>
+        </p:spPr>
+        <p:txBody>
+          <a:bodyPr wrap="square">
+            <a:spAutoFit/>
+          </a:bodyPr>
+          <a:lstStyle/>
+          <a:p>
+            <a:pPr lvl="0" indent="442913" algn="ctr"/>
+            <a:r>
+              <a:rPr lang="ru-RU" dirty="0" smtClean="0">
+                <a:latin typeface="Times New Roman" pitchFamily="18" charset="0"/>
+                <a:cs typeface="Times New Roman" pitchFamily="18" charset="0"/>
+              </a:rPr>
+              <a:t>Рисунок </a:t>
+            </a:r>
+            <a:r>
+              <a:rPr lang="ru-RU" dirty="0" smtClean="0">
+                <a:latin typeface="Times New Roman" pitchFamily="18" charset="0"/>
+                <a:cs typeface="Times New Roman" pitchFamily="18" charset="0"/>
+              </a:rPr>
+              <a:t>15 – Покупка билетов</a:t>
+            </a:r>
+            <a:endParaRPr lang="ru-RU" dirty="0">
+              <a:latin typeface="Times New Roman" pitchFamily="18" charset="0"/>
+              <a:cs typeface="Times New Roman" pitchFamily="18" charset="0"/>
+            </a:endParaRPr>
+          </a:p>
+        </p:txBody>
+      </p:sp>
+      <p:pic>
+        <p:nvPicPr>
+          <p:cNvPr id="12290" name="Рисунок 1"/>
+          <p:cNvPicPr>
+            <a:picLocks noChangeAspect="1" noChangeArrowheads="1"/>
+          </p:cNvPicPr>
+          <p:nvPr/>
+        </p:nvPicPr>
+        <p:blipFill>
+          <a:blip r:embed="rId2">
+            <a:extLst>
+              <a:ext uri="{28A0092B-C50C-407E-A947-70E740481C1C}">
+                <a14:useLocalDpi xmlns:a14="http://schemas.microsoft.com/office/drawing/2010/main" val="0"/>
+              </a:ext>
+            </a:extLst>
+          </a:blip>
+          <a:srcRect/>
+          <a:stretch>
+            <a:fillRect/>
+          </a:stretch>
+        </p:blipFill>
+        <p:spPr bwMode="auto">
+          <a:xfrm>
+            <a:off x="357600" y="1991519"/>
+            <a:ext cx="5845175" cy="2947988"/>
+          </a:xfrm>
+          <a:prstGeom prst="rect">
+            <a:avLst/>
+          </a:prstGeom>
+          <a:noFill/>
+          <a:ln>
+            <a:noFill/>
+          </a:ln>
+          <a:extLst>
+            <a:ext uri="{909E8E84-426E-40DD-AFC4-6F175D3DCCD1}">
+              <a14:hiddenFill xmlns:a14="http://schemas.microsoft.com/office/drawing/2010/main">
+                <a:solidFill>
+                  <a:srgbClr val="FFFFFF"/>
+                </a:solidFill>
+              </a14:hiddenFill>
+            </a:ext>
+            <a:ext uri="{91240B29-F687-4F45-9708-019B960494DF}">
+              <a14:hiddenLine xmlns:a14="http://schemas.microsoft.com/office/drawing/2010/main" w="9525">
+                <a:solidFill>
+                  <a:srgbClr val="000000"/>
+                </a:solidFill>
+                <a:miter lim="800000"/>
+                <a:headEnd/>
+                <a:tailEnd/>
+              </a14:hiddenLine>
+            </a:ext>
+          </a:extLst>
+        </p:spPr>
+      </p:pic>
+      <p:pic>
+        <p:nvPicPr>
+          <p:cNvPr id="12291" name="Рисунок 1"/>
+          <p:cNvPicPr>
+            <a:picLocks noChangeAspect="1" noChangeArrowheads="1"/>
+          </p:cNvPicPr>
+          <p:nvPr/>
+        </p:nvPicPr>
+        <p:blipFill>
+          <a:blip r:embed="rId3">
+            <a:extLst>
+              <a:ext uri="{28A0092B-C50C-407E-A947-70E740481C1C}">
+                <a14:useLocalDpi xmlns:a14="http://schemas.microsoft.com/office/drawing/2010/main" val="0"/>
+              </a:ext>
+            </a:extLst>
+          </a:blip>
+          <a:srcRect/>
+          <a:stretch>
+            <a:fillRect/>
+          </a:stretch>
+        </p:blipFill>
+        <p:spPr bwMode="auto">
+          <a:xfrm>
+            <a:off x="6415332" y="1625768"/>
+            <a:ext cx="5617684" cy="3501516"/>
+          </a:xfrm>
+          <a:prstGeom prst="rect">
+            <a:avLst/>
+          </a:prstGeom>
+          <a:noFill/>
+          <a:ln>
+            <a:noFill/>
+          </a:ln>
+          <a:extLst>
+            <a:ext uri="{909E8E84-426E-40DD-AFC4-6F175D3DCCD1}">
+              <a14:hiddenFill xmlns:a14="http://schemas.microsoft.com/office/drawing/2010/main">
+                <a:solidFill>
+                  <a:srgbClr val="FFFFFF"/>
+                </a:solidFill>
+              </a14:hiddenFill>
+            </a:ext>
+            <a:ext uri="{91240B29-F687-4F45-9708-019B960494DF}">
+              <a14:hiddenLine xmlns:a14="http://schemas.microsoft.com/office/drawing/2010/main" w="9525">
+                <a:solidFill>
+                  <a:srgbClr val="000000"/>
+                </a:solidFill>
+                <a:miter lim="800000"/>
+                <a:headEnd/>
+                <a:tailEnd/>
+              </a14:hiddenLine>
+            </a:ext>
+          </a:extLst>
+        </p:spPr>
+      </p:pic>
+    </p:spTree>
+    <p:extLst>
+      <p:ext uri="{BB962C8B-B14F-4D97-AF65-F5344CB8AC3E}">
+        <p14:creationId xmlns:p14="http://schemas.microsoft.com/office/powerpoint/2010/main" val="1105863276"/>
+      </p:ext>
+    </p:extLst>
+  </p:cSld>
+  <p:clrMapOvr>
+    <a:masterClrMapping/>
+  </p:clrMapOvr>
+  <p:timing>
+    <p:tnLst>
+      <p:par>
+        <p:cTn id="1" dur="indefinite" restart="never" nodeType="tmRoot"/>
+      </p:par>
+    </p:tnLst>
+  </p:timing>
+</p:sld>
+</file>
+
+<file path=ppt/slides/slide16.xml><?xml version="1.0" encoding="utf-8"?>
+<p:sld xmlns:a="http://schemas.openxmlformats.org/drawingml/2006/main" xmlns:r="http://schemas.openxmlformats.org/officeDocument/2006/relationships" xmlns:p="http://schemas.openxmlformats.org/presentationml/2006/main" showMasterSp="0">
+  <p:cSld>
+    <p:spTree>
+      <p:nvGrpSpPr>
+        <p:cNvPr id="1" name=""/>
+        <p:cNvGrpSpPr/>
+        <p:nvPr/>
+      </p:nvGrpSpPr>
+      <p:grpSpPr>
+        <a:xfrm>
+          <a:off x="0" y="0"/>
+          <a:ext cx="0" cy="0"/>
+          <a:chOff x="0" y="0"/>
+          <a:chExt cx="0" cy="0"/>
+        </a:xfrm>
+      </p:grpSpPr>
+      <p:sp>
+        <p:nvSpPr>
+          <p:cNvPr id="29" name="Заголовок 1">
+            <a:extLst>
+              <a:ext uri="{FF2B5EF4-FFF2-40B4-BE49-F238E27FC236}">
+                <a16:creationId xmlns:a16="http://schemas.microsoft.com/office/drawing/2014/main" id="{AD672B75-0560-8C7A-4045-75C1179E2C88}"/>
+              </a:ext>
+            </a:extLst>
+          </p:cNvPr>
+          <p:cNvSpPr>
+            <a:spLocks noGrp="1"/>
+          </p:cNvSpPr>
+          <p:nvPr>
+            <p:ph type="title"/>
+          </p:nvPr>
+        </p:nvSpPr>
+        <p:spPr>
+          <a:xfrm>
+            <a:off x="0" y="0"/>
+            <a:ext cx="12192000" cy="1325563"/>
+          </a:xfrm>
+        </p:spPr>
+        <p:txBody>
+          <a:bodyPr/>
+          <a:lstStyle/>
+          <a:p>
+            <a:pPr algn="ctr"/>
+            <a:r>
+              <a:rPr lang="ru-RU" sz="5400" b="1" dirty="0" smtClean="0">
+                <a:latin typeface="Times New Roman" panose="02020603050405020304" pitchFamily="18" charset="0"/>
+                <a:cs typeface="Times New Roman" panose="02020603050405020304" pitchFamily="18" charset="0"/>
+              </a:rPr>
+              <a:t>Основные окна приложения</a:t>
+            </a:r>
+            <a:endParaRPr lang="ru-RU" b="1" dirty="0">
+              <a:latin typeface="Times New Roman" panose="02020603050405020304" pitchFamily="18" charset="0"/>
+              <a:cs typeface="Times New Roman" panose="02020603050405020304" pitchFamily="18" charset="0"/>
+            </a:endParaRPr>
+          </a:p>
+        </p:txBody>
+      </p:sp>
+      <p:sp>
+        <p:nvSpPr>
+          <p:cNvPr id="2" name="Прямоугольник 1"/>
+          <p:cNvSpPr/>
+          <p:nvPr/>
+        </p:nvSpPr>
+        <p:spPr>
+          <a:xfrm>
+            <a:off x="2222500" y="5729603"/>
+            <a:ext cx="7759700" cy="369332"/>
+          </a:xfrm>
+          <a:prstGeom prst="rect">
+            <a:avLst/>
+          </a:prstGeom>
+        </p:spPr>
+        <p:txBody>
+          <a:bodyPr wrap="square">
+            <a:spAutoFit/>
+          </a:bodyPr>
+          <a:lstStyle/>
+          <a:p>
+            <a:pPr lvl="0" indent="442913" algn="ctr"/>
+            <a:r>
+              <a:rPr lang="ru-RU" dirty="0" smtClean="0">
+                <a:latin typeface="Times New Roman" pitchFamily="18" charset="0"/>
+                <a:cs typeface="Times New Roman" pitchFamily="18" charset="0"/>
+              </a:rPr>
+              <a:t>Рисунок </a:t>
+            </a:r>
+            <a:r>
+              <a:rPr lang="ru-RU" dirty="0" smtClean="0">
+                <a:latin typeface="Times New Roman" pitchFamily="18" charset="0"/>
+                <a:cs typeface="Times New Roman" pitchFamily="18" charset="0"/>
+              </a:rPr>
+              <a:t>16 – Просмотр билетов</a:t>
+            </a:r>
+            <a:endParaRPr lang="ru-RU" dirty="0">
+              <a:latin typeface="Times New Roman" pitchFamily="18" charset="0"/>
+              <a:cs typeface="Times New Roman" pitchFamily="18" charset="0"/>
+            </a:endParaRPr>
+          </a:p>
+        </p:txBody>
+      </p:sp>
+      <p:sp>
+        <p:nvSpPr>
+          <p:cNvPr id="3" name="Номер слайда 2"/>
+          <p:cNvSpPr>
+            <a:spLocks noGrp="1"/>
+          </p:cNvSpPr>
+          <p:nvPr>
+            <p:ph type="sldNum" sz="quarter" idx="12"/>
+          </p:nvPr>
+        </p:nvSpPr>
+        <p:spPr/>
+        <p:txBody>
+          <a:bodyPr/>
+          <a:lstStyle/>
+          <a:p>
+            <a:fld id="{D1EC1024-499E-4324-A73D-2CC3F9B7708C}" type="slidenum">
+              <a:rPr lang="ru-RU" smtClean="0"/>
+              <a:t>16</a:t>
+            </a:fld>
+            <a:endParaRPr lang="ru-RU"/>
+          </a:p>
+        </p:txBody>
+      </p:sp>
+      <p:pic>
+        <p:nvPicPr>
+          <p:cNvPr id="13314" name="Рисунок 1"/>
+          <p:cNvPicPr>
+            <a:picLocks noChangeAspect="1" noChangeArrowheads="1"/>
+          </p:cNvPicPr>
+          <p:nvPr/>
+        </p:nvPicPr>
+        <p:blipFill>
+          <a:blip r:embed="rId2">
+            <a:extLst>
+              <a:ext uri="{28A0092B-C50C-407E-A947-70E740481C1C}">
+                <a14:useLocalDpi xmlns:a14="http://schemas.microsoft.com/office/drawing/2010/main" val="0"/>
+              </a:ext>
+            </a:extLst>
+          </a:blip>
+          <a:srcRect/>
+          <a:stretch>
+            <a:fillRect/>
+          </a:stretch>
+        </p:blipFill>
+        <p:spPr bwMode="auto">
+          <a:xfrm>
+            <a:off x="2222500" y="1325563"/>
+            <a:ext cx="7759700" cy="4404040"/>
+          </a:xfrm>
+          <a:prstGeom prst="rect">
+            <a:avLst/>
+          </a:prstGeom>
+          <a:noFill/>
+          <a:ln>
+            <a:noFill/>
+          </a:ln>
+          <a:extLst>
+            <a:ext uri="{909E8E84-426E-40DD-AFC4-6F175D3DCCD1}">
+              <a14:hiddenFill xmlns:a14="http://schemas.microsoft.com/office/drawing/2010/main">
+                <a:solidFill>
+                  <a:srgbClr val="FFFFFF"/>
+                </a:solidFill>
+              </a14:hiddenFill>
+            </a:ext>
+            <a:ext uri="{91240B29-F687-4F45-9708-019B960494DF}">
+              <a14:hiddenLine xmlns:a14="http://schemas.microsoft.com/office/drawing/2010/main" w="9525">
+                <a:solidFill>
+                  <a:srgbClr val="000000"/>
+                </a:solidFill>
+                <a:miter lim="800000"/>
+                <a:headEnd/>
+                <a:tailEnd/>
+              </a14:hiddenLine>
+            </a:ext>
+          </a:extLst>
+        </p:spPr>
+      </p:pic>
+    </p:spTree>
+    <p:extLst>
+      <p:ext uri="{BB962C8B-B14F-4D97-AF65-F5344CB8AC3E}">
+        <p14:creationId xmlns:p14="http://schemas.microsoft.com/office/powerpoint/2010/main" val="1821966771"/>
+      </p:ext>
+    </p:extLst>
+  </p:cSld>
+  <p:clrMapOvr>
+    <a:masterClrMapping/>
+  </p:clrMapOvr>
+  <p:timing>
+    <p:tnLst>
+      <p:par>
+        <p:cTn id="1" dur="indefinite" restart="never" nodeType="tmRoot"/>
+      </p:par>
+    </p:tnLst>
+  </p:timing>
+</p:sld>
+</file>
+
+<file path=ppt/slides/slide17.xml><?xml version="1.0" encoding="utf-8"?>
 <p:sld xmlns:a="http://schemas.openxmlformats.org/drawingml/2006/main" xmlns:r="http://schemas.openxmlformats.org/officeDocument/2006/relationships" xmlns:p="http://schemas.openxmlformats.org/presentationml/2006/main">
   <p:cSld>
     <p:spTree>
@@ -3985,6 +5680,808 @@
       </p:grpSpPr>
       <p:sp>
         <p:nvSpPr>
+          <p:cNvPr id="29" name="Заголовок 1">
+            <a:extLst>
+              <a:ext uri="{FF2B5EF4-FFF2-40B4-BE49-F238E27FC236}">
+                <a16:creationId xmlns:a16="http://schemas.microsoft.com/office/drawing/2014/main" id="{AD672B75-0560-8C7A-4045-75C1179E2C88}"/>
+              </a:ext>
+            </a:extLst>
+          </p:cNvPr>
+          <p:cNvSpPr>
+            <a:spLocks noGrp="1"/>
+          </p:cNvSpPr>
+          <p:nvPr>
+            <p:ph type="title"/>
+          </p:nvPr>
+        </p:nvSpPr>
+        <p:spPr>
+          <a:xfrm>
+            <a:off x="0" y="0"/>
+            <a:ext cx="12192000" cy="1325563"/>
+          </a:xfrm>
+        </p:spPr>
+        <p:txBody>
+          <a:bodyPr/>
+          <a:lstStyle/>
+          <a:p>
+            <a:pPr algn="ctr"/>
+            <a:r>
+              <a:rPr lang="ru-RU" sz="5400" b="1" dirty="0" smtClean="0">
+                <a:latin typeface="Times New Roman" panose="02020603050405020304" pitchFamily="18" charset="0"/>
+                <a:cs typeface="Times New Roman" panose="02020603050405020304" pitchFamily="18" charset="0"/>
+              </a:rPr>
+              <a:t>Основные окна приложения</a:t>
+            </a:r>
+            <a:endParaRPr lang="ru-RU" b="1" dirty="0">
+              <a:latin typeface="Times New Roman" panose="02020603050405020304" pitchFamily="18" charset="0"/>
+              <a:cs typeface="Times New Roman" panose="02020603050405020304" pitchFamily="18" charset="0"/>
+            </a:endParaRPr>
+          </a:p>
+        </p:txBody>
+      </p:sp>
+      <p:sp>
+        <p:nvSpPr>
+          <p:cNvPr id="2" name="Прямоугольник 1"/>
+          <p:cNvSpPr/>
+          <p:nvPr/>
+        </p:nvSpPr>
+        <p:spPr>
+          <a:xfrm>
+            <a:off x="2222500" y="5729603"/>
+            <a:ext cx="7759700" cy="369332"/>
+          </a:xfrm>
+          <a:prstGeom prst="rect">
+            <a:avLst/>
+          </a:prstGeom>
+        </p:spPr>
+        <p:txBody>
+          <a:bodyPr wrap="square">
+            <a:spAutoFit/>
+          </a:bodyPr>
+          <a:lstStyle/>
+          <a:p>
+            <a:pPr lvl="0" indent="442913" algn="ctr"/>
+            <a:r>
+              <a:rPr lang="ru-RU" dirty="0" smtClean="0">
+                <a:latin typeface="Times New Roman" pitchFamily="18" charset="0"/>
+                <a:cs typeface="Times New Roman" pitchFamily="18" charset="0"/>
+              </a:rPr>
+              <a:t>Рисунок </a:t>
+            </a:r>
+            <a:r>
+              <a:rPr lang="ru-RU" dirty="0" smtClean="0">
+                <a:latin typeface="Times New Roman" pitchFamily="18" charset="0"/>
+                <a:cs typeface="Times New Roman" pitchFamily="18" charset="0"/>
+              </a:rPr>
+              <a:t>17 – Личный кабинет администратора</a:t>
+            </a:r>
+            <a:endParaRPr lang="ru-RU" dirty="0">
+              <a:latin typeface="Times New Roman" pitchFamily="18" charset="0"/>
+              <a:cs typeface="Times New Roman" pitchFamily="18" charset="0"/>
+            </a:endParaRPr>
+          </a:p>
+        </p:txBody>
+      </p:sp>
+      <p:sp>
+        <p:nvSpPr>
+          <p:cNvPr id="3" name="Номер слайда 2"/>
+          <p:cNvSpPr>
+            <a:spLocks noGrp="1"/>
+          </p:cNvSpPr>
+          <p:nvPr>
+            <p:ph type="sldNum" sz="quarter" idx="12"/>
+          </p:nvPr>
+        </p:nvSpPr>
+        <p:spPr/>
+        <p:txBody>
+          <a:bodyPr/>
+          <a:lstStyle/>
+          <a:p>
+            <a:fld id="{D1EC1024-499E-4324-A73D-2CC3F9B7708C}" type="slidenum">
+              <a:rPr lang="ru-RU" smtClean="0"/>
+              <a:t>17</a:t>
+            </a:fld>
+            <a:endParaRPr lang="ru-RU"/>
+          </a:p>
+        </p:txBody>
+      </p:sp>
+      <p:pic>
+        <p:nvPicPr>
+          <p:cNvPr id="14338" name="Рисунок 1"/>
+          <p:cNvPicPr>
+            <a:picLocks noChangeAspect="1" noChangeArrowheads="1"/>
+          </p:cNvPicPr>
+          <p:nvPr/>
+        </p:nvPicPr>
+        <p:blipFill>
+          <a:blip r:embed="rId2">
+            <a:extLst>
+              <a:ext uri="{28A0092B-C50C-407E-A947-70E740481C1C}">
+                <a14:useLocalDpi xmlns:a14="http://schemas.microsoft.com/office/drawing/2010/main" val="0"/>
+              </a:ext>
+            </a:extLst>
+          </a:blip>
+          <a:srcRect/>
+          <a:stretch>
+            <a:fillRect/>
+          </a:stretch>
+        </p:blipFill>
+        <p:spPr bwMode="auto">
+          <a:xfrm>
+            <a:off x="2384323" y="1300837"/>
+            <a:ext cx="7423353" cy="4171351"/>
+          </a:xfrm>
+          <a:prstGeom prst="rect">
+            <a:avLst/>
+          </a:prstGeom>
+          <a:noFill/>
+          <a:ln>
+            <a:noFill/>
+          </a:ln>
+          <a:extLst>
+            <a:ext uri="{909E8E84-426E-40DD-AFC4-6F175D3DCCD1}">
+              <a14:hiddenFill xmlns:a14="http://schemas.microsoft.com/office/drawing/2010/main">
+                <a:solidFill>
+                  <a:srgbClr val="FFFFFF"/>
+                </a:solidFill>
+              </a14:hiddenFill>
+            </a:ext>
+            <a:ext uri="{91240B29-F687-4F45-9708-019B960494DF}">
+              <a14:hiddenLine xmlns:a14="http://schemas.microsoft.com/office/drawing/2010/main" w="9525">
+                <a:solidFill>
+                  <a:srgbClr val="000000"/>
+                </a:solidFill>
+                <a:miter lim="800000"/>
+                <a:headEnd/>
+                <a:tailEnd/>
+              </a14:hiddenLine>
+            </a:ext>
+          </a:extLst>
+        </p:spPr>
+      </p:pic>
+    </p:spTree>
+    <p:extLst>
+      <p:ext uri="{BB962C8B-B14F-4D97-AF65-F5344CB8AC3E}">
+        <p14:creationId xmlns:p14="http://schemas.microsoft.com/office/powerpoint/2010/main" val="3039757170"/>
+      </p:ext>
+    </p:extLst>
+  </p:cSld>
+  <p:clrMapOvr>
+    <a:masterClrMapping/>
+  </p:clrMapOvr>
+  <p:timing>
+    <p:tnLst>
+      <p:par>
+        <p:cTn id="1" dur="indefinite" restart="never" nodeType="tmRoot"/>
+      </p:par>
+    </p:tnLst>
+  </p:timing>
+</p:sld>
+</file>
+
+<file path=ppt/slides/slide18.xml><?xml version="1.0" encoding="utf-8"?>
+<p:sld xmlns:a="http://schemas.openxmlformats.org/drawingml/2006/main" xmlns:r="http://schemas.openxmlformats.org/officeDocument/2006/relationships" xmlns:p="http://schemas.openxmlformats.org/presentationml/2006/main" showMasterSp="0">
+  <p:cSld>
+    <p:spTree>
+      <p:nvGrpSpPr>
+        <p:cNvPr id="1" name=""/>
+        <p:cNvGrpSpPr/>
+        <p:nvPr/>
+      </p:nvGrpSpPr>
+      <p:grpSpPr>
+        <a:xfrm>
+          <a:off x="0" y="0"/>
+          <a:ext cx="0" cy="0"/>
+          <a:chOff x="0" y="0"/>
+          <a:chExt cx="0" cy="0"/>
+        </a:xfrm>
+      </p:grpSpPr>
+      <p:sp>
+        <p:nvSpPr>
+          <p:cNvPr id="29" name="Заголовок 1">
+            <a:extLst>
+              <a:ext uri="{FF2B5EF4-FFF2-40B4-BE49-F238E27FC236}">
+                <a16:creationId xmlns:a16="http://schemas.microsoft.com/office/drawing/2014/main" id="{AD672B75-0560-8C7A-4045-75C1179E2C88}"/>
+              </a:ext>
+            </a:extLst>
+          </p:cNvPr>
+          <p:cNvSpPr>
+            <a:spLocks noGrp="1"/>
+          </p:cNvSpPr>
+          <p:nvPr>
+            <p:ph type="title"/>
+          </p:nvPr>
+        </p:nvSpPr>
+        <p:spPr>
+          <a:xfrm>
+            <a:off x="0" y="0"/>
+            <a:ext cx="12192000" cy="1325563"/>
+          </a:xfrm>
+        </p:spPr>
+        <p:txBody>
+          <a:bodyPr/>
+          <a:lstStyle/>
+          <a:p>
+            <a:pPr algn="ctr"/>
+            <a:r>
+              <a:rPr lang="ru-RU" sz="5400" b="1" dirty="0" smtClean="0">
+                <a:latin typeface="Times New Roman" panose="02020603050405020304" pitchFamily="18" charset="0"/>
+                <a:cs typeface="Times New Roman" panose="02020603050405020304" pitchFamily="18" charset="0"/>
+              </a:rPr>
+              <a:t>Основные окна приложения</a:t>
+            </a:r>
+            <a:endParaRPr lang="ru-RU" b="1" dirty="0">
+              <a:latin typeface="Times New Roman" panose="02020603050405020304" pitchFamily="18" charset="0"/>
+              <a:cs typeface="Times New Roman" panose="02020603050405020304" pitchFamily="18" charset="0"/>
+            </a:endParaRPr>
+          </a:p>
+        </p:txBody>
+      </p:sp>
+      <p:sp>
+        <p:nvSpPr>
+          <p:cNvPr id="2" name="Прямоугольник 1"/>
+          <p:cNvSpPr/>
+          <p:nvPr/>
+        </p:nvSpPr>
+        <p:spPr>
+          <a:xfrm>
+            <a:off x="357600" y="5427490"/>
+            <a:ext cx="5729536" cy="369332"/>
+          </a:xfrm>
+          <a:prstGeom prst="rect">
+            <a:avLst/>
+          </a:prstGeom>
+        </p:spPr>
+        <p:txBody>
+          <a:bodyPr wrap="square">
+            <a:spAutoFit/>
+          </a:bodyPr>
+          <a:lstStyle/>
+          <a:p>
+            <a:pPr lvl="0" indent="442913" algn="ctr"/>
+            <a:r>
+              <a:rPr lang="ru-RU" dirty="0" smtClean="0">
+                <a:latin typeface="Times New Roman" pitchFamily="18" charset="0"/>
+                <a:cs typeface="Times New Roman" pitchFamily="18" charset="0"/>
+              </a:rPr>
+              <a:t>Рисунок </a:t>
+            </a:r>
+            <a:r>
+              <a:rPr lang="ru-RU" dirty="0" smtClean="0">
+                <a:latin typeface="Times New Roman" pitchFamily="18" charset="0"/>
+                <a:cs typeface="Times New Roman" pitchFamily="18" charset="0"/>
+              </a:rPr>
+              <a:t>18 – Редактор пользователей</a:t>
+            </a:r>
+            <a:endParaRPr lang="ru-RU" dirty="0">
+              <a:latin typeface="Times New Roman" pitchFamily="18" charset="0"/>
+              <a:cs typeface="Times New Roman" pitchFamily="18" charset="0"/>
+            </a:endParaRPr>
+          </a:p>
+        </p:txBody>
+      </p:sp>
+      <p:sp>
+        <p:nvSpPr>
+          <p:cNvPr id="3" name="Номер слайда 2"/>
+          <p:cNvSpPr>
+            <a:spLocks noGrp="1"/>
+          </p:cNvSpPr>
+          <p:nvPr>
+            <p:ph type="sldNum" sz="quarter" idx="12"/>
+          </p:nvPr>
+        </p:nvSpPr>
+        <p:spPr/>
+        <p:txBody>
+          <a:bodyPr/>
+          <a:lstStyle/>
+          <a:p>
+            <a:fld id="{D1EC1024-499E-4324-A73D-2CC3F9B7708C}" type="slidenum">
+              <a:rPr lang="ru-RU" smtClean="0"/>
+              <a:t>18</a:t>
+            </a:fld>
+            <a:endParaRPr lang="ru-RU"/>
+          </a:p>
+        </p:txBody>
+      </p:sp>
+      <p:sp>
+        <p:nvSpPr>
+          <p:cNvPr id="8" name="Прямоугольник 7"/>
+          <p:cNvSpPr/>
+          <p:nvPr/>
+        </p:nvSpPr>
+        <p:spPr>
+          <a:xfrm>
+            <a:off x="6262687" y="5427490"/>
+            <a:ext cx="5826071" cy="369332"/>
+          </a:xfrm>
+          <a:prstGeom prst="rect">
+            <a:avLst/>
+          </a:prstGeom>
+        </p:spPr>
+        <p:txBody>
+          <a:bodyPr wrap="square">
+            <a:spAutoFit/>
+          </a:bodyPr>
+          <a:lstStyle/>
+          <a:p>
+            <a:pPr lvl="0" indent="442913" algn="ctr"/>
+            <a:r>
+              <a:rPr lang="ru-RU" dirty="0" smtClean="0">
+                <a:latin typeface="Times New Roman" pitchFamily="18" charset="0"/>
+                <a:cs typeface="Times New Roman" pitchFamily="18" charset="0"/>
+              </a:rPr>
+              <a:t>Рисунок </a:t>
+            </a:r>
+            <a:r>
+              <a:rPr lang="ru-RU" dirty="0" smtClean="0">
+                <a:latin typeface="Times New Roman" pitchFamily="18" charset="0"/>
+                <a:cs typeface="Times New Roman" pitchFamily="18" charset="0"/>
+              </a:rPr>
+              <a:t>19 – Редактор городов</a:t>
+            </a:r>
+            <a:endParaRPr lang="ru-RU" dirty="0">
+              <a:latin typeface="Times New Roman" pitchFamily="18" charset="0"/>
+              <a:cs typeface="Times New Roman" pitchFamily="18" charset="0"/>
+            </a:endParaRPr>
+          </a:p>
+        </p:txBody>
+      </p:sp>
+      <p:pic>
+        <p:nvPicPr>
+          <p:cNvPr id="15362" name="Рисунок 1"/>
+          <p:cNvPicPr>
+            <a:picLocks noChangeAspect="1" noChangeArrowheads="1"/>
+          </p:cNvPicPr>
+          <p:nvPr/>
+        </p:nvPicPr>
+        <p:blipFill>
+          <a:blip r:embed="rId2">
+            <a:extLst>
+              <a:ext uri="{28A0092B-C50C-407E-A947-70E740481C1C}">
+                <a14:useLocalDpi xmlns:a14="http://schemas.microsoft.com/office/drawing/2010/main" val="0"/>
+              </a:ext>
+            </a:extLst>
+          </a:blip>
+          <a:srcRect/>
+          <a:stretch>
+            <a:fillRect/>
+          </a:stretch>
+        </p:blipFill>
+        <p:spPr bwMode="auto">
+          <a:xfrm>
+            <a:off x="296605" y="1730289"/>
+            <a:ext cx="5851525" cy="3292475"/>
+          </a:xfrm>
+          <a:prstGeom prst="rect">
+            <a:avLst/>
+          </a:prstGeom>
+          <a:noFill/>
+          <a:ln>
+            <a:noFill/>
+          </a:ln>
+          <a:extLst>
+            <a:ext uri="{909E8E84-426E-40DD-AFC4-6F175D3DCCD1}">
+              <a14:hiddenFill xmlns:a14="http://schemas.microsoft.com/office/drawing/2010/main">
+                <a:solidFill>
+                  <a:srgbClr val="FFFFFF"/>
+                </a:solidFill>
+              </a14:hiddenFill>
+            </a:ext>
+            <a:ext uri="{91240B29-F687-4F45-9708-019B960494DF}">
+              <a14:hiddenLine xmlns:a14="http://schemas.microsoft.com/office/drawing/2010/main" w="9525">
+                <a:solidFill>
+                  <a:srgbClr val="000000"/>
+                </a:solidFill>
+                <a:miter lim="800000"/>
+                <a:headEnd/>
+                <a:tailEnd/>
+              </a14:hiddenLine>
+            </a:ext>
+          </a:extLst>
+        </p:spPr>
+      </p:pic>
+      <p:pic>
+        <p:nvPicPr>
+          <p:cNvPr id="15363" name="Рисунок 1"/>
+          <p:cNvPicPr>
+            <a:picLocks noChangeAspect="1" noChangeArrowheads="1"/>
+          </p:cNvPicPr>
+          <p:nvPr/>
+        </p:nvPicPr>
+        <p:blipFill>
+          <a:blip r:embed="rId3">
+            <a:extLst>
+              <a:ext uri="{28A0092B-C50C-407E-A947-70E740481C1C}">
+                <a14:useLocalDpi xmlns:a14="http://schemas.microsoft.com/office/drawing/2010/main" val="0"/>
+              </a:ext>
+            </a:extLst>
+          </a:blip>
+          <a:srcRect/>
+          <a:stretch>
+            <a:fillRect/>
+          </a:stretch>
+        </p:blipFill>
+        <p:spPr bwMode="auto">
+          <a:xfrm>
+            <a:off x="6262688" y="1730289"/>
+            <a:ext cx="5826070" cy="3292475"/>
+          </a:xfrm>
+          <a:prstGeom prst="rect">
+            <a:avLst/>
+          </a:prstGeom>
+          <a:noFill/>
+          <a:ln>
+            <a:noFill/>
+          </a:ln>
+          <a:extLst>
+            <a:ext uri="{909E8E84-426E-40DD-AFC4-6F175D3DCCD1}">
+              <a14:hiddenFill xmlns:a14="http://schemas.microsoft.com/office/drawing/2010/main">
+                <a:solidFill>
+                  <a:srgbClr val="FFFFFF"/>
+                </a:solidFill>
+              </a14:hiddenFill>
+            </a:ext>
+            <a:ext uri="{91240B29-F687-4F45-9708-019B960494DF}">
+              <a14:hiddenLine xmlns:a14="http://schemas.microsoft.com/office/drawing/2010/main" w="9525">
+                <a:solidFill>
+                  <a:srgbClr val="000000"/>
+                </a:solidFill>
+                <a:miter lim="800000"/>
+                <a:headEnd/>
+                <a:tailEnd/>
+              </a14:hiddenLine>
+            </a:ext>
+          </a:extLst>
+        </p:spPr>
+      </p:pic>
+    </p:spTree>
+    <p:extLst>
+      <p:ext uri="{BB962C8B-B14F-4D97-AF65-F5344CB8AC3E}">
+        <p14:creationId xmlns:p14="http://schemas.microsoft.com/office/powerpoint/2010/main" val="57454160"/>
+      </p:ext>
+    </p:extLst>
+  </p:cSld>
+  <p:clrMapOvr>
+    <a:masterClrMapping/>
+  </p:clrMapOvr>
+  <p:timing>
+    <p:tnLst>
+      <p:par>
+        <p:cTn id="1" dur="indefinite" restart="never" nodeType="tmRoot"/>
+      </p:par>
+    </p:tnLst>
+  </p:timing>
+</p:sld>
+</file>
+
+<file path=ppt/slides/slide19.xml><?xml version="1.0" encoding="utf-8"?>
+<p:sld xmlns:a="http://schemas.openxmlformats.org/drawingml/2006/main" xmlns:r="http://schemas.openxmlformats.org/officeDocument/2006/relationships" xmlns:p="http://schemas.openxmlformats.org/presentationml/2006/main" showMasterSp="0">
+  <p:cSld>
+    <p:spTree>
+      <p:nvGrpSpPr>
+        <p:cNvPr id="1" name=""/>
+        <p:cNvGrpSpPr/>
+        <p:nvPr/>
+      </p:nvGrpSpPr>
+      <p:grpSpPr>
+        <a:xfrm>
+          <a:off x="0" y="0"/>
+          <a:ext cx="0" cy="0"/>
+          <a:chOff x="0" y="0"/>
+          <a:chExt cx="0" cy="0"/>
+        </a:xfrm>
+      </p:grpSpPr>
+      <p:sp>
+        <p:nvSpPr>
+          <p:cNvPr id="29" name="Заголовок 1">
+            <a:extLst>
+              <a:ext uri="{FF2B5EF4-FFF2-40B4-BE49-F238E27FC236}">
+                <a16:creationId xmlns:a16="http://schemas.microsoft.com/office/drawing/2014/main" id="{AD672B75-0560-8C7A-4045-75C1179E2C88}"/>
+              </a:ext>
+            </a:extLst>
+          </p:cNvPr>
+          <p:cNvSpPr>
+            <a:spLocks noGrp="1"/>
+          </p:cNvSpPr>
+          <p:nvPr>
+            <p:ph type="title"/>
+          </p:nvPr>
+        </p:nvSpPr>
+        <p:spPr>
+          <a:xfrm>
+            <a:off x="0" y="0"/>
+            <a:ext cx="12192000" cy="1325563"/>
+          </a:xfrm>
+        </p:spPr>
+        <p:txBody>
+          <a:bodyPr/>
+          <a:lstStyle/>
+          <a:p>
+            <a:pPr algn="ctr"/>
+            <a:r>
+              <a:rPr lang="ru-RU" sz="5400" b="1" dirty="0" smtClean="0">
+                <a:latin typeface="Times New Roman" panose="02020603050405020304" pitchFamily="18" charset="0"/>
+                <a:cs typeface="Times New Roman" panose="02020603050405020304" pitchFamily="18" charset="0"/>
+              </a:rPr>
+              <a:t>Основные окна приложения</a:t>
+            </a:r>
+            <a:endParaRPr lang="ru-RU" b="1" dirty="0">
+              <a:latin typeface="Times New Roman" panose="02020603050405020304" pitchFamily="18" charset="0"/>
+              <a:cs typeface="Times New Roman" panose="02020603050405020304" pitchFamily="18" charset="0"/>
+            </a:endParaRPr>
+          </a:p>
+        </p:txBody>
+      </p:sp>
+      <p:sp>
+        <p:nvSpPr>
+          <p:cNvPr id="2" name="Прямоугольник 1"/>
+          <p:cNvSpPr/>
+          <p:nvPr/>
+        </p:nvSpPr>
+        <p:spPr>
+          <a:xfrm>
+            <a:off x="411161" y="5427490"/>
+            <a:ext cx="5851525" cy="369332"/>
+          </a:xfrm>
+          <a:prstGeom prst="rect">
+            <a:avLst/>
+          </a:prstGeom>
+        </p:spPr>
+        <p:txBody>
+          <a:bodyPr wrap="square">
+            <a:spAutoFit/>
+          </a:bodyPr>
+          <a:lstStyle/>
+          <a:p>
+            <a:pPr lvl="0" indent="442913" algn="ctr"/>
+            <a:r>
+              <a:rPr lang="ru-RU" dirty="0" smtClean="0">
+                <a:latin typeface="Times New Roman" pitchFamily="18" charset="0"/>
+                <a:cs typeface="Times New Roman" pitchFamily="18" charset="0"/>
+              </a:rPr>
+              <a:t>Рисунок </a:t>
+            </a:r>
+            <a:r>
+              <a:rPr lang="ru-RU" dirty="0" smtClean="0">
+                <a:latin typeface="Times New Roman" pitchFamily="18" charset="0"/>
+                <a:cs typeface="Times New Roman" pitchFamily="18" charset="0"/>
+              </a:rPr>
+              <a:t>20</a:t>
+            </a:r>
+            <a:r>
+              <a:rPr lang="ru-RU" dirty="0" smtClean="0">
+                <a:latin typeface="Times New Roman" pitchFamily="18" charset="0"/>
+                <a:cs typeface="Times New Roman" pitchFamily="18" charset="0"/>
+              </a:rPr>
+              <a:t> – Редактор рейсов</a:t>
+            </a:r>
+            <a:endParaRPr lang="ru-RU" dirty="0">
+              <a:latin typeface="Times New Roman" pitchFamily="18" charset="0"/>
+              <a:cs typeface="Times New Roman" pitchFamily="18" charset="0"/>
+            </a:endParaRPr>
+          </a:p>
+        </p:txBody>
+      </p:sp>
+      <p:sp>
+        <p:nvSpPr>
+          <p:cNvPr id="3" name="Номер слайда 2"/>
+          <p:cNvSpPr>
+            <a:spLocks noGrp="1"/>
+          </p:cNvSpPr>
+          <p:nvPr>
+            <p:ph type="sldNum" sz="quarter" idx="12"/>
+          </p:nvPr>
+        </p:nvSpPr>
+        <p:spPr/>
+        <p:txBody>
+          <a:bodyPr/>
+          <a:lstStyle/>
+          <a:p>
+            <a:fld id="{D1EC1024-499E-4324-A73D-2CC3F9B7708C}" type="slidenum">
+              <a:rPr lang="ru-RU" smtClean="0"/>
+              <a:t>19</a:t>
+            </a:fld>
+            <a:endParaRPr lang="ru-RU"/>
+          </a:p>
+        </p:txBody>
+      </p:sp>
+      <p:sp>
+        <p:nvSpPr>
+          <p:cNvPr id="8" name="Прямоугольник 7"/>
+          <p:cNvSpPr/>
+          <p:nvPr/>
+        </p:nvSpPr>
+        <p:spPr>
+          <a:xfrm>
+            <a:off x="7519988" y="5427490"/>
+            <a:ext cx="3833812" cy="369332"/>
+          </a:xfrm>
+          <a:prstGeom prst="rect">
+            <a:avLst/>
+          </a:prstGeom>
+        </p:spPr>
+        <p:txBody>
+          <a:bodyPr wrap="square">
+            <a:spAutoFit/>
+          </a:bodyPr>
+          <a:lstStyle/>
+          <a:p>
+            <a:pPr lvl="0" indent="442913" algn="ctr"/>
+            <a:r>
+              <a:rPr lang="ru-RU" dirty="0" smtClean="0">
+                <a:latin typeface="Times New Roman" pitchFamily="18" charset="0"/>
+                <a:cs typeface="Times New Roman" pitchFamily="18" charset="0"/>
+              </a:rPr>
+              <a:t>Рисунок </a:t>
+            </a:r>
+            <a:r>
+              <a:rPr lang="ru-RU" dirty="0" smtClean="0">
+                <a:latin typeface="Times New Roman" pitchFamily="18" charset="0"/>
+                <a:cs typeface="Times New Roman" pitchFamily="18" charset="0"/>
+              </a:rPr>
+              <a:t>21</a:t>
+            </a:r>
+            <a:r>
+              <a:rPr lang="ru-RU" dirty="0" smtClean="0">
+                <a:latin typeface="Times New Roman" pitchFamily="18" charset="0"/>
+                <a:cs typeface="Times New Roman" pitchFamily="18" charset="0"/>
+              </a:rPr>
+              <a:t> – Генератор отчетов</a:t>
+            </a:r>
+            <a:endParaRPr lang="ru-RU" dirty="0">
+              <a:latin typeface="Times New Roman" pitchFamily="18" charset="0"/>
+              <a:cs typeface="Times New Roman" pitchFamily="18" charset="0"/>
+            </a:endParaRPr>
+          </a:p>
+        </p:txBody>
+      </p:sp>
+      <p:pic>
+        <p:nvPicPr>
+          <p:cNvPr id="16386" name="Рисунок 1"/>
+          <p:cNvPicPr>
+            <a:picLocks noChangeAspect="1" noChangeArrowheads="1"/>
+          </p:cNvPicPr>
+          <p:nvPr/>
+        </p:nvPicPr>
+        <p:blipFill>
+          <a:blip r:embed="rId2">
+            <a:extLst>
+              <a:ext uri="{28A0092B-C50C-407E-A947-70E740481C1C}">
+                <a14:useLocalDpi xmlns:a14="http://schemas.microsoft.com/office/drawing/2010/main" val="0"/>
+              </a:ext>
+            </a:extLst>
+          </a:blip>
+          <a:srcRect/>
+          <a:stretch>
+            <a:fillRect/>
+          </a:stretch>
+        </p:blipFill>
+        <p:spPr bwMode="auto">
+          <a:xfrm>
+            <a:off x="411162" y="1726320"/>
+            <a:ext cx="5851525" cy="3300412"/>
+          </a:xfrm>
+          <a:prstGeom prst="rect">
+            <a:avLst/>
+          </a:prstGeom>
+          <a:noFill/>
+          <a:ln>
+            <a:noFill/>
+          </a:ln>
+          <a:extLst>
+            <a:ext uri="{909E8E84-426E-40DD-AFC4-6F175D3DCCD1}">
+              <a14:hiddenFill xmlns:a14="http://schemas.microsoft.com/office/drawing/2010/main">
+                <a:solidFill>
+                  <a:srgbClr val="FFFFFF"/>
+                </a:solidFill>
+              </a14:hiddenFill>
+            </a:ext>
+            <a:ext uri="{91240B29-F687-4F45-9708-019B960494DF}">
+              <a14:hiddenLine xmlns:a14="http://schemas.microsoft.com/office/drawing/2010/main" w="9525">
+                <a:solidFill>
+                  <a:srgbClr val="000000"/>
+                </a:solidFill>
+                <a:miter lim="800000"/>
+                <a:headEnd/>
+                <a:tailEnd/>
+              </a14:hiddenLine>
+            </a:ext>
+          </a:extLst>
+        </p:spPr>
+      </p:pic>
+      <p:pic>
+        <p:nvPicPr>
+          <p:cNvPr id="16387" name="Рисунок 1"/>
+          <p:cNvPicPr>
+            <a:picLocks noChangeAspect="1" noChangeArrowheads="1"/>
+          </p:cNvPicPr>
+          <p:nvPr/>
+        </p:nvPicPr>
+        <p:blipFill>
+          <a:blip r:embed="rId3">
+            <a:extLst>
+              <a:ext uri="{28A0092B-C50C-407E-A947-70E740481C1C}">
+                <a14:useLocalDpi xmlns:a14="http://schemas.microsoft.com/office/drawing/2010/main" val="0"/>
+              </a:ext>
+            </a:extLst>
+          </a:blip>
+          <a:srcRect/>
+          <a:stretch>
+            <a:fillRect/>
+          </a:stretch>
+        </p:blipFill>
+        <p:spPr bwMode="auto">
+          <a:xfrm>
+            <a:off x="7519988" y="1726320"/>
+            <a:ext cx="3833812" cy="3537863"/>
+          </a:xfrm>
+          <a:prstGeom prst="rect">
+            <a:avLst/>
+          </a:prstGeom>
+          <a:noFill/>
+          <a:ln>
+            <a:noFill/>
+          </a:ln>
+          <a:extLst>
+            <a:ext uri="{909E8E84-426E-40DD-AFC4-6F175D3DCCD1}">
+              <a14:hiddenFill xmlns:a14="http://schemas.microsoft.com/office/drawing/2010/main">
+                <a:solidFill>
+                  <a:srgbClr val="FFFFFF"/>
+                </a:solidFill>
+              </a14:hiddenFill>
+            </a:ext>
+            <a:ext uri="{91240B29-F687-4F45-9708-019B960494DF}">
+              <a14:hiddenLine xmlns:a14="http://schemas.microsoft.com/office/drawing/2010/main" w="9525">
+                <a:solidFill>
+                  <a:srgbClr val="000000"/>
+                </a:solidFill>
+                <a:miter lim="800000"/>
+                <a:headEnd/>
+                <a:tailEnd/>
+              </a14:hiddenLine>
+            </a:ext>
+          </a:extLst>
+        </p:spPr>
+      </p:pic>
+    </p:spTree>
+    <p:extLst>
+      <p:ext uri="{BB962C8B-B14F-4D97-AF65-F5344CB8AC3E}">
+        <p14:creationId xmlns:p14="http://schemas.microsoft.com/office/powerpoint/2010/main" val="4247419355"/>
+      </p:ext>
+    </p:extLst>
+  </p:cSld>
+  <p:clrMapOvr>
+    <a:masterClrMapping/>
+  </p:clrMapOvr>
+  <p:timing>
+    <p:tnLst>
+      <p:par>
+        <p:cTn id="1" dur="indefinite" restart="never" nodeType="tmRoot"/>
+      </p:par>
+    </p:tnLst>
+  </p:timing>
+</p:sld>
+</file>
+
+<file path=ppt/slides/slide2.xml><?xml version="1.0" encoding="utf-8"?>
+<p:sld xmlns:a="http://schemas.openxmlformats.org/drawingml/2006/main" xmlns:r="http://schemas.openxmlformats.org/officeDocument/2006/relationships" xmlns:p="http://schemas.openxmlformats.org/presentationml/2006/main" showMasterSp="0">
+  <p:cSld>
+    <p:spTree>
+      <p:nvGrpSpPr>
+        <p:cNvPr id="1" name=""/>
+        <p:cNvGrpSpPr/>
+        <p:nvPr/>
+      </p:nvGrpSpPr>
+      <p:grpSpPr>
+        <a:xfrm>
+          <a:off x="0" y="0"/>
+          <a:ext cx="0" cy="0"/>
+          <a:chOff x="0" y="0"/>
+          <a:chExt cx="0" cy="0"/>
+        </a:xfrm>
+      </p:grpSpPr>
+      <p:sp>
+        <p:nvSpPr>
           <p:cNvPr id="3" name="Заголовок 1">
             <a:extLst>
               <a:ext uri="{FF2B5EF4-FFF2-40B4-BE49-F238E27FC236}">
@@ -4001,14 +6498,15 @@
         </p:nvSpPr>
         <p:spPr>
           <a:xfrm>
-            <a:off x="838200" y="365125"/>
-            <a:ext cx="10515600" cy="1325563"/>
+            <a:off x="0" y="0"/>
+            <a:ext cx="12192000" cy="1325563"/>
           </a:xfrm>
         </p:spPr>
         <p:txBody>
           <a:bodyPr/>
           <a:lstStyle/>
           <a:p>
+            <a:pPr algn="ctr"/>
             <a:r>
               <a:rPr lang="ru-RU" sz="5400" b="1" dirty="0" smtClean="0">
                 <a:latin typeface="Times New Roman" panose="02020603050405020304" pitchFamily="18" charset="0"/>
@@ -4038,7 +6536,7 @@
         <p:spPr>
           <a:xfrm>
             <a:off x="1439857" y="1664481"/>
-            <a:ext cx="10430090" cy="3539430"/>
+            <a:ext cx="10430090" cy="3108543"/>
           </a:xfrm>
           <a:prstGeom prst="rect">
             <a:avLst/>
@@ -4063,16 +6561,85 @@
                 <a:latin typeface="Times New Roman" panose="02020603050405020304" pitchFamily="18" charset="0"/>
                 <a:cs typeface="Times New Roman" panose="02020603050405020304" pitchFamily="18" charset="0"/>
               </a:rPr>
-              <a:t>железнодорожных вокзалах происходят разнообразные процессы, связанные с обслуживанием пассажиров, формированием бизнес процессов, работой с расписанием и контролем состояния облачных кошельков. Человеческий фактор может оказать значительное влияние на ход работы, поэтому создание автоматизированной системы поможет оптимизировать работу и минимизировать </a:t>
+              <a:t>железнодорожных вокзалах происходят разнообразные процессы, связанные с обслуживанием пассажиров, формированием бизнес процессов, работой с </a:t>
             </a:r>
             <a:r>
               <a:rPr lang="ru-RU" sz="2800" dirty="0" smtClean="0">
                 <a:latin typeface="Times New Roman" panose="02020603050405020304" pitchFamily="18" charset="0"/>
                 <a:cs typeface="Times New Roman" panose="02020603050405020304" pitchFamily="18" charset="0"/>
               </a:rPr>
-              <a:t>риски, что говорит об актуальности работы.</a:t>
+              <a:t>расписанием. </a:t>
+            </a:r>
+            <a:r>
+              <a:rPr lang="ru-RU" sz="2800" dirty="0">
+                <a:latin typeface="Times New Roman" panose="02020603050405020304" pitchFamily="18" charset="0"/>
+                <a:cs typeface="Times New Roman" panose="02020603050405020304" pitchFamily="18" charset="0"/>
+              </a:rPr>
+              <a:t>Человеческий фактор может оказать значительное влияние на ход работы, поэтому создание автоматизированной системы поможет оптимизировать работу и минимизировать </a:t>
+            </a:r>
+            <a:r>
+              <a:rPr lang="ru-RU" sz="2800" dirty="0" smtClean="0">
+                <a:latin typeface="Times New Roman" panose="02020603050405020304" pitchFamily="18" charset="0"/>
+                <a:cs typeface="Times New Roman" panose="02020603050405020304" pitchFamily="18" charset="0"/>
+              </a:rPr>
+              <a:t>риски, что </a:t>
+            </a:r>
+            <a:r>
+              <a:rPr lang="ru-RU" sz="2800" dirty="0" smtClean="0">
+                <a:latin typeface="Times New Roman" panose="02020603050405020304" pitchFamily="18" charset="0"/>
+                <a:cs typeface="Times New Roman" panose="02020603050405020304" pitchFamily="18" charset="0"/>
+              </a:rPr>
+              <a:t>позволяет сделать вывод </a:t>
+            </a:r>
+            <a:r>
+              <a:rPr lang="ru-RU" sz="2800" dirty="0" smtClean="0">
+                <a:latin typeface="Times New Roman" panose="02020603050405020304" pitchFamily="18" charset="0"/>
+                <a:cs typeface="Times New Roman" panose="02020603050405020304" pitchFamily="18" charset="0"/>
+              </a:rPr>
+              <a:t>об актуальности работы.</a:t>
             </a:r>
             <a:endParaRPr lang="ru-RU" sz="2800" dirty="0">
+              <a:latin typeface="Times New Roman" panose="02020603050405020304" pitchFamily="18" charset="0"/>
+              <a:cs typeface="Times New Roman" panose="02020603050405020304" pitchFamily="18" charset="0"/>
+            </a:endParaRPr>
+          </a:p>
+        </p:txBody>
+      </p:sp>
+      <p:sp>
+        <p:nvSpPr>
+          <p:cNvPr id="5" name="Номер слайда 4"/>
+          <p:cNvSpPr>
+            <a:spLocks noGrp="1"/>
+          </p:cNvSpPr>
+          <p:nvPr>
+            <p:ph type="sldNum" sz="quarter" idx="12"/>
+          </p:nvPr>
+        </p:nvSpPr>
+        <p:spPr>
+          <a:xfrm>
+            <a:off x="8610600" y="6369205"/>
+            <a:ext cx="2743200" cy="365125"/>
+          </a:xfrm>
+        </p:spPr>
+        <p:txBody>
+          <a:bodyPr/>
+          <a:lstStyle/>
+          <a:p>
+            <a:fld id="{D1EC1024-499E-4324-A73D-2CC3F9B7708C}" type="slidenum">
+              <a:rPr lang="ru-RU" sz="2400" smtClean="0">
+                <a:solidFill>
+                  <a:schemeClr val="tx1"/>
+                </a:solidFill>
+                <a:latin typeface="Times New Roman" panose="02020603050405020304" pitchFamily="18" charset="0"/>
+                <a:cs typeface="Times New Roman" panose="02020603050405020304" pitchFamily="18" charset="0"/>
+              </a:rPr>
+              <a:pPr/>
+              <a:t>2</a:t>
+            </a:fld>
+            <a:endParaRPr lang="ru-RU" sz="2400" dirty="0">
+              <a:solidFill>
+                <a:schemeClr val="tx1"/>
+              </a:solidFill>
               <a:latin typeface="Times New Roman" panose="02020603050405020304" pitchFamily="18" charset="0"/>
               <a:cs typeface="Times New Roman" panose="02020603050405020304" pitchFamily="18" charset="0"/>
             </a:endParaRPr>
@@ -4092,7 +6659,7 @@
 </p:sld>
 </file>
 
-<file path=ppt/slides/slide3.xml><?xml version="1.0" encoding="utf-8"?>
+<file path=ppt/slides/slide20.xml><?xml version="1.0" encoding="utf-8"?>
 <p:sld xmlns:a="http://schemas.openxmlformats.org/drawingml/2006/main" xmlns:r="http://schemas.openxmlformats.org/officeDocument/2006/relationships" xmlns:p="http://schemas.openxmlformats.org/presentationml/2006/main">
   <p:cSld>
     <p:spTree>
@@ -4111,289 +6678,502 @@
       </p:grpSpPr>
       <p:sp>
         <p:nvSpPr>
-          <p:cNvPr id="29" name="TextBox 28">
+          <p:cNvPr id="29" name="Заголовок 1">
             <a:extLst>
               <a:ext uri="{FF2B5EF4-FFF2-40B4-BE49-F238E27FC236}">
-                <a16:creationId xmlns:a16="http://schemas.microsoft.com/office/drawing/2014/main" id="{9F00F0F7-B018-6B20-FF62-0F06C7997C71}"/>
+                <a16:creationId xmlns:a16="http://schemas.microsoft.com/office/drawing/2014/main" id="{AD672B75-0560-8C7A-4045-75C1179E2C88}"/>
               </a:ext>
             </a:extLst>
           </p:cNvPr>
-          <p:cNvSpPr txBox="1"/>
+          <p:cNvSpPr>
+            <a:spLocks noGrp="1"/>
+          </p:cNvSpPr>
+          <p:nvPr>
+            <p:ph type="title"/>
+          </p:nvPr>
+        </p:nvSpPr>
+        <p:spPr>
+          <a:xfrm>
+            <a:off x="0" y="0"/>
+            <a:ext cx="12192000" cy="1325563"/>
+          </a:xfrm>
+        </p:spPr>
+        <p:txBody>
+          <a:bodyPr/>
+          <a:lstStyle/>
+          <a:p>
+            <a:pPr algn="ctr"/>
+            <a:r>
+              <a:rPr lang="ru-RU" sz="5400" b="1" dirty="0" smtClean="0">
+                <a:latin typeface="Times New Roman" panose="02020603050405020304" pitchFamily="18" charset="0"/>
+                <a:cs typeface="Times New Roman" panose="02020603050405020304" pitchFamily="18" charset="0"/>
+              </a:rPr>
+              <a:t>Основные окна приложения</a:t>
+            </a:r>
+            <a:endParaRPr lang="ru-RU" b="1" dirty="0">
+              <a:latin typeface="Times New Roman" panose="02020603050405020304" pitchFamily="18" charset="0"/>
+              <a:cs typeface="Times New Roman" panose="02020603050405020304" pitchFamily="18" charset="0"/>
+            </a:endParaRPr>
+          </a:p>
+        </p:txBody>
+      </p:sp>
+      <p:sp>
+        <p:nvSpPr>
+          <p:cNvPr id="2" name="Прямоугольник 1"/>
+          <p:cNvSpPr/>
           <p:nvPr/>
         </p:nvSpPr>
         <p:spPr>
           <a:xfrm>
-            <a:off x="595222" y="948800"/>
-            <a:ext cx="11274725" cy="569387"/>
+            <a:off x="2222500" y="5729603"/>
+            <a:ext cx="7759700" cy="369332"/>
+          </a:xfrm>
+          <a:prstGeom prst="rect">
+            <a:avLst/>
+          </a:prstGeom>
+        </p:spPr>
+        <p:txBody>
+          <a:bodyPr wrap="square">
+            <a:spAutoFit/>
+          </a:bodyPr>
+          <a:lstStyle/>
+          <a:p>
+            <a:pPr lvl="0" indent="442913" algn="ctr"/>
+            <a:r>
+              <a:rPr lang="ru-RU" dirty="0" smtClean="0">
+                <a:latin typeface="Times New Roman" pitchFamily="18" charset="0"/>
+                <a:cs typeface="Times New Roman" pitchFamily="18" charset="0"/>
+              </a:rPr>
+              <a:t>Рисунок </a:t>
+            </a:r>
+            <a:r>
+              <a:rPr lang="ru-RU" dirty="0" smtClean="0">
+                <a:latin typeface="Times New Roman" pitchFamily="18" charset="0"/>
+                <a:cs typeface="Times New Roman" pitchFamily="18" charset="0"/>
+              </a:rPr>
+              <a:t>22</a:t>
+            </a:r>
+            <a:r>
+              <a:rPr lang="ru-RU" dirty="0" smtClean="0">
+                <a:latin typeface="Times New Roman" pitchFamily="18" charset="0"/>
+                <a:cs typeface="Times New Roman" pitchFamily="18" charset="0"/>
+              </a:rPr>
+              <a:t> – Личный кабинет диспетчера</a:t>
+            </a:r>
+            <a:endParaRPr lang="ru-RU" dirty="0">
+              <a:latin typeface="Times New Roman" pitchFamily="18" charset="0"/>
+              <a:cs typeface="Times New Roman" pitchFamily="18" charset="0"/>
+            </a:endParaRPr>
+          </a:p>
+        </p:txBody>
+      </p:sp>
+      <p:sp>
+        <p:nvSpPr>
+          <p:cNvPr id="3" name="Номер слайда 2"/>
+          <p:cNvSpPr>
+            <a:spLocks noGrp="1"/>
+          </p:cNvSpPr>
+          <p:nvPr>
+            <p:ph type="sldNum" sz="quarter" idx="12"/>
+          </p:nvPr>
+        </p:nvSpPr>
+        <p:spPr/>
+        <p:txBody>
+          <a:bodyPr/>
+          <a:lstStyle/>
+          <a:p>
+            <a:fld id="{D1EC1024-499E-4324-A73D-2CC3F9B7708C}" type="slidenum">
+              <a:rPr lang="ru-RU" smtClean="0"/>
+              <a:t>20</a:t>
+            </a:fld>
+            <a:endParaRPr lang="ru-RU"/>
+          </a:p>
+        </p:txBody>
+      </p:sp>
+      <p:pic>
+        <p:nvPicPr>
+          <p:cNvPr id="17410" name="Рисунок 1"/>
+          <p:cNvPicPr>
+            <a:picLocks noChangeAspect="1" noChangeArrowheads="1"/>
+          </p:cNvPicPr>
+          <p:nvPr/>
+        </p:nvPicPr>
+        <p:blipFill>
+          <a:blip r:embed="rId2">
+            <a:extLst>
+              <a:ext uri="{28A0092B-C50C-407E-A947-70E740481C1C}">
+                <a14:useLocalDpi xmlns:a14="http://schemas.microsoft.com/office/drawing/2010/main" val="0"/>
+              </a:ext>
+            </a:extLst>
+          </a:blip>
+          <a:srcRect/>
+          <a:stretch>
+            <a:fillRect/>
+          </a:stretch>
+        </p:blipFill>
+        <p:spPr bwMode="auto">
+          <a:xfrm>
+            <a:off x="2444350" y="1325563"/>
+            <a:ext cx="7303300" cy="4146625"/>
           </a:xfrm>
           <a:prstGeom prst="rect">
             <a:avLst/>
           </a:prstGeom>
           <a:noFill/>
-        </p:spPr>
-        <p:txBody>
-          <a:bodyPr wrap="square" rtlCol="0">
-            <a:spAutoFit/>
-          </a:bodyPr>
-          <a:lstStyle/>
-          <a:p>
-            <a:r>
-              <a:rPr lang="ru-RU" sz="3100" b="1" dirty="0">
-                <a:latin typeface="Times New Roman" panose="02020603050405020304" pitchFamily="18" charset="0"/>
-                <a:cs typeface="Times New Roman" panose="02020603050405020304" pitchFamily="18" charset="0"/>
-              </a:rPr>
-              <a:t>Объект исследования:</a:t>
-            </a:r>
-          </a:p>
-        </p:txBody>
-      </p:sp>
-      <p:sp>
-        <p:nvSpPr>
-          <p:cNvPr id="30" name="TextBox 29">
-            <a:extLst>
-              <a:ext uri="{FF2B5EF4-FFF2-40B4-BE49-F238E27FC236}">
-                <a16:creationId xmlns:a16="http://schemas.microsoft.com/office/drawing/2014/main" id="{72690FEF-6FCA-DE16-DF50-E02032C158F9}"/>
-              </a:ext>
-            </a:extLst>
-          </p:cNvPr>
-          <p:cNvSpPr txBox="1"/>
-          <p:nvPr/>
-        </p:nvSpPr>
-        <p:spPr>
-          <a:xfrm>
-            <a:off x="1439857" y="1664481"/>
-            <a:ext cx="10430090" cy="461665"/>
-          </a:xfrm>
-          <a:prstGeom prst="rect">
-            <a:avLst/>
-          </a:prstGeom>
-          <a:noFill/>
-        </p:spPr>
-        <p:txBody>
-          <a:bodyPr wrap="square" rtlCol="0">
-            <a:spAutoFit/>
-          </a:bodyPr>
-          <a:lstStyle/>
-          <a:p>
-            <a:r>
-              <a:rPr lang="ru-RU" sz="2400" dirty="0" smtClean="0">
-                <a:latin typeface="Times New Roman" panose="02020603050405020304" pitchFamily="18" charset="0"/>
-                <a:cs typeface="Times New Roman" panose="02020603050405020304" pitchFamily="18" charset="0"/>
-              </a:rPr>
-              <a:t>Деятельность </a:t>
-            </a:r>
-            <a:r>
-              <a:rPr lang="ru-RU" sz="2400" dirty="0" smtClean="0">
-                <a:latin typeface="Times New Roman" panose="02020603050405020304" pitchFamily="18" charset="0"/>
-                <a:cs typeface="Times New Roman" panose="02020603050405020304" pitchFamily="18" charset="0"/>
-              </a:rPr>
-              <a:t>диспетчера железнодорожной кассы.</a:t>
-            </a:r>
-            <a:endParaRPr lang="ru-RU" sz="2400" dirty="0">
-              <a:latin typeface="Times New Roman" panose="02020603050405020304" pitchFamily="18" charset="0"/>
-              <a:cs typeface="Times New Roman" panose="02020603050405020304" pitchFamily="18" charset="0"/>
-            </a:endParaRPr>
-          </a:p>
-        </p:txBody>
-      </p:sp>
-      <p:sp>
-        <p:nvSpPr>
-          <p:cNvPr id="31" name="TextBox 30">
-            <a:extLst>
-              <a:ext uri="{FF2B5EF4-FFF2-40B4-BE49-F238E27FC236}">
-                <a16:creationId xmlns:a16="http://schemas.microsoft.com/office/drawing/2014/main" id="{E9AC8085-DD51-ED8B-AFF1-FD6095C25254}"/>
-              </a:ext>
-            </a:extLst>
-          </p:cNvPr>
-          <p:cNvSpPr txBox="1"/>
-          <p:nvPr/>
-        </p:nvSpPr>
-        <p:spPr>
-          <a:xfrm>
-            <a:off x="595222" y="3926436"/>
-            <a:ext cx="11274725" cy="569387"/>
-          </a:xfrm>
-          <a:prstGeom prst="rect">
-            <a:avLst/>
-          </a:prstGeom>
-          <a:noFill/>
-        </p:spPr>
-        <p:txBody>
-          <a:bodyPr wrap="square" rtlCol="0">
-            <a:spAutoFit/>
-          </a:bodyPr>
-          <a:lstStyle/>
-          <a:p>
-            <a:r>
-              <a:rPr lang="ru-RU" sz="3100" b="1" dirty="0">
-                <a:latin typeface="Times New Roman" panose="02020603050405020304" pitchFamily="18" charset="0"/>
-                <a:cs typeface="Times New Roman" panose="02020603050405020304" pitchFamily="18" charset="0"/>
-              </a:rPr>
-              <a:t>Цель работы:</a:t>
-            </a:r>
-          </a:p>
-        </p:txBody>
-      </p:sp>
-      <p:sp>
-        <p:nvSpPr>
-          <p:cNvPr id="32" name="TextBox 31">
-            <a:extLst>
-              <a:ext uri="{FF2B5EF4-FFF2-40B4-BE49-F238E27FC236}">
-                <a16:creationId xmlns:a16="http://schemas.microsoft.com/office/drawing/2014/main" id="{013942C1-CA38-5D21-C870-D2CA67F7981D}"/>
-              </a:ext>
-            </a:extLst>
-          </p:cNvPr>
-          <p:cNvSpPr txBox="1"/>
-          <p:nvPr/>
-        </p:nvSpPr>
-        <p:spPr>
-          <a:xfrm>
-            <a:off x="1439857" y="2962137"/>
-            <a:ext cx="10430090" cy="830997"/>
-          </a:xfrm>
-          <a:prstGeom prst="rect">
-            <a:avLst/>
-          </a:prstGeom>
-          <a:noFill/>
-        </p:spPr>
-        <p:txBody>
-          <a:bodyPr wrap="square" rtlCol="0">
-            <a:spAutoFit/>
-          </a:bodyPr>
-          <a:lstStyle/>
-          <a:p>
-            <a:r>
-              <a:rPr lang="ru-RU" sz="2400" dirty="0">
-                <a:latin typeface="Times New Roman" panose="02020603050405020304" pitchFamily="18" charset="0"/>
-                <a:cs typeface="Times New Roman" panose="02020603050405020304" pitchFamily="18" charset="0"/>
-              </a:rPr>
-              <a:t>А</a:t>
-            </a:r>
-            <a:r>
-              <a:rPr lang="ru-RU" sz="2400" dirty="0" smtClean="0">
-                <a:latin typeface="Times New Roman" panose="02020603050405020304" pitchFamily="18" charset="0"/>
-                <a:cs typeface="Times New Roman" panose="02020603050405020304" pitchFamily="18" charset="0"/>
-              </a:rPr>
-              <a:t>втоматизация </a:t>
-            </a:r>
-            <a:r>
-              <a:rPr lang="ru-RU" sz="2400" dirty="0">
-                <a:latin typeface="Times New Roman" panose="02020603050405020304" pitchFamily="18" charset="0"/>
-                <a:cs typeface="Times New Roman" panose="02020603050405020304" pitchFamily="18" charset="0"/>
-              </a:rPr>
-              <a:t>деятельности диспетчера железнодорожной кассы по продаже </a:t>
-            </a:r>
-            <a:r>
-              <a:rPr lang="ru-RU" sz="2400" dirty="0" smtClean="0">
-                <a:latin typeface="Times New Roman" panose="02020603050405020304" pitchFamily="18" charset="0"/>
-                <a:cs typeface="Times New Roman" panose="02020603050405020304" pitchFamily="18" charset="0"/>
-              </a:rPr>
-              <a:t>билетов.</a:t>
-            </a:r>
-            <a:endParaRPr lang="ru-RU" sz="2400" dirty="0">
-              <a:latin typeface="Times New Roman" panose="02020603050405020304" pitchFamily="18" charset="0"/>
-              <a:cs typeface="Times New Roman" panose="02020603050405020304" pitchFamily="18" charset="0"/>
-            </a:endParaRPr>
-          </a:p>
-        </p:txBody>
-      </p:sp>
-      <p:sp>
-        <p:nvSpPr>
-          <p:cNvPr id="33" name="TextBox 32">
-            <a:extLst>
-              <a:ext uri="{FF2B5EF4-FFF2-40B4-BE49-F238E27FC236}">
-                <a16:creationId xmlns:a16="http://schemas.microsoft.com/office/drawing/2014/main" id="{B9EFA27F-2CB9-12A5-7603-9B1A8CB49427}"/>
-              </a:ext>
-            </a:extLst>
-          </p:cNvPr>
-          <p:cNvSpPr txBox="1"/>
-          <p:nvPr/>
-        </p:nvSpPr>
-        <p:spPr>
-          <a:xfrm>
-            <a:off x="1439857" y="4629125"/>
-            <a:ext cx="10430090" cy="830997"/>
-          </a:xfrm>
-          <a:prstGeom prst="rect">
-            <a:avLst/>
-          </a:prstGeom>
-          <a:noFill/>
-        </p:spPr>
-        <p:txBody>
-          <a:bodyPr wrap="square" rtlCol="0">
-            <a:spAutoFit/>
-          </a:bodyPr>
-          <a:lstStyle/>
-          <a:p>
-            <a:r>
-              <a:rPr lang="ru-RU" sz="2400" dirty="0" smtClean="0">
-                <a:latin typeface="Times New Roman" panose="02020603050405020304" pitchFamily="18" charset="0"/>
-                <a:cs typeface="Times New Roman" panose="02020603050405020304" pitchFamily="18" charset="0"/>
-              </a:rPr>
-              <a:t>Разработка </a:t>
-            </a:r>
-            <a:r>
-              <a:rPr lang="ru-RU" sz="2400" dirty="0">
-                <a:latin typeface="Times New Roman" panose="02020603050405020304" pitchFamily="18" charset="0"/>
-                <a:cs typeface="Times New Roman" panose="02020603050405020304" pitchFamily="18" charset="0"/>
-              </a:rPr>
-              <a:t>информационной системы для автоматизации работы диспетчера железнодорожной кассы</a:t>
-            </a:r>
-          </a:p>
-        </p:txBody>
-      </p:sp>
-      <p:sp>
-        <p:nvSpPr>
-          <p:cNvPr id="34" name="TextBox 33">
-            <a:extLst>
-              <a:ext uri="{FF2B5EF4-FFF2-40B4-BE49-F238E27FC236}">
-                <a16:creationId xmlns:a16="http://schemas.microsoft.com/office/drawing/2014/main" id="{FCF2C3AB-1066-0A9B-BD1C-97F5E228A25C}"/>
-              </a:ext>
-            </a:extLst>
-          </p:cNvPr>
-          <p:cNvSpPr txBox="1"/>
-          <p:nvPr/>
-        </p:nvSpPr>
-        <p:spPr>
-          <a:xfrm>
-            <a:off x="595222" y="2259448"/>
-            <a:ext cx="11274725" cy="569387"/>
-          </a:xfrm>
-          <a:prstGeom prst="rect">
-            <a:avLst/>
-          </a:prstGeom>
-          <a:noFill/>
-        </p:spPr>
-        <p:txBody>
-          <a:bodyPr wrap="square" rtlCol="0">
-            <a:spAutoFit/>
-          </a:bodyPr>
-          <a:lstStyle/>
-          <a:p>
-            <a:r>
-              <a:rPr lang="ru-RU" sz="3100" b="1" dirty="0">
-                <a:latin typeface="Times New Roman" panose="02020603050405020304" pitchFamily="18" charset="0"/>
-                <a:cs typeface="Times New Roman" panose="02020603050405020304" pitchFamily="18" charset="0"/>
-              </a:rPr>
-              <a:t>Предмет исследования:</a:t>
-            </a:r>
-          </a:p>
-        </p:txBody>
-      </p:sp>
+          <a:ln>
+            <a:noFill/>
+          </a:ln>
+          <a:extLst>
+            <a:ext uri="{909E8E84-426E-40DD-AFC4-6F175D3DCCD1}">
+              <a14:hiddenFill xmlns:a14="http://schemas.microsoft.com/office/drawing/2010/main">
+                <a:solidFill>
+                  <a:srgbClr val="FFFFFF"/>
+                </a:solidFill>
+              </a14:hiddenFill>
+            </a:ext>
+            <a:ext uri="{91240B29-F687-4F45-9708-019B960494DF}">
+              <a14:hiddenLine xmlns:a14="http://schemas.microsoft.com/office/drawing/2010/main" w="9525">
+                <a:solidFill>
+                  <a:srgbClr val="000000"/>
+                </a:solidFill>
+                <a:miter lim="800000"/>
+                <a:headEnd/>
+                <a:tailEnd/>
+              </a14:hiddenLine>
+            </a:ext>
+          </a:extLst>
+        </p:spPr>
+      </p:pic>
     </p:spTree>
     <p:extLst>
       <p:ext uri="{BB962C8B-B14F-4D97-AF65-F5344CB8AC3E}">
-        <p14:creationId xmlns:p14="http://schemas.microsoft.com/office/powerpoint/2010/main" val="526528382"/>
+        <p14:creationId xmlns:p14="http://schemas.microsoft.com/office/powerpoint/2010/main" val="1373230661"/>
       </p:ext>
     </p:extLst>
   </p:cSld>
   <p:clrMapOvr>
     <a:masterClrMapping/>
   </p:clrMapOvr>
+  <p:timing>
+    <p:tnLst>
+      <p:par>
+        <p:cTn id="1" dur="indefinite" restart="never" nodeType="tmRoot"/>
+      </p:par>
+    </p:tnLst>
+  </p:timing>
 </p:sld>
 </file>
 
-<file path=ppt/slides/slide4.xml><?xml version="1.0" encoding="utf-8"?>
+<file path=ppt/slides/slide21.xml><?xml version="1.0" encoding="utf-8"?>
+<p:sld xmlns:a="http://schemas.openxmlformats.org/drawingml/2006/main" xmlns:r="http://schemas.openxmlformats.org/officeDocument/2006/relationships" xmlns:p="http://schemas.openxmlformats.org/presentationml/2006/main" showMasterSp="0">
+  <p:cSld>
+    <p:spTree>
+      <p:nvGrpSpPr>
+        <p:cNvPr id="1" name=""/>
+        <p:cNvGrpSpPr/>
+        <p:nvPr/>
+      </p:nvGrpSpPr>
+      <p:grpSpPr>
+        <a:xfrm>
+          <a:off x="0" y="0"/>
+          <a:ext cx="0" cy="0"/>
+          <a:chOff x="0" y="0"/>
+          <a:chExt cx="0" cy="0"/>
+        </a:xfrm>
+      </p:grpSpPr>
+      <p:sp>
+        <p:nvSpPr>
+          <p:cNvPr id="29" name="Заголовок 1">
+            <a:extLst>
+              <a:ext uri="{FF2B5EF4-FFF2-40B4-BE49-F238E27FC236}">
+                <a16:creationId xmlns:a16="http://schemas.microsoft.com/office/drawing/2014/main" id="{AD672B75-0560-8C7A-4045-75C1179E2C88}"/>
+              </a:ext>
+            </a:extLst>
+          </p:cNvPr>
+          <p:cNvSpPr>
+            <a:spLocks noGrp="1"/>
+          </p:cNvSpPr>
+          <p:nvPr>
+            <p:ph type="title"/>
+          </p:nvPr>
+        </p:nvSpPr>
+        <p:spPr>
+          <a:xfrm>
+            <a:off x="0" y="0"/>
+            <a:ext cx="12192000" cy="1325563"/>
+          </a:xfrm>
+        </p:spPr>
+        <p:txBody>
+          <a:bodyPr/>
+          <a:lstStyle/>
+          <a:p>
+            <a:pPr algn="ctr"/>
+            <a:r>
+              <a:rPr lang="ru-RU" sz="5400" b="1" dirty="0" smtClean="0">
+                <a:latin typeface="Times New Roman" panose="02020603050405020304" pitchFamily="18" charset="0"/>
+                <a:cs typeface="Times New Roman" panose="02020603050405020304" pitchFamily="18" charset="0"/>
+              </a:rPr>
+              <a:t>Основные окна приложения</a:t>
+            </a:r>
+            <a:endParaRPr lang="ru-RU" b="1" dirty="0">
+              <a:latin typeface="Times New Roman" panose="02020603050405020304" pitchFamily="18" charset="0"/>
+              <a:cs typeface="Times New Roman" panose="02020603050405020304" pitchFamily="18" charset="0"/>
+            </a:endParaRPr>
+          </a:p>
+        </p:txBody>
+      </p:sp>
+      <p:sp>
+        <p:nvSpPr>
+          <p:cNvPr id="2" name="Прямоугольник 1"/>
+          <p:cNvSpPr/>
+          <p:nvPr/>
+        </p:nvSpPr>
+        <p:spPr>
+          <a:xfrm>
+            <a:off x="1281113" y="5427490"/>
+            <a:ext cx="4433887" cy="369332"/>
+          </a:xfrm>
+          <a:prstGeom prst="rect">
+            <a:avLst/>
+          </a:prstGeom>
+        </p:spPr>
+        <p:txBody>
+          <a:bodyPr wrap="square">
+            <a:spAutoFit/>
+          </a:bodyPr>
+          <a:lstStyle/>
+          <a:p>
+            <a:pPr lvl="0" indent="442913" algn="ctr"/>
+            <a:r>
+              <a:rPr lang="ru-RU" dirty="0" smtClean="0">
+                <a:latin typeface="Times New Roman" pitchFamily="18" charset="0"/>
+                <a:cs typeface="Times New Roman" pitchFamily="18" charset="0"/>
+              </a:rPr>
+              <a:t>Рисунок </a:t>
+            </a:r>
+            <a:r>
+              <a:rPr lang="ru-RU" dirty="0" smtClean="0">
+                <a:latin typeface="Times New Roman" pitchFamily="18" charset="0"/>
+                <a:cs typeface="Times New Roman" pitchFamily="18" charset="0"/>
+              </a:rPr>
+              <a:t>23</a:t>
+            </a:r>
+            <a:r>
+              <a:rPr lang="ru-RU" dirty="0" smtClean="0">
+                <a:latin typeface="Times New Roman" pitchFamily="18" charset="0"/>
+                <a:cs typeface="Times New Roman" pitchFamily="18" charset="0"/>
+              </a:rPr>
+              <a:t> – Продажа билетов</a:t>
+            </a:r>
+            <a:endParaRPr lang="ru-RU" dirty="0">
+              <a:latin typeface="Times New Roman" pitchFamily="18" charset="0"/>
+              <a:cs typeface="Times New Roman" pitchFamily="18" charset="0"/>
+            </a:endParaRPr>
+          </a:p>
+        </p:txBody>
+      </p:sp>
+      <p:sp>
+        <p:nvSpPr>
+          <p:cNvPr id="3" name="Номер слайда 2"/>
+          <p:cNvSpPr>
+            <a:spLocks noGrp="1"/>
+          </p:cNvSpPr>
+          <p:nvPr>
+            <p:ph type="sldNum" sz="quarter" idx="12"/>
+          </p:nvPr>
+        </p:nvSpPr>
+        <p:spPr/>
+        <p:txBody>
+          <a:bodyPr/>
+          <a:lstStyle/>
+          <a:p>
+            <a:fld id="{D1EC1024-499E-4324-A73D-2CC3F9B7708C}" type="slidenum">
+              <a:rPr lang="ru-RU" smtClean="0"/>
+              <a:t>21</a:t>
+            </a:fld>
+            <a:endParaRPr lang="ru-RU"/>
+          </a:p>
+        </p:txBody>
+      </p:sp>
+      <p:sp>
+        <p:nvSpPr>
+          <p:cNvPr id="8" name="Прямоугольник 7"/>
+          <p:cNvSpPr/>
+          <p:nvPr/>
+        </p:nvSpPr>
+        <p:spPr>
+          <a:xfrm>
+            <a:off x="6095999" y="5427490"/>
+            <a:ext cx="5875903" cy="369332"/>
+          </a:xfrm>
+          <a:prstGeom prst="rect">
+            <a:avLst/>
+          </a:prstGeom>
+        </p:spPr>
+        <p:txBody>
+          <a:bodyPr wrap="square">
+            <a:spAutoFit/>
+          </a:bodyPr>
+          <a:lstStyle/>
+          <a:p>
+            <a:pPr lvl="0" indent="442913" algn="ctr"/>
+            <a:r>
+              <a:rPr lang="ru-RU" dirty="0" smtClean="0">
+                <a:latin typeface="Times New Roman" pitchFamily="18" charset="0"/>
+                <a:cs typeface="Times New Roman" pitchFamily="18" charset="0"/>
+              </a:rPr>
+              <a:t>Рисунок </a:t>
+            </a:r>
+            <a:r>
+              <a:rPr lang="ru-RU" dirty="0" smtClean="0">
+                <a:latin typeface="Times New Roman" pitchFamily="18" charset="0"/>
+                <a:cs typeface="Times New Roman" pitchFamily="18" charset="0"/>
+              </a:rPr>
+              <a:t>24</a:t>
+            </a:r>
+            <a:r>
+              <a:rPr lang="ru-RU" dirty="0" smtClean="0">
+                <a:latin typeface="Times New Roman" pitchFamily="18" charset="0"/>
+                <a:cs typeface="Times New Roman" pitchFamily="18" charset="0"/>
+              </a:rPr>
+              <a:t> – Редактор расписания</a:t>
+            </a:r>
+            <a:endParaRPr lang="ru-RU" dirty="0">
+              <a:latin typeface="Times New Roman" pitchFamily="18" charset="0"/>
+              <a:cs typeface="Times New Roman" pitchFamily="18" charset="0"/>
+            </a:endParaRPr>
+          </a:p>
+        </p:txBody>
+      </p:sp>
+      <p:pic>
+        <p:nvPicPr>
+          <p:cNvPr id="18434" name="Рисунок 1"/>
+          <p:cNvPicPr>
+            <a:picLocks noChangeAspect="1" noChangeArrowheads="1"/>
+          </p:cNvPicPr>
+          <p:nvPr/>
+        </p:nvPicPr>
+        <p:blipFill>
+          <a:blip r:embed="rId2">
+            <a:extLst>
+              <a:ext uri="{28A0092B-C50C-407E-A947-70E740481C1C}">
+                <a14:useLocalDpi xmlns:a14="http://schemas.microsoft.com/office/drawing/2010/main" val="0"/>
+              </a:ext>
+            </a:extLst>
+          </a:blip>
+          <a:srcRect/>
+          <a:stretch>
+            <a:fillRect/>
+          </a:stretch>
+        </p:blipFill>
+        <p:spPr bwMode="auto">
+          <a:xfrm>
+            <a:off x="1281113" y="1384713"/>
+            <a:ext cx="4433887" cy="4042777"/>
+          </a:xfrm>
+          <a:prstGeom prst="rect">
+            <a:avLst/>
+          </a:prstGeom>
+          <a:noFill/>
+          <a:ln>
+            <a:noFill/>
+          </a:ln>
+          <a:extLst>
+            <a:ext uri="{909E8E84-426E-40DD-AFC4-6F175D3DCCD1}">
+              <a14:hiddenFill xmlns:a14="http://schemas.microsoft.com/office/drawing/2010/main">
+                <a:solidFill>
+                  <a:srgbClr val="FFFFFF"/>
+                </a:solidFill>
+              </a14:hiddenFill>
+            </a:ext>
+            <a:ext uri="{91240B29-F687-4F45-9708-019B960494DF}">
+              <a14:hiddenLine xmlns:a14="http://schemas.microsoft.com/office/drawing/2010/main" w="9525">
+                <a:solidFill>
+                  <a:srgbClr val="000000"/>
+                </a:solidFill>
+                <a:miter lim="800000"/>
+                <a:headEnd/>
+                <a:tailEnd/>
+              </a14:hiddenLine>
+            </a:ext>
+          </a:extLst>
+        </p:spPr>
+      </p:pic>
+      <p:pic>
+        <p:nvPicPr>
+          <p:cNvPr id="18435" name="Рисунок 1"/>
+          <p:cNvPicPr>
+            <a:picLocks noChangeAspect="1" noChangeArrowheads="1"/>
+          </p:cNvPicPr>
+          <p:nvPr/>
+        </p:nvPicPr>
+        <p:blipFill>
+          <a:blip r:embed="rId3">
+            <a:extLst>
+              <a:ext uri="{28A0092B-C50C-407E-A947-70E740481C1C}">
+                <a14:useLocalDpi xmlns:a14="http://schemas.microsoft.com/office/drawing/2010/main" val="0"/>
+              </a:ext>
+            </a:extLst>
+          </a:blip>
+          <a:srcRect/>
+          <a:stretch>
+            <a:fillRect/>
+          </a:stretch>
+        </p:blipFill>
+        <p:spPr bwMode="auto">
+          <a:xfrm>
+            <a:off x="6096000" y="2106853"/>
+            <a:ext cx="5875903" cy="3320637"/>
+          </a:xfrm>
+          <a:prstGeom prst="rect">
+            <a:avLst/>
+          </a:prstGeom>
+          <a:noFill/>
+          <a:ln>
+            <a:noFill/>
+          </a:ln>
+          <a:extLst>
+            <a:ext uri="{909E8E84-426E-40DD-AFC4-6F175D3DCCD1}">
+              <a14:hiddenFill xmlns:a14="http://schemas.microsoft.com/office/drawing/2010/main">
+                <a:solidFill>
+                  <a:srgbClr val="FFFFFF"/>
+                </a:solidFill>
+              </a14:hiddenFill>
+            </a:ext>
+            <a:ext uri="{91240B29-F687-4F45-9708-019B960494DF}">
+              <a14:hiddenLine xmlns:a14="http://schemas.microsoft.com/office/drawing/2010/main" w="9525">
+                <a:solidFill>
+                  <a:srgbClr val="000000"/>
+                </a:solidFill>
+                <a:miter lim="800000"/>
+                <a:headEnd/>
+                <a:tailEnd/>
+              </a14:hiddenLine>
+            </a:ext>
+          </a:extLst>
+        </p:spPr>
+      </p:pic>
+    </p:spTree>
+    <p:extLst>
+      <p:ext uri="{BB962C8B-B14F-4D97-AF65-F5344CB8AC3E}">
+        <p14:creationId xmlns:p14="http://schemas.microsoft.com/office/powerpoint/2010/main" val="2900189300"/>
+      </p:ext>
+    </p:extLst>
+  </p:cSld>
+  <p:clrMapOvr>
+    <a:masterClrMapping/>
+  </p:clrMapOvr>
+  <p:timing>
+    <p:tnLst>
+      <p:par>
+        <p:cTn id="1" dur="indefinite" restart="never" nodeType="tmRoot"/>
+      </p:par>
+    </p:tnLst>
+  </p:timing>
+</p:sld>
+</file>
+
+<file path=ppt/slides/slide22.xml><?xml version="1.0" encoding="utf-8"?>
 <p:sld xmlns:a="http://schemas.openxmlformats.org/drawingml/2006/main" xmlns:r="http://schemas.openxmlformats.org/officeDocument/2006/relationships" xmlns:p="http://schemas.openxmlformats.org/presentationml/2006/main">
   <p:cSld>
     <p:spTree>
@@ -4428,14 +7208,840 @@
         </p:nvSpPr>
         <p:spPr>
           <a:xfrm>
-            <a:off x="838200" y="365125"/>
-            <a:ext cx="10515600" cy="1325563"/>
+            <a:off x="0" y="0"/>
+            <a:ext cx="12192000" cy="1325563"/>
           </a:xfrm>
         </p:spPr>
         <p:txBody>
           <a:bodyPr/>
           <a:lstStyle/>
           <a:p>
+            <a:pPr algn="ctr"/>
+            <a:r>
+              <a:rPr lang="ru-RU" sz="5400" b="1" dirty="0" smtClean="0">
+                <a:latin typeface="Times New Roman" panose="02020603050405020304" pitchFamily="18" charset="0"/>
+                <a:cs typeface="Times New Roman" panose="02020603050405020304" pitchFamily="18" charset="0"/>
+              </a:rPr>
+              <a:t>Тестирование</a:t>
+            </a:r>
+            <a:endParaRPr lang="ru-RU" b="1" dirty="0">
+              <a:latin typeface="Times New Roman" panose="02020603050405020304" pitchFamily="18" charset="0"/>
+              <a:cs typeface="Times New Roman" panose="02020603050405020304" pitchFamily="18" charset="0"/>
+            </a:endParaRPr>
+          </a:p>
+        </p:txBody>
+      </p:sp>
+      <p:sp>
+        <p:nvSpPr>
+          <p:cNvPr id="2" name="Прямоугольник 1"/>
+          <p:cNvSpPr/>
+          <p:nvPr/>
+        </p:nvSpPr>
+        <p:spPr>
+          <a:xfrm>
+            <a:off x="2222500" y="5729603"/>
+            <a:ext cx="7759700" cy="369332"/>
+          </a:xfrm>
+          <a:prstGeom prst="rect">
+            <a:avLst/>
+          </a:prstGeom>
+        </p:spPr>
+        <p:txBody>
+          <a:bodyPr wrap="square">
+            <a:spAutoFit/>
+          </a:bodyPr>
+          <a:lstStyle/>
+          <a:p>
+            <a:pPr lvl="0" indent="442913" algn="ctr"/>
+            <a:r>
+              <a:rPr lang="ru-RU" dirty="0" smtClean="0">
+                <a:latin typeface="Times New Roman" pitchFamily="18" charset="0"/>
+                <a:cs typeface="Times New Roman" pitchFamily="18" charset="0"/>
+              </a:rPr>
+              <a:t>Рисунок </a:t>
+            </a:r>
+            <a:r>
+              <a:rPr lang="ru-RU" dirty="0" smtClean="0">
+                <a:latin typeface="Times New Roman" pitchFamily="18" charset="0"/>
+                <a:cs typeface="Times New Roman" pitchFamily="18" charset="0"/>
+              </a:rPr>
+              <a:t>25</a:t>
+            </a:r>
+            <a:r>
+              <a:rPr lang="ru-RU" dirty="0" smtClean="0">
+                <a:latin typeface="Times New Roman" pitchFamily="18" charset="0"/>
+                <a:cs typeface="Times New Roman" pitchFamily="18" charset="0"/>
+              </a:rPr>
+              <a:t> – Тестирование продажи билета</a:t>
+            </a:r>
+            <a:endParaRPr lang="ru-RU" dirty="0">
+              <a:latin typeface="Times New Roman" pitchFamily="18" charset="0"/>
+              <a:cs typeface="Times New Roman" pitchFamily="18" charset="0"/>
+            </a:endParaRPr>
+          </a:p>
+        </p:txBody>
+      </p:sp>
+      <p:sp>
+        <p:nvSpPr>
+          <p:cNvPr id="3" name="Номер слайда 2"/>
+          <p:cNvSpPr>
+            <a:spLocks noGrp="1"/>
+          </p:cNvSpPr>
+          <p:nvPr>
+            <p:ph type="sldNum" sz="quarter" idx="12"/>
+          </p:nvPr>
+        </p:nvSpPr>
+        <p:spPr/>
+        <p:txBody>
+          <a:bodyPr/>
+          <a:lstStyle/>
+          <a:p>
+            <a:fld id="{D1EC1024-499E-4324-A73D-2CC3F9B7708C}" type="slidenum">
+              <a:rPr lang="ru-RU" smtClean="0"/>
+              <a:t>22</a:t>
+            </a:fld>
+            <a:endParaRPr lang="ru-RU"/>
+          </a:p>
+        </p:txBody>
+      </p:sp>
+      <p:pic>
+        <p:nvPicPr>
+          <p:cNvPr id="19458" name="Рисунок 1"/>
+          <p:cNvPicPr>
+            <a:picLocks noChangeAspect="1" noChangeArrowheads="1"/>
+          </p:cNvPicPr>
+          <p:nvPr/>
+        </p:nvPicPr>
+        <p:blipFill>
+          <a:blip r:embed="rId2">
+            <a:extLst>
+              <a:ext uri="{28A0092B-C50C-407E-A947-70E740481C1C}">
+                <a14:useLocalDpi xmlns:a14="http://schemas.microsoft.com/office/drawing/2010/main" val="0"/>
+              </a:ext>
+            </a:extLst>
+          </a:blip>
+          <a:srcRect/>
+          <a:stretch>
+            <a:fillRect/>
+          </a:stretch>
+        </p:blipFill>
+        <p:spPr bwMode="auto">
+          <a:xfrm>
+            <a:off x="1979373" y="1154113"/>
+            <a:ext cx="8160229" cy="4389437"/>
+          </a:xfrm>
+          <a:prstGeom prst="rect">
+            <a:avLst/>
+          </a:prstGeom>
+          <a:noFill/>
+          <a:ln>
+            <a:noFill/>
+          </a:ln>
+          <a:extLst>
+            <a:ext uri="{909E8E84-426E-40DD-AFC4-6F175D3DCCD1}">
+              <a14:hiddenFill xmlns:a14="http://schemas.microsoft.com/office/drawing/2010/main">
+                <a:solidFill>
+                  <a:srgbClr val="FFFFFF"/>
+                </a:solidFill>
+              </a14:hiddenFill>
+            </a:ext>
+            <a:ext uri="{91240B29-F687-4F45-9708-019B960494DF}">
+              <a14:hiddenLine xmlns:a14="http://schemas.microsoft.com/office/drawing/2010/main" w="9525">
+                <a:solidFill>
+                  <a:srgbClr val="000000"/>
+                </a:solidFill>
+                <a:miter lim="800000"/>
+                <a:headEnd/>
+                <a:tailEnd/>
+              </a14:hiddenLine>
+            </a:ext>
+          </a:extLst>
+        </p:spPr>
+      </p:pic>
+    </p:spTree>
+    <p:extLst>
+      <p:ext uri="{BB962C8B-B14F-4D97-AF65-F5344CB8AC3E}">
+        <p14:creationId xmlns:p14="http://schemas.microsoft.com/office/powerpoint/2010/main" val="1401090113"/>
+      </p:ext>
+    </p:extLst>
+  </p:cSld>
+  <p:clrMapOvr>
+    <a:masterClrMapping/>
+  </p:clrMapOvr>
+  <p:timing>
+    <p:tnLst>
+      <p:par>
+        <p:cTn id="1" dur="indefinite" restart="never" nodeType="tmRoot"/>
+      </p:par>
+    </p:tnLst>
+  </p:timing>
+</p:sld>
+</file>
+
+<file path=ppt/slides/slide23.xml><?xml version="1.0" encoding="utf-8"?>
+<p:sld xmlns:a="http://schemas.openxmlformats.org/drawingml/2006/main" xmlns:r="http://schemas.openxmlformats.org/officeDocument/2006/relationships" xmlns:p="http://schemas.openxmlformats.org/presentationml/2006/main">
+  <p:cSld>
+    <p:spTree>
+      <p:nvGrpSpPr>
+        <p:cNvPr id="1" name=""/>
+        <p:cNvGrpSpPr/>
+        <p:nvPr/>
+      </p:nvGrpSpPr>
+      <p:grpSpPr>
+        <a:xfrm>
+          <a:off x="0" y="0"/>
+          <a:ext cx="0" cy="0"/>
+          <a:chOff x="0" y="0"/>
+          <a:chExt cx="0" cy="0"/>
+        </a:xfrm>
+      </p:grpSpPr>
+      <p:sp>
+        <p:nvSpPr>
+          <p:cNvPr id="29" name="Заголовок 1">
+            <a:extLst>
+              <a:ext uri="{FF2B5EF4-FFF2-40B4-BE49-F238E27FC236}">
+                <a16:creationId xmlns:a16="http://schemas.microsoft.com/office/drawing/2014/main" id="{AD672B75-0560-8C7A-4045-75C1179E2C88}"/>
+              </a:ext>
+            </a:extLst>
+          </p:cNvPr>
+          <p:cNvSpPr>
+            <a:spLocks noGrp="1"/>
+          </p:cNvSpPr>
+          <p:nvPr>
+            <p:ph type="title"/>
+          </p:nvPr>
+        </p:nvSpPr>
+        <p:spPr>
+          <a:xfrm>
+            <a:off x="0" y="0"/>
+            <a:ext cx="12192000" cy="1325563"/>
+          </a:xfrm>
+        </p:spPr>
+        <p:txBody>
+          <a:bodyPr/>
+          <a:lstStyle/>
+          <a:p>
+            <a:pPr algn="ctr"/>
+            <a:r>
+              <a:rPr lang="ru-RU" sz="5400" b="1" dirty="0" smtClean="0">
+                <a:latin typeface="Times New Roman" panose="02020603050405020304" pitchFamily="18" charset="0"/>
+                <a:cs typeface="Times New Roman" panose="02020603050405020304" pitchFamily="18" charset="0"/>
+              </a:rPr>
+              <a:t>Заключение</a:t>
+            </a:r>
+            <a:endParaRPr lang="ru-RU" b="1" dirty="0">
+              <a:latin typeface="Times New Roman" panose="02020603050405020304" pitchFamily="18" charset="0"/>
+              <a:cs typeface="Times New Roman" panose="02020603050405020304" pitchFamily="18" charset="0"/>
+            </a:endParaRPr>
+          </a:p>
+        </p:txBody>
+      </p:sp>
+      <p:sp>
+        <p:nvSpPr>
+          <p:cNvPr id="3" name="Номер слайда 2"/>
+          <p:cNvSpPr>
+            <a:spLocks noGrp="1"/>
+          </p:cNvSpPr>
+          <p:nvPr>
+            <p:ph type="sldNum" sz="quarter" idx="12"/>
+          </p:nvPr>
+        </p:nvSpPr>
+        <p:spPr/>
+        <p:txBody>
+          <a:bodyPr/>
+          <a:lstStyle/>
+          <a:p>
+            <a:fld id="{D1EC1024-499E-4324-A73D-2CC3F9B7708C}" type="slidenum">
+              <a:rPr lang="ru-RU" smtClean="0"/>
+              <a:t>23</a:t>
+            </a:fld>
+            <a:endParaRPr lang="ru-RU"/>
+          </a:p>
+        </p:txBody>
+      </p:sp>
+      <p:sp>
+        <p:nvSpPr>
+          <p:cNvPr id="6" name="TextBox 5">
+            <a:extLst>
+              <a:ext uri="{FF2B5EF4-FFF2-40B4-BE49-F238E27FC236}">
+                <a16:creationId xmlns:a16="http://schemas.microsoft.com/office/drawing/2014/main" id="{72690FEF-6FCA-DE16-DF50-E02032C158F9}"/>
+              </a:ext>
+            </a:extLst>
+          </p:cNvPr>
+          <p:cNvSpPr txBox="1"/>
+          <p:nvPr/>
+        </p:nvSpPr>
+        <p:spPr>
+          <a:xfrm>
+            <a:off x="1439857" y="1664481"/>
+            <a:ext cx="10430090" cy="3108543"/>
+          </a:xfrm>
+          <a:prstGeom prst="rect">
+            <a:avLst/>
+          </a:prstGeom>
+          <a:noFill/>
+        </p:spPr>
+        <p:txBody>
+          <a:bodyPr wrap="square" rtlCol="0">
+            <a:spAutoFit/>
+          </a:bodyPr>
+          <a:lstStyle/>
+          <a:p>
+            <a:r>
+              <a:rPr lang="ru-RU" sz="2800" dirty="0" smtClean="0">
+                <a:latin typeface="Times New Roman" panose="02020603050405020304" pitchFamily="18" charset="0"/>
+                <a:cs typeface="Times New Roman" panose="02020603050405020304" pitchFamily="18" charset="0"/>
+              </a:rPr>
+              <a:t>На </a:t>
+            </a:r>
+            <a:r>
+              <a:rPr lang="ru-RU" sz="2800" dirty="0">
+                <a:latin typeface="Times New Roman" panose="02020603050405020304" pitchFamily="18" charset="0"/>
+                <a:cs typeface="Times New Roman" panose="02020603050405020304" pitchFamily="18" charset="0"/>
+              </a:rPr>
+              <a:t>железнодорожных вокзалах происходят разнообразные процессы, связанные с обслуживанием пассажиров, формированием бизнес процессов, работой с </a:t>
+            </a:r>
+            <a:r>
+              <a:rPr lang="ru-RU" sz="2800" dirty="0" smtClean="0">
+                <a:latin typeface="Times New Roman" panose="02020603050405020304" pitchFamily="18" charset="0"/>
+                <a:cs typeface="Times New Roman" panose="02020603050405020304" pitchFamily="18" charset="0"/>
+              </a:rPr>
+              <a:t>расписанием. </a:t>
+            </a:r>
+            <a:r>
+              <a:rPr lang="ru-RU" sz="2800" dirty="0">
+                <a:latin typeface="Times New Roman" panose="02020603050405020304" pitchFamily="18" charset="0"/>
+                <a:cs typeface="Times New Roman" panose="02020603050405020304" pitchFamily="18" charset="0"/>
+              </a:rPr>
+              <a:t>Человеческий фактор может оказать значительное влияние на ход работы, поэтому создание автоматизированной системы поможет оптимизировать работу и минимизировать </a:t>
+            </a:r>
+            <a:r>
+              <a:rPr lang="ru-RU" sz="2800" dirty="0" smtClean="0">
+                <a:latin typeface="Times New Roman" panose="02020603050405020304" pitchFamily="18" charset="0"/>
+                <a:cs typeface="Times New Roman" panose="02020603050405020304" pitchFamily="18" charset="0"/>
+              </a:rPr>
+              <a:t>риски, что </a:t>
+            </a:r>
+            <a:r>
+              <a:rPr lang="ru-RU" sz="2800" dirty="0" smtClean="0">
+                <a:latin typeface="Times New Roman" panose="02020603050405020304" pitchFamily="18" charset="0"/>
+                <a:cs typeface="Times New Roman" panose="02020603050405020304" pitchFamily="18" charset="0"/>
+              </a:rPr>
+              <a:t>позволяет сделать вывод </a:t>
+            </a:r>
+            <a:r>
+              <a:rPr lang="ru-RU" sz="2800" dirty="0" smtClean="0">
+                <a:latin typeface="Times New Roman" panose="02020603050405020304" pitchFamily="18" charset="0"/>
+                <a:cs typeface="Times New Roman" panose="02020603050405020304" pitchFamily="18" charset="0"/>
+              </a:rPr>
+              <a:t>об актуальности работы.</a:t>
+            </a:r>
+            <a:endParaRPr lang="ru-RU" sz="2800" dirty="0">
+              <a:latin typeface="Times New Roman" panose="02020603050405020304" pitchFamily="18" charset="0"/>
+              <a:cs typeface="Times New Roman" panose="02020603050405020304" pitchFamily="18" charset="0"/>
+            </a:endParaRPr>
+          </a:p>
+        </p:txBody>
+      </p:sp>
+    </p:spTree>
+    <p:extLst>
+      <p:ext uri="{BB962C8B-B14F-4D97-AF65-F5344CB8AC3E}">
+        <p14:creationId xmlns:p14="http://schemas.microsoft.com/office/powerpoint/2010/main" val="1890628408"/>
+      </p:ext>
+    </p:extLst>
+  </p:cSld>
+  <p:clrMapOvr>
+    <a:masterClrMapping/>
+  </p:clrMapOvr>
+  <p:timing>
+    <p:tnLst>
+      <p:par>
+        <p:cTn id="1" dur="indefinite" restart="never" nodeType="tmRoot"/>
+      </p:par>
+    </p:tnLst>
+  </p:timing>
+</p:sld>
+</file>
+
+<file path=ppt/slides/slide24.xml><?xml version="1.0" encoding="utf-8"?>
+<p:sld xmlns:a="http://schemas.openxmlformats.org/drawingml/2006/main" xmlns:r="http://schemas.openxmlformats.org/officeDocument/2006/relationships" xmlns:p="http://schemas.openxmlformats.org/presentationml/2006/main">
+  <p:cSld>
+    <p:spTree>
+      <p:nvGrpSpPr>
+        <p:cNvPr id="1" name=""/>
+        <p:cNvGrpSpPr/>
+        <p:nvPr/>
+      </p:nvGrpSpPr>
+      <p:grpSpPr>
+        <a:xfrm>
+          <a:off x="0" y="0"/>
+          <a:ext cx="0" cy="0"/>
+          <a:chOff x="0" y="0"/>
+          <a:chExt cx="0" cy="0"/>
+        </a:xfrm>
+      </p:grpSpPr>
+      <p:sp>
+        <p:nvSpPr>
+          <p:cNvPr id="29" name="Заголовок 1">
+            <a:extLst>
+              <a:ext uri="{FF2B5EF4-FFF2-40B4-BE49-F238E27FC236}">
+                <a16:creationId xmlns:a16="http://schemas.microsoft.com/office/drawing/2014/main" id="{AD672B75-0560-8C7A-4045-75C1179E2C88}"/>
+              </a:ext>
+            </a:extLst>
+          </p:cNvPr>
+          <p:cNvSpPr>
+            <a:spLocks noGrp="1"/>
+          </p:cNvSpPr>
+          <p:nvPr>
+            <p:ph type="title"/>
+          </p:nvPr>
+        </p:nvSpPr>
+        <p:spPr>
+          <a:xfrm>
+            <a:off x="0" y="0"/>
+            <a:ext cx="12192000" cy="6858000"/>
+          </a:xfrm>
+        </p:spPr>
+        <p:txBody>
+          <a:bodyPr/>
+          <a:lstStyle/>
+          <a:p>
+            <a:pPr algn="ctr"/>
+            <a:r>
+              <a:rPr lang="ru-RU" sz="5400" b="1" dirty="0" smtClean="0">
+                <a:latin typeface="Times New Roman" panose="02020603050405020304" pitchFamily="18" charset="0"/>
+                <a:cs typeface="Times New Roman" panose="02020603050405020304" pitchFamily="18" charset="0"/>
+              </a:rPr>
+              <a:t>Спасибо за внимание</a:t>
+            </a:r>
+            <a:endParaRPr lang="ru-RU" b="1" dirty="0">
+              <a:latin typeface="Times New Roman" panose="02020603050405020304" pitchFamily="18" charset="0"/>
+              <a:cs typeface="Times New Roman" panose="02020603050405020304" pitchFamily="18" charset="0"/>
+            </a:endParaRPr>
+          </a:p>
+        </p:txBody>
+      </p:sp>
+      <p:sp>
+        <p:nvSpPr>
+          <p:cNvPr id="3" name="Номер слайда 2"/>
+          <p:cNvSpPr>
+            <a:spLocks noGrp="1"/>
+          </p:cNvSpPr>
+          <p:nvPr>
+            <p:ph type="sldNum" sz="quarter" idx="12"/>
+          </p:nvPr>
+        </p:nvSpPr>
+        <p:spPr/>
+        <p:txBody>
+          <a:bodyPr/>
+          <a:lstStyle/>
+          <a:p>
+            <a:fld id="{D1EC1024-499E-4324-A73D-2CC3F9B7708C}" type="slidenum">
+              <a:rPr lang="ru-RU" smtClean="0"/>
+              <a:t>24</a:t>
+            </a:fld>
+            <a:endParaRPr lang="ru-RU"/>
+          </a:p>
+        </p:txBody>
+      </p:sp>
+    </p:spTree>
+    <p:extLst>
+      <p:ext uri="{BB962C8B-B14F-4D97-AF65-F5344CB8AC3E}">
+        <p14:creationId xmlns:p14="http://schemas.microsoft.com/office/powerpoint/2010/main" val="3471102887"/>
+      </p:ext>
+    </p:extLst>
+  </p:cSld>
+  <p:clrMapOvr>
+    <a:masterClrMapping/>
+  </p:clrMapOvr>
+  <p:timing>
+    <p:tnLst>
+      <p:par>
+        <p:cTn id="1" dur="indefinite" restart="never" nodeType="tmRoot"/>
+      </p:par>
+    </p:tnLst>
+  </p:timing>
+</p:sld>
+</file>
+
+<file path=ppt/slides/slide3.xml><?xml version="1.0" encoding="utf-8"?>
+<p:sld xmlns:a="http://schemas.openxmlformats.org/drawingml/2006/main" xmlns:r="http://schemas.openxmlformats.org/officeDocument/2006/relationships" xmlns:p="http://schemas.openxmlformats.org/presentationml/2006/main" showMasterSp="0">
+  <p:cSld>
+    <p:spTree>
+      <p:nvGrpSpPr>
+        <p:cNvPr id="1" name=""/>
+        <p:cNvGrpSpPr/>
+        <p:nvPr/>
+      </p:nvGrpSpPr>
+      <p:grpSpPr>
+        <a:xfrm>
+          <a:off x="0" y="0"/>
+          <a:ext cx="0" cy="0"/>
+          <a:chOff x="0" y="0"/>
+          <a:chExt cx="0" cy="0"/>
+        </a:xfrm>
+      </p:grpSpPr>
+      <p:sp>
+        <p:nvSpPr>
+          <p:cNvPr id="29" name="TextBox 28">
+            <a:extLst>
+              <a:ext uri="{FF2B5EF4-FFF2-40B4-BE49-F238E27FC236}">
+                <a16:creationId xmlns:a16="http://schemas.microsoft.com/office/drawing/2014/main" id="{9F00F0F7-B018-6B20-FF62-0F06C7997C71}"/>
+              </a:ext>
+            </a:extLst>
+          </p:cNvPr>
+          <p:cNvSpPr txBox="1"/>
+          <p:nvPr/>
+        </p:nvSpPr>
+        <p:spPr>
+          <a:xfrm>
+            <a:off x="0" y="948800"/>
+            <a:ext cx="11869947" cy="584775"/>
+          </a:xfrm>
+          <a:prstGeom prst="rect">
+            <a:avLst/>
+          </a:prstGeom>
+          <a:noFill/>
+        </p:spPr>
+        <p:txBody>
+          <a:bodyPr wrap="square" rtlCol="0">
+            <a:spAutoFit/>
+          </a:bodyPr>
+          <a:lstStyle/>
+          <a:p>
+            <a:pPr indent="444500"/>
+            <a:r>
+              <a:rPr lang="ru-RU" sz="3200" b="1" dirty="0" smtClean="0">
+                <a:latin typeface="Times New Roman" panose="02020603050405020304" pitchFamily="18" charset="0"/>
+                <a:cs typeface="Times New Roman" panose="02020603050405020304" pitchFamily="18" charset="0"/>
+              </a:rPr>
+              <a:t>Объект исследования:</a:t>
+            </a:r>
+            <a:endParaRPr lang="ru-RU" sz="3200" b="1" dirty="0">
+              <a:latin typeface="Times New Roman" panose="02020603050405020304" pitchFamily="18" charset="0"/>
+              <a:cs typeface="Times New Roman" panose="02020603050405020304" pitchFamily="18" charset="0"/>
+            </a:endParaRPr>
+          </a:p>
+        </p:txBody>
+      </p:sp>
+      <p:sp>
+        <p:nvSpPr>
+          <p:cNvPr id="30" name="TextBox 29">
+            <a:extLst>
+              <a:ext uri="{FF2B5EF4-FFF2-40B4-BE49-F238E27FC236}">
+                <a16:creationId xmlns:a16="http://schemas.microsoft.com/office/drawing/2014/main" id="{72690FEF-6FCA-DE16-DF50-E02032C158F9}"/>
+              </a:ext>
+            </a:extLst>
+          </p:cNvPr>
+          <p:cNvSpPr txBox="1"/>
+          <p:nvPr/>
+        </p:nvSpPr>
+        <p:spPr>
+          <a:xfrm>
+            <a:off x="0" y="1664481"/>
+            <a:ext cx="11869947" cy="461665"/>
+          </a:xfrm>
+          <a:prstGeom prst="rect">
+            <a:avLst/>
+          </a:prstGeom>
+          <a:noFill/>
+        </p:spPr>
+        <p:txBody>
+          <a:bodyPr wrap="square" rtlCol="0">
+            <a:spAutoFit/>
+          </a:bodyPr>
+          <a:lstStyle/>
+          <a:p>
+            <a:pPr indent="444500"/>
+            <a:r>
+              <a:rPr lang="ru-RU" sz="2400" dirty="0" smtClean="0">
+                <a:latin typeface="Times New Roman" panose="02020603050405020304" pitchFamily="18" charset="0"/>
+                <a:cs typeface="Times New Roman" panose="02020603050405020304" pitchFamily="18" charset="0"/>
+              </a:rPr>
+              <a:t>Деятельность диспетчера железнодорожной кассы.</a:t>
+            </a:r>
+            <a:endParaRPr lang="ru-RU" sz="2400" dirty="0">
+              <a:latin typeface="Times New Roman" panose="02020603050405020304" pitchFamily="18" charset="0"/>
+              <a:cs typeface="Times New Roman" panose="02020603050405020304" pitchFamily="18" charset="0"/>
+            </a:endParaRPr>
+          </a:p>
+        </p:txBody>
+      </p:sp>
+      <p:sp>
+        <p:nvSpPr>
+          <p:cNvPr id="31" name="TextBox 30">
+            <a:extLst>
+              <a:ext uri="{FF2B5EF4-FFF2-40B4-BE49-F238E27FC236}">
+                <a16:creationId xmlns:a16="http://schemas.microsoft.com/office/drawing/2014/main" id="{E9AC8085-DD51-ED8B-AFF1-FD6095C25254}"/>
+              </a:ext>
+            </a:extLst>
+          </p:cNvPr>
+          <p:cNvSpPr txBox="1"/>
+          <p:nvPr/>
+        </p:nvSpPr>
+        <p:spPr>
+          <a:xfrm>
+            <a:off x="0" y="3926436"/>
+            <a:ext cx="11869947" cy="584775"/>
+          </a:xfrm>
+          <a:prstGeom prst="rect">
+            <a:avLst/>
+          </a:prstGeom>
+          <a:noFill/>
+        </p:spPr>
+        <p:txBody>
+          <a:bodyPr wrap="square" rtlCol="0">
+            <a:spAutoFit/>
+          </a:bodyPr>
+          <a:lstStyle/>
+          <a:p>
+            <a:pPr indent="444500"/>
+            <a:r>
+              <a:rPr lang="ru-RU" sz="3200" b="1" dirty="0">
+                <a:latin typeface="Times New Roman" panose="02020603050405020304" pitchFamily="18" charset="0"/>
+                <a:cs typeface="Times New Roman" panose="02020603050405020304" pitchFamily="18" charset="0"/>
+              </a:rPr>
+              <a:t>Цель работы:</a:t>
+            </a:r>
+          </a:p>
+        </p:txBody>
+      </p:sp>
+      <p:sp>
+        <p:nvSpPr>
+          <p:cNvPr id="32" name="TextBox 31">
+            <a:extLst>
+              <a:ext uri="{FF2B5EF4-FFF2-40B4-BE49-F238E27FC236}">
+                <a16:creationId xmlns:a16="http://schemas.microsoft.com/office/drawing/2014/main" id="{013942C1-CA38-5D21-C870-D2CA67F7981D}"/>
+              </a:ext>
+            </a:extLst>
+          </p:cNvPr>
+          <p:cNvSpPr txBox="1"/>
+          <p:nvPr/>
+        </p:nvSpPr>
+        <p:spPr>
+          <a:xfrm>
+            <a:off x="0" y="2962137"/>
+            <a:ext cx="11869947" cy="830997"/>
+          </a:xfrm>
+          <a:prstGeom prst="rect">
+            <a:avLst/>
+          </a:prstGeom>
+          <a:noFill/>
+        </p:spPr>
+        <p:txBody>
+          <a:bodyPr wrap="square" rtlCol="0">
+            <a:spAutoFit/>
+          </a:bodyPr>
+          <a:lstStyle/>
+          <a:p>
+            <a:pPr marL="444500"/>
+            <a:r>
+              <a:rPr lang="ru-RU" sz="2400" dirty="0">
+                <a:latin typeface="Times New Roman" panose="02020603050405020304" pitchFamily="18" charset="0"/>
+                <a:cs typeface="Times New Roman" panose="02020603050405020304" pitchFamily="18" charset="0"/>
+              </a:rPr>
+              <a:t>А</a:t>
+            </a:r>
+            <a:r>
+              <a:rPr lang="ru-RU" sz="2400" dirty="0" smtClean="0">
+                <a:latin typeface="Times New Roman" panose="02020603050405020304" pitchFamily="18" charset="0"/>
+                <a:cs typeface="Times New Roman" panose="02020603050405020304" pitchFamily="18" charset="0"/>
+              </a:rPr>
+              <a:t>втоматизация </a:t>
+            </a:r>
+            <a:r>
+              <a:rPr lang="ru-RU" sz="2400" dirty="0">
+                <a:latin typeface="Times New Roman" panose="02020603050405020304" pitchFamily="18" charset="0"/>
+                <a:cs typeface="Times New Roman" panose="02020603050405020304" pitchFamily="18" charset="0"/>
+              </a:rPr>
+              <a:t>деятельности диспетчера железнодорожной кассы по продаже </a:t>
+            </a:r>
+            <a:r>
+              <a:rPr lang="ru-RU" sz="2400" dirty="0" smtClean="0">
+                <a:latin typeface="Times New Roman" panose="02020603050405020304" pitchFamily="18" charset="0"/>
+                <a:cs typeface="Times New Roman" panose="02020603050405020304" pitchFamily="18" charset="0"/>
+              </a:rPr>
+              <a:t>билетов.</a:t>
+            </a:r>
+            <a:endParaRPr lang="ru-RU" sz="2400" dirty="0">
+              <a:latin typeface="Times New Roman" panose="02020603050405020304" pitchFamily="18" charset="0"/>
+              <a:cs typeface="Times New Roman" panose="02020603050405020304" pitchFamily="18" charset="0"/>
+            </a:endParaRPr>
+          </a:p>
+        </p:txBody>
+      </p:sp>
+      <p:sp>
+        <p:nvSpPr>
+          <p:cNvPr id="33" name="TextBox 32">
+            <a:extLst>
+              <a:ext uri="{FF2B5EF4-FFF2-40B4-BE49-F238E27FC236}">
+                <a16:creationId xmlns:a16="http://schemas.microsoft.com/office/drawing/2014/main" id="{B9EFA27F-2CB9-12A5-7603-9B1A8CB49427}"/>
+              </a:ext>
+            </a:extLst>
+          </p:cNvPr>
+          <p:cNvSpPr txBox="1"/>
+          <p:nvPr/>
+        </p:nvSpPr>
+        <p:spPr>
+          <a:xfrm>
+            <a:off x="0" y="4629125"/>
+            <a:ext cx="11869947" cy="830997"/>
+          </a:xfrm>
+          <a:prstGeom prst="rect">
+            <a:avLst/>
+          </a:prstGeom>
+          <a:noFill/>
+        </p:spPr>
+        <p:txBody>
+          <a:bodyPr wrap="square" rtlCol="0">
+            <a:spAutoFit/>
+          </a:bodyPr>
+          <a:lstStyle/>
+          <a:p>
+            <a:pPr marL="444500"/>
+            <a:r>
+              <a:rPr lang="ru-RU" sz="2400" dirty="0" smtClean="0">
+                <a:latin typeface="Times New Roman" panose="02020603050405020304" pitchFamily="18" charset="0"/>
+                <a:cs typeface="Times New Roman" panose="02020603050405020304" pitchFamily="18" charset="0"/>
+              </a:rPr>
+              <a:t>Разработка </a:t>
+            </a:r>
+            <a:r>
+              <a:rPr lang="ru-RU" sz="2400" dirty="0">
+                <a:latin typeface="Times New Roman" panose="02020603050405020304" pitchFamily="18" charset="0"/>
+                <a:cs typeface="Times New Roman" panose="02020603050405020304" pitchFamily="18" charset="0"/>
+              </a:rPr>
+              <a:t>информационной системы для автоматизации работы диспетчера железнодорожной кассы</a:t>
+            </a:r>
+          </a:p>
+        </p:txBody>
+      </p:sp>
+      <p:sp>
+        <p:nvSpPr>
+          <p:cNvPr id="34" name="TextBox 33">
+            <a:extLst>
+              <a:ext uri="{FF2B5EF4-FFF2-40B4-BE49-F238E27FC236}">
+                <a16:creationId xmlns:a16="http://schemas.microsoft.com/office/drawing/2014/main" id="{FCF2C3AB-1066-0A9B-BD1C-97F5E228A25C}"/>
+              </a:ext>
+            </a:extLst>
+          </p:cNvPr>
+          <p:cNvSpPr txBox="1"/>
+          <p:nvPr/>
+        </p:nvSpPr>
+        <p:spPr>
+          <a:xfrm>
+            <a:off x="0" y="2259448"/>
+            <a:ext cx="11869947" cy="584775"/>
+          </a:xfrm>
+          <a:prstGeom prst="rect">
+            <a:avLst/>
+          </a:prstGeom>
+          <a:noFill/>
+        </p:spPr>
+        <p:txBody>
+          <a:bodyPr wrap="square" rtlCol="0">
+            <a:spAutoFit/>
+          </a:bodyPr>
+          <a:lstStyle/>
+          <a:p>
+            <a:pPr indent="444500"/>
+            <a:r>
+              <a:rPr lang="ru-RU" sz="3200" b="1" dirty="0">
+                <a:latin typeface="Times New Roman" panose="02020603050405020304" pitchFamily="18" charset="0"/>
+                <a:cs typeface="Times New Roman" panose="02020603050405020304" pitchFamily="18" charset="0"/>
+              </a:rPr>
+              <a:t>Предмет исследования</a:t>
+            </a:r>
+            <a:r>
+              <a:rPr lang="ru-RU" sz="3100" b="1" dirty="0">
+                <a:latin typeface="Times New Roman" panose="02020603050405020304" pitchFamily="18" charset="0"/>
+                <a:cs typeface="Times New Roman" panose="02020603050405020304" pitchFamily="18" charset="0"/>
+              </a:rPr>
+              <a:t>:</a:t>
+            </a:r>
+          </a:p>
+        </p:txBody>
+      </p:sp>
+      <p:sp>
+        <p:nvSpPr>
+          <p:cNvPr id="2" name="Номер слайда 1"/>
+          <p:cNvSpPr>
+            <a:spLocks noGrp="1"/>
+          </p:cNvSpPr>
+          <p:nvPr>
+            <p:ph type="sldNum" sz="quarter" idx="12"/>
+          </p:nvPr>
+        </p:nvSpPr>
+        <p:spPr/>
+        <p:txBody>
+          <a:bodyPr/>
+          <a:lstStyle/>
+          <a:p>
+            <a:fld id="{D1EC1024-499E-4324-A73D-2CC3F9B7708C}" type="slidenum">
+              <a:rPr lang="ru-RU" smtClean="0"/>
+              <a:t>3</a:t>
+            </a:fld>
+            <a:endParaRPr lang="ru-RU" dirty="0"/>
+          </a:p>
+        </p:txBody>
+      </p:sp>
+    </p:spTree>
+    <p:extLst>
+      <p:ext uri="{BB962C8B-B14F-4D97-AF65-F5344CB8AC3E}">
+        <p14:creationId xmlns:p14="http://schemas.microsoft.com/office/powerpoint/2010/main" val="526528382"/>
+      </p:ext>
+    </p:extLst>
+  </p:cSld>
+  <p:clrMapOvr>
+    <a:masterClrMapping/>
+  </p:clrMapOvr>
+</p:sld>
+</file>
+
+<file path=ppt/slides/slide4.xml><?xml version="1.0" encoding="utf-8"?>
+<p:sld xmlns:a="http://schemas.openxmlformats.org/drawingml/2006/main" xmlns:r="http://schemas.openxmlformats.org/officeDocument/2006/relationships" xmlns:p="http://schemas.openxmlformats.org/presentationml/2006/main" showMasterSp="0">
+  <p:cSld>
+    <p:spTree>
+      <p:nvGrpSpPr>
+        <p:cNvPr id="1" name=""/>
+        <p:cNvGrpSpPr/>
+        <p:nvPr/>
+      </p:nvGrpSpPr>
+      <p:grpSpPr>
+        <a:xfrm>
+          <a:off x="0" y="0"/>
+          <a:ext cx="0" cy="0"/>
+          <a:chOff x="0" y="0"/>
+          <a:chExt cx="0" cy="0"/>
+        </a:xfrm>
+      </p:grpSpPr>
+      <p:sp>
+        <p:nvSpPr>
+          <p:cNvPr id="29" name="Заголовок 1">
+            <a:extLst>
+              <a:ext uri="{FF2B5EF4-FFF2-40B4-BE49-F238E27FC236}">
+                <a16:creationId xmlns:a16="http://schemas.microsoft.com/office/drawing/2014/main" id="{AD672B75-0560-8C7A-4045-75C1179E2C88}"/>
+              </a:ext>
+            </a:extLst>
+          </p:cNvPr>
+          <p:cNvSpPr>
+            <a:spLocks noGrp="1"/>
+          </p:cNvSpPr>
+          <p:nvPr>
+            <p:ph type="title"/>
+          </p:nvPr>
+        </p:nvSpPr>
+        <p:spPr>
+          <a:xfrm>
+            <a:off x="0" y="0"/>
+            <a:ext cx="12192000" cy="1325563"/>
+          </a:xfrm>
+        </p:spPr>
+        <p:txBody>
+          <a:bodyPr/>
+          <a:lstStyle/>
+          <a:p>
+            <a:pPr algn="ctr"/>
             <a:r>
               <a:rPr lang="ru-RU" sz="5400" b="1" dirty="0">
                 <a:latin typeface="Times New Roman" panose="02020603050405020304" pitchFamily="18" charset="0"/>
@@ -4524,7 +8130,17 @@
                 <a:latin typeface="Times New Roman" panose="02020603050405020304" pitchFamily="18" charset="0"/>
                 <a:cs typeface="Times New Roman" panose="02020603050405020304" pitchFamily="18" charset="0"/>
               </a:rPr>
-              <a:t>проанализировать деятельность </a:t>
+              <a:t>Проанализировать </a:t>
+            </a:r>
+            <a:r>
+              <a:rPr lang="ru-RU" sz="2800" dirty="0" smtClean="0">
+                <a:solidFill>
+                  <a:srgbClr val="000000"/>
+                </a:solidFill>
+                <a:latin typeface="Times New Roman" panose="02020603050405020304" pitchFamily="18" charset="0"/>
+                <a:cs typeface="Times New Roman" panose="02020603050405020304" pitchFamily="18" charset="0"/>
+              </a:rPr>
+              <a:t>деятельность </a:t>
             </a:r>
             <a:r>
               <a:rPr lang="ru-RU" sz="2800" dirty="0">
@@ -4560,7 +8176,7 @@
                 <a:latin typeface="Times New Roman" panose="02020603050405020304" pitchFamily="18" charset="0"/>
                 <a:cs typeface="Times New Roman" panose="02020603050405020304" pitchFamily="18" charset="0"/>
               </a:rPr>
-              <a:t>провести </a:t>
+              <a:t>Провести </a:t>
             </a:r>
             <a:r>
               <a:rPr lang="ru-RU" sz="2800" dirty="0">
@@ -4573,14 +8189,40 @@
               <a:t>сравнительный анализ аналогов проектируемой </a:t>
             </a:r>
             <a:r>
-              <a:rPr lang="ru-RU" sz="2800" dirty="0" err="1">
+              <a:rPr lang="ru-RU" sz="2800" dirty="0" smtClean="0">
                 <a:solidFill>
                   <a:srgbClr val="000000"/>
                 </a:solidFill>
                 <a:latin typeface="Times New Roman" panose="02020603050405020304" pitchFamily="18" charset="0"/>
                 <a:cs typeface="Times New Roman" panose="02020603050405020304" pitchFamily="18" charset="0"/>
               </a:rPr>
-              <a:t>информаци-онной</a:t>
+              <a:t>информационной </a:t>
+            </a:r>
+            <a:r>
+              <a:rPr lang="ru-RU" sz="2800" dirty="0" smtClean="0">
+                <a:solidFill>
+                  <a:srgbClr val="000000"/>
+                </a:solidFill>
+                <a:latin typeface="Times New Roman" panose="02020603050405020304" pitchFamily="18" charset="0"/>
+                <a:cs typeface="Times New Roman" panose="02020603050405020304" pitchFamily="18" charset="0"/>
+              </a:rPr>
+              <a:t>системы;</a:t>
+            </a:r>
+          </a:p>
+          <a:p>
+            <a:pPr marL="514350" indent="-514350">
+              <a:buFont typeface="+mj-lt"/>
+              <a:buAutoNum type="arabicPeriod"/>
+            </a:pPr>
+            <a:r>
+              <a:rPr lang="ru-RU" sz="2800" dirty="0" smtClean="0">
+                <a:solidFill>
+                  <a:srgbClr val="000000"/>
+                </a:solidFill>
+                <a:latin typeface="Times New Roman" panose="02020603050405020304" pitchFamily="18" charset="0"/>
+                <a:cs typeface="Times New Roman" panose="02020603050405020304" pitchFamily="18" charset="0"/>
+              </a:rPr>
+              <a:t>Обосновать </a:t>
             </a:r>
             <a:r>
               <a:rPr lang="ru-RU" sz="2800" dirty="0">
@@ -4590,7 +8232,7 @@
                 <a:latin typeface="Times New Roman" panose="02020603050405020304" pitchFamily="18" charset="0"/>
                 <a:cs typeface="Times New Roman" panose="02020603050405020304" pitchFamily="18" charset="0"/>
               </a:rPr>
-              <a:t> </a:t>
+              <a:t>выбор инструментальных средств и СУБД для разработки информационной </a:t>
             </a:r>
             <a:r>
               <a:rPr lang="ru-RU" sz="2800" dirty="0" smtClean="0">
@@ -4616,7 +8258,7 @@
                 <a:latin typeface="Times New Roman" panose="02020603050405020304" pitchFamily="18" charset="0"/>
                 <a:cs typeface="Times New Roman" panose="02020603050405020304" pitchFamily="18" charset="0"/>
               </a:rPr>
-              <a:t>обосновать </a:t>
+              <a:t>Провести </a:t>
             </a:r>
             <a:r>
               <a:rPr lang="ru-RU" sz="2800" dirty="0">
@@ -4626,7 +8268,7 @@
                 <a:latin typeface="Times New Roman" panose="02020603050405020304" pitchFamily="18" charset="0"/>
                 <a:cs typeface="Times New Roman" panose="02020603050405020304" pitchFamily="18" charset="0"/>
               </a:rPr>
-              <a:t>выбор инструментальных средств и СУБД для разработки информационной </a:t>
+              <a:t>структурное (функциональное) и объектно-ориентированное моделирование информационной </a:t>
             </a:r>
             <a:r>
               <a:rPr lang="ru-RU" sz="2800" dirty="0" smtClean="0">
@@ -4652,7 +8294,7 @@
                 <a:latin typeface="Times New Roman" panose="02020603050405020304" pitchFamily="18" charset="0"/>
                 <a:cs typeface="Times New Roman" panose="02020603050405020304" pitchFamily="18" charset="0"/>
               </a:rPr>
-              <a:t>провести </a:t>
+              <a:t>Спроектировать </a:t>
             </a:r>
             <a:r>
               <a:rPr lang="ru-RU" sz="2800" dirty="0">
@@ -4662,7 +8304,7 @@
                 <a:latin typeface="Times New Roman" panose="02020603050405020304" pitchFamily="18" charset="0"/>
                 <a:cs typeface="Times New Roman" panose="02020603050405020304" pitchFamily="18" charset="0"/>
               </a:rPr>
-              <a:t>структурное (функциональное) и объектно-ориентированное моделирование информационной </a:t>
+              <a:t>базу данных, разработать алгоритм и программную реализацию </a:t>
             </a:r>
             <a:r>
               <a:rPr lang="ru-RU" sz="2800" dirty="0" smtClean="0">
@@ -4672,7 +8314,7 @@
                 <a:latin typeface="Times New Roman" panose="02020603050405020304" pitchFamily="18" charset="0"/>
                 <a:cs typeface="Times New Roman" panose="02020603050405020304" pitchFamily="18" charset="0"/>
               </a:rPr>
-              <a:t>системы;</a:t>
+              <a:t>приложения;</a:t>
             </a:r>
           </a:p>
           <a:p>
@@ -4688,7 +8330,7 @@
                 <a:latin typeface="Times New Roman" panose="02020603050405020304" pitchFamily="18" charset="0"/>
                 <a:cs typeface="Times New Roman" panose="02020603050405020304" pitchFamily="18" charset="0"/>
               </a:rPr>
-              <a:t>спроектировать </a:t>
+              <a:t>Разработать </a:t>
             </a:r>
             <a:r>
               <a:rPr lang="ru-RU" sz="2800" dirty="0">
@@ -4698,7 +8340,7 @@
                 <a:latin typeface="Times New Roman" panose="02020603050405020304" pitchFamily="18" charset="0"/>
                 <a:cs typeface="Times New Roman" panose="02020603050405020304" pitchFamily="18" charset="0"/>
               </a:rPr>
-              <a:t>базу данных, разработать алгоритм и программную реализацию </a:t>
+              <a:t>руководства системного программиста, администратора и пользователя системы</a:t>
             </a:r>
             <a:r>
               <a:rPr lang="ru-RU" sz="2800" dirty="0" smtClean="0">
@@ -4708,53 +8350,7 @@
                 <a:latin typeface="Times New Roman" panose="02020603050405020304" pitchFamily="18" charset="0"/>
                 <a:cs typeface="Times New Roman" panose="02020603050405020304" pitchFamily="18" charset="0"/>
               </a:rPr>
-              <a:t>приложения;</a:t>
-            </a:r>
-          </a:p>
-          <a:p>
-            <a:pPr marL="514350" indent="-514350">
-              <a:buFont typeface="+mj-lt"/>
-              <a:buAutoNum type="arabicPeriod"/>
-            </a:pPr>
-            <a:r>
-              <a:rPr lang="ru-RU" sz="2800" dirty="0" smtClean="0">
-                <a:solidFill>
-                  <a:srgbClr val="000000"/>
-                </a:solidFill>
-                <a:latin typeface="Times New Roman" panose="02020603050405020304" pitchFamily="18" charset="0"/>
-                <a:cs typeface="Times New Roman" panose="02020603050405020304" pitchFamily="18" charset="0"/>
-              </a:rPr>
-              <a:t>разработать </a:t>
-            </a:r>
-            <a:r>
-              <a:rPr lang="ru-RU" sz="2800" dirty="0">
-                <a:solidFill>
-                  <a:srgbClr val="000000"/>
-                </a:solidFill>
-                <a:latin typeface="Times New Roman" panose="02020603050405020304" pitchFamily="18" charset="0"/>
-                <a:cs typeface="Times New Roman" panose="02020603050405020304" pitchFamily="18" charset="0"/>
-              </a:rPr>
-              <a:t>руководства системного программиста, администратора и пользователя системы</a:t>
-            </a:r>
-            <a:r>
-              <a:rPr lang="ru-RU" sz="2800" dirty="0" smtClean="0">
-                <a:solidFill>
-                  <a:srgbClr val="000000"/>
-                </a:solidFill>
-                <a:latin typeface="Times New Roman" panose="02020603050405020304" pitchFamily="18" charset="0"/>
-                <a:cs typeface="Times New Roman" panose="02020603050405020304" pitchFamily="18" charset="0"/>
-              </a:rPr>
-              <a:t>.</a:t>
-            </a:r>
-            <a:r>
-              <a:rPr lang="ru-RU" sz="2800" dirty="0" smtClean="0">
-                <a:solidFill>
-                  <a:srgbClr val="000000"/>
-                </a:solidFill>
-                <a:latin typeface="Times New Roman" panose="02020603050405020304" pitchFamily="18" charset="0"/>
-                <a:cs typeface="Times New Roman" panose="02020603050405020304" pitchFamily="18" charset="0"/>
-              </a:rPr>
-              <a:t> </a:t>
+              <a:t>. </a:t>
             </a:r>
             <a:endParaRPr lang="en-US" sz="2800" dirty="0">
               <a:solidFill>
@@ -4763,6 +8359,29 @@
               <a:latin typeface="Times New Roman" panose="02020603050405020304" pitchFamily="18" charset="0"/>
               <a:cs typeface="Times New Roman" panose="02020603050405020304" pitchFamily="18" charset="0"/>
             </a:endParaRPr>
+          </a:p>
+        </p:txBody>
+      </p:sp>
+      <p:sp>
+        <p:nvSpPr>
+          <p:cNvPr id="2" name="Номер слайда 1"/>
+          <p:cNvSpPr>
+            <a:spLocks noGrp="1"/>
+          </p:cNvSpPr>
+          <p:nvPr>
+            <p:ph type="sldNum" sz="quarter" idx="12"/>
+          </p:nvPr>
+        </p:nvSpPr>
+        <p:spPr/>
+        <p:txBody>
+          <a:bodyPr/>
+          <a:lstStyle/>
+          <a:p>
+            <a:fld id="{D1EC1024-499E-4324-A73D-2CC3F9B7708C}" type="slidenum">
+              <a:rPr lang="ru-RU" smtClean="0"/>
+              <a:t>4</a:t>
+            </a:fld>
+            <a:endParaRPr lang="ru-RU"/>
           </a:p>
         </p:txBody>
       </p:sp>
@@ -4787,7 +8406,7 @@
 </file>
 
 <file path=ppt/slides/slide5.xml><?xml version="1.0" encoding="utf-8"?>
-<p:sld xmlns:a="http://schemas.openxmlformats.org/drawingml/2006/main" xmlns:r="http://schemas.openxmlformats.org/officeDocument/2006/relationships" xmlns:p="http://schemas.openxmlformats.org/presentationml/2006/main">
+<p:sld xmlns:a="http://schemas.openxmlformats.org/drawingml/2006/main" xmlns:r="http://schemas.openxmlformats.org/officeDocument/2006/relationships" xmlns:p="http://schemas.openxmlformats.org/presentationml/2006/main" showMasterSp="0">
   <p:cSld>
     <p:spTree>
       <p:nvGrpSpPr>
@@ -4821,14 +8440,222 @@
         </p:nvSpPr>
         <p:spPr>
           <a:xfrm>
-            <a:off x="838200" y="365125"/>
-            <a:ext cx="10515600" cy="1325563"/>
+            <a:off x="0" y="0"/>
+            <a:ext cx="12192000" cy="1325563"/>
           </a:xfrm>
         </p:spPr>
         <p:txBody>
           <a:bodyPr/>
           <a:lstStyle/>
           <a:p>
+            <a:pPr algn="ctr"/>
+            <a:r>
+              <a:rPr lang="ru-RU" sz="5400" b="1" dirty="0" smtClean="0">
+                <a:latin typeface="Times New Roman" panose="02020603050405020304" pitchFamily="18" charset="0"/>
+                <a:cs typeface="Times New Roman" panose="02020603050405020304" pitchFamily="18" charset="0"/>
+              </a:rPr>
+              <a:t>Аналоги</a:t>
+            </a:r>
+            <a:endParaRPr lang="ru-RU" b="1" dirty="0">
+              <a:latin typeface="Times New Roman" panose="02020603050405020304" pitchFamily="18" charset="0"/>
+              <a:cs typeface="Times New Roman" panose="02020603050405020304" pitchFamily="18" charset="0"/>
+            </a:endParaRPr>
+          </a:p>
+        </p:txBody>
+      </p:sp>
+      <p:pic>
+        <p:nvPicPr>
+          <p:cNvPr id="1026" name="Picture 2" descr="https://startpack.ru/repository/application/1782/image/11133.jpg"/>
+          <p:cNvPicPr>
+            <a:picLocks noChangeAspect="1" noChangeArrowheads="1"/>
+          </p:cNvPicPr>
+          <p:nvPr/>
+        </p:nvPicPr>
+        <p:blipFill>
+          <a:blip r:embed="rId2">
+            <a:extLst>
+              <a:ext uri="{28A0092B-C50C-407E-A947-70E740481C1C}">
+                <a14:useLocalDpi xmlns:a14="http://schemas.microsoft.com/office/drawing/2010/main" val="0"/>
+              </a:ext>
+            </a:extLst>
+          </a:blip>
+          <a:srcRect/>
+          <a:stretch>
+            <a:fillRect/>
+          </a:stretch>
+        </p:blipFill>
+        <p:spPr bwMode="auto">
+          <a:xfrm>
+            <a:off x="3171000" y="1325563"/>
+            <a:ext cx="5849999" cy="4680000"/>
+          </a:xfrm>
+          <a:prstGeom prst="rect">
+            <a:avLst/>
+          </a:prstGeom>
+          <a:noFill/>
+          <a:extLst>
+            <a:ext uri="{909E8E84-426E-40DD-AFC4-6F175D3DCCD1}">
+              <a14:hiddenFill xmlns:a14="http://schemas.microsoft.com/office/drawing/2010/main">
+                <a:solidFill>
+                  <a:srgbClr val="FFFFFF"/>
+                </a:solidFill>
+              </a14:hiddenFill>
+            </a:ext>
+          </a:extLst>
+        </p:spPr>
+      </p:pic>
+      <p:sp>
+        <p:nvSpPr>
+          <p:cNvPr id="6" name="Прямоугольник 5"/>
+          <p:cNvSpPr/>
+          <p:nvPr/>
+        </p:nvSpPr>
+        <p:spPr>
+          <a:xfrm>
+            <a:off x="0" y="6197892"/>
+            <a:ext cx="12192000" cy="369332"/>
+          </a:xfrm>
+          <a:prstGeom prst="rect">
+            <a:avLst/>
+          </a:prstGeom>
+        </p:spPr>
+        <p:txBody>
+          <a:bodyPr wrap="square">
+            <a:spAutoFit/>
+          </a:bodyPr>
+          <a:lstStyle/>
+          <a:p>
+            <a:pPr lvl="0" indent="442913" algn="ctr"/>
+            <a:r>
+              <a:rPr lang="ru-RU" dirty="0">
+                <a:latin typeface="Times New Roman" pitchFamily="18" charset="0"/>
+                <a:cs typeface="Times New Roman" pitchFamily="18" charset="0"/>
+              </a:rPr>
+              <a:t>Рисунок </a:t>
+            </a:r>
+            <a:r>
+              <a:rPr lang="ru-RU" dirty="0" smtClean="0">
+                <a:latin typeface="Times New Roman" pitchFamily="18" charset="0"/>
+                <a:cs typeface="Times New Roman" pitchFamily="18" charset="0"/>
+              </a:rPr>
+              <a:t>1 </a:t>
+            </a:r>
+            <a:r>
+              <a:rPr lang="ru-RU" dirty="0">
+                <a:latin typeface="Times New Roman" pitchFamily="18" charset="0"/>
+                <a:cs typeface="Times New Roman" pitchFamily="18" charset="0"/>
+              </a:rPr>
+              <a:t>– </a:t>
+            </a:r>
+            <a:r>
+              <a:rPr lang="ru-RU" dirty="0" smtClean="0">
+                <a:latin typeface="Times New Roman" pitchFamily="18" charset="0"/>
+                <a:cs typeface="Times New Roman" pitchFamily="18" charset="0"/>
+              </a:rPr>
+              <a:t>1С-Кассир</a:t>
+            </a:r>
+            <a:endParaRPr lang="ru-RU" dirty="0">
+              <a:latin typeface="Times New Roman" pitchFamily="18" charset="0"/>
+              <a:cs typeface="Times New Roman" pitchFamily="18" charset="0"/>
+            </a:endParaRPr>
+          </a:p>
+        </p:txBody>
+      </p:sp>
+      <p:sp>
+        <p:nvSpPr>
+          <p:cNvPr id="3" name="Номер слайда 2"/>
+          <p:cNvSpPr>
+            <a:spLocks noGrp="1"/>
+          </p:cNvSpPr>
+          <p:nvPr>
+            <p:ph type="sldNum" sz="quarter" idx="12"/>
+          </p:nvPr>
+        </p:nvSpPr>
+        <p:spPr/>
+        <p:txBody>
+          <a:bodyPr/>
+          <a:lstStyle/>
+          <a:p>
+            <a:fld id="{D1EC1024-499E-4324-A73D-2CC3F9B7708C}" type="slidenum">
+              <a:rPr lang="ru-RU" smtClean="0"/>
+              <a:t>5</a:t>
+            </a:fld>
+            <a:endParaRPr lang="ru-RU"/>
+          </a:p>
+        </p:txBody>
+      </p:sp>
+    </p:spTree>
+    <p:extLst>
+      <p:ext uri="{BB962C8B-B14F-4D97-AF65-F5344CB8AC3E}">
+        <p14:creationId xmlns:p14="http://schemas.microsoft.com/office/powerpoint/2010/main" val="560061130"/>
+      </p:ext>
+    </p:extLst>
+  </p:cSld>
+  <p:clrMapOvr>
+    <a:masterClrMapping/>
+  </p:clrMapOvr>
+  <p:timing>
+    <p:tnLst>
+      <p:par>
+        <p:cTn id="1" dur="indefinite" restart="never" nodeType="tmRoot"/>
+      </p:par>
+    </p:tnLst>
+  </p:timing>
+</p:sld>
+</file>
+
+<file path=ppt/slides/slide6.xml><?xml version="1.0" encoding="utf-8"?>
+<p:sld xmlns:a="http://schemas.openxmlformats.org/drawingml/2006/main" xmlns:r="http://schemas.openxmlformats.org/officeDocument/2006/relationships" xmlns:p="http://schemas.openxmlformats.org/presentationml/2006/main" showMasterSp="0">
+  <p:cSld>
+    <p:bg>
+      <p:bgPr>
+        <a:solidFill>
+          <a:schemeClr val="bg1"/>
+        </a:solidFill>
+        <a:effectLst/>
+      </p:bgPr>
+    </p:bg>
+    <p:spTree>
+      <p:nvGrpSpPr>
+        <p:cNvPr id="1" name=""/>
+        <p:cNvGrpSpPr/>
+        <p:nvPr/>
+      </p:nvGrpSpPr>
+      <p:grpSpPr>
+        <a:xfrm>
+          <a:off x="0" y="0"/>
+          <a:ext cx="0" cy="0"/>
+          <a:chOff x="0" y="0"/>
+          <a:chExt cx="0" cy="0"/>
+        </a:xfrm>
+      </p:grpSpPr>
+      <p:sp>
+        <p:nvSpPr>
+          <p:cNvPr id="29" name="Заголовок 1">
+            <a:extLst>
+              <a:ext uri="{FF2B5EF4-FFF2-40B4-BE49-F238E27FC236}">
+                <a16:creationId xmlns:a16="http://schemas.microsoft.com/office/drawing/2014/main" id="{AD672B75-0560-8C7A-4045-75C1179E2C88}"/>
+              </a:ext>
+            </a:extLst>
+          </p:cNvPr>
+          <p:cNvSpPr>
+            <a:spLocks noGrp="1"/>
+          </p:cNvSpPr>
+          <p:nvPr>
+            <p:ph type="title"/>
+          </p:nvPr>
+        </p:nvSpPr>
+        <p:spPr>
+          <a:xfrm>
+            <a:off x="0" y="0"/>
+            <a:ext cx="12192000" cy="1325563"/>
+          </a:xfrm>
+        </p:spPr>
+        <p:txBody>
+          <a:bodyPr/>
+          <a:lstStyle/>
+          <a:p>
+            <a:pPr algn="ctr"/>
             <a:r>
               <a:rPr lang="ru-RU" sz="5400" b="1" dirty="0" smtClean="0">
                 <a:latin typeface="Times New Roman" panose="02020603050405020304" pitchFamily="18" charset="0"/>
@@ -4866,8 +8693,8 @@
         </p:blipFill>
         <p:spPr bwMode="auto">
           <a:xfrm>
-            <a:off x="2684233" y="1434014"/>
-            <a:ext cx="6823534" cy="4763878"/>
+            <a:off x="358711" y="1454150"/>
+            <a:ext cx="5761944" cy="4022725"/>
           </a:xfrm>
           <a:prstGeom prst="rect">
             <a:avLst/>
@@ -4905,8 +8732,8 @@
         </p:nvSpPr>
         <p:spPr>
           <a:xfrm>
-            <a:off x="1532021" y="6197892"/>
-            <a:ext cx="9127958" cy="369332"/>
+            <a:off x="358711" y="5512092"/>
+            <a:ext cx="5761944" cy="646331"/>
           </a:xfrm>
           <a:prstGeom prst="rect">
             <a:avLst/>
@@ -4918,7 +8745,7 @@
           </a:bodyPr>
           <a:lstStyle/>
           <a:p>
-            <a:pPr lvl="0" indent="442913" algn="just"/>
+            <a:pPr lvl="0" indent="442913" algn="ctr"/>
             <a:r>
               <a:rPr lang="ru-RU" dirty="0">
                 <a:latin typeface="Times New Roman" pitchFamily="18" charset="0"/>
@@ -4927,11 +8754,18 @@
               <a:t>Рисунок </a:t>
             </a:r>
             <a:r>
+              <a:rPr lang="ru-RU" dirty="0">
+                <a:latin typeface="Times New Roman" pitchFamily="18" charset="0"/>
+                <a:cs typeface="Times New Roman" pitchFamily="18" charset="0"/>
+              </a:rPr>
+              <a:t>2</a:t>
+            </a:r>
+            <a:r>
               <a:rPr lang="ru-RU" dirty="0" smtClean="0">
                 <a:latin typeface="Times New Roman" pitchFamily="18" charset="0"/>
                 <a:cs typeface="Times New Roman" pitchFamily="18" charset="0"/>
               </a:rPr>
-              <a:t>1 </a:t>
+              <a:t> </a:t>
             </a:r>
             <a:r>
               <a:rPr lang="ru-RU" dirty="0">
@@ -4954,129 +8788,39 @@
           </a:p>
         </p:txBody>
       </p:sp>
-    </p:spTree>
-    <p:extLst>
-      <p:ext uri="{BB962C8B-B14F-4D97-AF65-F5344CB8AC3E}">
-        <p14:creationId xmlns:p14="http://schemas.microsoft.com/office/powerpoint/2010/main" val="2176454242"/>
-      </p:ext>
-    </p:extLst>
-  </p:cSld>
-  <p:clrMapOvr>
-    <a:masterClrMapping/>
-  </p:clrMapOvr>
-  <p:timing>
-    <p:tnLst>
-      <p:par>
-        <p:cTn id="1" dur="indefinite" restart="never" nodeType="tmRoot"/>
-      </p:par>
-    </p:tnLst>
-  </p:timing>
-</p:sld>
-</file>
-
-<file path=ppt/slides/slide6.xml><?xml version="1.0" encoding="utf-8"?>
-<p:sld xmlns:a="http://schemas.openxmlformats.org/drawingml/2006/main" xmlns:r="http://schemas.openxmlformats.org/officeDocument/2006/relationships" xmlns:p="http://schemas.openxmlformats.org/presentationml/2006/main">
-  <p:cSld>
-    <p:spTree>
-      <p:nvGrpSpPr>
-        <p:cNvPr id="1" name=""/>
-        <p:cNvGrpSpPr/>
-        <p:nvPr/>
-      </p:nvGrpSpPr>
-      <p:grpSpPr>
-        <a:xfrm>
-          <a:off x="0" y="0"/>
-          <a:ext cx="0" cy="0"/>
-          <a:chOff x="0" y="0"/>
-          <a:chExt cx="0" cy="0"/>
-        </a:xfrm>
-      </p:grpSpPr>
-      <p:sp>
-        <p:nvSpPr>
-          <p:cNvPr id="29" name="Заголовок 1">
-            <a:extLst>
-              <a:ext uri="{FF2B5EF4-FFF2-40B4-BE49-F238E27FC236}">
-                <a16:creationId xmlns:a16="http://schemas.microsoft.com/office/drawing/2014/main" id="{AD672B75-0560-8C7A-4045-75C1179E2C88}"/>
-              </a:ext>
-            </a:extLst>
-          </p:cNvPr>
-          <p:cNvSpPr>
-            <a:spLocks noGrp="1"/>
-          </p:cNvSpPr>
-          <p:nvPr>
-            <p:ph type="title"/>
-          </p:nvPr>
-        </p:nvSpPr>
-        <p:spPr>
-          <a:xfrm>
-            <a:off x="838200" y="365125"/>
-            <a:ext cx="10515600" cy="1325563"/>
-          </a:xfrm>
-        </p:spPr>
+      <p:sp>
+        <p:nvSpPr>
+          <p:cNvPr id="3" name="Номер слайда 2"/>
+          <p:cNvSpPr>
+            <a:spLocks noGrp="1"/>
+          </p:cNvSpPr>
+          <p:nvPr>
+            <p:ph type="sldNum" sz="quarter" idx="12"/>
+          </p:nvPr>
+        </p:nvSpPr>
+        <p:spPr/>
         <p:txBody>
           <a:bodyPr/>
           <a:lstStyle/>
           <a:p>
-            <a:r>
-              <a:rPr lang="ru-RU" sz="5400" b="1" dirty="0" smtClean="0">
-                <a:latin typeface="Times New Roman" panose="02020603050405020304" pitchFamily="18" charset="0"/>
-                <a:cs typeface="Times New Roman" panose="02020603050405020304" pitchFamily="18" charset="0"/>
-              </a:rPr>
-              <a:t>Анализ предметной области</a:t>
-            </a:r>
-            <a:endParaRPr lang="ru-RU" b="1" dirty="0">
-              <a:latin typeface="Times New Roman" panose="02020603050405020304" pitchFamily="18" charset="0"/>
-              <a:cs typeface="Times New Roman" panose="02020603050405020304" pitchFamily="18" charset="0"/>
-            </a:endParaRPr>
-          </a:p>
-        </p:txBody>
-      </p:sp>
-      <p:sp>
-        <p:nvSpPr>
-          <p:cNvPr id="2" name="Прямоугольник 1"/>
-          <p:cNvSpPr/>
-          <p:nvPr/>
-        </p:nvSpPr>
-        <p:spPr>
-          <a:xfrm>
-            <a:off x="1532021" y="6197892"/>
-            <a:ext cx="9127958" cy="369332"/>
-          </a:xfrm>
-          <a:prstGeom prst="rect">
-            <a:avLst/>
-          </a:prstGeom>
-        </p:spPr>
-        <p:txBody>
-          <a:bodyPr wrap="square">
-            <a:spAutoFit/>
-          </a:bodyPr>
-          <a:lstStyle/>
-          <a:p>
-            <a:pPr lvl="0" indent="442913" algn="just"/>
-            <a:r>
-              <a:rPr lang="ru-RU" dirty="0" smtClean="0">
-                <a:latin typeface="Times New Roman" pitchFamily="18" charset="0"/>
-                <a:cs typeface="Times New Roman" pitchFamily="18" charset="0"/>
-              </a:rPr>
-              <a:t>Рисунок 1 –  </a:t>
-            </a:r>
-            <a:endParaRPr lang="ru-RU" dirty="0">
-              <a:latin typeface="Times New Roman" pitchFamily="18" charset="0"/>
-              <a:cs typeface="Times New Roman" pitchFamily="18" charset="0"/>
-            </a:endParaRPr>
+            <a:fld id="{D1EC1024-499E-4324-A73D-2CC3F9B7708C}" type="slidenum">
+              <a:rPr lang="ru-RU" smtClean="0"/>
+              <a:t>6</a:t>
+            </a:fld>
+            <a:endParaRPr lang="ru-RU" dirty="0"/>
           </a:p>
         </p:txBody>
       </p:sp>
       <p:pic>
         <p:nvPicPr>
-          <p:cNvPr id="2051" name="Рисунок 1"/>
+          <p:cNvPr id="2050" name="Рисунок 1"/>
           <p:cNvPicPr>
             <a:picLocks noChangeAspect="1" noChangeArrowheads="1"/>
           </p:cNvPicPr>
           <p:nvPr/>
         </p:nvPicPr>
         <p:blipFill>
-          <a:blip r:embed="rId2">
+          <a:blip r:embed="rId3">
             <a:extLst>
               <a:ext uri="{28A0092B-C50C-407E-A947-70E740481C1C}">
                 <a14:useLocalDpi xmlns:a14="http://schemas.microsoft.com/office/drawing/2010/main" val="0"/>
@@ -5090,8 +8834,8 @@
         </p:blipFill>
         <p:spPr bwMode="auto">
           <a:xfrm>
-            <a:off x="2635801" y="1434014"/>
-            <a:ext cx="6920397" cy="4763878"/>
+            <a:off x="6120655" y="1454149"/>
+            <a:ext cx="5845175" cy="4022725"/>
           </a:xfrm>
           <a:prstGeom prst="rect">
             <a:avLst/>
@@ -5121,10 +8865,846 @@
           </a:extLst>
         </p:spPr>
       </p:pic>
+      <p:sp>
+        <p:nvSpPr>
+          <p:cNvPr id="7" name="Прямоугольник 6"/>
+          <p:cNvSpPr/>
+          <p:nvPr/>
+        </p:nvSpPr>
+        <p:spPr>
+          <a:xfrm>
+            <a:off x="6120654" y="5476874"/>
+            <a:ext cx="5845175" cy="369332"/>
+          </a:xfrm>
+          <a:prstGeom prst="rect">
+            <a:avLst/>
+          </a:prstGeom>
+        </p:spPr>
+        <p:txBody>
+          <a:bodyPr wrap="square">
+            <a:spAutoFit/>
+          </a:bodyPr>
+          <a:lstStyle/>
+          <a:p>
+            <a:pPr lvl="0" indent="442913" algn="ctr"/>
+            <a:r>
+              <a:rPr lang="ru-RU" dirty="0">
+                <a:latin typeface="Times New Roman" pitchFamily="18" charset="0"/>
+                <a:cs typeface="Times New Roman" pitchFamily="18" charset="0"/>
+              </a:rPr>
+              <a:t>Рисунок </a:t>
+            </a:r>
+            <a:r>
+              <a:rPr lang="ru-RU" dirty="0" smtClean="0">
+                <a:latin typeface="Times New Roman" pitchFamily="18" charset="0"/>
+                <a:cs typeface="Times New Roman" pitchFamily="18" charset="0"/>
+              </a:rPr>
+              <a:t>3</a:t>
+            </a:r>
+            <a:r>
+              <a:rPr lang="ru-RU" dirty="0" smtClean="0">
+                <a:latin typeface="Times New Roman" pitchFamily="18" charset="0"/>
+                <a:cs typeface="Times New Roman" pitchFamily="18" charset="0"/>
+              </a:rPr>
+              <a:t> – Декомпозиция первого уровня</a:t>
+            </a:r>
+            <a:endParaRPr lang="ru-RU" dirty="0">
+              <a:latin typeface="Times New Roman" pitchFamily="18" charset="0"/>
+              <a:cs typeface="Times New Roman" pitchFamily="18" charset="0"/>
+            </a:endParaRPr>
+          </a:p>
+        </p:txBody>
+      </p:sp>
     </p:spTree>
     <p:extLst>
       <p:ext uri="{BB962C8B-B14F-4D97-AF65-F5344CB8AC3E}">
-        <p14:creationId xmlns:p14="http://schemas.microsoft.com/office/powerpoint/2010/main" val="2866195394"/>
+        <p14:creationId xmlns:p14="http://schemas.microsoft.com/office/powerpoint/2010/main" val="3464659190"/>
+      </p:ext>
+    </p:extLst>
+  </p:cSld>
+  <p:clrMapOvr>
+    <a:masterClrMapping/>
+  </p:clrMapOvr>
+  <p:timing>
+    <p:tnLst>
+      <p:par>
+        <p:cTn id="1" dur="indefinite" restart="never" nodeType="tmRoot"/>
+      </p:par>
+    </p:tnLst>
+  </p:timing>
+</p:sld>
+</file>
+
+<file path=ppt/slides/slide7.xml><?xml version="1.0" encoding="utf-8"?>
+<p:sld xmlns:a="http://schemas.openxmlformats.org/drawingml/2006/main" xmlns:r="http://schemas.openxmlformats.org/officeDocument/2006/relationships" xmlns:p="http://schemas.openxmlformats.org/presentationml/2006/main" showMasterSp="0">
+  <p:cSld>
+    <p:bg>
+      <p:bgPr>
+        <a:solidFill>
+          <a:schemeClr val="bg1"/>
+        </a:solidFill>
+        <a:effectLst/>
+      </p:bgPr>
+    </p:bg>
+    <p:spTree>
+      <p:nvGrpSpPr>
+        <p:cNvPr id="1" name=""/>
+        <p:cNvGrpSpPr/>
+        <p:nvPr/>
+      </p:nvGrpSpPr>
+      <p:grpSpPr>
+        <a:xfrm>
+          <a:off x="0" y="0"/>
+          <a:ext cx="0" cy="0"/>
+          <a:chOff x="0" y="0"/>
+          <a:chExt cx="0" cy="0"/>
+        </a:xfrm>
+      </p:grpSpPr>
+      <p:sp>
+        <p:nvSpPr>
+          <p:cNvPr id="29" name="Заголовок 1">
+            <a:extLst>
+              <a:ext uri="{FF2B5EF4-FFF2-40B4-BE49-F238E27FC236}">
+                <a16:creationId xmlns:a16="http://schemas.microsoft.com/office/drawing/2014/main" id="{AD672B75-0560-8C7A-4045-75C1179E2C88}"/>
+              </a:ext>
+            </a:extLst>
+          </p:cNvPr>
+          <p:cNvSpPr>
+            <a:spLocks noGrp="1"/>
+          </p:cNvSpPr>
+          <p:nvPr>
+            <p:ph type="title"/>
+          </p:nvPr>
+        </p:nvSpPr>
+        <p:spPr>
+          <a:xfrm>
+            <a:off x="0" y="0"/>
+            <a:ext cx="12192000" cy="1325563"/>
+          </a:xfrm>
+        </p:spPr>
+        <p:txBody>
+          <a:bodyPr/>
+          <a:lstStyle/>
+          <a:p>
+            <a:pPr algn="ctr"/>
+            <a:r>
+              <a:rPr lang="ru-RU" sz="5400" b="1" dirty="0" smtClean="0">
+                <a:latin typeface="Times New Roman" panose="02020603050405020304" pitchFamily="18" charset="0"/>
+                <a:cs typeface="Times New Roman" panose="02020603050405020304" pitchFamily="18" charset="0"/>
+              </a:rPr>
+              <a:t>Анализ предметной области</a:t>
+            </a:r>
+            <a:endParaRPr lang="ru-RU" b="1" dirty="0">
+              <a:latin typeface="Times New Roman" panose="02020603050405020304" pitchFamily="18" charset="0"/>
+              <a:cs typeface="Times New Roman" panose="02020603050405020304" pitchFamily="18" charset="0"/>
+            </a:endParaRPr>
+          </a:p>
+        </p:txBody>
+      </p:sp>
+      <p:sp>
+        <p:nvSpPr>
+          <p:cNvPr id="2" name="Прямоугольник 1"/>
+          <p:cNvSpPr/>
+          <p:nvPr/>
+        </p:nvSpPr>
+        <p:spPr>
+          <a:xfrm>
+            <a:off x="358711" y="5512092"/>
+            <a:ext cx="5761944" cy="646331"/>
+          </a:xfrm>
+          <a:prstGeom prst="rect">
+            <a:avLst/>
+          </a:prstGeom>
+        </p:spPr>
+        <p:txBody>
+          <a:bodyPr wrap="square">
+            <a:spAutoFit/>
+          </a:bodyPr>
+          <a:lstStyle/>
+          <a:p>
+            <a:pPr lvl="0" indent="442913" algn="ctr"/>
+            <a:r>
+              <a:rPr lang="ru-RU" dirty="0">
+                <a:latin typeface="Times New Roman" pitchFamily="18" charset="0"/>
+                <a:cs typeface="Times New Roman" pitchFamily="18" charset="0"/>
+              </a:rPr>
+              <a:t>Рисунок </a:t>
+            </a:r>
+            <a:r>
+              <a:rPr lang="ru-RU" dirty="0" smtClean="0">
+                <a:latin typeface="Times New Roman" pitchFamily="18" charset="0"/>
+                <a:cs typeface="Times New Roman" pitchFamily="18" charset="0"/>
+              </a:rPr>
+              <a:t>4</a:t>
+            </a:r>
+            <a:r>
+              <a:rPr lang="ru-RU" dirty="0" smtClean="0">
+                <a:latin typeface="Times New Roman" pitchFamily="18" charset="0"/>
+                <a:cs typeface="Times New Roman" pitchFamily="18" charset="0"/>
+              </a:rPr>
+              <a:t> – Декомпозиция второго уровня для блока «Прием клиента» </a:t>
+            </a:r>
+            <a:endParaRPr lang="ru-RU" dirty="0">
+              <a:latin typeface="Times New Roman" pitchFamily="18" charset="0"/>
+              <a:cs typeface="Times New Roman" pitchFamily="18" charset="0"/>
+            </a:endParaRPr>
+          </a:p>
+        </p:txBody>
+      </p:sp>
+      <p:sp>
+        <p:nvSpPr>
+          <p:cNvPr id="3" name="Номер слайда 2"/>
+          <p:cNvSpPr>
+            <a:spLocks noGrp="1"/>
+          </p:cNvSpPr>
+          <p:nvPr>
+            <p:ph type="sldNum" sz="quarter" idx="12"/>
+          </p:nvPr>
+        </p:nvSpPr>
+        <p:spPr/>
+        <p:txBody>
+          <a:bodyPr/>
+          <a:lstStyle/>
+          <a:p>
+            <a:fld id="{D1EC1024-499E-4324-A73D-2CC3F9B7708C}" type="slidenum">
+              <a:rPr lang="ru-RU" smtClean="0"/>
+              <a:t>7</a:t>
+            </a:fld>
+            <a:endParaRPr lang="ru-RU" dirty="0"/>
+          </a:p>
+        </p:txBody>
+      </p:sp>
+      <p:sp>
+        <p:nvSpPr>
+          <p:cNvPr id="7" name="Прямоугольник 6"/>
+          <p:cNvSpPr/>
+          <p:nvPr/>
+        </p:nvSpPr>
+        <p:spPr>
+          <a:xfrm>
+            <a:off x="6132979" y="5476874"/>
+            <a:ext cx="5709395" cy="646331"/>
+          </a:xfrm>
+          <a:prstGeom prst="rect">
+            <a:avLst/>
+          </a:prstGeom>
+        </p:spPr>
+        <p:txBody>
+          <a:bodyPr wrap="square">
+            <a:spAutoFit/>
+          </a:bodyPr>
+          <a:lstStyle/>
+          <a:p>
+            <a:pPr lvl="0" indent="442913" algn="ctr"/>
+            <a:r>
+              <a:rPr lang="ru-RU" dirty="0">
+                <a:latin typeface="Times New Roman" pitchFamily="18" charset="0"/>
+                <a:cs typeface="Times New Roman" pitchFamily="18" charset="0"/>
+              </a:rPr>
+              <a:t>Рисунок </a:t>
+            </a:r>
+            <a:r>
+              <a:rPr lang="ru-RU" dirty="0">
+                <a:latin typeface="Times New Roman" pitchFamily="18" charset="0"/>
+                <a:cs typeface="Times New Roman" pitchFamily="18" charset="0"/>
+              </a:rPr>
+              <a:t>5</a:t>
+            </a:r>
+            <a:r>
+              <a:rPr lang="ru-RU" dirty="0" smtClean="0">
+                <a:latin typeface="Times New Roman" pitchFamily="18" charset="0"/>
+                <a:cs typeface="Times New Roman" pitchFamily="18" charset="0"/>
+              </a:rPr>
+              <a:t> – Декомпозиция второго уровня для блока «Продажа билета» </a:t>
+            </a:r>
+            <a:endParaRPr lang="ru-RU" dirty="0">
+              <a:latin typeface="Times New Roman" pitchFamily="18" charset="0"/>
+              <a:cs typeface="Times New Roman" pitchFamily="18" charset="0"/>
+            </a:endParaRPr>
+          </a:p>
+        </p:txBody>
+      </p:sp>
+      <p:pic>
+        <p:nvPicPr>
+          <p:cNvPr id="2051" name="Рисунок 1"/>
+          <p:cNvPicPr>
+            <a:picLocks noChangeAspect="1" noChangeArrowheads="1"/>
+          </p:cNvPicPr>
+          <p:nvPr/>
+        </p:nvPicPr>
+        <p:blipFill>
+          <a:blip r:embed="rId2">
+            <a:extLst>
+              <a:ext uri="{28A0092B-C50C-407E-A947-70E740481C1C}">
+                <a14:useLocalDpi xmlns:a14="http://schemas.microsoft.com/office/drawing/2010/main" val="0"/>
+              </a:ext>
+            </a:extLst>
+          </a:blip>
+          <a:srcRect/>
+          <a:stretch>
+            <a:fillRect/>
+          </a:stretch>
+        </p:blipFill>
+        <p:spPr bwMode="auto">
+          <a:xfrm>
+            <a:off x="371038" y="1452718"/>
+            <a:ext cx="5737290" cy="4059374"/>
+          </a:xfrm>
+          <a:prstGeom prst="rect">
+            <a:avLst/>
+          </a:prstGeom>
+          <a:noFill/>
+          <a:ln>
+            <a:noFill/>
+          </a:ln>
+          <a:extLst>
+            <a:ext uri="{909E8E84-426E-40DD-AFC4-6F175D3DCCD1}">
+              <a14:hiddenFill xmlns:a14="http://schemas.microsoft.com/office/drawing/2010/main">
+                <a:solidFill>
+                  <a:srgbClr val="FFFFFF"/>
+                </a:solidFill>
+              </a14:hiddenFill>
+            </a:ext>
+            <a:ext uri="{91240B29-F687-4F45-9708-019B960494DF}">
+              <a14:hiddenLine xmlns:a14="http://schemas.microsoft.com/office/drawing/2010/main" w="9525">
+                <a:solidFill>
+                  <a:srgbClr val="000000"/>
+                </a:solidFill>
+                <a:miter lim="800000"/>
+                <a:headEnd/>
+                <a:tailEnd/>
+              </a14:hiddenLine>
+            </a:ext>
+          </a:extLst>
+        </p:spPr>
+      </p:pic>
+      <p:pic>
+        <p:nvPicPr>
+          <p:cNvPr id="2052" name="Рисунок 1"/>
+          <p:cNvPicPr>
+            <a:picLocks noChangeAspect="1" noChangeArrowheads="1"/>
+          </p:cNvPicPr>
+          <p:nvPr/>
+        </p:nvPicPr>
+        <p:blipFill>
+          <a:blip r:embed="rId3">
+            <a:extLst>
+              <a:ext uri="{28A0092B-C50C-407E-A947-70E740481C1C}">
+                <a14:useLocalDpi xmlns:a14="http://schemas.microsoft.com/office/drawing/2010/main" val="0"/>
+              </a:ext>
+            </a:extLst>
+          </a:blip>
+          <a:srcRect/>
+          <a:stretch>
+            <a:fillRect/>
+          </a:stretch>
+        </p:blipFill>
+        <p:spPr bwMode="auto">
+          <a:xfrm>
+            <a:off x="6120653" y="1446803"/>
+            <a:ext cx="5709396" cy="4030071"/>
+          </a:xfrm>
+          <a:prstGeom prst="rect">
+            <a:avLst/>
+          </a:prstGeom>
+          <a:noFill/>
+          <a:ln>
+            <a:noFill/>
+          </a:ln>
+          <a:extLst>
+            <a:ext uri="{909E8E84-426E-40DD-AFC4-6F175D3DCCD1}">
+              <a14:hiddenFill xmlns:a14="http://schemas.microsoft.com/office/drawing/2010/main">
+                <a:solidFill>
+                  <a:srgbClr val="FFFFFF"/>
+                </a:solidFill>
+              </a14:hiddenFill>
+            </a:ext>
+            <a:ext uri="{91240B29-F687-4F45-9708-019B960494DF}">
+              <a14:hiddenLine xmlns:a14="http://schemas.microsoft.com/office/drawing/2010/main" w="9525">
+                <a:solidFill>
+                  <a:srgbClr val="000000"/>
+                </a:solidFill>
+                <a:miter lim="800000"/>
+                <a:headEnd/>
+                <a:tailEnd/>
+              </a14:hiddenLine>
+            </a:ext>
+          </a:extLst>
+        </p:spPr>
+      </p:pic>
+    </p:spTree>
+    <p:extLst>
+      <p:ext uri="{BB962C8B-B14F-4D97-AF65-F5344CB8AC3E}">
+        <p14:creationId xmlns:p14="http://schemas.microsoft.com/office/powerpoint/2010/main" val="2176454242"/>
+      </p:ext>
+    </p:extLst>
+  </p:cSld>
+  <p:clrMapOvr>
+    <a:masterClrMapping/>
+  </p:clrMapOvr>
+  <p:timing>
+    <p:tnLst>
+      <p:par>
+        <p:cTn id="1" dur="indefinite" restart="never" nodeType="tmRoot"/>
+      </p:par>
+    </p:tnLst>
+  </p:timing>
+</p:sld>
+</file>
+
+<file path=ppt/slides/slide8.xml><?xml version="1.0" encoding="utf-8"?>
+<p:sld xmlns:a="http://schemas.openxmlformats.org/drawingml/2006/main" xmlns:r="http://schemas.openxmlformats.org/officeDocument/2006/relationships" xmlns:p="http://schemas.openxmlformats.org/presentationml/2006/main" showMasterSp="0">
+  <p:cSld>
+    <p:bg>
+      <p:bgPr>
+        <a:solidFill>
+          <a:schemeClr val="bg1"/>
+        </a:solidFill>
+        <a:effectLst/>
+      </p:bgPr>
+    </p:bg>
+    <p:spTree>
+      <p:nvGrpSpPr>
+        <p:cNvPr id="1" name=""/>
+        <p:cNvGrpSpPr/>
+        <p:nvPr/>
+      </p:nvGrpSpPr>
+      <p:grpSpPr>
+        <a:xfrm>
+          <a:off x="0" y="0"/>
+          <a:ext cx="0" cy="0"/>
+          <a:chOff x="0" y="0"/>
+          <a:chExt cx="0" cy="0"/>
+        </a:xfrm>
+      </p:grpSpPr>
+      <p:sp>
+        <p:nvSpPr>
+          <p:cNvPr id="29" name="Заголовок 1">
+            <a:extLst>
+              <a:ext uri="{FF2B5EF4-FFF2-40B4-BE49-F238E27FC236}">
+                <a16:creationId xmlns:a16="http://schemas.microsoft.com/office/drawing/2014/main" id="{AD672B75-0560-8C7A-4045-75C1179E2C88}"/>
+              </a:ext>
+            </a:extLst>
+          </p:cNvPr>
+          <p:cNvSpPr>
+            <a:spLocks noGrp="1"/>
+          </p:cNvSpPr>
+          <p:nvPr>
+            <p:ph type="title"/>
+          </p:nvPr>
+        </p:nvSpPr>
+        <p:spPr>
+          <a:xfrm>
+            <a:off x="0" y="0"/>
+            <a:ext cx="12192000" cy="1325563"/>
+          </a:xfrm>
+        </p:spPr>
+        <p:txBody>
+          <a:bodyPr/>
+          <a:lstStyle/>
+          <a:p>
+            <a:pPr algn="ctr"/>
+            <a:r>
+              <a:rPr lang="ru-RU" sz="5400" b="1" dirty="0" smtClean="0">
+                <a:latin typeface="Times New Roman" panose="02020603050405020304" pitchFamily="18" charset="0"/>
+                <a:cs typeface="Times New Roman" panose="02020603050405020304" pitchFamily="18" charset="0"/>
+              </a:rPr>
+              <a:t>Используемые средства</a:t>
+            </a:r>
+            <a:endParaRPr lang="ru-RU" b="1" dirty="0">
+              <a:latin typeface="Times New Roman" panose="02020603050405020304" pitchFamily="18" charset="0"/>
+              <a:cs typeface="Times New Roman" panose="02020603050405020304" pitchFamily="18" charset="0"/>
+            </a:endParaRPr>
+          </a:p>
+        </p:txBody>
+      </p:sp>
+      <p:sp>
+        <p:nvSpPr>
+          <p:cNvPr id="3" name="Номер слайда 2"/>
+          <p:cNvSpPr>
+            <a:spLocks noGrp="1"/>
+          </p:cNvSpPr>
+          <p:nvPr>
+            <p:ph type="sldNum" sz="quarter" idx="12"/>
+          </p:nvPr>
+        </p:nvSpPr>
+        <p:spPr/>
+        <p:txBody>
+          <a:bodyPr/>
+          <a:lstStyle/>
+          <a:p>
+            <a:fld id="{D1EC1024-499E-4324-A73D-2CC3F9B7708C}" type="slidenum">
+              <a:rPr lang="ru-RU" smtClean="0"/>
+              <a:t>8</a:t>
+            </a:fld>
+            <a:endParaRPr lang="ru-RU" dirty="0"/>
+          </a:p>
+        </p:txBody>
+      </p:sp>
+      <p:pic>
+        <p:nvPicPr>
+          <p:cNvPr id="3076" name="Picture 4" descr="https://is5-ssl.mzstatic.com/image/thumb/Purple113/v4/7e/d2/86/7ed286dd-96ca-b0e2-d1b0-21c09146154b/AppIcon-0-0-1x_U007emarketing-0-0-0-7-0-0-sRGB-0-0-0-GLES2_U002c0-512MB-85-220-0-0.png/1200x630wa.png"/>
+          <p:cNvPicPr>
+            <a:picLocks noChangeAspect="1" noChangeArrowheads="1"/>
+          </p:cNvPicPr>
+          <p:nvPr/>
+        </p:nvPicPr>
+        <p:blipFill rotWithShape="1">
+          <a:blip r:embed="rId2">
+            <a:extLst>
+              <a:ext uri="{28A0092B-C50C-407E-A947-70E740481C1C}">
+                <a14:useLocalDpi xmlns:a14="http://schemas.microsoft.com/office/drawing/2010/main" val="0"/>
+              </a:ext>
+            </a:extLst>
+          </a:blip>
+          <a:srcRect l="31139" t="14816" r="31361" b="14550"/>
+          <a:stretch/>
+        </p:blipFill>
+        <p:spPr bwMode="auto">
+          <a:xfrm>
+            <a:off x="257175" y="1828800"/>
+            <a:ext cx="2976296" cy="2943225"/>
+          </a:xfrm>
+          <a:prstGeom prst="rect">
+            <a:avLst/>
+          </a:prstGeom>
+          <a:noFill/>
+          <a:extLst>
+            <a:ext uri="{909E8E84-426E-40DD-AFC4-6F175D3DCCD1}">
+              <a14:hiddenFill xmlns:a14="http://schemas.microsoft.com/office/drawing/2010/main">
+                <a:solidFill>
+                  <a:srgbClr val="FFFFFF"/>
+                </a:solidFill>
+              </a14:hiddenFill>
+            </a:ext>
+          </a:extLst>
+        </p:spPr>
+      </p:pic>
+      <p:pic>
+        <p:nvPicPr>
+          <p:cNvPr id="3078" name="Picture 6" descr="https://ih0.redbubble.net/image.366684650.5673/flat,800x800,075,f.u1.jpg"/>
+          <p:cNvPicPr>
+            <a:picLocks noChangeAspect="1" noChangeArrowheads="1"/>
+          </p:cNvPicPr>
+          <p:nvPr/>
+        </p:nvPicPr>
+        <p:blipFill>
+          <a:blip r:embed="rId3">
+            <a:extLst>
+              <a:ext uri="{28A0092B-C50C-407E-A947-70E740481C1C}">
+                <a14:useLocalDpi xmlns:a14="http://schemas.microsoft.com/office/drawing/2010/main" val="0"/>
+              </a:ext>
+            </a:extLst>
+          </a:blip>
+          <a:srcRect/>
+          <a:stretch>
+            <a:fillRect/>
+          </a:stretch>
+        </p:blipFill>
+        <p:spPr bwMode="auto">
+          <a:xfrm>
+            <a:off x="3233471" y="1795729"/>
+            <a:ext cx="2976296" cy="2976296"/>
+          </a:xfrm>
+          <a:prstGeom prst="rect">
+            <a:avLst/>
+          </a:prstGeom>
+          <a:noFill/>
+          <a:extLst>
+            <a:ext uri="{909E8E84-426E-40DD-AFC4-6F175D3DCCD1}">
+              <a14:hiddenFill xmlns:a14="http://schemas.microsoft.com/office/drawing/2010/main">
+                <a:solidFill>
+                  <a:srgbClr val="FFFFFF"/>
+                </a:solidFill>
+              </a14:hiddenFill>
+            </a:ext>
+          </a:extLst>
+        </p:spPr>
+      </p:pic>
+      <p:pic>
+        <p:nvPicPr>
+          <p:cNvPr id="3080" name="Picture 8" descr="https://fiverr-res.cloudinary.com/images/t_main1,q_auto,f_auto/gigs/100711360/original/48db6ea56f890402d8fa6d3ec016739902fb3b6f/develop-wpf-and-xaml-programs.jpg"/>
+          <p:cNvPicPr>
+            <a:picLocks noChangeAspect="1" noChangeArrowheads="1"/>
+          </p:cNvPicPr>
+          <p:nvPr/>
+        </p:nvPicPr>
+        <p:blipFill>
+          <a:blip r:embed="rId4">
+            <a:extLst>
+              <a:ext uri="{28A0092B-C50C-407E-A947-70E740481C1C}">
+                <a14:useLocalDpi xmlns:a14="http://schemas.microsoft.com/office/drawing/2010/main" val="0"/>
+              </a:ext>
+            </a:extLst>
+          </a:blip>
+          <a:srcRect/>
+          <a:stretch>
+            <a:fillRect/>
+          </a:stretch>
+        </p:blipFill>
+        <p:spPr bwMode="auto">
+          <a:xfrm>
+            <a:off x="6096000" y="1828800"/>
+            <a:ext cx="2976296" cy="2991691"/>
+          </a:xfrm>
+          <a:prstGeom prst="rect">
+            <a:avLst/>
+          </a:prstGeom>
+          <a:noFill/>
+          <a:extLst>
+            <a:ext uri="{909E8E84-426E-40DD-AFC4-6F175D3DCCD1}">
+              <a14:hiddenFill xmlns:a14="http://schemas.microsoft.com/office/drawing/2010/main">
+                <a:solidFill>
+                  <a:srgbClr val="FFFFFF"/>
+                </a:solidFill>
+              </a14:hiddenFill>
+            </a:ext>
+          </a:extLst>
+        </p:spPr>
+      </p:pic>
+      <p:pic>
+        <p:nvPicPr>
+          <p:cNvPr id="3084" name="Picture 12" descr="https://fuzeservers.ru/wp-content/uploads/3/d/f/3dfa94634e70e9c12043dbcf7f603c95.jpeg"/>
+          <p:cNvPicPr>
+            <a:picLocks noChangeAspect="1" noChangeArrowheads="1"/>
+          </p:cNvPicPr>
+          <p:nvPr/>
+        </p:nvPicPr>
+        <p:blipFill rotWithShape="1">
+          <a:blip r:embed="rId5">
+            <a:extLst>
+              <a:ext uri="{28A0092B-C50C-407E-A947-70E740481C1C}">
+                <a14:useLocalDpi xmlns:a14="http://schemas.microsoft.com/office/drawing/2010/main" val="0"/>
+              </a:ext>
+            </a:extLst>
+          </a:blip>
+          <a:srcRect l="26301" t="31462" r="35964" b="30550"/>
+          <a:stretch/>
+        </p:blipFill>
+        <p:spPr bwMode="auto">
+          <a:xfrm>
+            <a:off x="8610600" y="1940852"/>
+            <a:ext cx="3324225" cy="2677274"/>
+          </a:xfrm>
+          <a:prstGeom prst="rect">
+            <a:avLst/>
+          </a:prstGeom>
+          <a:noFill/>
+          <a:extLst>
+            <a:ext uri="{909E8E84-426E-40DD-AFC4-6F175D3DCCD1}">
+              <a14:hiddenFill xmlns:a14="http://schemas.microsoft.com/office/drawing/2010/main">
+                <a:solidFill>
+                  <a:srgbClr val="FFFFFF"/>
+                </a:solidFill>
+              </a14:hiddenFill>
+            </a:ext>
+          </a:extLst>
+        </p:spPr>
+      </p:pic>
+    </p:spTree>
+    <p:extLst>
+      <p:ext uri="{BB962C8B-B14F-4D97-AF65-F5344CB8AC3E}">
+        <p14:creationId xmlns:p14="http://schemas.microsoft.com/office/powerpoint/2010/main" val="3930839082"/>
+      </p:ext>
+    </p:extLst>
+  </p:cSld>
+  <p:clrMapOvr>
+    <a:masterClrMapping/>
+  </p:clrMapOvr>
+  <p:timing>
+    <p:tnLst>
+      <p:par>
+        <p:cTn id="1" dur="indefinite" restart="never" nodeType="tmRoot"/>
+      </p:par>
+    </p:tnLst>
+  </p:timing>
+</p:sld>
+</file>
+
+<file path=ppt/slides/slide9.xml><?xml version="1.0" encoding="utf-8"?>
+<p:sld xmlns:a="http://schemas.openxmlformats.org/drawingml/2006/main" xmlns:r="http://schemas.openxmlformats.org/officeDocument/2006/relationships" xmlns:p="http://schemas.openxmlformats.org/presentationml/2006/main" showMasterSp="0">
+  <p:cSld>
+    <p:spTree>
+      <p:nvGrpSpPr>
+        <p:cNvPr id="1" name=""/>
+        <p:cNvGrpSpPr/>
+        <p:nvPr/>
+      </p:nvGrpSpPr>
+      <p:grpSpPr>
+        <a:xfrm>
+          <a:off x="0" y="0"/>
+          <a:ext cx="0" cy="0"/>
+          <a:chOff x="0" y="0"/>
+          <a:chExt cx="0" cy="0"/>
+        </a:xfrm>
+      </p:grpSpPr>
+      <p:sp>
+        <p:nvSpPr>
+          <p:cNvPr id="29" name="Заголовок 1">
+            <a:extLst>
+              <a:ext uri="{FF2B5EF4-FFF2-40B4-BE49-F238E27FC236}">
+                <a16:creationId xmlns:a16="http://schemas.microsoft.com/office/drawing/2014/main" id="{AD672B75-0560-8C7A-4045-75C1179E2C88}"/>
+              </a:ext>
+            </a:extLst>
+          </p:cNvPr>
+          <p:cNvSpPr>
+            <a:spLocks noGrp="1"/>
+          </p:cNvSpPr>
+          <p:nvPr>
+            <p:ph type="title"/>
+          </p:nvPr>
+        </p:nvSpPr>
+        <p:spPr>
+          <a:xfrm>
+            <a:off x="0" y="0"/>
+            <a:ext cx="12192000" cy="1325563"/>
+          </a:xfrm>
+        </p:spPr>
+        <p:txBody>
+          <a:bodyPr>
+            <a:normAutofit fontScale="90000"/>
+          </a:bodyPr>
+          <a:lstStyle/>
+          <a:p>
+            <a:pPr algn="ctr"/>
+            <a:r>
+              <a:rPr lang="ru-RU" sz="5400" b="1" dirty="0" smtClean="0">
+                <a:latin typeface="Times New Roman" panose="02020603050405020304" pitchFamily="18" charset="0"/>
+                <a:cs typeface="Times New Roman" panose="02020603050405020304" pitchFamily="18" charset="0"/>
+              </a:rPr>
+              <a:t>Объектно-ориентированное моделирование </a:t>
+            </a:r>
+            <a:endParaRPr lang="ru-RU" b="1" dirty="0">
+              <a:latin typeface="Times New Roman" panose="02020603050405020304" pitchFamily="18" charset="0"/>
+              <a:cs typeface="Times New Roman" panose="02020603050405020304" pitchFamily="18" charset="0"/>
+            </a:endParaRPr>
+          </a:p>
+        </p:txBody>
+      </p:sp>
+      <p:sp>
+        <p:nvSpPr>
+          <p:cNvPr id="2" name="Прямоугольник 1"/>
+          <p:cNvSpPr/>
+          <p:nvPr/>
+        </p:nvSpPr>
+        <p:spPr>
+          <a:xfrm>
+            <a:off x="1532021" y="6197892"/>
+            <a:ext cx="9127958" cy="369332"/>
+          </a:xfrm>
+          <a:prstGeom prst="rect">
+            <a:avLst/>
+          </a:prstGeom>
+        </p:spPr>
+        <p:txBody>
+          <a:bodyPr wrap="square">
+            <a:spAutoFit/>
+          </a:bodyPr>
+          <a:lstStyle/>
+          <a:p>
+            <a:pPr lvl="0" indent="442913" algn="ctr"/>
+            <a:r>
+              <a:rPr lang="ru-RU" dirty="0" smtClean="0">
+                <a:latin typeface="Times New Roman" pitchFamily="18" charset="0"/>
+                <a:cs typeface="Times New Roman" pitchFamily="18" charset="0"/>
+              </a:rPr>
+              <a:t>Рисунок </a:t>
+            </a:r>
+            <a:r>
+              <a:rPr lang="ru-RU" dirty="0" smtClean="0">
+                <a:latin typeface="Times New Roman" pitchFamily="18" charset="0"/>
+                <a:cs typeface="Times New Roman" pitchFamily="18" charset="0"/>
+              </a:rPr>
+              <a:t>6 – Диаграмма прецедентов для администратора</a:t>
+            </a:r>
+            <a:endParaRPr lang="ru-RU" dirty="0">
+              <a:latin typeface="Times New Roman" pitchFamily="18" charset="0"/>
+              <a:cs typeface="Times New Roman" pitchFamily="18" charset="0"/>
+            </a:endParaRPr>
+          </a:p>
+        </p:txBody>
+      </p:sp>
+      <p:sp>
+        <p:nvSpPr>
+          <p:cNvPr id="3" name="Номер слайда 2"/>
+          <p:cNvSpPr>
+            <a:spLocks noGrp="1"/>
+          </p:cNvSpPr>
+          <p:nvPr>
+            <p:ph type="sldNum" sz="quarter" idx="12"/>
+          </p:nvPr>
+        </p:nvSpPr>
+        <p:spPr/>
+        <p:txBody>
+          <a:bodyPr/>
+          <a:lstStyle/>
+          <a:p>
+            <a:fld id="{D1EC1024-499E-4324-A73D-2CC3F9B7708C}" type="slidenum">
+              <a:rPr lang="ru-RU" smtClean="0"/>
+              <a:t>9</a:t>
+            </a:fld>
+            <a:endParaRPr lang="ru-RU"/>
+          </a:p>
+        </p:txBody>
+      </p:sp>
+      <p:pic>
+        <p:nvPicPr>
+          <p:cNvPr id="6150" name="Picture 6" descr="преценденты - администратор"/>
+          <p:cNvPicPr>
+            <a:picLocks noChangeAspect="1" noChangeArrowheads="1"/>
+          </p:cNvPicPr>
+          <p:nvPr/>
+        </p:nvPicPr>
+        <p:blipFill>
+          <a:blip r:embed="rId2">
+            <a:extLst>
+              <a:ext uri="{28A0092B-C50C-407E-A947-70E740481C1C}">
+                <a14:useLocalDpi xmlns:a14="http://schemas.microsoft.com/office/drawing/2010/main" val="0"/>
+              </a:ext>
+            </a:extLst>
+          </a:blip>
+          <a:srcRect/>
+          <a:stretch>
+            <a:fillRect/>
+          </a:stretch>
+        </p:blipFill>
+        <p:spPr bwMode="auto">
+          <a:xfrm>
+            <a:off x="1113019" y="1958182"/>
+            <a:ext cx="9965962" cy="3014662"/>
+          </a:xfrm>
+          <a:prstGeom prst="rect">
+            <a:avLst/>
+          </a:prstGeom>
+          <a:noFill/>
+          <a:ln>
+            <a:noFill/>
+          </a:ln>
+          <a:extLst>
+            <a:ext uri="{909E8E84-426E-40DD-AFC4-6F175D3DCCD1}">
+              <a14:hiddenFill xmlns:a14="http://schemas.microsoft.com/office/drawing/2010/main">
+                <a:solidFill>
+                  <a:srgbClr val="FFFFFF"/>
+                </a:solidFill>
+              </a14:hiddenFill>
+            </a:ext>
+            <a:ext uri="{91240B29-F687-4F45-9708-019B960494DF}">
+              <a14:hiddenLine xmlns:a14="http://schemas.microsoft.com/office/drawing/2010/main" w="9525">
+                <a:solidFill>
+                  <a:srgbClr val="000000"/>
+                </a:solidFill>
+                <a:miter lim="800000"/>
+                <a:headEnd/>
+                <a:tailEnd/>
+              </a14:hiddenLine>
+            </a:ext>
+          </a:extLst>
+        </p:spPr>
+      </p:pic>
+    </p:spTree>
+    <p:extLst>
+      <p:ext uri="{BB962C8B-B14F-4D97-AF65-F5344CB8AC3E}">
+        <p14:creationId xmlns:p14="http://schemas.microsoft.com/office/powerpoint/2010/main" val="2452087150"/>
       </p:ext>
     </p:extLst>
   </p:cSld>
@@ -5158,7 +9738,7 @@
         <a:srgbClr val="E7E6E6"/>
       </a:lt2>
       <a:accent1>
-        <a:srgbClr val="4472C4"/>
+        <a:srgbClr val="5B9BD5"/>
       </a:accent1>
       <a:accent2>
         <a:srgbClr val="ED7D31"/>
@@ -5170,7 +9750,7 @@
         <a:srgbClr val="FFC000"/>
       </a:accent4>
       <a:accent5>
-        <a:srgbClr val="5B9BD5"/>
+        <a:srgbClr val="4472C4"/>
       </a:accent5>
       <a:accent6>
         <a:srgbClr val="70AD47"/>
@@ -5217,23 +9797,6 @@
         <a:font script="Viet" typeface="Times New Roman"/>
         <a:font script="Uigh" typeface="Microsoft Uighur"/>
         <a:font script="Geor" typeface="Sylfaen"/>
-        <a:font script="Armn" typeface="Arial"/>
-        <a:font script="Bugi" typeface="Leelawadee UI"/>
-        <a:font script="Bopo" typeface="Microsoft JhengHei"/>
-        <a:font script="Java" typeface="Javanese Text"/>
-        <a:font script="Lisu" typeface="Segoe UI"/>
-        <a:font script="Mymr" typeface="Myanmar Text"/>
-        <a:font script="Nkoo" typeface="Ebrima"/>
-        <a:font script="Olck" typeface="Nirmala UI"/>
-        <a:font script="Osma" typeface="Ebrima"/>
-        <a:font script="Phag" typeface="Phagspa"/>
-        <a:font script="Syrn" typeface="Estrangelo Edessa"/>
-        <a:font script="Syrj" typeface="Estrangelo Edessa"/>
-        <a:font script="Syre" typeface="Estrangelo Edessa"/>
-        <a:font script="Sora" typeface="Nirmala UI"/>
-        <a:font script="Tale" typeface="Microsoft Tai Le"/>
-        <a:font script="Talu" typeface="Microsoft New Tai Lue"/>
-        <a:font script="Tfng" typeface="Ebrima"/>
       </a:majorFont>
       <a:minorFont>
         <a:latin typeface="Calibri" panose="020F0502020204030204"/>
@@ -5269,23 +9832,267 @@
         <a:font script="Viet" typeface="Arial"/>
         <a:font script="Uigh" typeface="Microsoft Uighur"/>
         <a:font script="Geor" typeface="Sylfaen"/>
-        <a:font script="Armn" typeface="Arial"/>
-        <a:font script="Bugi" typeface="Leelawadee UI"/>
-        <a:font script="Bopo" typeface="Microsoft JhengHei"/>
-        <a:font script="Java" typeface="Javanese Text"/>
-        <a:font script="Lisu" typeface="Segoe UI"/>
-        <a:font script="Mymr" typeface="Myanmar Text"/>
-        <a:font script="Nkoo" typeface="Ebrima"/>
-        <a:font script="Olck" typeface="Nirmala UI"/>
-        <a:font script="Osma" typeface="Ebrima"/>
-        <a:font script="Phag" typeface="Phagspa"/>
-        <a:font script="Syrn" typeface="Estrangelo Edessa"/>
-        <a:font script="Syrj" typeface="Estrangelo Edessa"/>
-        <a:font script="Syre" typeface="Estrangelo Edessa"/>
-        <a:font script="Sora" typeface="Nirmala UI"/>
-        <a:font script="Tale" typeface="Microsoft Tai Le"/>
-        <a:font script="Talu" typeface="Microsoft New Tai Lue"/>
-        <a:font script="Tfng" typeface="Ebrima"/>
+      </a:minorFont>
+    </a:fontScheme>
+    <a:fmtScheme name="Стандартная">
+      <a:fillStyleLst>
+        <a:solidFill>
+          <a:schemeClr val="phClr"/>
+        </a:solidFill>
+        <a:gradFill rotWithShape="1">
+          <a:gsLst>
+            <a:gs pos="0">
+              <a:schemeClr val="phClr">
+                <a:lumMod val="110000"/>
+                <a:satMod val="105000"/>
+                <a:tint val="67000"/>
+              </a:schemeClr>
+            </a:gs>
+            <a:gs pos="50000">
+              <a:schemeClr val="phClr">
+                <a:lumMod val="105000"/>
+                <a:satMod val="103000"/>
+                <a:tint val="73000"/>
+              </a:schemeClr>
+            </a:gs>
+            <a:gs pos="100000">
+              <a:schemeClr val="phClr">
+                <a:lumMod val="105000"/>
+                <a:satMod val="109000"/>
+                <a:tint val="81000"/>
+              </a:schemeClr>
+            </a:gs>
+          </a:gsLst>
+          <a:lin ang="5400000" scaled="0"/>
+        </a:gradFill>
+        <a:gradFill rotWithShape="1">
+          <a:gsLst>
+            <a:gs pos="0">
+              <a:schemeClr val="phClr">
+                <a:satMod val="103000"/>
+                <a:lumMod val="102000"/>
+                <a:tint val="94000"/>
+              </a:schemeClr>
+            </a:gs>
+            <a:gs pos="50000">
+              <a:schemeClr val="phClr">
+                <a:satMod val="110000"/>
+                <a:lumMod val="100000"/>
+                <a:shade val="100000"/>
+              </a:schemeClr>
+            </a:gs>
+            <a:gs pos="100000">
+              <a:schemeClr val="phClr">
+                <a:lumMod val="99000"/>
+                <a:satMod val="120000"/>
+                <a:shade val="78000"/>
+              </a:schemeClr>
+            </a:gs>
+          </a:gsLst>
+          <a:lin ang="5400000" scaled="0"/>
+        </a:gradFill>
+      </a:fillStyleLst>
+      <a:lnStyleLst>
+        <a:ln w="6350" cap="flat" cmpd="sng" algn="ctr">
+          <a:solidFill>
+            <a:schemeClr val="phClr"/>
+          </a:solidFill>
+          <a:prstDash val="solid"/>
+          <a:miter lim="800000"/>
+        </a:ln>
+        <a:ln w="12700" cap="flat" cmpd="sng" algn="ctr">
+          <a:solidFill>
+            <a:schemeClr val="phClr"/>
+          </a:solidFill>
+          <a:prstDash val="solid"/>
+          <a:miter lim="800000"/>
+        </a:ln>
+        <a:ln w="19050" cap="flat" cmpd="sng" algn="ctr">
+          <a:solidFill>
+            <a:schemeClr val="phClr"/>
+          </a:solidFill>
+          <a:prstDash val="solid"/>
+          <a:miter lim="800000"/>
+        </a:ln>
+      </a:lnStyleLst>
+      <a:effectStyleLst>
+        <a:effectStyle>
+          <a:effectLst/>
+        </a:effectStyle>
+        <a:effectStyle>
+          <a:effectLst/>
+        </a:effectStyle>
+        <a:effectStyle>
+          <a:effectLst>
+            <a:outerShdw blurRad="57150" dist="19050" dir="5400000" algn="ctr" rotWithShape="0">
+              <a:srgbClr val="000000">
+                <a:alpha val="63000"/>
+              </a:srgbClr>
+            </a:outerShdw>
+          </a:effectLst>
+        </a:effectStyle>
+      </a:effectStyleLst>
+      <a:bgFillStyleLst>
+        <a:solidFill>
+          <a:schemeClr val="phClr"/>
+        </a:solidFill>
+        <a:solidFill>
+          <a:schemeClr val="phClr">
+            <a:tint val="95000"/>
+            <a:satMod val="170000"/>
+          </a:schemeClr>
+        </a:solidFill>
+        <a:gradFill rotWithShape="1">
+          <a:gsLst>
+            <a:gs pos="0">
+              <a:schemeClr val="phClr">
+                <a:tint val="93000"/>
+                <a:satMod val="150000"/>
+                <a:shade val="98000"/>
+                <a:lumMod val="102000"/>
+              </a:schemeClr>
+            </a:gs>
+            <a:gs pos="50000">
+              <a:schemeClr val="phClr">
+                <a:tint val="98000"/>
+                <a:satMod val="130000"/>
+                <a:shade val="90000"/>
+                <a:lumMod val="103000"/>
+              </a:schemeClr>
+            </a:gs>
+            <a:gs pos="100000">
+              <a:schemeClr val="phClr">
+                <a:shade val="63000"/>
+                <a:satMod val="120000"/>
+              </a:schemeClr>
+            </a:gs>
+          </a:gsLst>
+          <a:lin ang="5400000" scaled="0"/>
+        </a:gradFill>
+      </a:bgFillStyleLst>
+    </a:fmtScheme>
+  </a:themeElements>
+  <a:objectDefaults/>
+  <a:extraClrSchemeLst/>
+  <a:extLst>
+    <a:ext uri="{05A4C25C-085E-4340-85A3-A5531E510DB2}">
+      <thm15:themeFamily xmlns:thm15="http://schemas.microsoft.com/office/thememl/2012/main" name="Office Theme" id="{62F939B6-93AF-4DB8-9C6B-D6C7DFDC589F}" vid="{4A3C46E8-61CC-4603-A589-7422A47A8E4A}"/>
+    </a:ext>
+  </a:extLst>
+</a:theme>
+</file>
+
+<file path=ppt/theme/theme2.xml><?xml version="1.0" encoding="utf-8"?>
+<a:theme xmlns:a="http://schemas.openxmlformats.org/drawingml/2006/main" name="Тема Office">
+  <a:themeElements>
+    <a:clrScheme name="Стандартная">
+      <a:dk1>
+        <a:sysClr val="windowText" lastClr="000000"/>
+      </a:dk1>
+      <a:lt1>
+        <a:sysClr val="window" lastClr="FFFFFF"/>
+      </a:lt1>
+      <a:dk2>
+        <a:srgbClr val="44546A"/>
+      </a:dk2>
+      <a:lt2>
+        <a:srgbClr val="E7E6E6"/>
+      </a:lt2>
+      <a:accent1>
+        <a:srgbClr val="5B9BD5"/>
+      </a:accent1>
+      <a:accent2>
+        <a:srgbClr val="ED7D31"/>
+      </a:accent2>
+      <a:accent3>
+        <a:srgbClr val="A5A5A5"/>
+      </a:accent3>
+      <a:accent4>
+        <a:srgbClr val="FFC000"/>
+      </a:accent4>
+      <a:accent5>
+        <a:srgbClr val="4472C4"/>
+      </a:accent5>
+      <a:accent6>
+        <a:srgbClr val="70AD47"/>
+      </a:accent6>
+      <a:hlink>
+        <a:srgbClr val="0563C1"/>
+      </a:hlink>
+      <a:folHlink>
+        <a:srgbClr val="954F72"/>
+      </a:folHlink>
+    </a:clrScheme>
+    <a:fontScheme name="Стандартная">
+      <a:majorFont>
+        <a:latin typeface="Calibri Light" panose="020F0302020204030204"/>
+        <a:ea typeface=""/>
+        <a:cs typeface=""/>
+        <a:font script="Jpan" typeface="游ゴシック Light"/>
+        <a:font script="Hang" typeface="맑은 고딕"/>
+        <a:font script="Hans" typeface="等线 Light"/>
+        <a:font script="Hant" typeface="新細明體"/>
+        <a:font script="Arab" typeface="Times New Roman"/>
+        <a:font script="Hebr" typeface="Times New Roman"/>
+        <a:font script="Thai" typeface="Angsana New"/>
+        <a:font script="Ethi" typeface="Nyala"/>
+        <a:font script="Beng" typeface="Vrinda"/>
+        <a:font script="Gujr" typeface="Shruti"/>
+        <a:font script="Khmr" typeface="MoolBoran"/>
+        <a:font script="Knda" typeface="Tunga"/>
+        <a:font script="Guru" typeface="Raavi"/>
+        <a:font script="Cans" typeface="Euphemia"/>
+        <a:font script="Cher" typeface="Plantagenet Cherokee"/>
+        <a:font script="Yiii" typeface="Microsoft Yi Baiti"/>
+        <a:font script="Tibt" typeface="Microsoft Himalaya"/>
+        <a:font script="Thaa" typeface="MV Boli"/>
+        <a:font script="Deva" typeface="Mangal"/>
+        <a:font script="Telu" typeface="Gautami"/>
+        <a:font script="Taml" typeface="Latha"/>
+        <a:font script="Syrc" typeface="Estrangelo Edessa"/>
+        <a:font script="Orya" typeface="Kalinga"/>
+        <a:font script="Mlym" typeface="Kartika"/>
+        <a:font script="Laoo" typeface="DokChampa"/>
+        <a:font script="Sinh" typeface="Iskoola Pota"/>
+        <a:font script="Mong" typeface="Mongolian Baiti"/>
+        <a:font script="Viet" typeface="Times New Roman"/>
+        <a:font script="Uigh" typeface="Microsoft Uighur"/>
+        <a:font script="Geor" typeface="Sylfaen"/>
+      </a:majorFont>
+      <a:minorFont>
+        <a:latin typeface="Calibri" panose="020F0502020204030204"/>
+        <a:ea typeface=""/>
+        <a:cs typeface=""/>
+        <a:font script="Jpan" typeface="游ゴシック"/>
+        <a:font script="Hang" typeface="맑은 고딕"/>
+        <a:font script="Hans" typeface="等线"/>
+        <a:font script="Hant" typeface="新細明體"/>
+        <a:font script="Arab" typeface="Arial"/>
+        <a:font script="Hebr" typeface="Arial"/>
+        <a:font script="Thai" typeface="Cordia New"/>
+        <a:font script="Ethi" typeface="Nyala"/>
+        <a:font script="Beng" typeface="Vrinda"/>
+        <a:font script="Gujr" typeface="Shruti"/>
+        <a:font script="Khmr" typeface="DaunPenh"/>
+        <a:font script="Knda" typeface="Tunga"/>
+        <a:font script="Guru" typeface="Raavi"/>
+        <a:font script="Cans" typeface="Euphemia"/>
+        <a:font script="Cher" typeface="Plantagenet Cherokee"/>
+        <a:font script="Yiii" typeface="Microsoft Yi Baiti"/>
+        <a:font script="Tibt" typeface="Microsoft Himalaya"/>
+        <a:font script="Thaa" typeface="MV Boli"/>
+        <a:font script="Deva" typeface="Mangal"/>
+        <a:font script="Telu" typeface="Gautami"/>
+        <a:font script="Taml" typeface="Latha"/>
+        <a:font script="Syrc" typeface="Estrangelo Edessa"/>
+        <a:font script="Orya" typeface="Kalinga"/>
+        <a:font script="Mlym" typeface="Kartika"/>
+        <a:font script="Laoo" typeface="DokChampa"/>
+        <a:font script="Sinh" typeface="Iskoola Pota"/>
+        <a:font script="Mong" typeface="Mongolian Baiti"/>
+        <a:font script="Viet" typeface="Arial"/>
+        <a:font script="Uigh" typeface="Microsoft Uighur"/>
+        <a:font script="Geor" typeface="Sylfaen"/>
       </a:minorFont>
     </a:fontScheme>
     <a:fmtScheme name="Стандартная">
